--- a/Output/Project week 3.pptx
+++ b/Output/Project week 3.pptx
@@ -11,6 +11,9 @@
     <p:sldId id="269" r:id="rId5"/>
     <p:sldId id="267" r:id="rId6"/>
     <p:sldId id="268" r:id="rId7"/>
+    <p:sldId id="272" r:id="rId8"/>
+    <p:sldId id="271" r:id="rId9"/>
+    <p:sldId id="270" r:id="rId10"/>
   </p:sldIdLst>
   <p:sldSz cx="12192000" cy="6858000"/>
   <p:notesSz cx="6858000" cy="9144000"/>
@@ -115,6 +118,7103 @@
     </p:ext>
   </p:extLst>
 </p:presentation>
+</file>
+
+<file path=ppt/diagrams/colors1.xml><?xml version="1.0" encoding="utf-8"?>
+<dgm:colorsDef xmlns:dgm="http://schemas.openxmlformats.org/drawingml/2006/diagram" xmlns:a="http://schemas.openxmlformats.org/drawingml/2006/main" uniqueId="urn:microsoft.com/office/officeart/2005/8/colors/accent1_2">
+  <dgm:title val=""/>
+  <dgm:desc val=""/>
+  <dgm:catLst>
+    <dgm:cat type="accent1" pri="11200"/>
+  </dgm:catLst>
+  <dgm:styleLbl name="node0">
+    <dgm:fillClrLst meth="repeat">
+      <a:schemeClr val="accent1"/>
+    </dgm:fillClrLst>
+    <dgm:linClrLst meth="repeat">
+      <a:schemeClr val="lt1"/>
+    </dgm:linClrLst>
+    <dgm:effectClrLst/>
+    <dgm:txLinClrLst/>
+    <dgm:txFillClrLst/>
+    <dgm:txEffectClrLst/>
+  </dgm:styleLbl>
+  <dgm:styleLbl name="alignNode1">
+    <dgm:fillClrLst meth="repeat">
+      <a:schemeClr val="accent1"/>
+    </dgm:fillClrLst>
+    <dgm:linClrLst meth="repeat">
+      <a:schemeClr val="accent1"/>
+    </dgm:linClrLst>
+    <dgm:effectClrLst/>
+    <dgm:txLinClrLst/>
+    <dgm:txFillClrLst/>
+    <dgm:txEffectClrLst/>
+  </dgm:styleLbl>
+  <dgm:styleLbl name="node1">
+    <dgm:fillClrLst meth="repeat">
+      <a:schemeClr val="accent1"/>
+    </dgm:fillClrLst>
+    <dgm:linClrLst meth="repeat">
+      <a:schemeClr val="lt1"/>
+    </dgm:linClrLst>
+    <dgm:effectClrLst/>
+    <dgm:txLinClrLst/>
+    <dgm:txFillClrLst/>
+    <dgm:txEffectClrLst/>
+  </dgm:styleLbl>
+  <dgm:styleLbl name="lnNode1">
+    <dgm:fillClrLst meth="repeat">
+      <a:schemeClr val="accent1"/>
+    </dgm:fillClrLst>
+    <dgm:linClrLst meth="repeat">
+      <a:schemeClr val="lt1"/>
+    </dgm:linClrLst>
+    <dgm:effectClrLst/>
+    <dgm:txLinClrLst/>
+    <dgm:txFillClrLst/>
+    <dgm:txEffectClrLst/>
+  </dgm:styleLbl>
+  <dgm:styleLbl name="vennNode1">
+    <dgm:fillClrLst meth="repeat">
+      <a:schemeClr val="accent1">
+        <a:alpha val="50000"/>
+      </a:schemeClr>
+    </dgm:fillClrLst>
+    <dgm:linClrLst meth="repeat">
+      <a:schemeClr val="lt1"/>
+    </dgm:linClrLst>
+    <dgm:effectClrLst/>
+    <dgm:txLinClrLst/>
+    <dgm:txFillClrLst/>
+    <dgm:txEffectClrLst/>
+  </dgm:styleLbl>
+  <dgm:styleLbl name="node2">
+    <dgm:fillClrLst meth="repeat">
+      <a:schemeClr val="accent1"/>
+    </dgm:fillClrLst>
+    <dgm:linClrLst meth="repeat">
+      <a:schemeClr val="lt1"/>
+    </dgm:linClrLst>
+    <dgm:effectClrLst/>
+    <dgm:txLinClrLst/>
+    <dgm:txFillClrLst/>
+    <dgm:txEffectClrLst/>
+  </dgm:styleLbl>
+  <dgm:styleLbl name="node3">
+    <dgm:fillClrLst meth="repeat">
+      <a:schemeClr val="accent1"/>
+    </dgm:fillClrLst>
+    <dgm:linClrLst meth="repeat">
+      <a:schemeClr val="lt1"/>
+    </dgm:linClrLst>
+    <dgm:effectClrLst/>
+    <dgm:txLinClrLst/>
+    <dgm:txFillClrLst/>
+    <dgm:txEffectClrLst/>
+  </dgm:styleLbl>
+  <dgm:styleLbl name="node4">
+    <dgm:fillClrLst meth="repeat">
+      <a:schemeClr val="accent1"/>
+    </dgm:fillClrLst>
+    <dgm:linClrLst meth="repeat">
+      <a:schemeClr val="lt1"/>
+    </dgm:linClrLst>
+    <dgm:effectClrLst/>
+    <dgm:txLinClrLst/>
+    <dgm:txFillClrLst/>
+    <dgm:txEffectClrLst/>
+  </dgm:styleLbl>
+  <dgm:styleLbl name="fgImgPlace1">
+    <dgm:fillClrLst meth="repeat">
+      <a:schemeClr val="accent1">
+        <a:tint val="50000"/>
+      </a:schemeClr>
+    </dgm:fillClrLst>
+    <dgm:linClrLst meth="repeat">
+      <a:schemeClr val="lt1"/>
+    </dgm:linClrLst>
+    <dgm:effectClrLst/>
+    <dgm:txLinClrLst/>
+    <dgm:txFillClrLst meth="repeat">
+      <a:schemeClr val="lt1"/>
+    </dgm:txFillClrLst>
+    <dgm:txEffectClrLst/>
+  </dgm:styleLbl>
+  <dgm:styleLbl name="alignImgPlace1">
+    <dgm:fillClrLst meth="repeat">
+      <a:schemeClr val="accent1">
+        <a:tint val="50000"/>
+      </a:schemeClr>
+    </dgm:fillClrLst>
+    <dgm:linClrLst meth="repeat">
+      <a:schemeClr val="lt1"/>
+    </dgm:linClrLst>
+    <dgm:effectClrLst/>
+    <dgm:txLinClrLst/>
+    <dgm:txFillClrLst meth="repeat">
+      <a:schemeClr val="lt1"/>
+    </dgm:txFillClrLst>
+    <dgm:txEffectClrLst/>
+  </dgm:styleLbl>
+  <dgm:styleLbl name="bgImgPlace1">
+    <dgm:fillClrLst meth="repeat">
+      <a:schemeClr val="accent1">
+        <a:tint val="50000"/>
+      </a:schemeClr>
+    </dgm:fillClrLst>
+    <dgm:linClrLst meth="repeat">
+      <a:schemeClr val="lt1"/>
+    </dgm:linClrLst>
+    <dgm:effectClrLst/>
+    <dgm:txLinClrLst/>
+    <dgm:txFillClrLst meth="repeat">
+      <a:schemeClr val="lt1"/>
+    </dgm:txFillClrLst>
+    <dgm:txEffectClrLst/>
+  </dgm:styleLbl>
+  <dgm:styleLbl name="sibTrans2D1">
+    <dgm:fillClrLst meth="repeat">
+      <a:schemeClr val="accent1">
+        <a:tint val="60000"/>
+      </a:schemeClr>
+    </dgm:fillClrLst>
+    <dgm:linClrLst meth="repeat">
+      <a:schemeClr val="accent1">
+        <a:tint val="60000"/>
+      </a:schemeClr>
+    </dgm:linClrLst>
+    <dgm:effectClrLst/>
+    <dgm:txLinClrLst/>
+    <dgm:txFillClrLst/>
+    <dgm:txEffectClrLst/>
+  </dgm:styleLbl>
+  <dgm:styleLbl name="fgSibTrans2D1">
+    <dgm:fillClrLst meth="repeat">
+      <a:schemeClr val="accent1">
+        <a:tint val="60000"/>
+      </a:schemeClr>
+    </dgm:fillClrLst>
+    <dgm:linClrLst meth="repeat">
+      <a:schemeClr val="accent1">
+        <a:tint val="60000"/>
+      </a:schemeClr>
+    </dgm:linClrLst>
+    <dgm:effectClrLst/>
+    <dgm:txLinClrLst/>
+    <dgm:txFillClrLst/>
+    <dgm:txEffectClrLst/>
+  </dgm:styleLbl>
+  <dgm:styleLbl name="bgSibTrans2D1">
+    <dgm:fillClrLst meth="repeat">
+      <a:schemeClr val="accent1">
+        <a:tint val="60000"/>
+      </a:schemeClr>
+    </dgm:fillClrLst>
+    <dgm:linClrLst meth="repeat">
+      <a:schemeClr val="accent1">
+        <a:tint val="60000"/>
+      </a:schemeClr>
+    </dgm:linClrLst>
+    <dgm:effectClrLst/>
+    <dgm:txLinClrLst/>
+    <dgm:txFillClrLst/>
+    <dgm:txEffectClrLst/>
+  </dgm:styleLbl>
+  <dgm:styleLbl name="sibTrans1D1">
+    <dgm:fillClrLst meth="repeat">
+      <a:schemeClr val="accent1"/>
+    </dgm:fillClrLst>
+    <dgm:linClrLst meth="repeat">
+      <a:schemeClr val="accent1"/>
+    </dgm:linClrLst>
+    <dgm:effectClrLst/>
+    <dgm:txLinClrLst/>
+    <dgm:txFillClrLst meth="repeat">
+      <a:schemeClr val="tx1"/>
+    </dgm:txFillClrLst>
+    <dgm:txEffectClrLst/>
+  </dgm:styleLbl>
+  <dgm:styleLbl name="callout">
+    <dgm:fillClrLst meth="repeat">
+      <a:schemeClr val="accent1"/>
+    </dgm:fillClrLst>
+    <dgm:linClrLst meth="repeat">
+      <a:schemeClr val="accent1">
+        <a:tint val="50000"/>
+      </a:schemeClr>
+    </dgm:linClrLst>
+    <dgm:effectClrLst/>
+    <dgm:txLinClrLst/>
+    <dgm:txFillClrLst meth="repeat">
+      <a:schemeClr val="tx1"/>
+    </dgm:txFillClrLst>
+    <dgm:txEffectClrLst/>
+  </dgm:styleLbl>
+  <dgm:styleLbl name="asst0">
+    <dgm:fillClrLst meth="repeat">
+      <a:schemeClr val="accent1"/>
+    </dgm:fillClrLst>
+    <dgm:linClrLst meth="repeat">
+      <a:schemeClr val="lt1"/>
+    </dgm:linClrLst>
+    <dgm:effectClrLst/>
+    <dgm:txLinClrLst/>
+    <dgm:txFillClrLst/>
+    <dgm:txEffectClrLst/>
+  </dgm:styleLbl>
+  <dgm:styleLbl name="asst1">
+    <dgm:fillClrLst meth="repeat">
+      <a:schemeClr val="accent1"/>
+    </dgm:fillClrLst>
+    <dgm:linClrLst meth="repeat">
+      <a:schemeClr val="lt1"/>
+    </dgm:linClrLst>
+    <dgm:effectClrLst/>
+    <dgm:txLinClrLst/>
+    <dgm:txFillClrLst/>
+    <dgm:txEffectClrLst/>
+  </dgm:styleLbl>
+  <dgm:styleLbl name="asst2">
+    <dgm:fillClrLst meth="repeat">
+      <a:schemeClr val="accent1"/>
+    </dgm:fillClrLst>
+    <dgm:linClrLst meth="repeat">
+      <a:schemeClr val="lt1"/>
+    </dgm:linClrLst>
+    <dgm:effectClrLst/>
+    <dgm:txLinClrLst/>
+    <dgm:txFillClrLst/>
+    <dgm:txEffectClrLst/>
+  </dgm:styleLbl>
+  <dgm:styleLbl name="asst3">
+    <dgm:fillClrLst meth="repeat">
+      <a:schemeClr val="accent1"/>
+    </dgm:fillClrLst>
+    <dgm:linClrLst meth="repeat">
+      <a:schemeClr val="lt1"/>
+    </dgm:linClrLst>
+    <dgm:effectClrLst/>
+    <dgm:txLinClrLst/>
+    <dgm:txFillClrLst/>
+    <dgm:txEffectClrLst/>
+  </dgm:styleLbl>
+  <dgm:styleLbl name="asst4">
+    <dgm:fillClrLst meth="repeat">
+      <a:schemeClr val="accent1"/>
+    </dgm:fillClrLst>
+    <dgm:linClrLst meth="repeat">
+      <a:schemeClr val="lt1"/>
+    </dgm:linClrLst>
+    <dgm:effectClrLst/>
+    <dgm:txLinClrLst/>
+    <dgm:txFillClrLst/>
+    <dgm:txEffectClrLst/>
+  </dgm:styleLbl>
+  <dgm:styleLbl name="parChTrans2D1">
+    <dgm:fillClrLst meth="repeat">
+      <a:schemeClr val="accent1">
+        <a:tint val="60000"/>
+      </a:schemeClr>
+    </dgm:fillClrLst>
+    <dgm:linClrLst meth="repeat">
+      <a:schemeClr val="accent1">
+        <a:tint val="60000"/>
+      </a:schemeClr>
+    </dgm:linClrLst>
+    <dgm:effectClrLst/>
+    <dgm:txLinClrLst/>
+    <dgm:txFillClrLst meth="repeat">
+      <a:schemeClr val="lt1"/>
+    </dgm:txFillClrLst>
+    <dgm:txEffectClrLst/>
+  </dgm:styleLbl>
+  <dgm:styleLbl name="parChTrans2D2">
+    <dgm:fillClrLst meth="repeat">
+      <a:schemeClr val="accent1"/>
+    </dgm:fillClrLst>
+    <dgm:linClrLst meth="repeat">
+      <a:schemeClr val="accent1"/>
+    </dgm:linClrLst>
+    <dgm:effectClrLst/>
+    <dgm:txLinClrLst/>
+    <dgm:txFillClrLst meth="repeat">
+      <a:schemeClr val="lt1"/>
+    </dgm:txFillClrLst>
+    <dgm:txEffectClrLst/>
+  </dgm:styleLbl>
+  <dgm:styleLbl name="parChTrans2D3">
+    <dgm:fillClrLst meth="repeat">
+      <a:schemeClr val="accent1"/>
+    </dgm:fillClrLst>
+    <dgm:linClrLst meth="repeat">
+      <a:schemeClr val="accent1"/>
+    </dgm:linClrLst>
+    <dgm:effectClrLst/>
+    <dgm:txLinClrLst/>
+    <dgm:txFillClrLst meth="repeat">
+      <a:schemeClr val="lt1"/>
+    </dgm:txFillClrLst>
+    <dgm:txEffectClrLst/>
+  </dgm:styleLbl>
+  <dgm:styleLbl name="parChTrans2D4">
+    <dgm:fillClrLst meth="repeat">
+      <a:schemeClr val="accent1"/>
+    </dgm:fillClrLst>
+    <dgm:linClrLst meth="repeat">
+      <a:schemeClr val="accent1"/>
+    </dgm:linClrLst>
+    <dgm:effectClrLst/>
+    <dgm:txLinClrLst/>
+    <dgm:txFillClrLst meth="repeat">
+      <a:schemeClr val="lt1"/>
+    </dgm:txFillClrLst>
+    <dgm:txEffectClrLst/>
+  </dgm:styleLbl>
+  <dgm:styleLbl name="parChTrans1D1">
+    <dgm:fillClrLst meth="repeat">
+      <a:schemeClr val="accent1"/>
+    </dgm:fillClrLst>
+    <dgm:linClrLst meth="repeat">
+      <a:schemeClr val="accent1">
+        <a:shade val="60000"/>
+      </a:schemeClr>
+    </dgm:linClrLst>
+    <dgm:effectClrLst/>
+    <dgm:txLinClrLst/>
+    <dgm:txFillClrLst meth="repeat">
+      <a:schemeClr val="tx1"/>
+    </dgm:txFillClrLst>
+    <dgm:txEffectClrLst/>
+  </dgm:styleLbl>
+  <dgm:styleLbl name="parChTrans1D2">
+    <dgm:fillClrLst meth="repeat">
+      <a:schemeClr val="accent1"/>
+    </dgm:fillClrLst>
+    <dgm:linClrLst meth="repeat">
+      <a:schemeClr val="accent1">
+        <a:shade val="60000"/>
+      </a:schemeClr>
+    </dgm:linClrLst>
+    <dgm:effectClrLst/>
+    <dgm:txLinClrLst/>
+    <dgm:txFillClrLst meth="repeat">
+      <a:schemeClr val="tx1"/>
+    </dgm:txFillClrLst>
+    <dgm:txEffectClrLst/>
+  </dgm:styleLbl>
+  <dgm:styleLbl name="parChTrans1D3">
+    <dgm:fillClrLst meth="repeat">
+      <a:schemeClr val="accent1"/>
+    </dgm:fillClrLst>
+    <dgm:linClrLst meth="repeat">
+      <a:schemeClr val="accent1">
+        <a:shade val="80000"/>
+      </a:schemeClr>
+    </dgm:linClrLst>
+    <dgm:effectClrLst/>
+    <dgm:txLinClrLst/>
+    <dgm:txFillClrLst meth="repeat">
+      <a:schemeClr val="tx1"/>
+    </dgm:txFillClrLst>
+    <dgm:txEffectClrLst/>
+  </dgm:styleLbl>
+  <dgm:styleLbl name="parChTrans1D4">
+    <dgm:fillClrLst meth="repeat">
+      <a:schemeClr val="accent1"/>
+    </dgm:fillClrLst>
+    <dgm:linClrLst meth="repeat">
+      <a:schemeClr val="accent1">
+        <a:shade val="80000"/>
+      </a:schemeClr>
+    </dgm:linClrLst>
+    <dgm:effectClrLst/>
+    <dgm:txLinClrLst/>
+    <dgm:txFillClrLst meth="repeat">
+      <a:schemeClr val="tx1"/>
+    </dgm:txFillClrLst>
+    <dgm:txEffectClrLst/>
+  </dgm:styleLbl>
+  <dgm:styleLbl name="fgAcc1">
+    <dgm:fillClrLst meth="repeat">
+      <a:schemeClr val="lt1">
+        <a:alpha val="90000"/>
+      </a:schemeClr>
+    </dgm:fillClrLst>
+    <dgm:linClrLst meth="repeat">
+      <a:schemeClr val="accent1"/>
+    </dgm:linClrLst>
+    <dgm:effectClrLst/>
+    <dgm:txLinClrLst/>
+    <dgm:txFillClrLst meth="repeat">
+      <a:schemeClr val="dk1"/>
+    </dgm:txFillClrLst>
+    <dgm:txEffectClrLst/>
+  </dgm:styleLbl>
+  <dgm:styleLbl name="conFgAcc1">
+    <dgm:fillClrLst meth="repeat">
+      <a:schemeClr val="lt1">
+        <a:alpha val="90000"/>
+      </a:schemeClr>
+    </dgm:fillClrLst>
+    <dgm:linClrLst meth="repeat">
+      <a:schemeClr val="accent1"/>
+    </dgm:linClrLst>
+    <dgm:effectClrLst/>
+    <dgm:txLinClrLst/>
+    <dgm:txFillClrLst meth="repeat">
+      <a:schemeClr val="dk1"/>
+    </dgm:txFillClrLst>
+    <dgm:txEffectClrLst/>
+  </dgm:styleLbl>
+  <dgm:styleLbl name="alignAcc1">
+    <dgm:fillClrLst meth="repeat">
+      <a:schemeClr val="lt1">
+        <a:alpha val="90000"/>
+      </a:schemeClr>
+    </dgm:fillClrLst>
+    <dgm:linClrLst meth="repeat">
+      <a:schemeClr val="accent1"/>
+    </dgm:linClrLst>
+    <dgm:effectClrLst/>
+    <dgm:txLinClrLst/>
+    <dgm:txFillClrLst meth="repeat">
+      <a:schemeClr val="dk1"/>
+    </dgm:txFillClrLst>
+    <dgm:txEffectClrLst/>
+  </dgm:styleLbl>
+  <dgm:styleLbl name="trAlignAcc1">
+    <dgm:fillClrLst meth="repeat">
+      <a:schemeClr val="lt1">
+        <a:alpha val="40000"/>
+      </a:schemeClr>
+    </dgm:fillClrLst>
+    <dgm:linClrLst meth="repeat">
+      <a:schemeClr val="accent1"/>
+    </dgm:linClrLst>
+    <dgm:effectClrLst/>
+    <dgm:txLinClrLst/>
+    <dgm:txFillClrLst meth="repeat">
+      <a:schemeClr val="dk1"/>
+    </dgm:txFillClrLst>
+    <dgm:txEffectClrLst/>
+  </dgm:styleLbl>
+  <dgm:styleLbl name="bgAcc1">
+    <dgm:fillClrLst meth="repeat">
+      <a:schemeClr val="lt1">
+        <a:alpha val="90000"/>
+      </a:schemeClr>
+    </dgm:fillClrLst>
+    <dgm:linClrLst meth="repeat">
+      <a:schemeClr val="accent1"/>
+    </dgm:linClrLst>
+    <dgm:effectClrLst/>
+    <dgm:txLinClrLst/>
+    <dgm:txFillClrLst meth="repeat">
+      <a:schemeClr val="dk1"/>
+    </dgm:txFillClrLst>
+    <dgm:txEffectClrLst/>
+  </dgm:styleLbl>
+  <dgm:styleLbl name="solidFgAcc1">
+    <dgm:fillClrLst meth="repeat">
+      <a:schemeClr val="lt1"/>
+    </dgm:fillClrLst>
+    <dgm:linClrLst meth="repeat">
+      <a:schemeClr val="accent1"/>
+    </dgm:linClrLst>
+    <dgm:effectClrLst/>
+    <dgm:txLinClrLst/>
+    <dgm:txFillClrLst meth="repeat">
+      <a:schemeClr val="dk1"/>
+    </dgm:txFillClrLst>
+    <dgm:txEffectClrLst/>
+  </dgm:styleLbl>
+  <dgm:styleLbl name="solidAlignAcc1">
+    <dgm:fillClrLst meth="repeat">
+      <a:schemeClr val="lt1"/>
+    </dgm:fillClrLst>
+    <dgm:linClrLst meth="repeat">
+      <a:schemeClr val="accent1"/>
+    </dgm:linClrLst>
+    <dgm:effectClrLst/>
+    <dgm:txLinClrLst/>
+    <dgm:txFillClrLst meth="repeat">
+      <a:schemeClr val="dk1"/>
+    </dgm:txFillClrLst>
+    <dgm:txEffectClrLst/>
+  </dgm:styleLbl>
+  <dgm:styleLbl name="solidBgAcc1">
+    <dgm:fillClrLst meth="repeat">
+      <a:schemeClr val="lt1"/>
+    </dgm:fillClrLst>
+    <dgm:linClrLst meth="repeat">
+      <a:schemeClr val="accent1"/>
+    </dgm:linClrLst>
+    <dgm:effectClrLst/>
+    <dgm:txLinClrLst/>
+    <dgm:txFillClrLst meth="repeat">
+      <a:schemeClr val="dk1"/>
+    </dgm:txFillClrLst>
+    <dgm:txEffectClrLst/>
+  </dgm:styleLbl>
+  <dgm:styleLbl name="fgAccFollowNode1">
+    <dgm:fillClrLst meth="repeat">
+      <a:schemeClr val="accent1">
+        <a:alpha val="90000"/>
+        <a:tint val="40000"/>
+      </a:schemeClr>
+    </dgm:fillClrLst>
+    <dgm:linClrLst meth="repeat">
+      <a:schemeClr val="accent1">
+        <a:alpha val="90000"/>
+        <a:tint val="40000"/>
+      </a:schemeClr>
+    </dgm:linClrLst>
+    <dgm:effectClrLst/>
+    <dgm:txLinClrLst/>
+    <dgm:txFillClrLst meth="repeat">
+      <a:schemeClr val="dk1"/>
+    </dgm:txFillClrLst>
+    <dgm:txEffectClrLst/>
+  </dgm:styleLbl>
+  <dgm:styleLbl name="alignAccFollowNode1">
+    <dgm:fillClrLst meth="repeat">
+      <a:schemeClr val="accent1">
+        <a:alpha val="90000"/>
+        <a:tint val="40000"/>
+      </a:schemeClr>
+    </dgm:fillClrLst>
+    <dgm:linClrLst meth="repeat">
+      <a:schemeClr val="accent1">
+        <a:alpha val="90000"/>
+        <a:tint val="40000"/>
+      </a:schemeClr>
+    </dgm:linClrLst>
+    <dgm:effectClrLst/>
+    <dgm:txLinClrLst/>
+    <dgm:txFillClrLst meth="repeat">
+      <a:schemeClr val="dk1"/>
+    </dgm:txFillClrLst>
+    <dgm:txEffectClrLst/>
+  </dgm:styleLbl>
+  <dgm:styleLbl name="bgAccFollowNode1">
+    <dgm:fillClrLst meth="repeat">
+      <a:schemeClr val="accent1">
+        <a:alpha val="90000"/>
+        <a:tint val="40000"/>
+      </a:schemeClr>
+    </dgm:fillClrLst>
+    <dgm:linClrLst meth="repeat">
+      <a:schemeClr val="accent1">
+        <a:alpha val="90000"/>
+        <a:tint val="40000"/>
+      </a:schemeClr>
+    </dgm:linClrLst>
+    <dgm:effectClrLst/>
+    <dgm:txLinClrLst/>
+    <dgm:txFillClrLst meth="repeat">
+      <a:schemeClr val="dk1"/>
+    </dgm:txFillClrLst>
+    <dgm:txEffectClrLst/>
+  </dgm:styleLbl>
+  <dgm:styleLbl name="fgAcc0">
+    <dgm:fillClrLst meth="repeat">
+      <a:schemeClr val="lt1">
+        <a:alpha val="90000"/>
+      </a:schemeClr>
+    </dgm:fillClrLst>
+    <dgm:linClrLst meth="repeat">
+      <a:schemeClr val="accent1"/>
+    </dgm:linClrLst>
+    <dgm:effectClrLst/>
+    <dgm:txLinClrLst/>
+    <dgm:txFillClrLst meth="repeat">
+      <a:schemeClr val="dk1"/>
+    </dgm:txFillClrLst>
+    <dgm:txEffectClrLst/>
+  </dgm:styleLbl>
+  <dgm:styleLbl name="fgAcc2">
+    <dgm:fillClrLst meth="repeat">
+      <a:schemeClr val="lt1">
+        <a:alpha val="90000"/>
+      </a:schemeClr>
+    </dgm:fillClrLst>
+    <dgm:linClrLst meth="repeat">
+      <a:schemeClr val="accent1"/>
+    </dgm:linClrLst>
+    <dgm:effectClrLst/>
+    <dgm:txLinClrLst/>
+    <dgm:txFillClrLst meth="repeat">
+      <a:schemeClr val="dk1"/>
+    </dgm:txFillClrLst>
+    <dgm:txEffectClrLst/>
+  </dgm:styleLbl>
+  <dgm:styleLbl name="fgAcc3">
+    <dgm:fillClrLst meth="repeat">
+      <a:schemeClr val="lt1">
+        <a:alpha val="90000"/>
+      </a:schemeClr>
+    </dgm:fillClrLst>
+    <dgm:linClrLst meth="repeat">
+      <a:schemeClr val="accent1"/>
+    </dgm:linClrLst>
+    <dgm:effectClrLst/>
+    <dgm:txLinClrLst/>
+    <dgm:txFillClrLst meth="repeat">
+      <a:schemeClr val="dk1"/>
+    </dgm:txFillClrLst>
+    <dgm:txEffectClrLst/>
+  </dgm:styleLbl>
+  <dgm:styleLbl name="fgAcc4">
+    <dgm:fillClrLst meth="repeat">
+      <a:schemeClr val="lt1">
+        <a:alpha val="90000"/>
+      </a:schemeClr>
+    </dgm:fillClrLst>
+    <dgm:linClrLst meth="repeat">
+      <a:schemeClr val="accent1"/>
+    </dgm:linClrLst>
+    <dgm:effectClrLst/>
+    <dgm:txLinClrLst/>
+    <dgm:txFillClrLst meth="repeat">
+      <a:schemeClr val="dk1"/>
+    </dgm:txFillClrLst>
+    <dgm:txEffectClrLst/>
+  </dgm:styleLbl>
+  <dgm:styleLbl name="bgShp">
+    <dgm:fillClrLst meth="repeat">
+      <a:schemeClr val="accent1">
+        <a:tint val="40000"/>
+      </a:schemeClr>
+    </dgm:fillClrLst>
+    <dgm:linClrLst meth="repeat">
+      <a:schemeClr val="accent1"/>
+    </dgm:linClrLst>
+    <dgm:effectClrLst/>
+    <dgm:txLinClrLst/>
+    <dgm:txFillClrLst meth="repeat">
+      <a:schemeClr val="dk1"/>
+    </dgm:txFillClrLst>
+    <dgm:txEffectClrLst/>
+  </dgm:styleLbl>
+  <dgm:styleLbl name="dkBgShp">
+    <dgm:fillClrLst meth="repeat">
+      <a:schemeClr val="accent1">
+        <a:shade val="80000"/>
+      </a:schemeClr>
+    </dgm:fillClrLst>
+    <dgm:linClrLst meth="repeat">
+      <a:schemeClr val="accent1"/>
+    </dgm:linClrLst>
+    <dgm:effectClrLst/>
+    <dgm:txLinClrLst/>
+    <dgm:txFillClrLst meth="repeat">
+      <a:schemeClr val="lt1"/>
+    </dgm:txFillClrLst>
+    <dgm:txEffectClrLst/>
+  </dgm:styleLbl>
+  <dgm:styleLbl name="trBgShp">
+    <dgm:fillClrLst meth="repeat">
+      <a:schemeClr val="accent1">
+        <a:tint val="50000"/>
+        <a:alpha val="40000"/>
+      </a:schemeClr>
+    </dgm:fillClrLst>
+    <dgm:linClrLst meth="repeat">
+      <a:schemeClr val="accent1"/>
+    </dgm:linClrLst>
+    <dgm:effectClrLst/>
+    <dgm:txLinClrLst/>
+    <dgm:txFillClrLst meth="repeat">
+      <a:schemeClr val="lt1"/>
+    </dgm:txFillClrLst>
+    <dgm:txEffectClrLst/>
+  </dgm:styleLbl>
+  <dgm:styleLbl name="fgShp">
+    <dgm:fillClrLst meth="repeat">
+      <a:schemeClr val="accent1">
+        <a:tint val="60000"/>
+      </a:schemeClr>
+    </dgm:fillClrLst>
+    <dgm:linClrLst meth="repeat">
+      <a:schemeClr val="lt1"/>
+    </dgm:linClrLst>
+    <dgm:effectClrLst/>
+    <dgm:txLinClrLst/>
+    <dgm:txFillClrLst meth="repeat">
+      <a:schemeClr val="dk1"/>
+    </dgm:txFillClrLst>
+    <dgm:txEffectClrLst/>
+  </dgm:styleLbl>
+  <dgm:styleLbl name="revTx">
+    <dgm:fillClrLst meth="repeat">
+      <a:schemeClr val="lt1">
+        <a:alpha val="0"/>
+      </a:schemeClr>
+    </dgm:fillClrLst>
+    <dgm:linClrLst meth="repeat">
+      <a:schemeClr val="dk1">
+        <a:alpha val="0"/>
+      </a:schemeClr>
+    </dgm:linClrLst>
+    <dgm:effectClrLst/>
+    <dgm:txLinClrLst/>
+    <dgm:txFillClrLst meth="repeat">
+      <a:schemeClr val="tx1"/>
+    </dgm:txFillClrLst>
+    <dgm:txEffectClrLst/>
+  </dgm:styleLbl>
+</dgm:colorsDef>
+</file>
+
+<file path=ppt/diagrams/colors2.xml><?xml version="1.0" encoding="utf-8"?>
+<dgm:colorsDef xmlns:dgm="http://schemas.openxmlformats.org/drawingml/2006/diagram" xmlns:a="http://schemas.openxmlformats.org/drawingml/2006/main" uniqueId="urn:microsoft.com/office/officeart/2018/5/colors/Iconchunking_neutralbg_colorful1">
+  <dgm:title val=""/>
+  <dgm:desc val=""/>
+  <dgm:catLst>
+    <dgm:cat type="colorful" pri="10100"/>
+  </dgm:catLst>
+  <dgm:styleLbl name="node0">
+    <dgm:fillClrLst meth="repeat">
+      <a:schemeClr val="accent1"/>
+    </dgm:fillClrLst>
+    <dgm:linClrLst meth="repeat">
+      <a:schemeClr val="lt1"/>
+    </dgm:linClrLst>
+    <dgm:effectClrLst/>
+    <dgm:txLinClrLst/>
+    <dgm:txFillClrLst/>
+    <dgm:txEffectClrLst/>
+  </dgm:styleLbl>
+  <dgm:styleLbl name="node1">
+    <dgm:fillClrLst meth="repeat">
+      <a:schemeClr val="accent2"/>
+      <a:schemeClr val="accent3"/>
+      <a:schemeClr val="accent4"/>
+      <a:schemeClr val="accent5"/>
+      <a:schemeClr val="accent6"/>
+    </dgm:fillClrLst>
+    <dgm:linClrLst meth="repeat">
+      <a:schemeClr val="lt1">
+        <a:alpha val="0"/>
+      </a:schemeClr>
+    </dgm:linClrLst>
+    <dgm:effectClrLst/>
+    <dgm:txLinClrLst/>
+    <dgm:txFillClrLst/>
+    <dgm:txEffectClrLst/>
+  </dgm:styleLbl>
+  <dgm:styleLbl name="alignNode1">
+    <dgm:fillClrLst meth="repeat">
+      <a:schemeClr val="accent2"/>
+      <a:schemeClr val="accent3"/>
+      <a:schemeClr val="accent4"/>
+      <a:schemeClr val="accent5"/>
+      <a:schemeClr val="accent6"/>
+    </dgm:fillClrLst>
+    <dgm:linClrLst meth="repeat">
+      <a:schemeClr val="accent2"/>
+      <a:schemeClr val="accent3"/>
+      <a:schemeClr val="accent4"/>
+      <a:schemeClr val="accent5"/>
+      <a:schemeClr val="accent6"/>
+    </dgm:linClrLst>
+    <dgm:effectClrLst/>
+    <dgm:txLinClrLst/>
+    <dgm:txFillClrLst/>
+    <dgm:txEffectClrLst/>
+  </dgm:styleLbl>
+  <dgm:styleLbl name="lnNode1">
+    <dgm:fillClrLst meth="repeat">
+      <a:schemeClr val="accent2"/>
+      <a:schemeClr val="accent3"/>
+      <a:schemeClr val="accent4"/>
+      <a:schemeClr val="accent5"/>
+      <a:schemeClr val="accent6"/>
+    </dgm:fillClrLst>
+    <dgm:linClrLst meth="repeat">
+      <a:schemeClr val="lt1"/>
+    </dgm:linClrLst>
+    <dgm:effectClrLst/>
+    <dgm:txLinClrLst/>
+    <dgm:txFillClrLst/>
+    <dgm:txEffectClrLst/>
+  </dgm:styleLbl>
+  <dgm:styleLbl name="vennNode1">
+    <dgm:fillClrLst meth="repeat">
+      <a:schemeClr val="accent2">
+        <a:alpha val="50000"/>
+      </a:schemeClr>
+      <a:schemeClr val="accent3">
+        <a:alpha val="50000"/>
+      </a:schemeClr>
+      <a:schemeClr val="accent4">
+        <a:alpha val="50000"/>
+      </a:schemeClr>
+      <a:schemeClr val="accent5">
+        <a:alpha val="50000"/>
+      </a:schemeClr>
+      <a:schemeClr val="accent6">
+        <a:alpha val="50000"/>
+      </a:schemeClr>
+    </dgm:fillClrLst>
+    <dgm:linClrLst meth="repeat">
+      <a:schemeClr val="lt1"/>
+    </dgm:linClrLst>
+    <dgm:effectClrLst/>
+    <dgm:txLinClrLst/>
+    <dgm:txFillClrLst/>
+    <dgm:txEffectClrLst/>
+  </dgm:styleLbl>
+  <dgm:styleLbl name="node2">
+    <dgm:fillClrLst>
+      <a:schemeClr val="accent2"/>
+    </dgm:fillClrLst>
+    <dgm:linClrLst meth="repeat">
+      <a:schemeClr val="lt1"/>
+    </dgm:linClrLst>
+    <dgm:effectClrLst/>
+    <dgm:txLinClrLst/>
+    <dgm:txFillClrLst/>
+    <dgm:txEffectClrLst/>
+  </dgm:styleLbl>
+  <dgm:styleLbl name="node3">
+    <dgm:fillClrLst>
+      <a:schemeClr val="accent3"/>
+    </dgm:fillClrLst>
+    <dgm:linClrLst meth="repeat">
+      <a:schemeClr val="lt1"/>
+    </dgm:linClrLst>
+    <dgm:effectClrLst/>
+    <dgm:txLinClrLst/>
+    <dgm:txFillClrLst/>
+    <dgm:txEffectClrLst/>
+  </dgm:styleLbl>
+  <dgm:styleLbl name="node4">
+    <dgm:fillClrLst>
+      <a:schemeClr val="accent4"/>
+    </dgm:fillClrLst>
+    <dgm:linClrLst meth="repeat">
+      <a:schemeClr val="lt1"/>
+    </dgm:linClrLst>
+    <dgm:effectClrLst/>
+    <dgm:txLinClrLst/>
+    <dgm:txFillClrLst/>
+    <dgm:txEffectClrLst/>
+  </dgm:styleLbl>
+  <dgm:styleLbl name="fgImgPlace1">
+    <dgm:fillClrLst meth="repeat">
+      <a:schemeClr val="accent2">
+        <a:tint val="50000"/>
+      </a:schemeClr>
+      <a:schemeClr val="accent3">
+        <a:tint val="50000"/>
+      </a:schemeClr>
+      <a:schemeClr val="accent4">
+        <a:tint val="50000"/>
+      </a:schemeClr>
+      <a:schemeClr val="accent5">
+        <a:tint val="50000"/>
+      </a:schemeClr>
+      <a:schemeClr val="accent6">
+        <a:tint val="50000"/>
+      </a:schemeClr>
+    </dgm:fillClrLst>
+    <dgm:linClrLst meth="repeat">
+      <a:schemeClr val="lt1"/>
+    </dgm:linClrLst>
+    <dgm:effectClrLst/>
+    <dgm:txLinClrLst/>
+    <dgm:txFillClrLst meth="repeat">
+      <a:schemeClr val="lt1"/>
+    </dgm:txFillClrLst>
+    <dgm:txEffectClrLst/>
+  </dgm:styleLbl>
+  <dgm:styleLbl name="alignImgPlace1">
+    <dgm:fillClrLst>
+      <a:schemeClr val="accent1">
+        <a:tint val="50000"/>
+      </a:schemeClr>
+      <a:schemeClr val="accent2">
+        <a:tint val="20000"/>
+      </a:schemeClr>
+    </dgm:fillClrLst>
+    <dgm:linClrLst meth="repeat">
+      <a:schemeClr val="lt1"/>
+    </dgm:linClrLst>
+    <dgm:effectClrLst/>
+    <dgm:txLinClrLst/>
+    <dgm:txFillClrLst meth="repeat">
+      <a:schemeClr val="lt1"/>
+    </dgm:txFillClrLst>
+    <dgm:txEffectClrLst/>
+  </dgm:styleLbl>
+  <dgm:styleLbl name="bgImgPlace1">
+    <dgm:fillClrLst>
+      <a:schemeClr val="accent1">
+        <a:tint val="50000"/>
+      </a:schemeClr>
+      <a:schemeClr val="accent2">
+        <a:tint val="20000"/>
+      </a:schemeClr>
+    </dgm:fillClrLst>
+    <dgm:linClrLst meth="repeat">
+      <a:schemeClr val="lt1"/>
+    </dgm:linClrLst>
+    <dgm:effectClrLst/>
+    <dgm:txLinClrLst/>
+    <dgm:txFillClrLst meth="repeat">
+      <a:schemeClr val="lt1"/>
+    </dgm:txFillClrLst>
+    <dgm:txEffectClrLst/>
+  </dgm:styleLbl>
+  <dgm:styleLbl name="sibTrans2D1">
+    <dgm:fillClrLst meth="repeat">
+      <a:schemeClr val="accent2"/>
+      <a:schemeClr val="accent3"/>
+      <a:schemeClr val="accent4"/>
+      <a:schemeClr val="accent5"/>
+      <a:schemeClr val="accent6"/>
+    </dgm:fillClrLst>
+    <dgm:linClrLst meth="cycle">
+      <a:schemeClr val="lt1"/>
+    </dgm:linClrLst>
+    <dgm:effectClrLst/>
+    <dgm:txLinClrLst/>
+    <dgm:txFillClrLst/>
+    <dgm:txEffectClrLst/>
+  </dgm:styleLbl>
+  <dgm:styleLbl name="fgSibTrans2D1">
+    <dgm:fillClrLst meth="repeat">
+      <a:schemeClr val="accent2"/>
+      <a:schemeClr val="accent3"/>
+      <a:schemeClr val="accent4"/>
+      <a:schemeClr val="accent5"/>
+      <a:schemeClr val="accent6"/>
+    </dgm:fillClrLst>
+    <dgm:linClrLst meth="cycle">
+      <a:schemeClr val="lt1"/>
+    </dgm:linClrLst>
+    <dgm:effectClrLst/>
+    <dgm:txLinClrLst/>
+    <dgm:txFillClrLst meth="repeat">
+      <a:schemeClr val="lt1"/>
+    </dgm:txFillClrLst>
+    <dgm:txEffectClrLst/>
+  </dgm:styleLbl>
+  <dgm:styleLbl name="bgSibTrans2D1">
+    <dgm:fillClrLst meth="repeat">
+      <a:schemeClr val="accent2"/>
+      <a:schemeClr val="accent3"/>
+      <a:schemeClr val="accent4"/>
+      <a:schemeClr val="accent5"/>
+      <a:schemeClr val="accent6"/>
+    </dgm:fillClrLst>
+    <dgm:linClrLst meth="cycle">
+      <a:schemeClr val="lt1"/>
+    </dgm:linClrLst>
+    <dgm:effectClrLst/>
+    <dgm:txLinClrLst/>
+    <dgm:txFillClrLst meth="repeat">
+      <a:schemeClr val="lt1"/>
+    </dgm:txFillClrLst>
+    <dgm:txEffectClrLst/>
+  </dgm:styleLbl>
+  <dgm:styleLbl name="sibTrans1D1">
+    <dgm:fillClrLst meth="repeat">
+      <a:schemeClr val="accent2"/>
+      <a:schemeClr val="accent3"/>
+      <a:schemeClr val="accent4"/>
+      <a:schemeClr val="accent5"/>
+      <a:schemeClr val="accent6"/>
+    </dgm:fillClrLst>
+    <dgm:linClrLst meth="repeat">
+      <a:schemeClr val="accent2"/>
+      <a:schemeClr val="accent3"/>
+      <a:schemeClr val="accent4"/>
+      <a:schemeClr val="accent5"/>
+      <a:schemeClr val="accent6"/>
+    </dgm:linClrLst>
+    <dgm:effectClrLst/>
+    <dgm:txLinClrLst/>
+    <dgm:txFillClrLst meth="repeat">
+      <a:schemeClr val="tx1"/>
+    </dgm:txFillClrLst>
+    <dgm:txEffectClrLst/>
+  </dgm:styleLbl>
+  <dgm:styleLbl name="callout">
+    <dgm:fillClrLst meth="repeat">
+      <a:schemeClr val="accent2"/>
+    </dgm:fillClrLst>
+    <dgm:linClrLst meth="repeat">
+      <a:schemeClr val="accent2">
+        <a:tint val="50000"/>
+      </a:schemeClr>
+    </dgm:linClrLst>
+    <dgm:effectClrLst/>
+    <dgm:txLinClrLst/>
+    <dgm:txFillClrLst meth="repeat">
+      <a:schemeClr val="tx1"/>
+    </dgm:txFillClrLst>
+    <dgm:txEffectClrLst/>
+  </dgm:styleLbl>
+  <dgm:styleLbl name="asst0">
+    <dgm:fillClrLst meth="repeat">
+      <a:schemeClr val="accent1"/>
+    </dgm:fillClrLst>
+    <dgm:linClrLst meth="repeat">
+      <a:schemeClr val="lt1"/>
+    </dgm:linClrLst>
+    <dgm:effectClrLst/>
+    <dgm:txLinClrLst/>
+    <dgm:txFillClrLst/>
+    <dgm:txEffectClrLst/>
+  </dgm:styleLbl>
+  <dgm:styleLbl name="asst1">
+    <dgm:fillClrLst meth="repeat">
+      <a:schemeClr val="accent2"/>
+    </dgm:fillClrLst>
+    <dgm:linClrLst meth="repeat">
+      <a:schemeClr val="lt1"/>
+    </dgm:linClrLst>
+    <dgm:effectClrLst/>
+    <dgm:txLinClrLst/>
+    <dgm:txFillClrLst/>
+    <dgm:txEffectClrLst/>
+  </dgm:styleLbl>
+  <dgm:styleLbl name="asst2">
+    <dgm:fillClrLst>
+      <a:schemeClr val="accent3"/>
+    </dgm:fillClrLst>
+    <dgm:linClrLst meth="repeat">
+      <a:schemeClr val="lt1"/>
+    </dgm:linClrLst>
+    <dgm:effectClrLst/>
+    <dgm:txLinClrLst/>
+    <dgm:txFillClrLst/>
+    <dgm:txEffectClrLst/>
+  </dgm:styleLbl>
+  <dgm:styleLbl name="asst3">
+    <dgm:fillClrLst>
+      <a:schemeClr val="accent4"/>
+    </dgm:fillClrLst>
+    <dgm:linClrLst meth="repeat">
+      <a:schemeClr val="lt1"/>
+    </dgm:linClrLst>
+    <dgm:effectClrLst/>
+    <dgm:txLinClrLst/>
+    <dgm:txFillClrLst/>
+    <dgm:txEffectClrLst/>
+  </dgm:styleLbl>
+  <dgm:styleLbl name="asst4">
+    <dgm:fillClrLst>
+      <a:schemeClr val="accent5"/>
+    </dgm:fillClrLst>
+    <dgm:linClrLst meth="repeat">
+      <a:schemeClr val="lt1"/>
+    </dgm:linClrLst>
+    <dgm:effectClrLst/>
+    <dgm:txLinClrLst/>
+    <dgm:txFillClrLst/>
+    <dgm:txEffectClrLst/>
+  </dgm:styleLbl>
+  <dgm:styleLbl name="parChTrans2D1">
+    <dgm:fillClrLst meth="repeat">
+      <a:schemeClr val="accent2"/>
+    </dgm:fillClrLst>
+    <dgm:linClrLst meth="repeat">
+      <a:schemeClr val="lt1"/>
+    </dgm:linClrLst>
+    <dgm:effectClrLst/>
+    <dgm:txLinClrLst/>
+    <dgm:txFillClrLst meth="repeat">
+      <a:schemeClr val="lt1"/>
+    </dgm:txFillClrLst>
+    <dgm:txEffectClrLst/>
+  </dgm:styleLbl>
+  <dgm:styleLbl name="parChTrans2D2">
+    <dgm:fillClrLst meth="repeat">
+      <a:schemeClr val="accent3"/>
+    </dgm:fillClrLst>
+    <dgm:linClrLst meth="repeat">
+      <a:schemeClr val="lt1"/>
+    </dgm:linClrLst>
+    <dgm:effectClrLst/>
+    <dgm:txLinClrLst/>
+    <dgm:txFillClrLst/>
+    <dgm:txEffectClrLst/>
+  </dgm:styleLbl>
+  <dgm:styleLbl name="parChTrans2D3">
+    <dgm:fillClrLst meth="repeat">
+      <a:schemeClr val="accent4"/>
+    </dgm:fillClrLst>
+    <dgm:linClrLst meth="repeat">
+      <a:schemeClr val="lt1"/>
+    </dgm:linClrLst>
+    <dgm:effectClrLst/>
+    <dgm:txLinClrLst/>
+    <dgm:txFillClrLst/>
+    <dgm:txEffectClrLst/>
+  </dgm:styleLbl>
+  <dgm:styleLbl name="parChTrans2D4">
+    <dgm:fillClrLst meth="repeat">
+      <a:schemeClr val="accent5"/>
+    </dgm:fillClrLst>
+    <dgm:linClrLst meth="repeat">
+      <a:schemeClr val="lt1"/>
+    </dgm:linClrLst>
+    <dgm:effectClrLst/>
+    <dgm:txLinClrLst/>
+    <dgm:txFillClrLst meth="repeat">
+      <a:schemeClr val="lt1"/>
+    </dgm:txFillClrLst>
+    <dgm:txEffectClrLst/>
+  </dgm:styleLbl>
+  <dgm:styleLbl name="parChTrans1D1">
+    <dgm:fillClrLst meth="repeat">
+      <a:schemeClr val="accent2"/>
+    </dgm:fillClrLst>
+    <dgm:linClrLst meth="repeat">
+      <a:schemeClr val="accent1"/>
+    </dgm:linClrLst>
+    <dgm:effectClrLst/>
+    <dgm:txLinClrLst/>
+    <dgm:txFillClrLst meth="repeat">
+      <a:schemeClr val="tx1"/>
+    </dgm:txFillClrLst>
+    <dgm:txEffectClrLst/>
+  </dgm:styleLbl>
+  <dgm:styleLbl name="parChTrans1D2">
+    <dgm:fillClrLst meth="repeat">
+      <a:schemeClr val="accent3">
+        <a:tint val="90000"/>
+      </a:schemeClr>
+    </dgm:fillClrLst>
+    <dgm:linClrLst meth="repeat">
+      <a:schemeClr val="accent2"/>
+    </dgm:linClrLst>
+    <dgm:effectClrLst/>
+    <dgm:txLinClrLst/>
+    <dgm:txFillClrLst meth="repeat">
+      <a:schemeClr val="tx1"/>
+    </dgm:txFillClrLst>
+    <dgm:txEffectClrLst/>
+  </dgm:styleLbl>
+  <dgm:styleLbl name="parChTrans1D3">
+    <dgm:fillClrLst meth="repeat">
+      <a:schemeClr val="accent4">
+        <a:tint val="70000"/>
+      </a:schemeClr>
+    </dgm:fillClrLst>
+    <dgm:linClrLst meth="repeat">
+      <a:schemeClr val="accent3"/>
+    </dgm:linClrLst>
+    <dgm:effectClrLst/>
+    <dgm:txLinClrLst/>
+    <dgm:txFillClrLst meth="repeat">
+      <a:schemeClr val="tx1"/>
+    </dgm:txFillClrLst>
+    <dgm:txEffectClrLst/>
+  </dgm:styleLbl>
+  <dgm:styleLbl name="parChTrans1D4">
+    <dgm:fillClrLst meth="repeat">
+      <a:schemeClr val="accent5">
+        <a:tint val="50000"/>
+      </a:schemeClr>
+    </dgm:fillClrLst>
+    <dgm:linClrLst meth="repeat">
+      <a:schemeClr val="accent4"/>
+    </dgm:linClrLst>
+    <dgm:effectClrLst/>
+    <dgm:txLinClrLst/>
+    <dgm:txFillClrLst meth="repeat">
+      <a:schemeClr val="tx1"/>
+    </dgm:txFillClrLst>
+    <dgm:txEffectClrLst/>
+  </dgm:styleLbl>
+  <dgm:styleLbl name="fgAcc1">
+    <dgm:fillClrLst meth="repeat">
+      <a:schemeClr val="lt1">
+        <a:alpha val="90000"/>
+      </a:schemeClr>
+    </dgm:fillClrLst>
+    <dgm:linClrLst meth="repeat">
+      <a:schemeClr val="accent2"/>
+      <a:schemeClr val="accent3"/>
+      <a:schemeClr val="accent4"/>
+      <a:schemeClr val="accent5"/>
+      <a:schemeClr val="accent6"/>
+    </dgm:linClrLst>
+    <dgm:effectClrLst/>
+    <dgm:txLinClrLst/>
+    <dgm:txFillClrLst meth="repeat">
+      <a:schemeClr val="dk1"/>
+    </dgm:txFillClrLst>
+    <dgm:txEffectClrLst/>
+  </dgm:styleLbl>
+  <dgm:styleLbl name="conFgAcc1">
+    <dgm:fillClrLst meth="repeat">
+      <a:schemeClr val="lt1">
+        <a:alpha val="90000"/>
+      </a:schemeClr>
+    </dgm:fillClrLst>
+    <dgm:linClrLst meth="repeat">
+      <a:schemeClr val="accent2"/>
+      <a:schemeClr val="accent3"/>
+      <a:schemeClr val="accent4"/>
+      <a:schemeClr val="accent5"/>
+      <a:schemeClr val="accent6"/>
+    </dgm:linClrLst>
+    <dgm:effectClrLst/>
+    <dgm:txLinClrLst/>
+    <dgm:txFillClrLst meth="repeat">
+      <a:schemeClr val="dk1"/>
+    </dgm:txFillClrLst>
+    <dgm:txEffectClrLst/>
+  </dgm:styleLbl>
+  <dgm:styleLbl name="alignAcc1">
+    <dgm:fillClrLst meth="repeat">
+      <a:schemeClr val="lt1">
+        <a:alpha val="90000"/>
+      </a:schemeClr>
+    </dgm:fillClrLst>
+    <dgm:linClrLst meth="repeat">
+      <a:schemeClr val="accent2"/>
+      <a:schemeClr val="accent3"/>
+      <a:schemeClr val="accent4"/>
+      <a:schemeClr val="accent5"/>
+      <a:schemeClr val="accent6"/>
+    </dgm:linClrLst>
+    <dgm:effectClrLst/>
+    <dgm:txLinClrLst/>
+    <dgm:txFillClrLst meth="repeat">
+      <a:schemeClr val="dk1"/>
+    </dgm:txFillClrLst>
+    <dgm:txEffectClrLst/>
+  </dgm:styleLbl>
+  <dgm:styleLbl name="trAlignAcc1">
+    <dgm:fillClrLst meth="repeat">
+      <a:schemeClr val="lt1">
+        <a:alpha val="40000"/>
+      </a:schemeClr>
+    </dgm:fillClrLst>
+    <dgm:linClrLst meth="repeat">
+      <a:schemeClr val="accent1"/>
+    </dgm:linClrLst>
+    <dgm:effectClrLst/>
+    <dgm:txLinClrLst/>
+    <dgm:txFillClrLst meth="repeat">
+      <a:schemeClr val="dk1"/>
+    </dgm:txFillClrLst>
+    <dgm:txEffectClrLst/>
+  </dgm:styleLbl>
+  <dgm:styleLbl name="bgAcc1">
+    <dgm:fillClrLst meth="repeat">
+      <a:schemeClr val="lt1">
+        <a:alpha val="90000"/>
+      </a:schemeClr>
+    </dgm:fillClrLst>
+    <dgm:linClrLst meth="repeat">
+      <a:schemeClr val="accent2"/>
+      <a:schemeClr val="accent3"/>
+      <a:schemeClr val="accent4"/>
+      <a:schemeClr val="accent5"/>
+      <a:schemeClr val="accent6"/>
+    </dgm:linClrLst>
+    <dgm:effectClrLst/>
+    <dgm:txLinClrLst/>
+    <dgm:txFillClrLst meth="repeat">
+      <a:schemeClr val="dk1"/>
+    </dgm:txFillClrLst>
+    <dgm:txEffectClrLst/>
+  </dgm:styleLbl>
+  <dgm:styleLbl name="solidFgAcc1">
+    <dgm:fillClrLst meth="repeat">
+      <a:schemeClr val="lt1"/>
+    </dgm:fillClrLst>
+    <dgm:linClrLst meth="repeat">
+      <a:schemeClr val="accent2"/>
+      <a:schemeClr val="accent3"/>
+      <a:schemeClr val="accent4"/>
+      <a:schemeClr val="accent5"/>
+      <a:schemeClr val="accent6"/>
+    </dgm:linClrLst>
+    <dgm:effectClrLst/>
+    <dgm:txLinClrLst/>
+    <dgm:txFillClrLst meth="repeat">
+      <a:schemeClr val="dk1"/>
+    </dgm:txFillClrLst>
+    <dgm:txEffectClrLst/>
+  </dgm:styleLbl>
+  <dgm:styleLbl name="solidAlignAcc1">
+    <dgm:fillClrLst meth="repeat">
+      <a:schemeClr val="lt1"/>
+    </dgm:fillClrLst>
+    <dgm:linClrLst meth="repeat">
+      <a:schemeClr val="accent2"/>
+      <a:schemeClr val="accent3"/>
+      <a:schemeClr val="accent4"/>
+      <a:schemeClr val="accent5"/>
+      <a:schemeClr val="accent6"/>
+    </dgm:linClrLst>
+    <dgm:effectClrLst/>
+    <dgm:txLinClrLst/>
+    <dgm:txFillClrLst meth="repeat">
+      <a:schemeClr val="dk1"/>
+    </dgm:txFillClrLst>
+    <dgm:txEffectClrLst/>
+  </dgm:styleLbl>
+  <dgm:styleLbl name="solidBgAcc1">
+    <dgm:fillClrLst meth="repeat">
+      <a:schemeClr val="lt1"/>
+    </dgm:fillClrLst>
+    <dgm:linClrLst meth="repeat">
+      <a:schemeClr val="accent2"/>
+      <a:schemeClr val="accent3"/>
+      <a:schemeClr val="accent4"/>
+      <a:schemeClr val="accent5"/>
+      <a:schemeClr val="accent6"/>
+    </dgm:linClrLst>
+    <dgm:effectClrLst/>
+    <dgm:txLinClrLst/>
+    <dgm:txFillClrLst meth="repeat">
+      <a:schemeClr val="dk1"/>
+    </dgm:txFillClrLst>
+    <dgm:txEffectClrLst/>
+  </dgm:styleLbl>
+  <dgm:styleLbl name="fgAccFollowNode1">
+    <dgm:fillClrLst meth="repeat">
+      <a:schemeClr val="accent2">
+        <a:tint val="40000"/>
+        <a:alpha val="90000"/>
+      </a:schemeClr>
+      <a:schemeClr val="accent3">
+        <a:tint val="40000"/>
+        <a:alpha val="90000"/>
+      </a:schemeClr>
+      <a:schemeClr val="accent4">
+        <a:tint val="40000"/>
+        <a:alpha val="90000"/>
+      </a:schemeClr>
+      <a:schemeClr val="accent5">
+        <a:tint val="40000"/>
+        <a:alpha val="90000"/>
+      </a:schemeClr>
+      <a:schemeClr val="accent6">
+        <a:tint val="40000"/>
+        <a:alpha val="90000"/>
+      </a:schemeClr>
+    </dgm:fillClrLst>
+    <dgm:linClrLst meth="repeat">
+      <a:schemeClr val="accent2">
+        <a:tint val="40000"/>
+        <a:alpha val="90000"/>
+      </a:schemeClr>
+      <a:schemeClr val="accent3">
+        <a:tint val="40000"/>
+        <a:alpha val="90000"/>
+      </a:schemeClr>
+      <a:schemeClr val="accent4">
+        <a:tint val="40000"/>
+        <a:alpha val="90000"/>
+      </a:schemeClr>
+      <a:schemeClr val="accent5">
+        <a:tint val="40000"/>
+        <a:alpha val="90000"/>
+      </a:schemeClr>
+      <a:schemeClr val="accent6">
+        <a:tint val="40000"/>
+        <a:alpha val="90000"/>
+      </a:schemeClr>
+    </dgm:linClrLst>
+    <dgm:effectClrLst/>
+    <dgm:txLinClrLst/>
+    <dgm:txFillClrLst meth="repeat">
+      <a:schemeClr val="dk1"/>
+    </dgm:txFillClrLst>
+    <dgm:txEffectClrLst/>
+  </dgm:styleLbl>
+  <dgm:styleLbl name="alignAccFollowNode1">
+    <dgm:fillClrLst meth="repeat">
+      <a:schemeClr val="accent2">
+        <a:tint val="40000"/>
+        <a:alpha val="90000"/>
+      </a:schemeClr>
+      <a:schemeClr val="accent3">
+        <a:tint val="40000"/>
+        <a:alpha val="90000"/>
+      </a:schemeClr>
+      <a:schemeClr val="accent4">
+        <a:tint val="40000"/>
+        <a:alpha val="90000"/>
+      </a:schemeClr>
+      <a:schemeClr val="accent5">
+        <a:tint val="40000"/>
+        <a:alpha val="90000"/>
+      </a:schemeClr>
+      <a:schemeClr val="accent6">
+        <a:tint val="40000"/>
+        <a:alpha val="90000"/>
+      </a:schemeClr>
+    </dgm:fillClrLst>
+    <dgm:linClrLst meth="repeat">
+      <a:schemeClr val="accent2">
+        <a:tint val="40000"/>
+        <a:alpha val="90000"/>
+      </a:schemeClr>
+      <a:schemeClr val="accent3">
+        <a:tint val="40000"/>
+        <a:alpha val="90000"/>
+      </a:schemeClr>
+      <a:schemeClr val="accent4">
+        <a:tint val="40000"/>
+        <a:alpha val="90000"/>
+      </a:schemeClr>
+      <a:schemeClr val="accent5">
+        <a:tint val="40000"/>
+        <a:alpha val="90000"/>
+      </a:schemeClr>
+      <a:schemeClr val="accent6">
+        <a:tint val="40000"/>
+        <a:alpha val="90000"/>
+      </a:schemeClr>
+    </dgm:linClrLst>
+    <dgm:effectClrLst/>
+    <dgm:txLinClrLst/>
+    <dgm:txFillClrLst meth="repeat">
+      <a:schemeClr val="dk1"/>
+    </dgm:txFillClrLst>
+    <dgm:txEffectClrLst/>
+  </dgm:styleLbl>
+  <dgm:styleLbl name="bgAccFollowNode1">
+    <dgm:fillClrLst meth="repeat">
+      <a:schemeClr val="accent2">
+        <a:tint val="40000"/>
+        <a:alpha val="90000"/>
+      </a:schemeClr>
+      <a:schemeClr val="accent3">
+        <a:tint val="40000"/>
+        <a:alpha val="90000"/>
+      </a:schemeClr>
+      <a:schemeClr val="accent4">
+        <a:tint val="40000"/>
+        <a:alpha val="90000"/>
+      </a:schemeClr>
+      <a:schemeClr val="accent5">
+        <a:tint val="40000"/>
+        <a:alpha val="90000"/>
+      </a:schemeClr>
+      <a:schemeClr val="accent6">
+        <a:tint val="40000"/>
+        <a:alpha val="90000"/>
+      </a:schemeClr>
+    </dgm:fillClrLst>
+    <dgm:linClrLst meth="repeat">
+      <a:schemeClr val="accent2">
+        <a:tint val="40000"/>
+        <a:alpha val="90000"/>
+      </a:schemeClr>
+      <a:schemeClr val="accent3">
+        <a:tint val="40000"/>
+        <a:alpha val="90000"/>
+      </a:schemeClr>
+      <a:schemeClr val="accent4">
+        <a:tint val="40000"/>
+        <a:alpha val="90000"/>
+      </a:schemeClr>
+      <a:schemeClr val="accent5">
+        <a:tint val="40000"/>
+        <a:alpha val="90000"/>
+      </a:schemeClr>
+      <a:schemeClr val="accent6">
+        <a:tint val="40000"/>
+        <a:alpha val="90000"/>
+      </a:schemeClr>
+    </dgm:linClrLst>
+    <dgm:effectClrLst/>
+    <dgm:txLinClrLst/>
+    <dgm:txFillClrLst meth="repeat">
+      <a:schemeClr val="dk1"/>
+    </dgm:txFillClrLst>
+    <dgm:txEffectClrLst/>
+  </dgm:styleLbl>
+  <dgm:styleLbl name="fgAcc0">
+    <dgm:fillClrLst meth="repeat">
+      <a:schemeClr val="lt1">
+        <a:alpha val="90000"/>
+      </a:schemeClr>
+    </dgm:fillClrLst>
+    <dgm:linClrLst>
+      <a:schemeClr val="accent1"/>
+    </dgm:linClrLst>
+    <dgm:effectClrLst/>
+    <dgm:txLinClrLst/>
+    <dgm:txFillClrLst meth="repeat">
+      <a:schemeClr val="dk1"/>
+    </dgm:txFillClrLst>
+    <dgm:txEffectClrLst/>
+  </dgm:styleLbl>
+  <dgm:styleLbl name="fgAcc2">
+    <dgm:fillClrLst meth="repeat">
+      <a:schemeClr val="lt1">
+        <a:alpha val="90000"/>
+      </a:schemeClr>
+    </dgm:fillClrLst>
+    <dgm:linClrLst>
+      <a:schemeClr val="accent2"/>
+    </dgm:linClrLst>
+    <dgm:effectClrLst/>
+    <dgm:txLinClrLst/>
+    <dgm:txFillClrLst meth="repeat">
+      <a:schemeClr val="dk1"/>
+    </dgm:txFillClrLst>
+    <dgm:txEffectClrLst/>
+  </dgm:styleLbl>
+  <dgm:styleLbl name="fgAcc3">
+    <dgm:fillClrLst meth="repeat">
+      <a:schemeClr val="lt1">
+        <a:alpha val="90000"/>
+      </a:schemeClr>
+    </dgm:fillClrLst>
+    <dgm:linClrLst>
+      <a:schemeClr val="accent3"/>
+    </dgm:linClrLst>
+    <dgm:effectClrLst/>
+    <dgm:txLinClrLst/>
+    <dgm:txFillClrLst meth="repeat">
+      <a:schemeClr val="dk1"/>
+    </dgm:txFillClrLst>
+    <dgm:txEffectClrLst/>
+  </dgm:styleLbl>
+  <dgm:styleLbl name="fgAcc4">
+    <dgm:fillClrLst meth="repeat">
+      <a:schemeClr val="lt1">
+        <a:alpha val="90000"/>
+      </a:schemeClr>
+    </dgm:fillClrLst>
+    <dgm:linClrLst>
+      <a:schemeClr val="accent4"/>
+    </dgm:linClrLst>
+    <dgm:effectClrLst/>
+    <dgm:txLinClrLst/>
+    <dgm:txFillClrLst meth="repeat">
+      <a:schemeClr val="dk1"/>
+    </dgm:txFillClrLst>
+    <dgm:txEffectClrLst/>
+  </dgm:styleLbl>
+  <dgm:styleLbl name="bgShp">
+    <dgm:fillClrLst meth="repeat">
+      <a:schemeClr val="bg1">
+        <a:lumMod val="95000"/>
+      </a:schemeClr>
+    </dgm:fillClrLst>
+    <dgm:linClrLst meth="repeat">
+      <a:schemeClr val="dk1"/>
+    </dgm:linClrLst>
+    <dgm:effectClrLst/>
+    <dgm:txLinClrLst/>
+    <dgm:txFillClrLst meth="repeat">
+      <a:schemeClr val="dk1"/>
+    </dgm:txFillClrLst>
+    <dgm:txEffectClrLst/>
+  </dgm:styleLbl>
+  <dgm:styleLbl name="dkBgShp">
+    <dgm:fillClrLst meth="repeat">
+      <a:schemeClr val="accent2">
+        <a:shade val="90000"/>
+      </a:schemeClr>
+    </dgm:fillClrLst>
+    <dgm:linClrLst meth="repeat">
+      <a:schemeClr val="dk1"/>
+    </dgm:linClrLst>
+    <dgm:effectClrLst/>
+    <dgm:txLinClrLst/>
+    <dgm:txFillClrLst meth="repeat">
+      <a:schemeClr val="lt1"/>
+    </dgm:txFillClrLst>
+    <dgm:txEffectClrLst/>
+  </dgm:styleLbl>
+  <dgm:styleLbl name="trBgShp">
+    <dgm:fillClrLst meth="repeat">
+      <a:schemeClr val="accent1">
+        <a:tint val="50000"/>
+        <a:alpha val="40000"/>
+      </a:schemeClr>
+    </dgm:fillClrLst>
+    <dgm:linClrLst meth="repeat">
+      <a:schemeClr val="accent2"/>
+    </dgm:linClrLst>
+    <dgm:effectClrLst/>
+    <dgm:txLinClrLst/>
+    <dgm:txFillClrLst meth="repeat">
+      <a:schemeClr val="lt1"/>
+    </dgm:txFillClrLst>
+    <dgm:txEffectClrLst/>
+  </dgm:styleLbl>
+  <dgm:styleLbl name="fgShp">
+    <dgm:fillClrLst meth="repeat">
+      <a:schemeClr val="accent2">
+        <a:tint val="40000"/>
+      </a:schemeClr>
+    </dgm:fillClrLst>
+    <dgm:linClrLst meth="repeat">
+      <a:schemeClr val="lt1"/>
+    </dgm:linClrLst>
+    <dgm:effectClrLst/>
+    <dgm:txLinClrLst/>
+    <dgm:txFillClrLst meth="repeat">
+      <a:schemeClr val="dk1"/>
+    </dgm:txFillClrLst>
+    <dgm:txEffectClrLst/>
+  </dgm:styleLbl>
+  <dgm:styleLbl name="revTx">
+    <dgm:fillClrLst meth="repeat">
+      <a:schemeClr val="lt1">
+        <a:alpha val="0"/>
+      </a:schemeClr>
+    </dgm:fillClrLst>
+    <dgm:linClrLst meth="repeat">
+      <a:schemeClr val="dk1">
+        <a:alpha val="0"/>
+      </a:schemeClr>
+    </dgm:linClrLst>
+    <dgm:effectClrLst/>
+    <dgm:txLinClrLst/>
+    <dgm:txFillClrLst meth="repeat">
+      <a:schemeClr val="tx1"/>
+    </dgm:txFillClrLst>
+    <dgm:txEffectClrLst/>
+  </dgm:styleLbl>
+</dgm:colorsDef>
+</file>
+
+<file path=ppt/diagrams/data1.xml><?xml version="1.0" encoding="utf-8"?>
+<dgm:dataModel xmlns:dgm="http://schemas.openxmlformats.org/drawingml/2006/diagram" xmlns:a="http://schemas.openxmlformats.org/drawingml/2006/main">
+  <dgm:ptLst>
+    <dgm:pt modelId="{06EE5020-E9F9-4095-902C-C5018AFE42B1}" type="doc">
+      <dgm:prSet loTypeId="urn:microsoft.com/office/officeart/2005/8/layout/process3" loCatId="process" qsTypeId="urn:microsoft.com/office/officeart/2005/8/quickstyle/simple1" qsCatId="simple" csTypeId="urn:microsoft.com/office/officeart/2005/8/colors/accent1_2" csCatId="accent1" phldr="1"/>
+      <dgm:spPr/>
+      <dgm:t>
+        <a:bodyPr/>
+        <a:lstStyle/>
+        <a:p>
+          <a:endParaRPr lang="fr-FR"/>
+        </a:p>
+      </dgm:t>
+    </dgm:pt>
+    <dgm:pt modelId="{75A91941-87BA-4EB0-BB95-BB3F9DADEE74}">
+      <dgm:prSet phldrT="[Texte]"/>
+      <dgm:spPr/>
+      <dgm:t>
+        <a:bodyPr/>
+        <a:lstStyle/>
+        <a:p>
+          <a:r>
+            <a:rPr lang="fr-FR" dirty="0" err="1"/>
+            <a:t>Establish</a:t>
+          </a:r>
+          <a:r>
+            <a:rPr lang="fr-FR" dirty="0"/>
+            <a:t> </a:t>
+          </a:r>
+          <a:r>
+            <a:rPr lang="fr-FR" dirty="0" err="1"/>
+            <a:t>scrapping</a:t>
+          </a:r>
+          <a:r>
+            <a:rPr lang="fr-FR" dirty="0"/>
+            <a:t> </a:t>
+          </a:r>
+          <a:r>
+            <a:rPr lang="fr-FR" dirty="0" err="1"/>
+            <a:t>method</a:t>
+          </a:r>
+          <a:endParaRPr lang="fr-FR" dirty="0"/>
+        </a:p>
+      </dgm:t>
+    </dgm:pt>
+    <dgm:pt modelId="{97037BD9-2426-4238-B60A-FE10504AC529}" type="parTrans" cxnId="{D10373D7-941C-49CC-9DCC-4DA32C782823}">
+      <dgm:prSet/>
+      <dgm:spPr/>
+      <dgm:t>
+        <a:bodyPr/>
+        <a:lstStyle/>
+        <a:p>
+          <a:endParaRPr lang="fr-FR"/>
+        </a:p>
+      </dgm:t>
+    </dgm:pt>
+    <dgm:pt modelId="{640F7553-4FDD-4178-9FA8-6A4371651F29}" type="sibTrans" cxnId="{D10373D7-941C-49CC-9DCC-4DA32C782823}">
+      <dgm:prSet/>
+      <dgm:spPr/>
+      <dgm:t>
+        <a:bodyPr/>
+        <a:lstStyle/>
+        <a:p>
+          <a:endParaRPr lang="fr-FR"/>
+        </a:p>
+      </dgm:t>
+    </dgm:pt>
+    <dgm:pt modelId="{1DFCD85B-7142-4470-96BF-09AA571BB4B6}">
+      <dgm:prSet phldrT="[Texte]"/>
+      <dgm:spPr/>
+      <dgm:t>
+        <a:bodyPr/>
+        <a:lstStyle/>
+        <a:p>
+          <a:r>
+            <a:rPr lang="fr-FR" dirty="0" err="1"/>
+            <a:t>Choosing</a:t>
+          </a:r>
+          <a:r>
+            <a:rPr lang="fr-FR" dirty="0"/>
+            <a:t> API as </a:t>
+          </a:r>
+          <a:r>
+            <a:rPr lang="fr-FR" dirty="0" err="1"/>
+            <a:t>it</a:t>
+          </a:r>
+          <a:r>
+            <a:rPr lang="fr-FR" dirty="0"/>
+            <a:t> </a:t>
+          </a:r>
+          <a:r>
+            <a:rPr lang="fr-FR" dirty="0" err="1"/>
+            <a:t>gives</a:t>
+          </a:r>
+          <a:r>
+            <a:rPr lang="fr-FR" dirty="0"/>
+            <a:t> more information</a:t>
+          </a:r>
+        </a:p>
+      </dgm:t>
+    </dgm:pt>
+    <dgm:pt modelId="{579DA230-875B-43A9-B8D6-34D685151DFF}" type="parTrans" cxnId="{261ECBF6-C8BE-4C63-8034-6682874933DD}">
+      <dgm:prSet/>
+      <dgm:spPr/>
+      <dgm:t>
+        <a:bodyPr/>
+        <a:lstStyle/>
+        <a:p>
+          <a:endParaRPr lang="fr-FR"/>
+        </a:p>
+      </dgm:t>
+    </dgm:pt>
+    <dgm:pt modelId="{380A0788-5439-4C44-A8F2-DCDE066B669D}" type="sibTrans" cxnId="{261ECBF6-C8BE-4C63-8034-6682874933DD}">
+      <dgm:prSet/>
+      <dgm:spPr/>
+      <dgm:t>
+        <a:bodyPr/>
+        <a:lstStyle/>
+        <a:p>
+          <a:endParaRPr lang="fr-FR"/>
+        </a:p>
+      </dgm:t>
+    </dgm:pt>
+    <dgm:pt modelId="{DBD4A906-238D-4D40-BDCB-CA21711E048A}">
+      <dgm:prSet phldrT="[Texte]"/>
+      <dgm:spPr/>
+      <dgm:t>
+        <a:bodyPr/>
+        <a:lstStyle/>
+        <a:p>
+          <a:r>
+            <a:rPr lang="fr-FR" dirty="0" err="1"/>
+            <a:t>Compute</a:t>
+          </a:r>
+          <a:r>
+            <a:rPr lang="fr-FR" dirty="0"/>
+            <a:t> </a:t>
+          </a:r>
+          <a:r>
+            <a:rPr lang="fr-FR" dirty="0" err="1"/>
+            <a:t>number</a:t>
+          </a:r>
+          <a:r>
+            <a:rPr lang="fr-FR" dirty="0"/>
+            <a:t> of pages to </a:t>
+          </a:r>
+          <a:r>
+            <a:rPr lang="fr-FR" dirty="0" err="1"/>
+            <a:t>be</a:t>
+          </a:r>
+          <a:r>
+            <a:rPr lang="fr-FR" dirty="0"/>
+            <a:t> </a:t>
+          </a:r>
+          <a:r>
+            <a:rPr lang="fr-FR" dirty="0" err="1"/>
+            <a:t>scrapped</a:t>
+          </a:r>
+          <a:endParaRPr lang="fr-FR" dirty="0"/>
+        </a:p>
+      </dgm:t>
+    </dgm:pt>
+    <dgm:pt modelId="{739E1F2B-9DB2-4BAC-96CC-55A988D12C53}" type="parTrans" cxnId="{0CCDFAAB-368E-4585-AB77-0BA38DFC4C2C}">
+      <dgm:prSet/>
+      <dgm:spPr/>
+      <dgm:t>
+        <a:bodyPr/>
+        <a:lstStyle/>
+        <a:p>
+          <a:endParaRPr lang="fr-FR"/>
+        </a:p>
+      </dgm:t>
+    </dgm:pt>
+    <dgm:pt modelId="{84E1554B-D90F-435D-BECF-C8B195E51F5F}" type="sibTrans" cxnId="{0CCDFAAB-368E-4585-AB77-0BA38DFC4C2C}">
+      <dgm:prSet/>
+      <dgm:spPr/>
+      <dgm:t>
+        <a:bodyPr/>
+        <a:lstStyle/>
+        <a:p>
+          <a:endParaRPr lang="fr-FR"/>
+        </a:p>
+      </dgm:t>
+    </dgm:pt>
+    <dgm:pt modelId="{DC26DF5E-1B8C-4169-B06B-DE0A66359AC8}">
+      <dgm:prSet phldrT="[Texte]"/>
+      <dgm:spPr/>
+      <dgm:t>
+        <a:bodyPr/>
+        <a:lstStyle/>
+        <a:p>
+          <a:r>
+            <a:rPr lang="fr-FR" dirty="0" err="1"/>
+            <a:t>Using</a:t>
+          </a:r>
+          <a:r>
+            <a:rPr lang="fr-FR" dirty="0"/>
+            <a:t> </a:t>
+          </a:r>
+          <a:r>
+            <a:rPr lang="fr-FR" dirty="0" err="1"/>
+            <a:t>Beautiful</a:t>
+          </a:r>
+          <a:r>
+            <a:rPr lang="fr-FR" dirty="0"/>
+            <a:t> </a:t>
+          </a:r>
+          <a:r>
+            <a:rPr lang="fr-FR" dirty="0" err="1"/>
+            <a:t>Soup</a:t>
+          </a:r>
+          <a:r>
+            <a:rPr lang="fr-FR" dirty="0"/>
+            <a:t> to </a:t>
+          </a:r>
+          <a:r>
+            <a:rPr lang="fr-FR" dirty="0" err="1"/>
+            <a:t>retrieve</a:t>
+          </a:r>
+          <a:r>
+            <a:rPr lang="fr-FR" dirty="0"/>
+            <a:t> the </a:t>
+          </a:r>
+          <a:r>
+            <a:rPr lang="fr-FR" dirty="0" err="1"/>
+            <a:t>number</a:t>
+          </a:r>
+          <a:r>
+            <a:rPr lang="fr-FR" dirty="0"/>
+            <a:t> of articles</a:t>
+          </a:r>
+        </a:p>
+      </dgm:t>
+    </dgm:pt>
+    <dgm:pt modelId="{6AA15E54-4CF5-4B3B-93CE-3FC0D7AF28E4}" type="parTrans" cxnId="{240F0404-469F-4760-9B76-9D4C3A625F10}">
+      <dgm:prSet/>
+      <dgm:spPr/>
+      <dgm:t>
+        <a:bodyPr/>
+        <a:lstStyle/>
+        <a:p>
+          <a:endParaRPr lang="fr-FR"/>
+        </a:p>
+      </dgm:t>
+    </dgm:pt>
+    <dgm:pt modelId="{09DC89E2-C43E-4A70-8117-4EDFD8CBFA0E}" type="sibTrans" cxnId="{240F0404-469F-4760-9B76-9D4C3A625F10}">
+      <dgm:prSet/>
+      <dgm:spPr/>
+      <dgm:t>
+        <a:bodyPr/>
+        <a:lstStyle/>
+        <a:p>
+          <a:endParaRPr lang="fr-FR"/>
+        </a:p>
+      </dgm:t>
+    </dgm:pt>
+    <dgm:pt modelId="{CB18501D-8F48-4B55-A124-5BE45EC7863D}">
+      <dgm:prSet phldrT="[Texte]"/>
+      <dgm:spPr/>
+      <dgm:t>
+        <a:bodyPr/>
+        <a:lstStyle/>
+        <a:p>
+          <a:r>
+            <a:rPr lang="fr-FR" dirty="0" err="1"/>
+            <a:t>Scrap</a:t>
+          </a:r>
+          <a:r>
+            <a:rPr lang="fr-FR" dirty="0"/>
+            <a:t> all promotion pages</a:t>
+          </a:r>
+        </a:p>
+      </dgm:t>
+    </dgm:pt>
+    <dgm:pt modelId="{0E090466-930C-48BC-B51B-914729866523}" type="parTrans" cxnId="{3861CE04-4EE9-4AE7-BA72-36B648D44BD2}">
+      <dgm:prSet/>
+      <dgm:spPr/>
+      <dgm:t>
+        <a:bodyPr/>
+        <a:lstStyle/>
+        <a:p>
+          <a:endParaRPr lang="fr-FR"/>
+        </a:p>
+      </dgm:t>
+    </dgm:pt>
+    <dgm:pt modelId="{B6E2F6AE-0FE9-495A-989F-9E5889270D23}" type="sibTrans" cxnId="{3861CE04-4EE9-4AE7-BA72-36B648D44BD2}">
+      <dgm:prSet/>
+      <dgm:spPr/>
+      <dgm:t>
+        <a:bodyPr/>
+        <a:lstStyle/>
+        <a:p>
+          <a:endParaRPr lang="fr-FR"/>
+        </a:p>
+      </dgm:t>
+    </dgm:pt>
+    <dgm:pt modelId="{800585CF-5D90-44F5-AD61-93FF099745F2}">
+      <dgm:prSet phldrT="[Texte]"/>
+      <dgm:spPr/>
+      <dgm:t>
+        <a:bodyPr/>
+        <a:lstStyle/>
+        <a:p>
+          <a:r>
+            <a:rPr lang="fr-FR" dirty="0"/>
+            <a:t>Output: </a:t>
+          </a:r>
+          <a:r>
+            <a:rPr lang="fr-FR" dirty="0" err="1"/>
+            <a:t>raw</a:t>
+          </a:r>
+          <a:r>
+            <a:rPr lang="fr-FR" dirty="0"/>
+            <a:t> </a:t>
+          </a:r>
+          <a:r>
+            <a:rPr lang="fr-FR" dirty="0" err="1"/>
+            <a:t>dataframe</a:t>
+          </a:r>
+          <a:r>
+            <a:rPr lang="fr-FR" dirty="0"/>
+            <a:t> </a:t>
+          </a:r>
+          <a:r>
+            <a:rPr lang="fr-FR" dirty="0" err="1"/>
+            <a:t>with</a:t>
+          </a:r>
+          <a:r>
+            <a:rPr lang="fr-FR" dirty="0"/>
+            <a:t> all the information on promotions</a:t>
+          </a:r>
+        </a:p>
+      </dgm:t>
+    </dgm:pt>
+    <dgm:pt modelId="{1F93234E-4ECE-4BB1-8385-C3935A28BBD0}" type="parTrans" cxnId="{C56D37F0-BBB6-4869-AF25-58B662C5C107}">
+      <dgm:prSet/>
+      <dgm:spPr/>
+      <dgm:t>
+        <a:bodyPr/>
+        <a:lstStyle/>
+        <a:p>
+          <a:endParaRPr lang="fr-FR"/>
+        </a:p>
+      </dgm:t>
+    </dgm:pt>
+    <dgm:pt modelId="{E7CE6680-DB1C-45E1-8310-327B13E77CC8}" type="sibTrans" cxnId="{C56D37F0-BBB6-4869-AF25-58B662C5C107}">
+      <dgm:prSet/>
+      <dgm:spPr/>
+      <dgm:t>
+        <a:bodyPr/>
+        <a:lstStyle/>
+        <a:p>
+          <a:endParaRPr lang="fr-FR"/>
+        </a:p>
+      </dgm:t>
+    </dgm:pt>
+    <dgm:pt modelId="{4FE209E2-F23D-4E6E-9121-66FA6D230547}">
+      <dgm:prSet phldrT="[Texte]"/>
+      <dgm:spPr/>
+      <dgm:t>
+        <a:bodyPr/>
+        <a:lstStyle/>
+        <a:p>
+          <a:r>
+            <a:rPr lang="fr-FR" dirty="0" err="1"/>
+            <a:t>Cleaning</a:t>
+          </a:r>
+          <a:r>
+            <a:rPr lang="fr-FR" dirty="0"/>
+            <a:t> the data </a:t>
+          </a:r>
+          <a:r>
+            <a:rPr lang="fr-FR" dirty="0" err="1"/>
+            <a:t>obtained</a:t>
+          </a:r>
+          <a:endParaRPr lang="fr-FR" dirty="0"/>
+        </a:p>
+      </dgm:t>
+    </dgm:pt>
+    <dgm:pt modelId="{C1D91325-5F97-4A0C-B0D0-320B6CD15ED8}" type="parTrans" cxnId="{9AC340F0-4F08-4673-9709-AC96D72534A6}">
+      <dgm:prSet/>
+      <dgm:spPr/>
+      <dgm:t>
+        <a:bodyPr/>
+        <a:lstStyle/>
+        <a:p>
+          <a:endParaRPr lang="fr-FR"/>
+        </a:p>
+      </dgm:t>
+    </dgm:pt>
+    <dgm:pt modelId="{AE115D38-2C51-433C-84E9-6F0015D81E22}" type="sibTrans" cxnId="{9AC340F0-4F08-4673-9709-AC96D72534A6}">
+      <dgm:prSet/>
+      <dgm:spPr/>
+      <dgm:t>
+        <a:bodyPr/>
+        <a:lstStyle/>
+        <a:p>
+          <a:endParaRPr lang="fr-FR"/>
+        </a:p>
+      </dgm:t>
+    </dgm:pt>
+    <dgm:pt modelId="{5CFB1132-D5AD-451A-8913-F2FB346C8386}">
+      <dgm:prSet phldrT="[Texte]"/>
+      <dgm:spPr/>
+      <dgm:t>
+        <a:bodyPr/>
+        <a:lstStyle/>
+        <a:p>
+          <a:r>
+            <a:rPr lang="fr-FR" dirty="0"/>
+            <a:t>Output: a clean </a:t>
+          </a:r>
+          <a:r>
+            <a:rPr lang="fr-FR" dirty="0" err="1"/>
+            <a:t>dataframe</a:t>
+          </a:r>
+          <a:r>
+            <a:rPr lang="fr-FR" dirty="0"/>
+            <a:t> and a few graphs </a:t>
+          </a:r>
+          <a:r>
+            <a:rPr lang="fr-FR" dirty="0" err="1"/>
+            <a:t>describing</a:t>
+          </a:r>
+          <a:r>
+            <a:rPr lang="fr-FR" dirty="0"/>
+            <a:t> the data</a:t>
+          </a:r>
+        </a:p>
+      </dgm:t>
+    </dgm:pt>
+    <dgm:pt modelId="{6DF98B6A-68B3-4BBD-B0D9-524DF7C63108}" type="parTrans" cxnId="{DEBED110-CC4B-4F6C-B168-9CEF77A0FE4E}">
+      <dgm:prSet/>
+      <dgm:spPr/>
+      <dgm:t>
+        <a:bodyPr/>
+        <a:lstStyle/>
+        <a:p>
+          <a:endParaRPr lang="fr-FR"/>
+        </a:p>
+      </dgm:t>
+    </dgm:pt>
+    <dgm:pt modelId="{DF9235D8-7464-4AEF-9D19-3540AE84BC8B}" type="sibTrans" cxnId="{DEBED110-CC4B-4F6C-B168-9CEF77A0FE4E}">
+      <dgm:prSet/>
+      <dgm:spPr/>
+      <dgm:t>
+        <a:bodyPr/>
+        <a:lstStyle/>
+        <a:p>
+          <a:endParaRPr lang="fr-FR"/>
+        </a:p>
+      </dgm:t>
+    </dgm:pt>
+    <dgm:pt modelId="{796E3252-24D6-476C-9C5E-94323BAC57C7}" type="pres">
+      <dgm:prSet presAssocID="{06EE5020-E9F9-4095-902C-C5018AFE42B1}" presName="linearFlow" presStyleCnt="0">
+        <dgm:presLayoutVars>
+          <dgm:dir/>
+          <dgm:animLvl val="lvl"/>
+          <dgm:resizeHandles val="exact"/>
+        </dgm:presLayoutVars>
+      </dgm:prSet>
+      <dgm:spPr/>
+    </dgm:pt>
+    <dgm:pt modelId="{655817DF-E6F0-48A0-994A-11AD8982F4DC}" type="pres">
+      <dgm:prSet presAssocID="{75A91941-87BA-4EB0-BB95-BB3F9DADEE74}" presName="composite" presStyleCnt="0"/>
+      <dgm:spPr/>
+    </dgm:pt>
+    <dgm:pt modelId="{01FCC72A-1933-43FE-A4CB-E7635BE8CF75}" type="pres">
+      <dgm:prSet presAssocID="{75A91941-87BA-4EB0-BB95-BB3F9DADEE74}" presName="parTx" presStyleLbl="node1" presStyleIdx="0" presStyleCnt="4">
+        <dgm:presLayoutVars>
+          <dgm:chMax val="0"/>
+          <dgm:chPref val="0"/>
+          <dgm:bulletEnabled val="1"/>
+        </dgm:presLayoutVars>
+      </dgm:prSet>
+      <dgm:spPr/>
+    </dgm:pt>
+    <dgm:pt modelId="{7728B8D5-BE46-4AF0-814A-83BBCBF21DDA}" type="pres">
+      <dgm:prSet presAssocID="{75A91941-87BA-4EB0-BB95-BB3F9DADEE74}" presName="parSh" presStyleLbl="node1" presStyleIdx="0" presStyleCnt="4"/>
+      <dgm:spPr/>
+    </dgm:pt>
+    <dgm:pt modelId="{59A3A042-6FBD-40F5-9946-95A418BED4A9}" type="pres">
+      <dgm:prSet presAssocID="{75A91941-87BA-4EB0-BB95-BB3F9DADEE74}" presName="desTx" presStyleLbl="fgAcc1" presStyleIdx="0" presStyleCnt="4">
+        <dgm:presLayoutVars>
+          <dgm:bulletEnabled val="1"/>
+        </dgm:presLayoutVars>
+      </dgm:prSet>
+      <dgm:spPr/>
+    </dgm:pt>
+    <dgm:pt modelId="{444A0598-AC5D-4A2E-A328-32354DEEE3E7}" type="pres">
+      <dgm:prSet presAssocID="{640F7553-4FDD-4178-9FA8-6A4371651F29}" presName="sibTrans" presStyleLbl="sibTrans2D1" presStyleIdx="0" presStyleCnt="3"/>
+      <dgm:spPr/>
+    </dgm:pt>
+    <dgm:pt modelId="{A540E7BD-0A0B-4503-B628-3FD2B0A9F559}" type="pres">
+      <dgm:prSet presAssocID="{640F7553-4FDD-4178-9FA8-6A4371651F29}" presName="connTx" presStyleLbl="sibTrans2D1" presStyleIdx="0" presStyleCnt="3"/>
+      <dgm:spPr/>
+    </dgm:pt>
+    <dgm:pt modelId="{4DF6C866-B541-47DC-807D-6655B59CC4D7}" type="pres">
+      <dgm:prSet presAssocID="{DBD4A906-238D-4D40-BDCB-CA21711E048A}" presName="composite" presStyleCnt="0"/>
+      <dgm:spPr/>
+    </dgm:pt>
+    <dgm:pt modelId="{03CCBBFD-85B2-44F4-8A75-5E2D849DB336}" type="pres">
+      <dgm:prSet presAssocID="{DBD4A906-238D-4D40-BDCB-CA21711E048A}" presName="parTx" presStyleLbl="node1" presStyleIdx="0" presStyleCnt="4">
+        <dgm:presLayoutVars>
+          <dgm:chMax val="0"/>
+          <dgm:chPref val="0"/>
+          <dgm:bulletEnabled val="1"/>
+        </dgm:presLayoutVars>
+      </dgm:prSet>
+      <dgm:spPr/>
+    </dgm:pt>
+    <dgm:pt modelId="{0A8D54C4-8E72-42E1-9940-954D8D75CD6D}" type="pres">
+      <dgm:prSet presAssocID="{DBD4A906-238D-4D40-BDCB-CA21711E048A}" presName="parSh" presStyleLbl="node1" presStyleIdx="1" presStyleCnt="4"/>
+      <dgm:spPr/>
+    </dgm:pt>
+    <dgm:pt modelId="{99B03793-D590-41A4-969E-D3DCE5B3E134}" type="pres">
+      <dgm:prSet presAssocID="{DBD4A906-238D-4D40-BDCB-CA21711E048A}" presName="desTx" presStyleLbl="fgAcc1" presStyleIdx="1" presStyleCnt="4">
+        <dgm:presLayoutVars>
+          <dgm:bulletEnabled val="1"/>
+        </dgm:presLayoutVars>
+      </dgm:prSet>
+      <dgm:spPr/>
+    </dgm:pt>
+    <dgm:pt modelId="{E143718B-B7B2-4D3E-8451-3D0DAA4C9B47}" type="pres">
+      <dgm:prSet presAssocID="{84E1554B-D90F-435D-BECF-C8B195E51F5F}" presName="sibTrans" presStyleLbl="sibTrans2D1" presStyleIdx="1" presStyleCnt="3"/>
+      <dgm:spPr/>
+    </dgm:pt>
+    <dgm:pt modelId="{0A81BF88-B894-46C9-9CBD-A502F431098E}" type="pres">
+      <dgm:prSet presAssocID="{84E1554B-D90F-435D-BECF-C8B195E51F5F}" presName="connTx" presStyleLbl="sibTrans2D1" presStyleIdx="1" presStyleCnt="3"/>
+      <dgm:spPr/>
+    </dgm:pt>
+    <dgm:pt modelId="{0E69DA09-A6F5-4D37-B00B-7D01037C8886}" type="pres">
+      <dgm:prSet presAssocID="{CB18501D-8F48-4B55-A124-5BE45EC7863D}" presName="composite" presStyleCnt="0"/>
+      <dgm:spPr/>
+    </dgm:pt>
+    <dgm:pt modelId="{DFAF3ED3-8B10-453A-B502-68A7B424C0CA}" type="pres">
+      <dgm:prSet presAssocID="{CB18501D-8F48-4B55-A124-5BE45EC7863D}" presName="parTx" presStyleLbl="node1" presStyleIdx="1" presStyleCnt="4">
+        <dgm:presLayoutVars>
+          <dgm:chMax val="0"/>
+          <dgm:chPref val="0"/>
+          <dgm:bulletEnabled val="1"/>
+        </dgm:presLayoutVars>
+      </dgm:prSet>
+      <dgm:spPr/>
+    </dgm:pt>
+    <dgm:pt modelId="{EEC0CC04-D878-4010-BB2A-728B06A6CCCF}" type="pres">
+      <dgm:prSet presAssocID="{CB18501D-8F48-4B55-A124-5BE45EC7863D}" presName="parSh" presStyleLbl="node1" presStyleIdx="2" presStyleCnt="4"/>
+      <dgm:spPr/>
+    </dgm:pt>
+    <dgm:pt modelId="{A7FE2610-8B89-4059-8DEB-863B22A760D0}" type="pres">
+      <dgm:prSet presAssocID="{CB18501D-8F48-4B55-A124-5BE45EC7863D}" presName="desTx" presStyleLbl="fgAcc1" presStyleIdx="2" presStyleCnt="4">
+        <dgm:presLayoutVars>
+          <dgm:bulletEnabled val="1"/>
+        </dgm:presLayoutVars>
+      </dgm:prSet>
+      <dgm:spPr/>
+    </dgm:pt>
+    <dgm:pt modelId="{41B8CDD3-7D96-4C18-904C-973DE052D92F}" type="pres">
+      <dgm:prSet presAssocID="{B6E2F6AE-0FE9-495A-989F-9E5889270D23}" presName="sibTrans" presStyleLbl="sibTrans2D1" presStyleIdx="2" presStyleCnt="3"/>
+      <dgm:spPr/>
+    </dgm:pt>
+    <dgm:pt modelId="{44FBEDCC-96DA-42C2-90DA-0CD85D547E43}" type="pres">
+      <dgm:prSet presAssocID="{B6E2F6AE-0FE9-495A-989F-9E5889270D23}" presName="connTx" presStyleLbl="sibTrans2D1" presStyleIdx="2" presStyleCnt="3"/>
+      <dgm:spPr/>
+    </dgm:pt>
+    <dgm:pt modelId="{B872882B-0440-4E85-BDAF-0B16AB9B6CEA}" type="pres">
+      <dgm:prSet presAssocID="{4FE209E2-F23D-4E6E-9121-66FA6D230547}" presName="composite" presStyleCnt="0"/>
+      <dgm:spPr/>
+    </dgm:pt>
+    <dgm:pt modelId="{8560437A-E06E-47F7-9E14-8B89ACA6FB0D}" type="pres">
+      <dgm:prSet presAssocID="{4FE209E2-F23D-4E6E-9121-66FA6D230547}" presName="parTx" presStyleLbl="node1" presStyleIdx="2" presStyleCnt="4">
+        <dgm:presLayoutVars>
+          <dgm:chMax val="0"/>
+          <dgm:chPref val="0"/>
+          <dgm:bulletEnabled val="1"/>
+        </dgm:presLayoutVars>
+      </dgm:prSet>
+      <dgm:spPr/>
+    </dgm:pt>
+    <dgm:pt modelId="{8C2D458E-6B96-44F8-BF2C-27B0CF32B5DE}" type="pres">
+      <dgm:prSet presAssocID="{4FE209E2-F23D-4E6E-9121-66FA6D230547}" presName="parSh" presStyleLbl="node1" presStyleIdx="3" presStyleCnt="4"/>
+      <dgm:spPr/>
+    </dgm:pt>
+    <dgm:pt modelId="{97896662-1402-4243-AB55-D87317B009E3}" type="pres">
+      <dgm:prSet presAssocID="{4FE209E2-F23D-4E6E-9121-66FA6D230547}" presName="desTx" presStyleLbl="fgAcc1" presStyleIdx="3" presStyleCnt="4">
+        <dgm:presLayoutVars>
+          <dgm:bulletEnabled val="1"/>
+        </dgm:presLayoutVars>
+      </dgm:prSet>
+      <dgm:spPr/>
+    </dgm:pt>
+  </dgm:ptLst>
+  <dgm:cxnLst>
+    <dgm:cxn modelId="{29B1B902-49E3-41BA-A3BA-BE0FB049B049}" type="presOf" srcId="{06EE5020-E9F9-4095-902C-C5018AFE42B1}" destId="{796E3252-24D6-476C-9C5E-94323BAC57C7}" srcOrd="0" destOrd="0" presId="urn:microsoft.com/office/officeart/2005/8/layout/process3"/>
+    <dgm:cxn modelId="{240F0404-469F-4760-9B76-9D4C3A625F10}" srcId="{DBD4A906-238D-4D40-BDCB-CA21711E048A}" destId="{DC26DF5E-1B8C-4169-B06B-DE0A66359AC8}" srcOrd="0" destOrd="0" parTransId="{6AA15E54-4CF5-4B3B-93CE-3FC0D7AF28E4}" sibTransId="{09DC89E2-C43E-4A70-8117-4EDFD8CBFA0E}"/>
+    <dgm:cxn modelId="{3861CE04-4EE9-4AE7-BA72-36B648D44BD2}" srcId="{06EE5020-E9F9-4095-902C-C5018AFE42B1}" destId="{CB18501D-8F48-4B55-A124-5BE45EC7863D}" srcOrd="2" destOrd="0" parTransId="{0E090466-930C-48BC-B51B-914729866523}" sibTransId="{B6E2F6AE-0FE9-495A-989F-9E5889270D23}"/>
+    <dgm:cxn modelId="{00408707-0B22-48C3-940E-990139CEEF02}" type="presOf" srcId="{DBD4A906-238D-4D40-BDCB-CA21711E048A}" destId="{0A8D54C4-8E72-42E1-9940-954D8D75CD6D}" srcOrd="1" destOrd="0" presId="urn:microsoft.com/office/officeart/2005/8/layout/process3"/>
+    <dgm:cxn modelId="{6EEAD60A-89F8-44AE-B051-D4D3F0867295}" type="presOf" srcId="{640F7553-4FDD-4178-9FA8-6A4371651F29}" destId="{444A0598-AC5D-4A2E-A328-32354DEEE3E7}" srcOrd="0" destOrd="0" presId="urn:microsoft.com/office/officeart/2005/8/layout/process3"/>
+    <dgm:cxn modelId="{3757C00F-AC14-4E6A-9A8F-4B2A89A1B5C7}" type="presOf" srcId="{5CFB1132-D5AD-451A-8913-F2FB346C8386}" destId="{97896662-1402-4243-AB55-D87317B009E3}" srcOrd="0" destOrd="0" presId="urn:microsoft.com/office/officeart/2005/8/layout/process3"/>
+    <dgm:cxn modelId="{DEBED110-CC4B-4F6C-B168-9CEF77A0FE4E}" srcId="{4FE209E2-F23D-4E6E-9121-66FA6D230547}" destId="{5CFB1132-D5AD-451A-8913-F2FB346C8386}" srcOrd="0" destOrd="0" parTransId="{6DF98B6A-68B3-4BBD-B0D9-524DF7C63108}" sibTransId="{DF9235D8-7464-4AEF-9D19-3540AE84BC8B}"/>
+    <dgm:cxn modelId="{E039851A-7728-4FA7-BE63-FFF81C375B42}" type="presOf" srcId="{4FE209E2-F23D-4E6E-9121-66FA6D230547}" destId="{8C2D458E-6B96-44F8-BF2C-27B0CF32B5DE}" srcOrd="1" destOrd="0" presId="urn:microsoft.com/office/officeart/2005/8/layout/process3"/>
+    <dgm:cxn modelId="{B861381E-17AB-4289-A5F2-726F15BF1F18}" type="presOf" srcId="{4FE209E2-F23D-4E6E-9121-66FA6D230547}" destId="{8560437A-E06E-47F7-9E14-8B89ACA6FB0D}" srcOrd="0" destOrd="0" presId="urn:microsoft.com/office/officeart/2005/8/layout/process3"/>
+    <dgm:cxn modelId="{5423D866-12CE-4159-9B57-BA7E7CE44137}" type="presOf" srcId="{75A91941-87BA-4EB0-BB95-BB3F9DADEE74}" destId="{7728B8D5-BE46-4AF0-814A-83BBCBF21DDA}" srcOrd="1" destOrd="0" presId="urn:microsoft.com/office/officeart/2005/8/layout/process3"/>
+    <dgm:cxn modelId="{C1D99E72-2433-4140-868C-BDA4C56CAAB1}" type="presOf" srcId="{B6E2F6AE-0FE9-495A-989F-9E5889270D23}" destId="{44FBEDCC-96DA-42C2-90DA-0CD85D547E43}" srcOrd="1" destOrd="0" presId="urn:microsoft.com/office/officeart/2005/8/layout/process3"/>
+    <dgm:cxn modelId="{8D20E073-322C-4BD8-9B33-7694B92738A5}" type="presOf" srcId="{75A91941-87BA-4EB0-BB95-BB3F9DADEE74}" destId="{01FCC72A-1933-43FE-A4CB-E7635BE8CF75}" srcOrd="0" destOrd="0" presId="urn:microsoft.com/office/officeart/2005/8/layout/process3"/>
+    <dgm:cxn modelId="{183C2459-96BA-49CD-AD81-24FE777920DA}" type="presOf" srcId="{84E1554B-D90F-435D-BECF-C8B195E51F5F}" destId="{E143718B-B7B2-4D3E-8451-3D0DAA4C9B47}" srcOrd="0" destOrd="0" presId="urn:microsoft.com/office/officeart/2005/8/layout/process3"/>
+    <dgm:cxn modelId="{F572C68A-4579-4663-B533-D601279C4F4B}" type="presOf" srcId="{DBD4A906-238D-4D40-BDCB-CA21711E048A}" destId="{03CCBBFD-85B2-44F4-8A75-5E2D849DB336}" srcOrd="0" destOrd="0" presId="urn:microsoft.com/office/officeart/2005/8/layout/process3"/>
+    <dgm:cxn modelId="{B47E5692-0CA1-4A07-9410-C7FEAC461FED}" type="presOf" srcId="{DC26DF5E-1B8C-4169-B06B-DE0A66359AC8}" destId="{99B03793-D590-41A4-969E-D3DCE5B3E134}" srcOrd="0" destOrd="0" presId="urn:microsoft.com/office/officeart/2005/8/layout/process3"/>
+    <dgm:cxn modelId="{45AFEF9D-51C6-4A12-8FB8-F894B0D84FD7}" type="presOf" srcId="{84E1554B-D90F-435D-BECF-C8B195E51F5F}" destId="{0A81BF88-B894-46C9-9CBD-A502F431098E}" srcOrd="1" destOrd="0" presId="urn:microsoft.com/office/officeart/2005/8/layout/process3"/>
+    <dgm:cxn modelId="{386672A1-7929-4779-9E50-4CC4D4BB9ED8}" type="presOf" srcId="{B6E2F6AE-0FE9-495A-989F-9E5889270D23}" destId="{41B8CDD3-7D96-4C18-904C-973DE052D92F}" srcOrd="0" destOrd="0" presId="urn:microsoft.com/office/officeart/2005/8/layout/process3"/>
+    <dgm:cxn modelId="{0CCDFAAB-368E-4585-AB77-0BA38DFC4C2C}" srcId="{06EE5020-E9F9-4095-902C-C5018AFE42B1}" destId="{DBD4A906-238D-4D40-BDCB-CA21711E048A}" srcOrd="1" destOrd="0" parTransId="{739E1F2B-9DB2-4BAC-96CC-55A988D12C53}" sibTransId="{84E1554B-D90F-435D-BECF-C8B195E51F5F}"/>
+    <dgm:cxn modelId="{A205B1B9-D093-4A9B-9758-1BCFCFD19F19}" type="presOf" srcId="{1DFCD85B-7142-4470-96BF-09AA571BB4B6}" destId="{59A3A042-6FBD-40F5-9946-95A418BED4A9}" srcOrd="0" destOrd="0" presId="urn:microsoft.com/office/officeart/2005/8/layout/process3"/>
+    <dgm:cxn modelId="{05AEBDBC-B959-456D-95DC-77BF486A6334}" type="presOf" srcId="{800585CF-5D90-44F5-AD61-93FF099745F2}" destId="{A7FE2610-8B89-4059-8DEB-863B22A760D0}" srcOrd="0" destOrd="0" presId="urn:microsoft.com/office/officeart/2005/8/layout/process3"/>
+    <dgm:cxn modelId="{54879ECD-8650-43D8-B950-AA90C6B9E468}" type="presOf" srcId="{CB18501D-8F48-4B55-A124-5BE45EC7863D}" destId="{EEC0CC04-D878-4010-BB2A-728B06A6CCCF}" srcOrd="1" destOrd="0" presId="urn:microsoft.com/office/officeart/2005/8/layout/process3"/>
+    <dgm:cxn modelId="{5AA22CD3-E2FB-448D-9324-C89817CF56D7}" type="presOf" srcId="{640F7553-4FDD-4178-9FA8-6A4371651F29}" destId="{A540E7BD-0A0B-4503-B628-3FD2B0A9F559}" srcOrd="1" destOrd="0" presId="urn:microsoft.com/office/officeart/2005/8/layout/process3"/>
+    <dgm:cxn modelId="{D10373D7-941C-49CC-9DCC-4DA32C782823}" srcId="{06EE5020-E9F9-4095-902C-C5018AFE42B1}" destId="{75A91941-87BA-4EB0-BB95-BB3F9DADEE74}" srcOrd="0" destOrd="0" parTransId="{97037BD9-2426-4238-B60A-FE10504AC529}" sibTransId="{640F7553-4FDD-4178-9FA8-6A4371651F29}"/>
+    <dgm:cxn modelId="{C56D37F0-BBB6-4869-AF25-58B662C5C107}" srcId="{CB18501D-8F48-4B55-A124-5BE45EC7863D}" destId="{800585CF-5D90-44F5-AD61-93FF099745F2}" srcOrd="0" destOrd="0" parTransId="{1F93234E-4ECE-4BB1-8385-C3935A28BBD0}" sibTransId="{E7CE6680-DB1C-45E1-8310-327B13E77CC8}"/>
+    <dgm:cxn modelId="{9AC340F0-4F08-4673-9709-AC96D72534A6}" srcId="{06EE5020-E9F9-4095-902C-C5018AFE42B1}" destId="{4FE209E2-F23D-4E6E-9121-66FA6D230547}" srcOrd="3" destOrd="0" parTransId="{C1D91325-5F97-4A0C-B0D0-320B6CD15ED8}" sibTransId="{AE115D38-2C51-433C-84E9-6F0015D81E22}"/>
+    <dgm:cxn modelId="{261ECBF6-C8BE-4C63-8034-6682874933DD}" srcId="{75A91941-87BA-4EB0-BB95-BB3F9DADEE74}" destId="{1DFCD85B-7142-4470-96BF-09AA571BB4B6}" srcOrd="0" destOrd="0" parTransId="{579DA230-875B-43A9-B8D6-34D685151DFF}" sibTransId="{380A0788-5439-4C44-A8F2-DCDE066B669D}"/>
+    <dgm:cxn modelId="{C597EFF8-8153-44C5-A4B8-3BB1CCBEF778}" type="presOf" srcId="{CB18501D-8F48-4B55-A124-5BE45EC7863D}" destId="{DFAF3ED3-8B10-453A-B502-68A7B424C0CA}" srcOrd="0" destOrd="0" presId="urn:microsoft.com/office/officeart/2005/8/layout/process3"/>
+    <dgm:cxn modelId="{5BB09D69-164E-43CC-B386-D86557933769}" type="presParOf" srcId="{796E3252-24D6-476C-9C5E-94323BAC57C7}" destId="{655817DF-E6F0-48A0-994A-11AD8982F4DC}" srcOrd="0" destOrd="0" presId="urn:microsoft.com/office/officeart/2005/8/layout/process3"/>
+    <dgm:cxn modelId="{90C11FD1-E4B8-41AA-BD90-7C48EF12A56F}" type="presParOf" srcId="{655817DF-E6F0-48A0-994A-11AD8982F4DC}" destId="{01FCC72A-1933-43FE-A4CB-E7635BE8CF75}" srcOrd="0" destOrd="0" presId="urn:microsoft.com/office/officeart/2005/8/layout/process3"/>
+    <dgm:cxn modelId="{152CC842-32D1-4CE0-BF2A-A10EB842837E}" type="presParOf" srcId="{655817DF-E6F0-48A0-994A-11AD8982F4DC}" destId="{7728B8D5-BE46-4AF0-814A-83BBCBF21DDA}" srcOrd="1" destOrd="0" presId="urn:microsoft.com/office/officeart/2005/8/layout/process3"/>
+    <dgm:cxn modelId="{18370DD4-57B1-43B1-A7CF-9B016E92BF22}" type="presParOf" srcId="{655817DF-E6F0-48A0-994A-11AD8982F4DC}" destId="{59A3A042-6FBD-40F5-9946-95A418BED4A9}" srcOrd="2" destOrd="0" presId="urn:microsoft.com/office/officeart/2005/8/layout/process3"/>
+    <dgm:cxn modelId="{6555D583-EF5A-4615-ADD6-98F0D9FADADB}" type="presParOf" srcId="{796E3252-24D6-476C-9C5E-94323BAC57C7}" destId="{444A0598-AC5D-4A2E-A328-32354DEEE3E7}" srcOrd="1" destOrd="0" presId="urn:microsoft.com/office/officeart/2005/8/layout/process3"/>
+    <dgm:cxn modelId="{CE3FA6A3-9F69-47DA-ABCE-A9B90BA85E01}" type="presParOf" srcId="{444A0598-AC5D-4A2E-A328-32354DEEE3E7}" destId="{A540E7BD-0A0B-4503-B628-3FD2B0A9F559}" srcOrd="0" destOrd="0" presId="urn:microsoft.com/office/officeart/2005/8/layout/process3"/>
+    <dgm:cxn modelId="{D5227950-5F23-4E30-8793-E58DBEDDB0C0}" type="presParOf" srcId="{796E3252-24D6-476C-9C5E-94323BAC57C7}" destId="{4DF6C866-B541-47DC-807D-6655B59CC4D7}" srcOrd="2" destOrd="0" presId="urn:microsoft.com/office/officeart/2005/8/layout/process3"/>
+    <dgm:cxn modelId="{E1AB1E36-36C5-4096-A317-F3C8A7B956A4}" type="presParOf" srcId="{4DF6C866-B541-47DC-807D-6655B59CC4D7}" destId="{03CCBBFD-85B2-44F4-8A75-5E2D849DB336}" srcOrd="0" destOrd="0" presId="urn:microsoft.com/office/officeart/2005/8/layout/process3"/>
+    <dgm:cxn modelId="{3E3B82C4-6F9E-4941-82FC-22566B05EB26}" type="presParOf" srcId="{4DF6C866-B541-47DC-807D-6655B59CC4D7}" destId="{0A8D54C4-8E72-42E1-9940-954D8D75CD6D}" srcOrd="1" destOrd="0" presId="urn:microsoft.com/office/officeart/2005/8/layout/process3"/>
+    <dgm:cxn modelId="{B174414B-9BE4-45FC-B98C-EA92EBBAF912}" type="presParOf" srcId="{4DF6C866-B541-47DC-807D-6655B59CC4D7}" destId="{99B03793-D590-41A4-969E-D3DCE5B3E134}" srcOrd="2" destOrd="0" presId="urn:microsoft.com/office/officeart/2005/8/layout/process3"/>
+    <dgm:cxn modelId="{8E0C954B-101B-4BEE-BFF4-DE87AA70B280}" type="presParOf" srcId="{796E3252-24D6-476C-9C5E-94323BAC57C7}" destId="{E143718B-B7B2-4D3E-8451-3D0DAA4C9B47}" srcOrd="3" destOrd="0" presId="urn:microsoft.com/office/officeart/2005/8/layout/process3"/>
+    <dgm:cxn modelId="{E9F7953D-B176-4547-9F18-16C65891B80E}" type="presParOf" srcId="{E143718B-B7B2-4D3E-8451-3D0DAA4C9B47}" destId="{0A81BF88-B894-46C9-9CBD-A502F431098E}" srcOrd="0" destOrd="0" presId="urn:microsoft.com/office/officeart/2005/8/layout/process3"/>
+    <dgm:cxn modelId="{0D020C98-0959-4AB0-A5E5-0D0D1EFE36CB}" type="presParOf" srcId="{796E3252-24D6-476C-9C5E-94323BAC57C7}" destId="{0E69DA09-A6F5-4D37-B00B-7D01037C8886}" srcOrd="4" destOrd="0" presId="urn:microsoft.com/office/officeart/2005/8/layout/process3"/>
+    <dgm:cxn modelId="{4F9F130F-4E37-4280-AAC7-35546477D7A9}" type="presParOf" srcId="{0E69DA09-A6F5-4D37-B00B-7D01037C8886}" destId="{DFAF3ED3-8B10-453A-B502-68A7B424C0CA}" srcOrd="0" destOrd="0" presId="urn:microsoft.com/office/officeart/2005/8/layout/process3"/>
+    <dgm:cxn modelId="{F433CE15-D9E1-44BD-BFEC-CB04C7573B23}" type="presParOf" srcId="{0E69DA09-A6F5-4D37-B00B-7D01037C8886}" destId="{EEC0CC04-D878-4010-BB2A-728B06A6CCCF}" srcOrd="1" destOrd="0" presId="urn:microsoft.com/office/officeart/2005/8/layout/process3"/>
+    <dgm:cxn modelId="{1C2A891F-30CC-4A53-9637-78415D296312}" type="presParOf" srcId="{0E69DA09-A6F5-4D37-B00B-7D01037C8886}" destId="{A7FE2610-8B89-4059-8DEB-863B22A760D0}" srcOrd="2" destOrd="0" presId="urn:microsoft.com/office/officeart/2005/8/layout/process3"/>
+    <dgm:cxn modelId="{194DBF82-5861-4399-B94D-096B42A2063B}" type="presParOf" srcId="{796E3252-24D6-476C-9C5E-94323BAC57C7}" destId="{41B8CDD3-7D96-4C18-904C-973DE052D92F}" srcOrd="5" destOrd="0" presId="urn:microsoft.com/office/officeart/2005/8/layout/process3"/>
+    <dgm:cxn modelId="{0323B642-1313-4D78-A91A-ADC79DEBF898}" type="presParOf" srcId="{41B8CDD3-7D96-4C18-904C-973DE052D92F}" destId="{44FBEDCC-96DA-42C2-90DA-0CD85D547E43}" srcOrd="0" destOrd="0" presId="urn:microsoft.com/office/officeart/2005/8/layout/process3"/>
+    <dgm:cxn modelId="{41B702EB-54D3-4BB5-8ABA-DFE85475ECB7}" type="presParOf" srcId="{796E3252-24D6-476C-9C5E-94323BAC57C7}" destId="{B872882B-0440-4E85-BDAF-0B16AB9B6CEA}" srcOrd="6" destOrd="0" presId="urn:microsoft.com/office/officeart/2005/8/layout/process3"/>
+    <dgm:cxn modelId="{C3326A61-A71D-41C6-BC6B-B277AD96B1C7}" type="presParOf" srcId="{B872882B-0440-4E85-BDAF-0B16AB9B6CEA}" destId="{8560437A-E06E-47F7-9E14-8B89ACA6FB0D}" srcOrd="0" destOrd="0" presId="urn:microsoft.com/office/officeart/2005/8/layout/process3"/>
+    <dgm:cxn modelId="{B66070B4-5CD2-40CD-861B-AB296ABED176}" type="presParOf" srcId="{B872882B-0440-4E85-BDAF-0B16AB9B6CEA}" destId="{8C2D458E-6B96-44F8-BF2C-27B0CF32B5DE}" srcOrd="1" destOrd="0" presId="urn:microsoft.com/office/officeart/2005/8/layout/process3"/>
+    <dgm:cxn modelId="{49187CC7-FE0D-40CB-8470-19524ED6DD0B}" type="presParOf" srcId="{B872882B-0440-4E85-BDAF-0B16AB9B6CEA}" destId="{97896662-1402-4243-AB55-D87317B009E3}" srcOrd="2" destOrd="0" presId="urn:microsoft.com/office/officeart/2005/8/layout/process3"/>
+  </dgm:cxnLst>
+  <dgm:bg/>
+  <dgm:whole/>
+  <dgm:extLst>
+    <a:ext uri="http://schemas.microsoft.com/office/drawing/2008/diagram">
+      <dsp:dataModelExt xmlns:dsp="http://schemas.microsoft.com/office/drawing/2008/diagram" relId="rId6" minVer="http://schemas.openxmlformats.org/drawingml/2006/diagram"/>
+    </a:ext>
+  </dgm:extLst>
+</dgm:dataModel>
+</file>
+
+<file path=ppt/diagrams/data2.xml><?xml version="1.0" encoding="utf-8"?>
+<dgm:dataModel xmlns:dgm="http://schemas.openxmlformats.org/drawingml/2006/diagram" xmlns:a="http://schemas.openxmlformats.org/drawingml/2006/main">
+  <dgm:ptLst>
+    <dgm:pt modelId="{5A12AA84-0C66-4ACF-8981-F885398D858C}" type="doc">
+      <dgm:prSet loTypeId="urn:microsoft.com/office/officeart/2018/2/layout/IconVerticalSolidList" loCatId="icon" qsTypeId="urn:microsoft.com/office/officeart/2005/8/quickstyle/simple1" qsCatId="simple" csTypeId="urn:microsoft.com/office/officeart/2018/5/colors/Iconchunking_neutralbg_colorful1" csCatId="colorful" phldr="1"/>
+      <dgm:spPr/>
+      <dgm:t>
+        <a:bodyPr/>
+        <a:lstStyle/>
+        <a:p>
+          <a:endParaRPr lang="en-US"/>
+        </a:p>
+      </dgm:t>
+    </dgm:pt>
+    <dgm:pt modelId="{291CCB82-38FF-46D3-ACA6-F317E32D6347}">
+      <dgm:prSet/>
+      <dgm:spPr/>
+      <dgm:t>
+        <a:bodyPr/>
+        <a:lstStyle/>
+        <a:p>
+          <a:r>
+            <a:rPr lang="fr-FR" b="1" dirty="0"/>
+            <a:t>Obstacles</a:t>
+          </a:r>
+        </a:p>
+        <a:p>
+          <a:r>
+            <a:rPr lang="fr-FR" dirty="0" err="1"/>
+            <a:t>Choosing</a:t>
+          </a:r>
+          <a:r>
+            <a:rPr lang="fr-FR" dirty="0"/>
+            <a:t> the right </a:t>
+          </a:r>
+          <a:r>
+            <a:rPr lang="fr-FR" dirty="0" err="1"/>
+            <a:t>website</a:t>
+          </a:r>
+          <a:r>
+            <a:rPr lang="fr-FR" dirty="0"/>
+            <a:t> and </a:t>
+          </a:r>
+          <a:r>
+            <a:rPr lang="fr-FR" dirty="0" err="1"/>
+            <a:t>scrapping</a:t>
+          </a:r>
+          <a:r>
+            <a:rPr lang="fr-FR" dirty="0"/>
+            <a:t> </a:t>
+          </a:r>
+          <a:r>
+            <a:rPr lang="fr-FR" dirty="0" err="1"/>
+            <a:t>method</a:t>
+          </a:r>
+          <a:r>
+            <a:rPr lang="fr-FR" dirty="0"/>
+            <a:t> </a:t>
+          </a:r>
+          <a:endParaRPr lang="en-US" dirty="0"/>
+        </a:p>
+      </dgm:t>
+    </dgm:pt>
+    <dgm:pt modelId="{B66D4A25-3EC9-43D3-949A-296F30EDFCCC}" type="parTrans" cxnId="{3FFA9317-79F5-4AE2-98F7-900511E6E86E}">
+      <dgm:prSet/>
+      <dgm:spPr/>
+      <dgm:t>
+        <a:bodyPr/>
+        <a:lstStyle/>
+        <a:p>
+          <a:endParaRPr lang="en-US"/>
+        </a:p>
+      </dgm:t>
+    </dgm:pt>
+    <dgm:pt modelId="{6BB95E0B-BF36-4923-87B1-CE2B0FAA5028}" type="sibTrans" cxnId="{3FFA9317-79F5-4AE2-98F7-900511E6E86E}">
+      <dgm:prSet/>
+      <dgm:spPr/>
+      <dgm:t>
+        <a:bodyPr/>
+        <a:lstStyle/>
+        <a:p>
+          <a:endParaRPr lang="en-US"/>
+        </a:p>
+      </dgm:t>
+    </dgm:pt>
+    <dgm:pt modelId="{F20BDE87-41D7-4D44-B230-56CDE91C5694}">
+      <dgm:prSet/>
+      <dgm:spPr/>
+      <dgm:t>
+        <a:bodyPr/>
+        <a:lstStyle/>
+        <a:p>
+          <a:r>
+            <a:rPr lang="fr-FR" b="1" dirty="0" err="1"/>
+            <a:t>Learnings</a:t>
+          </a:r>
+          <a:endParaRPr lang="fr-FR" b="1" dirty="0"/>
+        </a:p>
+        <a:p>
+          <a:r>
+            <a:rPr lang="fr-FR" dirty="0"/>
+            <a:t>How a </a:t>
+          </a:r>
+          <a:r>
+            <a:rPr lang="fr-FR" dirty="0" err="1"/>
+            <a:t>website</a:t>
+          </a:r>
+          <a:r>
+            <a:rPr lang="fr-FR" dirty="0"/>
+            <a:t> </a:t>
+          </a:r>
+          <a:r>
+            <a:rPr lang="fr-FR" dirty="0" err="1"/>
+            <a:t>is</a:t>
+          </a:r>
+          <a:r>
+            <a:rPr lang="fr-FR" dirty="0"/>
+            <a:t> </a:t>
+          </a:r>
+          <a:r>
+            <a:rPr lang="fr-FR" dirty="0" err="1"/>
+            <a:t>structured</a:t>
+          </a:r>
+          <a:endParaRPr lang="fr-FR" dirty="0"/>
+        </a:p>
+        <a:p>
+          <a:r>
+            <a:rPr lang="fr-FR" dirty="0"/>
+            <a:t>How to clean a </a:t>
+          </a:r>
+          <a:r>
+            <a:rPr lang="fr-FR" dirty="0" err="1"/>
+            <a:t>json</a:t>
+          </a:r>
+          <a:r>
+            <a:rPr lang="fr-FR" dirty="0"/>
+            <a:t> output </a:t>
+          </a:r>
+        </a:p>
+        <a:p>
+          <a:r>
+            <a:rPr lang="fr-FR" dirty="0" err="1"/>
+            <a:t>Better</a:t>
+          </a:r>
+          <a:r>
+            <a:rPr lang="fr-FR" dirty="0"/>
+            <a:t> </a:t>
+          </a:r>
+          <a:r>
+            <a:rPr lang="fr-FR" dirty="0" err="1"/>
+            <a:t>understand</a:t>
+          </a:r>
+          <a:r>
+            <a:rPr lang="fr-FR" dirty="0"/>
+            <a:t> </a:t>
+          </a:r>
+          <a:r>
+            <a:rPr lang="fr-FR" dirty="0" err="1"/>
+            <a:t>functions</a:t>
+          </a:r>
+          <a:r>
+            <a:rPr lang="fr-FR" dirty="0"/>
+            <a:t> and data pipelines</a:t>
+          </a:r>
+          <a:endParaRPr lang="en-US" dirty="0"/>
+        </a:p>
+      </dgm:t>
+    </dgm:pt>
+    <dgm:pt modelId="{6F884269-5CAD-4D48-A62F-A607E562BFFD}" type="parTrans" cxnId="{69E0424B-2FB9-43F4-9E35-51154A941E93}">
+      <dgm:prSet/>
+      <dgm:spPr/>
+      <dgm:t>
+        <a:bodyPr/>
+        <a:lstStyle/>
+        <a:p>
+          <a:endParaRPr lang="en-US"/>
+        </a:p>
+      </dgm:t>
+    </dgm:pt>
+    <dgm:pt modelId="{B848DFD5-F510-4084-B240-FBFFC1EDF5D3}" type="sibTrans" cxnId="{69E0424B-2FB9-43F4-9E35-51154A941E93}">
+      <dgm:prSet/>
+      <dgm:spPr/>
+      <dgm:t>
+        <a:bodyPr/>
+        <a:lstStyle/>
+        <a:p>
+          <a:endParaRPr lang="en-US"/>
+        </a:p>
+      </dgm:t>
+    </dgm:pt>
+    <dgm:pt modelId="{ED64BB36-8797-4BAF-AAD6-CBFC49B94736}">
+      <dgm:prSet/>
+      <dgm:spPr/>
+      <dgm:t>
+        <a:bodyPr/>
+        <a:lstStyle/>
+        <a:p>
+          <a:r>
+            <a:rPr lang="fr-FR" b="1" dirty="0" err="1"/>
+            <a:t>Improvements</a:t>
+          </a:r>
+          <a:endParaRPr lang="fr-FR" b="1" dirty="0"/>
+        </a:p>
+        <a:p>
+          <a:r>
+            <a:rPr lang="fr-FR" dirty="0" err="1"/>
+            <a:t>Scrapping</a:t>
+          </a:r>
+          <a:r>
+            <a:rPr lang="fr-FR" dirty="0"/>
+            <a:t> </a:t>
+          </a:r>
+          <a:r>
+            <a:rPr lang="fr-FR" dirty="0" err="1"/>
+            <a:t>competitors</a:t>
+          </a:r>
+          <a:r>
+            <a:rPr lang="fr-FR" dirty="0"/>
+            <a:t> </a:t>
+          </a:r>
+          <a:r>
+            <a:rPr lang="fr-FR" dirty="0" err="1"/>
+            <a:t>websites</a:t>
+          </a:r>
+          <a:r>
+            <a:rPr lang="fr-FR" dirty="0"/>
+            <a:t> </a:t>
+          </a:r>
+          <a:endParaRPr lang="en-US" dirty="0"/>
+        </a:p>
+      </dgm:t>
+    </dgm:pt>
+    <dgm:pt modelId="{FDD0C052-B12F-44CA-B099-4AE5C8EF7264}" type="parTrans" cxnId="{955FED3F-C615-42D7-9A3B-D97AA4A85F69}">
+      <dgm:prSet/>
+      <dgm:spPr/>
+      <dgm:t>
+        <a:bodyPr/>
+        <a:lstStyle/>
+        <a:p>
+          <a:endParaRPr lang="en-US"/>
+        </a:p>
+      </dgm:t>
+    </dgm:pt>
+    <dgm:pt modelId="{C157DD19-2D54-4005-B558-6AF8EEF90BAB}" type="sibTrans" cxnId="{955FED3F-C615-42D7-9A3B-D97AA4A85F69}">
+      <dgm:prSet/>
+      <dgm:spPr/>
+      <dgm:t>
+        <a:bodyPr/>
+        <a:lstStyle/>
+        <a:p>
+          <a:endParaRPr lang="en-US"/>
+        </a:p>
+      </dgm:t>
+    </dgm:pt>
+    <dgm:pt modelId="{01340E91-7DD4-45EE-BD36-CCB4EC749018}" type="pres">
+      <dgm:prSet presAssocID="{5A12AA84-0C66-4ACF-8981-F885398D858C}" presName="root" presStyleCnt="0">
+        <dgm:presLayoutVars>
+          <dgm:dir/>
+          <dgm:resizeHandles val="exact"/>
+        </dgm:presLayoutVars>
+      </dgm:prSet>
+      <dgm:spPr/>
+    </dgm:pt>
+    <dgm:pt modelId="{474BD1B1-7E09-47BC-B1D4-10C3353A19A2}" type="pres">
+      <dgm:prSet presAssocID="{291CCB82-38FF-46D3-ACA6-F317E32D6347}" presName="compNode" presStyleCnt="0"/>
+      <dgm:spPr/>
+    </dgm:pt>
+    <dgm:pt modelId="{712D4D8A-B49B-455B-85D6-96B109BA0103}" type="pres">
+      <dgm:prSet presAssocID="{291CCB82-38FF-46D3-ACA6-F317E32D6347}" presName="bgRect" presStyleLbl="bgShp" presStyleIdx="0" presStyleCnt="3"/>
+      <dgm:spPr/>
+    </dgm:pt>
+    <dgm:pt modelId="{D0444015-BCEA-474A-B674-5EB60BBCD89D}" type="pres">
+      <dgm:prSet presAssocID="{291CCB82-38FF-46D3-ACA6-F317E32D6347}" presName="iconRect" presStyleLbl="node1" presStyleIdx="0" presStyleCnt="3" custLinFactNeighborX="-7392" custLinFactNeighborY="-1232"/>
+      <dgm:spPr>
+        <a:blipFill>
+          <a:blip xmlns:r="http://schemas.openxmlformats.org/officeDocument/2006/relationships" r:embed="rId1">
+            <a:extLst>
+              <a:ext uri="{28A0092B-C50C-407E-A947-70E740481C1C}">
+                <a14:useLocalDpi xmlns:a14="http://schemas.microsoft.com/office/drawing/2010/main" val="0"/>
+              </a:ext>
+              <a:ext uri="{96DAC541-7B7A-43D3-8B79-37D633B846F1}">
+                <asvg:svgBlip xmlns:asvg="http://schemas.microsoft.com/office/drawing/2016/SVG/main" r:embed="rId2"/>
+              </a:ext>
+            </a:extLst>
+          </a:blip>
+          <a:stretch>
+            <a:fillRect/>
+          </a:stretch>
+        </a:blipFill>
+        <a:ln>
+          <a:noFill/>
+        </a:ln>
+      </dgm:spPr>
+      <dgm:extLst>
+        <a:ext uri="{E40237B7-FDA0-4F09-8148-C483321AD2D9}">
+          <dgm14:cNvPr xmlns:dgm14="http://schemas.microsoft.com/office/drawing/2010/diagram" id="0" name="" descr="Forbidden"/>
+        </a:ext>
+      </dgm:extLst>
+    </dgm:pt>
+    <dgm:pt modelId="{EF8A1737-3323-48E0-BCED-3409E78BB7A7}" type="pres">
+      <dgm:prSet presAssocID="{291CCB82-38FF-46D3-ACA6-F317E32D6347}" presName="spaceRect" presStyleCnt="0"/>
+      <dgm:spPr/>
+    </dgm:pt>
+    <dgm:pt modelId="{ECAC56A5-54FC-4C25-92ED-C2FA10DBA868}" type="pres">
+      <dgm:prSet presAssocID="{291CCB82-38FF-46D3-ACA6-F317E32D6347}" presName="parTx" presStyleLbl="revTx" presStyleIdx="0" presStyleCnt="3">
+        <dgm:presLayoutVars>
+          <dgm:chMax val="0"/>
+          <dgm:chPref val="0"/>
+        </dgm:presLayoutVars>
+      </dgm:prSet>
+      <dgm:spPr/>
+    </dgm:pt>
+    <dgm:pt modelId="{61FC7BF9-3A1D-4525-8B19-FA920CC2F31E}" type="pres">
+      <dgm:prSet presAssocID="{6BB95E0B-BF36-4923-87B1-CE2B0FAA5028}" presName="sibTrans" presStyleCnt="0"/>
+      <dgm:spPr/>
+    </dgm:pt>
+    <dgm:pt modelId="{89F5DFFD-BDB5-475E-B3D1-C85BF1D1ECC8}" type="pres">
+      <dgm:prSet presAssocID="{F20BDE87-41D7-4D44-B230-56CDE91C5694}" presName="compNode" presStyleCnt="0"/>
+      <dgm:spPr/>
+    </dgm:pt>
+    <dgm:pt modelId="{181C9A17-AC0C-4B0F-84BC-83EA32386CC3}" type="pres">
+      <dgm:prSet presAssocID="{F20BDE87-41D7-4D44-B230-56CDE91C5694}" presName="bgRect" presStyleLbl="bgShp" presStyleIdx="1" presStyleCnt="3" custLinFactNeighborX="-1417" custLinFactNeighborY="-2985"/>
+      <dgm:spPr/>
+    </dgm:pt>
+    <dgm:pt modelId="{E515DD13-85B4-4DFB-AD96-1341399E0E1C}" type="pres">
+      <dgm:prSet presAssocID="{F20BDE87-41D7-4D44-B230-56CDE91C5694}" presName="iconRect" presStyleLbl="node1" presStyleIdx="1" presStyleCnt="3"/>
+      <dgm:spPr>
+        <a:blipFill>
+          <a:blip xmlns:r="http://schemas.openxmlformats.org/officeDocument/2006/relationships" r:embed="rId3">
+            <a:extLst>
+              <a:ext uri="{28A0092B-C50C-407E-A947-70E740481C1C}">
+                <a14:useLocalDpi xmlns:a14="http://schemas.microsoft.com/office/drawing/2010/main" val="0"/>
+              </a:ext>
+              <a:ext uri="{96DAC541-7B7A-43D3-8B79-37D633B846F1}">
+                <asvg:svgBlip xmlns:asvg="http://schemas.microsoft.com/office/drawing/2016/SVG/main" r:embed="rId4"/>
+              </a:ext>
+            </a:extLst>
+          </a:blip>
+          <a:stretch>
+            <a:fillRect/>
+          </a:stretch>
+        </a:blipFill>
+        <a:ln>
+          <a:noFill/>
+        </a:ln>
+      </dgm:spPr>
+      <dgm:extLst>
+        <a:ext uri="{E40237B7-FDA0-4F09-8148-C483321AD2D9}">
+          <dgm14:cNvPr xmlns:dgm14="http://schemas.microsoft.com/office/drawing/2010/diagram" id="0" name="" descr="Checkmark"/>
+        </a:ext>
+      </dgm:extLst>
+    </dgm:pt>
+    <dgm:pt modelId="{76C72C41-8B4B-4EFC-82C4-CC9AA7A1EB83}" type="pres">
+      <dgm:prSet presAssocID="{F20BDE87-41D7-4D44-B230-56CDE91C5694}" presName="spaceRect" presStyleCnt="0"/>
+      <dgm:spPr/>
+    </dgm:pt>
+    <dgm:pt modelId="{A0B7ECB8-79C0-4D4C-ABFD-9833DE48C07C}" type="pres">
+      <dgm:prSet presAssocID="{F20BDE87-41D7-4D44-B230-56CDE91C5694}" presName="parTx" presStyleLbl="revTx" presStyleIdx="1" presStyleCnt="3">
+        <dgm:presLayoutVars>
+          <dgm:chMax val="0"/>
+          <dgm:chPref val="0"/>
+        </dgm:presLayoutVars>
+      </dgm:prSet>
+      <dgm:spPr/>
+    </dgm:pt>
+    <dgm:pt modelId="{C831D063-4A2F-4706-A2F9-974245FB5F8F}" type="pres">
+      <dgm:prSet presAssocID="{B848DFD5-F510-4084-B240-FBFFC1EDF5D3}" presName="sibTrans" presStyleCnt="0"/>
+      <dgm:spPr/>
+    </dgm:pt>
+    <dgm:pt modelId="{8BD50F03-D6D0-42F5-B8FF-55D5A004B78E}" type="pres">
+      <dgm:prSet presAssocID="{ED64BB36-8797-4BAF-AAD6-CBFC49B94736}" presName="compNode" presStyleCnt="0"/>
+      <dgm:spPr/>
+    </dgm:pt>
+    <dgm:pt modelId="{7CEDF1FC-04AA-499F-AC2B-645A122B0F86}" type="pres">
+      <dgm:prSet presAssocID="{ED64BB36-8797-4BAF-AAD6-CBFC49B94736}" presName="bgRect" presStyleLbl="bgShp" presStyleIdx="2" presStyleCnt="3"/>
+      <dgm:spPr/>
+    </dgm:pt>
+    <dgm:pt modelId="{43275787-406B-4F82-A6C4-19C44AF26AB3}" type="pres">
+      <dgm:prSet presAssocID="{ED64BB36-8797-4BAF-AAD6-CBFC49B94736}" presName="iconRect" presStyleLbl="node1" presStyleIdx="2" presStyleCnt="3"/>
+      <dgm:spPr>
+        <a:blipFill>
+          <a:blip xmlns:r="http://schemas.openxmlformats.org/officeDocument/2006/relationships" r:embed="rId5">
+            <a:extLst>
+              <a:ext uri="{28A0092B-C50C-407E-A947-70E740481C1C}">
+                <a14:useLocalDpi xmlns:a14="http://schemas.microsoft.com/office/drawing/2010/main" val="0"/>
+              </a:ext>
+              <a:ext uri="{96DAC541-7B7A-43D3-8B79-37D633B846F1}">
+                <asvg:svgBlip xmlns:asvg="http://schemas.microsoft.com/office/drawing/2016/SVG/main" r:embed="rId6"/>
+              </a:ext>
+            </a:extLst>
+          </a:blip>
+          <a:stretch>
+            <a:fillRect/>
+          </a:stretch>
+        </a:blipFill>
+        <a:ln>
+          <a:noFill/>
+        </a:ln>
+      </dgm:spPr>
+      <dgm:extLst>
+        <a:ext uri="{E40237B7-FDA0-4F09-8148-C483321AD2D9}">
+          <dgm14:cNvPr xmlns:dgm14="http://schemas.microsoft.com/office/drawing/2010/diagram" id="0" name="" descr="Upward trend"/>
+        </a:ext>
+      </dgm:extLst>
+    </dgm:pt>
+    <dgm:pt modelId="{1C90F16F-BE33-4788-A34C-8F887249ADE1}" type="pres">
+      <dgm:prSet presAssocID="{ED64BB36-8797-4BAF-AAD6-CBFC49B94736}" presName="spaceRect" presStyleCnt="0"/>
+      <dgm:spPr/>
+    </dgm:pt>
+    <dgm:pt modelId="{BAC58A01-8259-48CC-9EBD-A4EE46E985D3}" type="pres">
+      <dgm:prSet presAssocID="{ED64BB36-8797-4BAF-AAD6-CBFC49B94736}" presName="parTx" presStyleLbl="revTx" presStyleIdx="2" presStyleCnt="3">
+        <dgm:presLayoutVars>
+          <dgm:chMax val="0"/>
+          <dgm:chPref val="0"/>
+        </dgm:presLayoutVars>
+      </dgm:prSet>
+      <dgm:spPr/>
+    </dgm:pt>
+  </dgm:ptLst>
+  <dgm:cxnLst>
+    <dgm:cxn modelId="{3FFA9317-79F5-4AE2-98F7-900511E6E86E}" srcId="{5A12AA84-0C66-4ACF-8981-F885398D858C}" destId="{291CCB82-38FF-46D3-ACA6-F317E32D6347}" srcOrd="0" destOrd="0" parTransId="{B66D4A25-3EC9-43D3-949A-296F30EDFCCC}" sibTransId="{6BB95E0B-BF36-4923-87B1-CE2B0FAA5028}"/>
+    <dgm:cxn modelId="{955FED3F-C615-42D7-9A3B-D97AA4A85F69}" srcId="{5A12AA84-0C66-4ACF-8981-F885398D858C}" destId="{ED64BB36-8797-4BAF-AAD6-CBFC49B94736}" srcOrd="2" destOrd="0" parTransId="{FDD0C052-B12F-44CA-B099-4AE5C8EF7264}" sibTransId="{C157DD19-2D54-4005-B558-6AF8EEF90BAB}"/>
+    <dgm:cxn modelId="{69E0424B-2FB9-43F4-9E35-51154A941E93}" srcId="{5A12AA84-0C66-4ACF-8981-F885398D858C}" destId="{F20BDE87-41D7-4D44-B230-56CDE91C5694}" srcOrd="1" destOrd="0" parTransId="{6F884269-5CAD-4D48-A62F-A607E562BFFD}" sibTransId="{B848DFD5-F510-4084-B240-FBFFC1EDF5D3}"/>
+    <dgm:cxn modelId="{EAF00A89-8978-498A-AEA9-F644A729EBE3}" type="presOf" srcId="{291CCB82-38FF-46D3-ACA6-F317E32D6347}" destId="{ECAC56A5-54FC-4C25-92ED-C2FA10DBA868}" srcOrd="0" destOrd="0" presId="urn:microsoft.com/office/officeart/2018/2/layout/IconVerticalSolidList"/>
+    <dgm:cxn modelId="{065EDAA3-D6D6-46D9-B840-DDE54C47ADDA}" type="presOf" srcId="{ED64BB36-8797-4BAF-AAD6-CBFC49B94736}" destId="{BAC58A01-8259-48CC-9EBD-A4EE46E985D3}" srcOrd="0" destOrd="0" presId="urn:microsoft.com/office/officeart/2018/2/layout/IconVerticalSolidList"/>
+    <dgm:cxn modelId="{C636B7B0-A449-4792-AD3E-2ADCDA45B2D0}" type="presOf" srcId="{F20BDE87-41D7-4D44-B230-56CDE91C5694}" destId="{A0B7ECB8-79C0-4D4C-ABFD-9833DE48C07C}" srcOrd="0" destOrd="0" presId="urn:microsoft.com/office/officeart/2018/2/layout/IconVerticalSolidList"/>
+    <dgm:cxn modelId="{455E54FD-C2E1-4BA2-B3A8-A08BA9CF9DAC}" type="presOf" srcId="{5A12AA84-0C66-4ACF-8981-F885398D858C}" destId="{01340E91-7DD4-45EE-BD36-CCB4EC749018}" srcOrd="0" destOrd="0" presId="urn:microsoft.com/office/officeart/2018/2/layout/IconVerticalSolidList"/>
+    <dgm:cxn modelId="{611E28B0-B0E5-42DE-AA91-456BE38392BA}" type="presParOf" srcId="{01340E91-7DD4-45EE-BD36-CCB4EC749018}" destId="{474BD1B1-7E09-47BC-B1D4-10C3353A19A2}" srcOrd="0" destOrd="0" presId="urn:microsoft.com/office/officeart/2018/2/layout/IconVerticalSolidList"/>
+    <dgm:cxn modelId="{2FC6D41A-63A0-4D43-ACC8-EB533D838AE6}" type="presParOf" srcId="{474BD1B1-7E09-47BC-B1D4-10C3353A19A2}" destId="{712D4D8A-B49B-455B-85D6-96B109BA0103}" srcOrd="0" destOrd="0" presId="urn:microsoft.com/office/officeart/2018/2/layout/IconVerticalSolidList"/>
+    <dgm:cxn modelId="{04B768DA-BE97-4A07-BB5B-12BFB3B1D3F4}" type="presParOf" srcId="{474BD1B1-7E09-47BC-B1D4-10C3353A19A2}" destId="{D0444015-BCEA-474A-B674-5EB60BBCD89D}" srcOrd="1" destOrd="0" presId="urn:microsoft.com/office/officeart/2018/2/layout/IconVerticalSolidList"/>
+    <dgm:cxn modelId="{31D3F396-A975-434A-804E-77BC794F6A28}" type="presParOf" srcId="{474BD1B1-7E09-47BC-B1D4-10C3353A19A2}" destId="{EF8A1737-3323-48E0-BCED-3409E78BB7A7}" srcOrd="2" destOrd="0" presId="urn:microsoft.com/office/officeart/2018/2/layout/IconVerticalSolidList"/>
+    <dgm:cxn modelId="{C4C94DD6-C1EB-42EE-8493-C31A361C283D}" type="presParOf" srcId="{474BD1B1-7E09-47BC-B1D4-10C3353A19A2}" destId="{ECAC56A5-54FC-4C25-92ED-C2FA10DBA868}" srcOrd="3" destOrd="0" presId="urn:microsoft.com/office/officeart/2018/2/layout/IconVerticalSolidList"/>
+    <dgm:cxn modelId="{F2AA223B-B079-4041-A5AE-95E0C42C9C11}" type="presParOf" srcId="{01340E91-7DD4-45EE-BD36-CCB4EC749018}" destId="{61FC7BF9-3A1D-4525-8B19-FA920CC2F31E}" srcOrd="1" destOrd="0" presId="urn:microsoft.com/office/officeart/2018/2/layout/IconVerticalSolidList"/>
+    <dgm:cxn modelId="{DF619FAC-AD55-43A8-A07F-B3B169029170}" type="presParOf" srcId="{01340E91-7DD4-45EE-BD36-CCB4EC749018}" destId="{89F5DFFD-BDB5-475E-B3D1-C85BF1D1ECC8}" srcOrd="2" destOrd="0" presId="urn:microsoft.com/office/officeart/2018/2/layout/IconVerticalSolidList"/>
+    <dgm:cxn modelId="{97453B84-2339-44BE-99B1-DAAED8E25D19}" type="presParOf" srcId="{89F5DFFD-BDB5-475E-B3D1-C85BF1D1ECC8}" destId="{181C9A17-AC0C-4B0F-84BC-83EA32386CC3}" srcOrd="0" destOrd="0" presId="urn:microsoft.com/office/officeart/2018/2/layout/IconVerticalSolidList"/>
+    <dgm:cxn modelId="{A8112E5A-43D1-4BE7-BFBD-C0916A088107}" type="presParOf" srcId="{89F5DFFD-BDB5-475E-B3D1-C85BF1D1ECC8}" destId="{E515DD13-85B4-4DFB-AD96-1341399E0E1C}" srcOrd="1" destOrd="0" presId="urn:microsoft.com/office/officeart/2018/2/layout/IconVerticalSolidList"/>
+    <dgm:cxn modelId="{52EA622D-225D-4928-AC6F-D378C90BC59C}" type="presParOf" srcId="{89F5DFFD-BDB5-475E-B3D1-C85BF1D1ECC8}" destId="{76C72C41-8B4B-4EFC-82C4-CC9AA7A1EB83}" srcOrd="2" destOrd="0" presId="urn:microsoft.com/office/officeart/2018/2/layout/IconVerticalSolidList"/>
+    <dgm:cxn modelId="{87F36DDF-03AB-4D35-A074-0A2C3ABCFEDD}" type="presParOf" srcId="{89F5DFFD-BDB5-475E-B3D1-C85BF1D1ECC8}" destId="{A0B7ECB8-79C0-4D4C-ABFD-9833DE48C07C}" srcOrd="3" destOrd="0" presId="urn:microsoft.com/office/officeart/2018/2/layout/IconVerticalSolidList"/>
+    <dgm:cxn modelId="{78A4211F-FE11-4F1E-8D49-F62BB8AD05C4}" type="presParOf" srcId="{01340E91-7DD4-45EE-BD36-CCB4EC749018}" destId="{C831D063-4A2F-4706-A2F9-974245FB5F8F}" srcOrd="3" destOrd="0" presId="urn:microsoft.com/office/officeart/2018/2/layout/IconVerticalSolidList"/>
+    <dgm:cxn modelId="{ABF9ED54-7F9A-41B0-8962-AE6B10ABEE38}" type="presParOf" srcId="{01340E91-7DD4-45EE-BD36-CCB4EC749018}" destId="{8BD50F03-D6D0-42F5-B8FF-55D5A004B78E}" srcOrd="4" destOrd="0" presId="urn:microsoft.com/office/officeart/2018/2/layout/IconVerticalSolidList"/>
+    <dgm:cxn modelId="{B38B821E-E702-4D13-8F7B-E9FD9D82330E}" type="presParOf" srcId="{8BD50F03-D6D0-42F5-B8FF-55D5A004B78E}" destId="{7CEDF1FC-04AA-499F-AC2B-645A122B0F86}" srcOrd="0" destOrd="0" presId="urn:microsoft.com/office/officeart/2018/2/layout/IconVerticalSolidList"/>
+    <dgm:cxn modelId="{7AA0029F-468F-4B0B-8C23-95C02D5DA2FF}" type="presParOf" srcId="{8BD50F03-D6D0-42F5-B8FF-55D5A004B78E}" destId="{43275787-406B-4F82-A6C4-19C44AF26AB3}" srcOrd="1" destOrd="0" presId="urn:microsoft.com/office/officeart/2018/2/layout/IconVerticalSolidList"/>
+    <dgm:cxn modelId="{5E5C151E-CB78-4032-A0C9-58B09487500B}" type="presParOf" srcId="{8BD50F03-D6D0-42F5-B8FF-55D5A004B78E}" destId="{1C90F16F-BE33-4788-A34C-8F887249ADE1}" srcOrd="2" destOrd="0" presId="urn:microsoft.com/office/officeart/2018/2/layout/IconVerticalSolidList"/>
+    <dgm:cxn modelId="{889D263A-BEF4-4735-B10F-40D1EF325464}" type="presParOf" srcId="{8BD50F03-D6D0-42F5-B8FF-55D5A004B78E}" destId="{BAC58A01-8259-48CC-9EBD-A4EE46E985D3}" srcOrd="3" destOrd="0" presId="urn:microsoft.com/office/officeart/2018/2/layout/IconVerticalSolidList"/>
+  </dgm:cxnLst>
+  <dgm:bg/>
+  <dgm:whole/>
+  <dgm:extLst>
+    <a:ext uri="http://schemas.microsoft.com/office/drawing/2008/diagram">
+      <dsp:dataModelExt xmlns:dsp="http://schemas.microsoft.com/office/drawing/2008/diagram" relId="rId6" minVer="http://schemas.openxmlformats.org/drawingml/2006/diagram"/>
+    </a:ext>
+  </dgm:extLst>
+</dgm:dataModel>
+</file>
+
+<file path=ppt/diagrams/drawing1.xml><?xml version="1.0" encoding="utf-8"?>
+<dsp:drawing xmlns:dgm="http://schemas.openxmlformats.org/drawingml/2006/diagram" xmlns:dsp="http://schemas.microsoft.com/office/drawing/2008/diagram" xmlns:a="http://schemas.openxmlformats.org/drawingml/2006/main">
+  <dsp:spTree>
+    <dsp:nvGrpSpPr>
+      <dsp:cNvPr id="0" name=""/>
+      <dsp:cNvGrpSpPr/>
+    </dsp:nvGrpSpPr>
+    <dsp:grpSpPr/>
+    <dsp:sp modelId="{7728B8D5-BE46-4AF0-814A-83BBCBF21DDA}">
+      <dsp:nvSpPr>
+        <dsp:cNvPr id="0" name=""/>
+        <dsp:cNvSpPr/>
+      </dsp:nvSpPr>
+      <dsp:spPr>
+        <a:xfrm>
+          <a:off x="1452" y="1738063"/>
+          <a:ext cx="1824960" cy="1086246"/>
+        </a:xfrm>
+        <a:prstGeom prst="roundRect">
+          <a:avLst>
+            <a:gd name="adj" fmla="val 10000"/>
+          </a:avLst>
+        </a:prstGeom>
+        <a:solidFill>
+          <a:schemeClr val="accent1">
+            <a:hueOff val="0"/>
+            <a:satOff val="0"/>
+            <a:lumOff val="0"/>
+            <a:alphaOff val="0"/>
+          </a:schemeClr>
+        </a:solidFill>
+        <a:ln w="15875" cap="flat" cmpd="sng" algn="ctr">
+          <a:solidFill>
+            <a:schemeClr val="lt1">
+              <a:hueOff val="0"/>
+              <a:satOff val="0"/>
+              <a:lumOff val="0"/>
+              <a:alphaOff val="0"/>
+            </a:schemeClr>
+          </a:solidFill>
+          <a:prstDash val="solid"/>
+        </a:ln>
+        <a:effectLst/>
+      </dsp:spPr>
+      <dsp:style>
+        <a:lnRef idx="2">
+          <a:scrgbClr r="0" g="0" b="0"/>
+        </a:lnRef>
+        <a:fillRef idx="1">
+          <a:scrgbClr r="0" g="0" b="0"/>
+        </a:fillRef>
+        <a:effectRef idx="0">
+          <a:scrgbClr r="0" g="0" b="0"/>
+        </a:effectRef>
+        <a:fontRef idx="minor">
+          <a:schemeClr val="lt1"/>
+        </a:fontRef>
+      </dsp:style>
+      <dsp:txBody>
+        <a:bodyPr spcFirstLastPara="0" vert="horz" wrap="square" lIns="106680" tIns="106680" rIns="106680" bIns="57150" numCol="1" spcCol="1270" anchor="t" anchorCtr="0">
+          <a:noAutofit/>
+        </a:bodyPr>
+        <a:lstStyle/>
+        <a:p>
+          <a:pPr marL="0" lvl="0" indent="0" algn="l" defTabSz="666750">
+            <a:lnSpc>
+              <a:spcPct val="90000"/>
+            </a:lnSpc>
+            <a:spcBef>
+              <a:spcPct val="0"/>
+            </a:spcBef>
+            <a:spcAft>
+              <a:spcPct val="35000"/>
+            </a:spcAft>
+            <a:buNone/>
+          </a:pPr>
+          <a:r>
+            <a:rPr lang="fr-FR" sz="1500" kern="1200" dirty="0" err="1"/>
+            <a:t>Establish</a:t>
+          </a:r>
+          <a:r>
+            <a:rPr lang="fr-FR" sz="1500" kern="1200" dirty="0"/>
+            <a:t> </a:t>
+          </a:r>
+          <a:r>
+            <a:rPr lang="fr-FR" sz="1500" kern="1200" dirty="0" err="1"/>
+            <a:t>scrapping</a:t>
+          </a:r>
+          <a:r>
+            <a:rPr lang="fr-FR" sz="1500" kern="1200" dirty="0"/>
+            <a:t> </a:t>
+          </a:r>
+          <a:r>
+            <a:rPr lang="fr-FR" sz="1500" kern="1200" dirty="0" err="1"/>
+            <a:t>method</a:t>
+          </a:r>
+          <a:endParaRPr lang="fr-FR" sz="1500" kern="1200" dirty="0"/>
+        </a:p>
+      </dsp:txBody>
+      <dsp:txXfrm>
+        <a:off x="1452" y="1738063"/>
+        <a:ext cx="1824960" cy="724164"/>
+      </dsp:txXfrm>
+    </dsp:sp>
+    <dsp:sp modelId="{59A3A042-6FBD-40F5-9946-95A418BED4A9}">
+      <dsp:nvSpPr>
+        <dsp:cNvPr id="0" name=""/>
+        <dsp:cNvSpPr/>
+      </dsp:nvSpPr>
+      <dsp:spPr>
+        <a:xfrm>
+          <a:off x="375239" y="2462228"/>
+          <a:ext cx="1824960" cy="1218375"/>
+        </a:xfrm>
+        <a:prstGeom prst="roundRect">
+          <a:avLst>
+            <a:gd name="adj" fmla="val 10000"/>
+          </a:avLst>
+        </a:prstGeom>
+        <a:solidFill>
+          <a:schemeClr val="lt1">
+            <a:alpha val="90000"/>
+            <a:hueOff val="0"/>
+            <a:satOff val="0"/>
+            <a:lumOff val="0"/>
+            <a:alphaOff val="0"/>
+          </a:schemeClr>
+        </a:solidFill>
+        <a:ln w="15875" cap="flat" cmpd="sng" algn="ctr">
+          <a:solidFill>
+            <a:schemeClr val="accent1">
+              <a:hueOff val="0"/>
+              <a:satOff val="0"/>
+              <a:lumOff val="0"/>
+              <a:alphaOff val="0"/>
+            </a:schemeClr>
+          </a:solidFill>
+          <a:prstDash val="solid"/>
+        </a:ln>
+        <a:effectLst/>
+      </dsp:spPr>
+      <dsp:style>
+        <a:lnRef idx="2">
+          <a:scrgbClr r="0" g="0" b="0"/>
+        </a:lnRef>
+        <a:fillRef idx="1">
+          <a:scrgbClr r="0" g="0" b="0"/>
+        </a:fillRef>
+        <a:effectRef idx="0">
+          <a:scrgbClr r="0" g="0" b="0"/>
+        </a:effectRef>
+        <a:fontRef idx="minor"/>
+      </dsp:style>
+      <dsp:txBody>
+        <a:bodyPr spcFirstLastPara="0" vert="horz" wrap="square" lIns="106680" tIns="106680" rIns="106680" bIns="106680" numCol="1" spcCol="1270" anchor="t" anchorCtr="0">
+          <a:noAutofit/>
+        </a:bodyPr>
+        <a:lstStyle/>
+        <a:p>
+          <a:pPr marL="114300" lvl="1" indent="-114300" algn="l" defTabSz="666750">
+            <a:lnSpc>
+              <a:spcPct val="90000"/>
+            </a:lnSpc>
+            <a:spcBef>
+              <a:spcPct val="0"/>
+            </a:spcBef>
+            <a:spcAft>
+              <a:spcPct val="15000"/>
+            </a:spcAft>
+            <a:buChar char="•"/>
+          </a:pPr>
+          <a:r>
+            <a:rPr lang="fr-FR" sz="1500" kern="1200" dirty="0" err="1"/>
+            <a:t>Choosing</a:t>
+          </a:r>
+          <a:r>
+            <a:rPr lang="fr-FR" sz="1500" kern="1200" dirty="0"/>
+            <a:t> API as </a:t>
+          </a:r>
+          <a:r>
+            <a:rPr lang="fr-FR" sz="1500" kern="1200" dirty="0" err="1"/>
+            <a:t>it</a:t>
+          </a:r>
+          <a:r>
+            <a:rPr lang="fr-FR" sz="1500" kern="1200" dirty="0"/>
+            <a:t> </a:t>
+          </a:r>
+          <a:r>
+            <a:rPr lang="fr-FR" sz="1500" kern="1200" dirty="0" err="1"/>
+            <a:t>gives</a:t>
+          </a:r>
+          <a:r>
+            <a:rPr lang="fr-FR" sz="1500" kern="1200" dirty="0"/>
+            <a:t> more information</a:t>
+          </a:r>
+        </a:p>
+      </dsp:txBody>
+      <dsp:txXfrm>
+        <a:off x="410924" y="2497913"/>
+        <a:ext cx="1753590" cy="1147005"/>
+      </dsp:txXfrm>
+    </dsp:sp>
+    <dsp:sp modelId="{444A0598-AC5D-4A2E-A328-32354DEEE3E7}">
+      <dsp:nvSpPr>
+        <dsp:cNvPr id="0" name=""/>
+        <dsp:cNvSpPr/>
+      </dsp:nvSpPr>
+      <dsp:spPr>
+        <a:xfrm>
+          <a:off x="2103070" y="1872964"/>
+          <a:ext cx="586513" cy="454362"/>
+        </a:xfrm>
+        <a:prstGeom prst="rightArrow">
+          <a:avLst>
+            <a:gd name="adj1" fmla="val 60000"/>
+            <a:gd name="adj2" fmla="val 50000"/>
+          </a:avLst>
+        </a:prstGeom>
+        <a:solidFill>
+          <a:schemeClr val="accent1">
+            <a:tint val="60000"/>
+            <a:hueOff val="0"/>
+            <a:satOff val="0"/>
+            <a:lumOff val="0"/>
+            <a:alphaOff val="0"/>
+          </a:schemeClr>
+        </a:solidFill>
+        <a:ln>
+          <a:noFill/>
+        </a:ln>
+        <a:effectLst/>
+      </dsp:spPr>
+      <dsp:style>
+        <a:lnRef idx="0">
+          <a:scrgbClr r="0" g="0" b="0"/>
+        </a:lnRef>
+        <a:fillRef idx="1">
+          <a:scrgbClr r="0" g="0" b="0"/>
+        </a:fillRef>
+        <a:effectRef idx="0">
+          <a:scrgbClr r="0" g="0" b="0"/>
+        </a:effectRef>
+        <a:fontRef idx="minor">
+          <a:schemeClr val="lt1"/>
+        </a:fontRef>
+      </dsp:style>
+      <dsp:txBody>
+        <a:bodyPr spcFirstLastPara="0" vert="horz" wrap="square" lIns="0" tIns="0" rIns="0" bIns="0" numCol="1" spcCol="1270" anchor="ctr" anchorCtr="0">
+          <a:noAutofit/>
+        </a:bodyPr>
+        <a:lstStyle/>
+        <a:p>
+          <a:pPr marL="0" lvl="0" indent="0" algn="ctr" defTabSz="533400">
+            <a:lnSpc>
+              <a:spcPct val="90000"/>
+            </a:lnSpc>
+            <a:spcBef>
+              <a:spcPct val="0"/>
+            </a:spcBef>
+            <a:spcAft>
+              <a:spcPct val="35000"/>
+            </a:spcAft>
+            <a:buNone/>
+          </a:pPr>
+          <a:endParaRPr lang="fr-FR" sz="1200" kern="1200"/>
+        </a:p>
+      </dsp:txBody>
+      <dsp:txXfrm>
+        <a:off x="2103070" y="1963836"/>
+        <a:ext cx="450204" cy="272618"/>
+      </dsp:txXfrm>
+    </dsp:sp>
+    <dsp:sp modelId="{0A8D54C4-8E72-42E1-9940-954D8D75CD6D}">
+      <dsp:nvSpPr>
+        <dsp:cNvPr id="0" name=""/>
+        <dsp:cNvSpPr/>
+      </dsp:nvSpPr>
+      <dsp:spPr>
+        <a:xfrm>
+          <a:off x="2933042" y="1738063"/>
+          <a:ext cx="1824960" cy="1086246"/>
+        </a:xfrm>
+        <a:prstGeom prst="roundRect">
+          <a:avLst>
+            <a:gd name="adj" fmla="val 10000"/>
+          </a:avLst>
+        </a:prstGeom>
+        <a:solidFill>
+          <a:schemeClr val="accent1">
+            <a:hueOff val="0"/>
+            <a:satOff val="0"/>
+            <a:lumOff val="0"/>
+            <a:alphaOff val="0"/>
+          </a:schemeClr>
+        </a:solidFill>
+        <a:ln w="15875" cap="flat" cmpd="sng" algn="ctr">
+          <a:solidFill>
+            <a:schemeClr val="lt1">
+              <a:hueOff val="0"/>
+              <a:satOff val="0"/>
+              <a:lumOff val="0"/>
+              <a:alphaOff val="0"/>
+            </a:schemeClr>
+          </a:solidFill>
+          <a:prstDash val="solid"/>
+        </a:ln>
+        <a:effectLst/>
+      </dsp:spPr>
+      <dsp:style>
+        <a:lnRef idx="2">
+          <a:scrgbClr r="0" g="0" b="0"/>
+        </a:lnRef>
+        <a:fillRef idx="1">
+          <a:scrgbClr r="0" g="0" b="0"/>
+        </a:fillRef>
+        <a:effectRef idx="0">
+          <a:scrgbClr r="0" g="0" b="0"/>
+        </a:effectRef>
+        <a:fontRef idx="minor">
+          <a:schemeClr val="lt1"/>
+        </a:fontRef>
+      </dsp:style>
+      <dsp:txBody>
+        <a:bodyPr spcFirstLastPara="0" vert="horz" wrap="square" lIns="106680" tIns="106680" rIns="106680" bIns="57150" numCol="1" spcCol="1270" anchor="t" anchorCtr="0">
+          <a:noAutofit/>
+        </a:bodyPr>
+        <a:lstStyle/>
+        <a:p>
+          <a:pPr marL="0" lvl="0" indent="0" algn="l" defTabSz="666750">
+            <a:lnSpc>
+              <a:spcPct val="90000"/>
+            </a:lnSpc>
+            <a:spcBef>
+              <a:spcPct val="0"/>
+            </a:spcBef>
+            <a:spcAft>
+              <a:spcPct val="35000"/>
+            </a:spcAft>
+            <a:buNone/>
+          </a:pPr>
+          <a:r>
+            <a:rPr lang="fr-FR" sz="1500" kern="1200" dirty="0" err="1"/>
+            <a:t>Compute</a:t>
+          </a:r>
+          <a:r>
+            <a:rPr lang="fr-FR" sz="1500" kern="1200" dirty="0"/>
+            <a:t> </a:t>
+          </a:r>
+          <a:r>
+            <a:rPr lang="fr-FR" sz="1500" kern="1200" dirty="0" err="1"/>
+            <a:t>number</a:t>
+          </a:r>
+          <a:r>
+            <a:rPr lang="fr-FR" sz="1500" kern="1200" dirty="0"/>
+            <a:t> of pages to </a:t>
+          </a:r>
+          <a:r>
+            <a:rPr lang="fr-FR" sz="1500" kern="1200" dirty="0" err="1"/>
+            <a:t>be</a:t>
+          </a:r>
+          <a:r>
+            <a:rPr lang="fr-FR" sz="1500" kern="1200" dirty="0"/>
+            <a:t> </a:t>
+          </a:r>
+          <a:r>
+            <a:rPr lang="fr-FR" sz="1500" kern="1200" dirty="0" err="1"/>
+            <a:t>scrapped</a:t>
+          </a:r>
+          <a:endParaRPr lang="fr-FR" sz="1500" kern="1200" dirty="0"/>
+        </a:p>
+      </dsp:txBody>
+      <dsp:txXfrm>
+        <a:off x="2933042" y="1738063"/>
+        <a:ext cx="1824960" cy="724164"/>
+      </dsp:txXfrm>
+    </dsp:sp>
+    <dsp:sp modelId="{99B03793-D590-41A4-969E-D3DCE5B3E134}">
+      <dsp:nvSpPr>
+        <dsp:cNvPr id="0" name=""/>
+        <dsp:cNvSpPr/>
+      </dsp:nvSpPr>
+      <dsp:spPr>
+        <a:xfrm>
+          <a:off x="3306829" y="2462228"/>
+          <a:ext cx="1824960" cy="1218375"/>
+        </a:xfrm>
+        <a:prstGeom prst="roundRect">
+          <a:avLst>
+            <a:gd name="adj" fmla="val 10000"/>
+          </a:avLst>
+        </a:prstGeom>
+        <a:solidFill>
+          <a:schemeClr val="lt1">
+            <a:alpha val="90000"/>
+            <a:hueOff val="0"/>
+            <a:satOff val="0"/>
+            <a:lumOff val="0"/>
+            <a:alphaOff val="0"/>
+          </a:schemeClr>
+        </a:solidFill>
+        <a:ln w="15875" cap="flat" cmpd="sng" algn="ctr">
+          <a:solidFill>
+            <a:schemeClr val="accent1">
+              <a:hueOff val="0"/>
+              <a:satOff val="0"/>
+              <a:lumOff val="0"/>
+              <a:alphaOff val="0"/>
+            </a:schemeClr>
+          </a:solidFill>
+          <a:prstDash val="solid"/>
+        </a:ln>
+        <a:effectLst/>
+      </dsp:spPr>
+      <dsp:style>
+        <a:lnRef idx="2">
+          <a:scrgbClr r="0" g="0" b="0"/>
+        </a:lnRef>
+        <a:fillRef idx="1">
+          <a:scrgbClr r="0" g="0" b="0"/>
+        </a:fillRef>
+        <a:effectRef idx="0">
+          <a:scrgbClr r="0" g="0" b="0"/>
+        </a:effectRef>
+        <a:fontRef idx="minor"/>
+      </dsp:style>
+      <dsp:txBody>
+        <a:bodyPr spcFirstLastPara="0" vert="horz" wrap="square" lIns="106680" tIns="106680" rIns="106680" bIns="106680" numCol="1" spcCol="1270" anchor="t" anchorCtr="0">
+          <a:noAutofit/>
+        </a:bodyPr>
+        <a:lstStyle/>
+        <a:p>
+          <a:pPr marL="114300" lvl="1" indent="-114300" algn="l" defTabSz="666750">
+            <a:lnSpc>
+              <a:spcPct val="90000"/>
+            </a:lnSpc>
+            <a:spcBef>
+              <a:spcPct val="0"/>
+            </a:spcBef>
+            <a:spcAft>
+              <a:spcPct val="15000"/>
+            </a:spcAft>
+            <a:buChar char="•"/>
+          </a:pPr>
+          <a:r>
+            <a:rPr lang="fr-FR" sz="1500" kern="1200" dirty="0" err="1"/>
+            <a:t>Using</a:t>
+          </a:r>
+          <a:r>
+            <a:rPr lang="fr-FR" sz="1500" kern="1200" dirty="0"/>
+            <a:t> </a:t>
+          </a:r>
+          <a:r>
+            <a:rPr lang="fr-FR" sz="1500" kern="1200" dirty="0" err="1"/>
+            <a:t>Beautiful</a:t>
+          </a:r>
+          <a:r>
+            <a:rPr lang="fr-FR" sz="1500" kern="1200" dirty="0"/>
+            <a:t> </a:t>
+          </a:r>
+          <a:r>
+            <a:rPr lang="fr-FR" sz="1500" kern="1200" dirty="0" err="1"/>
+            <a:t>Soup</a:t>
+          </a:r>
+          <a:r>
+            <a:rPr lang="fr-FR" sz="1500" kern="1200" dirty="0"/>
+            <a:t> to </a:t>
+          </a:r>
+          <a:r>
+            <a:rPr lang="fr-FR" sz="1500" kern="1200" dirty="0" err="1"/>
+            <a:t>retrieve</a:t>
+          </a:r>
+          <a:r>
+            <a:rPr lang="fr-FR" sz="1500" kern="1200" dirty="0"/>
+            <a:t> the </a:t>
+          </a:r>
+          <a:r>
+            <a:rPr lang="fr-FR" sz="1500" kern="1200" dirty="0" err="1"/>
+            <a:t>number</a:t>
+          </a:r>
+          <a:r>
+            <a:rPr lang="fr-FR" sz="1500" kern="1200" dirty="0"/>
+            <a:t> of articles</a:t>
+          </a:r>
+        </a:p>
+      </dsp:txBody>
+      <dsp:txXfrm>
+        <a:off x="3342514" y="2497913"/>
+        <a:ext cx="1753590" cy="1147005"/>
+      </dsp:txXfrm>
+    </dsp:sp>
+    <dsp:sp modelId="{E143718B-B7B2-4D3E-8451-3D0DAA4C9B47}">
+      <dsp:nvSpPr>
+        <dsp:cNvPr id="0" name=""/>
+        <dsp:cNvSpPr/>
+      </dsp:nvSpPr>
+      <dsp:spPr>
+        <a:xfrm>
+          <a:off x="5034660" y="1872964"/>
+          <a:ext cx="586513" cy="454362"/>
+        </a:xfrm>
+        <a:prstGeom prst="rightArrow">
+          <a:avLst>
+            <a:gd name="adj1" fmla="val 60000"/>
+            <a:gd name="adj2" fmla="val 50000"/>
+          </a:avLst>
+        </a:prstGeom>
+        <a:solidFill>
+          <a:schemeClr val="accent1">
+            <a:tint val="60000"/>
+            <a:hueOff val="0"/>
+            <a:satOff val="0"/>
+            <a:lumOff val="0"/>
+            <a:alphaOff val="0"/>
+          </a:schemeClr>
+        </a:solidFill>
+        <a:ln>
+          <a:noFill/>
+        </a:ln>
+        <a:effectLst/>
+      </dsp:spPr>
+      <dsp:style>
+        <a:lnRef idx="0">
+          <a:scrgbClr r="0" g="0" b="0"/>
+        </a:lnRef>
+        <a:fillRef idx="1">
+          <a:scrgbClr r="0" g="0" b="0"/>
+        </a:fillRef>
+        <a:effectRef idx="0">
+          <a:scrgbClr r="0" g="0" b="0"/>
+        </a:effectRef>
+        <a:fontRef idx="minor">
+          <a:schemeClr val="lt1"/>
+        </a:fontRef>
+      </dsp:style>
+      <dsp:txBody>
+        <a:bodyPr spcFirstLastPara="0" vert="horz" wrap="square" lIns="0" tIns="0" rIns="0" bIns="0" numCol="1" spcCol="1270" anchor="ctr" anchorCtr="0">
+          <a:noAutofit/>
+        </a:bodyPr>
+        <a:lstStyle/>
+        <a:p>
+          <a:pPr marL="0" lvl="0" indent="0" algn="ctr" defTabSz="533400">
+            <a:lnSpc>
+              <a:spcPct val="90000"/>
+            </a:lnSpc>
+            <a:spcBef>
+              <a:spcPct val="0"/>
+            </a:spcBef>
+            <a:spcAft>
+              <a:spcPct val="35000"/>
+            </a:spcAft>
+            <a:buNone/>
+          </a:pPr>
+          <a:endParaRPr lang="fr-FR" sz="1200" kern="1200"/>
+        </a:p>
+      </dsp:txBody>
+      <dsp:txXfrm>
+        <a:off x="5034660" y="1963836"/>
+        <a:ext cx="450204" cy="272618"/>
+      </dsp:txXfrm>
+    </dsp:sp>
+    <dsp:sp modelId="{EEC0CC04-D878-4010-BB2A-728B06A6CCCF}">
+      <dsp:nvSpPr>
+        <dsp:cNvPr id="0" name=""/>
+        <dsp:cNvSpPr/>
+      </dsp:nvSpPr>
+      <dsp:spPr>
+        <a:xfrm>
+          <a:off x="5864632" y="1738063"/>
+          <a:ext cx="1824960" cy="1086246"/>
+        </a:xfrm>
+        <a:prstGeom prst="roundRect">
+          <a:avLst>
+            <a:gd name="adj" fmla="val 10000"/>
+          </a:avLst>
+        </a:prstGeom>
+        <a:solidFill>
+          <a:schemeClr val="accent1">
+            <a:hueOff val="0"/>
+            <a:satOff val="0"/>
+            <a:lumOff val="0"/>
+            <a:alphaOff val="0"/>
+          </a:schemeClr>
+        </a:solidFill>
+        <a:ln w="15875" cap="flat" cmpd="sng" algn="ctr">
+          <a:solidFill>
+            <a:schemeClr val="lt1">
+              <a:hueOff val="0"/>
+              <a:satOff val="0"/>
+              <a:lumOff val="0"/>
+              <a:alphaOff val="0"/>
+            </a:schemeClr>
+          </a:solidFill>
+          <a:prstDash val="solid"/>
+        </a:ln>
+        <a:effectLst/>
+      </dsp:spPr>
+      <dsp:style>
+        <a:lnRef idx="2">
+          <a:scrgbClr r="0" g="0" b="0"/>
+        </a:lnRef>
+        <a:fillRef idx="1">
+          <a:scrgbClr r="0" g="0" b="0"/>
+        </a:fillRef>
+        <a:effectRef idx="0">
+          <a:scrgbClr r="0" g="0" b="0"/>
+        </a:effectRef>
+        <a:fontRef idx="minor">
+          <a:schemeClr val="lt1"/>
+        </a:fontRef>
+      </dsp:style>
+      <dsp:txBody>
+        <a:bodyPr spcFirstLastPara="0" vert="horz" wrap="square" lIns="106680" tIns="106680" rIns="106680" bIns="57150" numCol="1" spcCol="1270" anchor="t" anchorCtr="0">
+          <a:noAutofit/>
+        </a:bodyPr>
+        <a:lstStyle/>
+        <a:p>
+          <a:pPr marL="0" lvl="0" indent="0" algn="l" defTabSz="666750">
+            <a:lnSpc>
+              <a:spcPct val="90000"/>
+            </a:lnSpc>
+            <a:spcBef>
+              <a:spcPct val="0"/>
+            </a:spcBef>
+            <a:spcAft>
+              <a:spcPct val="35000"/>
+            </a:spcAft>
+            <a:buNone/>
+          </a:pPr>
+          <a:r>
+            <a:rPr lang="fr-FR" sz="1500" kern="1200" dirty="0" err="1"/>
+            <a:t>Scrap</a:t>
+          </a:r>
+          <a:r>
+            <a:rPr lang="fr-FR" sz="1500" kern="1200" dirty="0"/>
+            <a:t> all promotion pages</a:t>
+          </a:r>
+        </a:p>
+      </dsp:txBody>
+      <dsp:txXfrm>
+        <a:off x="5864632" y="1738063"/>
+        <a:ext cx="1824960" cy="724164"/>
+      </dsp:txXfrm>
+    </dsp:sp>
+    <dsp:sp modelId="{A7FE2610-8B89-4059-8DEB-863B22A760D0}">
+      <dsp:nvSpPr>
+        <dsp:cNvPr id="0" name=""/>
+        <dsp:cNvSpPr/>
+      </dsp:nvSpPr>
+      <dsp:spPr>
+        <a:xfrm>
+          <a:off x="6238419" y="2462228"/>
+          <a:ext cx="1824960" cy="1218375"/>
+        </a:xfrm>
+        <a:prstGeom prst="roundRect">
+          <a:avLst>
+            <a:gd name="adj" fmla="val 10000"/>
+          </a:avLst>
+        </a:prstGeom>
+        <a:solidFill>
+          <a:schemeClr val="lt1">
+            <a:alpha val="90000"/>
+            <a:hueOff val="0"/>
+            <a:satOff val="0"/>
+            <a:lumOff val="0"/>
+            <a:alphaOff val="0"/>
+          </a:schemeClr>
+        </a:solidFill>
+        <a:ln w="15875" cap="flat" cmpd="sng" algn="ctr">
+          <a:solidFill>
+            <a:schemeClr val="accent1">
+              <a:hueOff val="0"/>
+              <a:satOff val="0"/>
+              <a:lumOff val="0"/>
+              <a:alphaOff val="0"/>
+            </a:schemeClr>
+          </a:solidFill>
+          <a:prstDash val="solid"/>
+        </a:ln>
+        <a:effectLst/>
+      </dsp:spPr>
+      <dsp:style>
+        <a:lnRef idx="2">
+          <a:scrgbClr r="0" g="0" b="0"/>
+        </a:lnRef>
+        <a:fillRef idx="1">
+          <a:scrgbClr r="0" g="0" b="0"/>
+        </a:fillRef>
+        <a:effectRef idx="0">
+          <a:scrgbClr r="0" g="0" b="0"/>
+        </a:effectRef>
+        <a:fontRef idx="minor"/>
+      </dsp:style>
+      <dsp:txBody>
+        <a:bodyPr spcFirstLastPara="0" vert="horz" wrap="square" lIns="106680" tIns="106680" rIns="106680" bIns="106680" numCol="1" spcCol="1270" anchor="t" anchorCtr="0">
+          <a:noAutofit/>
+        </a:bodyPr>
+        <a:lstStyle/>
+        <a:p>
+          <a:pPr marL="114300" lvl="1" indent="-114300" algn="l" defTabSz="666750">
+            <a:lnSpc>
+              <a:spcPct val="90000"/>
+            </a:lnSpc>
+            <a:spcBef>
+              <a:spcPct val="0"/>
+            </a:spcBef>
+            <a:spcAft>
+              <a:spcPct val="15000"/>
+            </a:spcAft>
+            <a:buChar char="•"/>
+          </a:pPr>
+          <a:r>
+            <a:rPr lang="fr-FR" sz="1500" kern="1200" dirty="0"/>
+            <a:t>Output: </a:t>
+          </a:r>
+          <a:r>
+            <a:rPr lang="fr-FR" sz="1500" kern="1200" dirty="0" err="1"/>
+            <a:t>raw</a:t>
+          </a:r>
+          <a:r>
+            <a:rPr lang="fr-FR" sz="1500" kern="1200" dirty="0"/>
+            <a:t> </a:t>
+          </a:r>
+          <a:r>
+            <a:rPr lang="fr-FR" sz="1500" kern="1200" dirty="0" err="1"/>
+            <a:t>dataframe</a:t>
+          </a:r>
+          <a:r>
+            <a:rPr lang="fr-FR" sz="1500" kern="1200" dirty="0"/>
+            <a:t> </a:t>
+          </a:r>
+          <a:r>
+            <a:rPr lang="fr-FR" sz="1500" kern="1200" dirty="0" err="1"/>
+            <a:t>with</a:t>
+          </a:r>
+          <a:r>
+            <a:rPr lang="fr-FR" sz="1500" kern="1200" dirty="0"/>
+            <a:t> all the information on promotions</a:t>
+          </a:r>
+        </a:p>
+      </dsp:txBody>
+      <dsp:txXfrm>
+        <a:off x="6274104" y="2497913"/>
+        <a:ext cx="1753590" cy="1147005"/>
+      </dsp:txXfrm>
+    </dsp:sp>
+    <dsp:sp modelId="{41B8CDD3-7D96-4C18-904C-973DE052D92F}">
+      <dsp:nvSpPr>
+        <dsp:cNvPr id="0" name=""/>
+        <dsp:cNvSpPr/>
+      </dsp:nvSpPr>
+      <dsp:spPr>
+        <a:xfrm>
+          <a:off x="7966250" y="1872964"/>
+          <a:ext cx="586513" cy="454362"/>
+        </a:xfrm>
+        <a:prstGeom prst="rightArrow">
+          <a:avLst>
+            <a:gd name="adj1" fmla="val 60000"/>
+            <a:gd name="adj2" fmla="val 50000"/>
+          </a:avLst>
+        </a:prstGeom>
+        <a:solidFill>
+          <a:schemeClr val="accent1">
+            <a:tint val="60000"/>
+            <a:hueOff val="0"/>
+            <a:satOff val="0"/>
+            <a:lumOff val="0"/>
+            <a:alphaOff val="0"/>
+          </a:schemeClr>
+        </a:solidFill>
+        <a:ln>
+          <a:noFill/>
+        </a:ln>
+        <a:effectLst/>
+      </dsp:spPr>
+      <dsp:style>
+        <a:lnRef idx="0">
+          <a:scrgbClr r="0" g="0" b="0"/>
+        </a:lnRef>
+        <a:fillRef idx="1">
+          <a:scrgbClr r="0" g="0" b="0"/>
+        </a:fillRef>
+        <a:effectRef idx="0">
+          <a:scrgbClr r="0" g="0" b="0"/>
+        </a:effectRef>
+        <a:fontRef idx="minor">
+          <a:schemeClr val="lt1"/>
+        </a:fontRef>
+      </dsp:style>
+      <dsp:txBody>
+        <a:bodyPr spcFirstLastPara="0" vert="horz" wrap="square" lIns="0" tIns="0" rIns="0" bIns="0" numCol="1" spcCol="1270" anchor="ctr" anchorCtr="0">
+          <a:noAutofit/>
+        </a:bodyPr>
+        <a:lstStyle/>
+        <a:p>
+          <a:pPr marL="0" lvl="0" indent="0" algn="ctr" defTabSz="533400">
+            <a:lnSpc>
+              <a:spcPct val="90000"/>
+            </a:lnSpc>
+            <a:spcBef>
+              <a:spcPct val="0"/>
+            </a:spcBef>
+            <a:spcAft>
+              <a:spcPct val="35000"/>
+            </a:spcAft>
+            <a:buNone/>
+          </a:pPr>
+          <a:endParaRPr lang="fr-FR" sz="1200" kern="1200"/>
+        </a:p>
+      </dsp:txBody>
+      <dsp:txXfrm>
+        <a:off x="7966250" y="1963836"/>
+        <a:ext cx="450204" cy="272618"/>
+      </dsp:txXfrm>
+    </dsp:sp>
+    <dsp:sp modelId="{8C2D458E-6B96-44F8-BF2C-27B0CF32B5DE}">
+      <dsp:nvSpPr>
+        <dsp:cNvPr id="0" name=""/>
+        <dsp:cNvSpPr/>
+      </dsp:nvSpPr>
+      <dsp:spPr>
+        <a:xfrm>
+          <a:off x="8796222" y="1738063"/>
+          <a:ext cx="1824960" cy="1086246"/>
+        </a:xfrm>
+        <a:prstGeom prst="roundRect">
+          <a:avLst>
+            <a:gd name="adj" fmla="val 10000"/>
+          </a:avLst>
+        </a:prstGeom>
+        <a:solidFill>
+          <a:schemeClr val="accent1">
+            <a:hueOff val="0"/>
+            <a:satOff val="0"/>
+            <a:lumOff val="0"/>
+            <a:alphaOff val="0"/>
+          </a:schemeClr>
+        </a:solidFill>
+        <a:ln w="15875" cap="flat" cmpd="sng" algn="ctr">
+          <a:solidFill>
+            <a:schemeClr val="lt1">
+              <a:hueOff val="0"/>
+              <a:satOff val="0"/>
+              <a:lumOff val="0"/>
+              <a:alphaOff val="0"/>
+            </a:schemeClr>
+          </a:solidFill>
+          <a:prstDash val="solid"/>
+        </a:ln>
+        <a:effectLst/>
+      </dsp:spPr>
+      <dsp:style>
+        <a:lnRef idx="2">
+          <a:scrgbClr r="0" g="0" b="0"/>
+        </a:lnRef>
+        <a:fillRef idx="1">
+          <a:scrgbClr r="0" g="0" b="0"/>
+        </a:fillRef>
+        <a:effectRef idx="0">
+          <a:scrgbClr r="0" g="0" b="0"/>
+        </a:effectRef>
+        <a:fontRef idx="minor">
+          <a:schemeClr val="lt1"/>
+        </a:fontRef>
+      </dsp:style>
+      <dsp:txBody>
+        <a:bodyPr spcFirstLastPara="0" vert="horz" wrap="square" lIns="106680" tIns="106680" rIns="106680" bIns="57150" numCol="1" spcCol="1270" anchor="t" anchorCtr="0">
+          <a:noAutofit/>
+        </a:bodyPr>
+        <a:lstStyle/>
+        <a:p>
+          <a:pPr marL="0" lvl="0" indent="0" algn="l" defTabSz="666750">
+            <a:lnSpc>
+              <a:spcPct val="90000"/>
+            </a:lnSpc>
+            <a:spcBef>
+              <a:spcPct val="0"/>
+            </a:spcBef>
+            <a:spcAft>
+              <a:spcPct val="35000"/>
+            </a:spcAft>
+            <a:buNone/>
+          </a:pPr>
+          <a:r>
+            <a:rPr lang="fr-FR" sz="1500" kern="1200" dirty="0" err="1"/>
+            <a:t>Cleaning</a:t>
+          </a:r>
+          <a:r>
+            <a:rPr lang="fr-FR" sz="1500" kern="1200" dirty="0"/>
+            <a:t> the data </a:t>
+          </a:r>
+          <a:r>
+            <a:rPr lang="fr-FR" sz="1500" kern="1200" dirty="0" err="1"/>
+            <a:t>obtained</a:t>
+          </a:r>
+          <a:endParaRPr lang="fr-FR" sz="1500" kern="1200" dirty="0"/>
+        </a:p>
+      </dsp:txBody>
+      <dsp:txXfrm>
+        <a:off x="8796222" y="1738063"/>
+        <a:ext cx="1824960" cy="724164"/>
+      </dsp:txXfrm>
+    </dsp:sp>
+    <dsp:sp modelId="{97896662-1402-4243-AB55-D87317B009E3}">
+      <dsp:nvSpPr>
+        <dsp:cNvPr id="0" name=""/>
+        <dsp:cNvSpPr/>
+      </dsp:nvSpPr>
+      <dsp:spPr>
+        <a:xfrm>
+          <a:off x="9170009" y="2462228"/>
+          <a:ext cx="1824960" cy="1218375"/>
+        </a:xfrm>
+        <a:prstGeom prst="roundRect">
+          <a:avLst>
+            <a:gd name="adj" fmla="val 10000"/>
+          </a:avLst>
+        </a:prstGeom>
+        <a:solidFill>
+          <a:schemeClr val="lt1">
+            <a:alpha val="90000"/>
+            <a:hueOff val="0"/>
+            <a:satOff val="0"/>
+            <a:lumOff val="0"/>
+            <a:alphaOff val="0"/>
+          </a:schemeClr>
+        </a:solidFill>
+        <a:ln w="15875" cap="flat" cmpd="sng" algn="ctr">
+          <a:solidFill>
+            <a:schemeClr val="accent1">
+              <a:hueOff val="0"/>
+              <a:satOff val="0"/>
+              <a:lumOff val="0"/>
+              <a:alphaOff val="0"/>
+            </a:schemeClr>
+          </a:solidFill>
+          <a:prstDash val="solid"/>
+        </a:ln>
+        <a:effectLst/>
+      </dsp:spPr>
+      <dsp:style>
+        <a:lnRef idx="2">
+          <a:scrgbClr r="0" g="0" b="0"/>
+        </a:lnRef>
+        <a:fillRef idx="1">
+          <a:scrgbClr r="0" g="0" b="0"/>
+        </a:fillRef>
+        <a:effectRef idx="0">
+          <a:scrgbClr r="0" g="0" b="0"/>
+        </a:effectRef>
+        <a:fontRef idx="minor"/>
+      </dsp:style>
+      <dsp:txBody>
+        <a:bodyPr spcFirstLastPara="0" vert="horz" wrap="square" lIns="106680" tIns="106680" rIns="106680" bIns="106680" numCol="1" spcCol="1270" anchor="t" anchorCtr="0">
+          <a:noAutofit/>
+        </a:bodyPr>
+        <a:lstStyle/>
+        <a:p>
+          <a:pPr marL="114300" lvl="1" indent="-114300" algn="l" defTabSz="666750">
+            <a:lnSpc>
+              <a:spcPct val="90000"/>
+            </a:lnSpc>
+            <a:spcBef>
+              <a:spcPct val="0"/>
+            </a:spcBef>
+            <a:spcAft>
+              <a:spcPct val="15000"/>
+            </a:spcAft>
+            <a:buChar char="•"/>
+          </a:pPr>
+          <a:r>
+            <a:rPr lang="fr-FR" sz="1500" kern="1200" dirty="0"/>
+            <a:t>Output: a clean </a:t>
+          </a:r>
+          <a:r>
+            <a:rPr lang="fr-FR" sz="1500" kern="1200" dirty="0" err="1"/>
+            <a:t>dataframe</a:t>
+          </a:r>
+          <a:r>
+            <a:rPr lang="fr-FR" sz="1500" kern="1200" dirty="0"/>
+            <a:t> and a few graphs </a:t>
+          </a:r>
+          <a:r>
+            <a:rPr lang="fr-FR" sz="1500" kern="1200" dirty="0" err="1"/>
+            <a:t>describing</a:t>
+          </a:r>
+          <a:r>
+            <a:rPr lang="fr-FR" sz="1500" kern="1200" dirty="0"/>
+            <a:t> the data</a:t>
+          </a:r>
+        </a:p>
+      </dsp:txBody>
+      <dsp:txXfrm>
+        <a:off x="9205694" y="2497913"/>
+        <a:ext cx="1753590" cy="1147005"/>
+      </dsp:txXfrm>
+    </dsp:sp>
+  </dsp:spTree>
+</dsp:drawing>
+</file>
+
+<file path=ppt/diagrams/drawing2.xml><?xml version="1.0" encoding="utf-8"?>
+<dsp:drawing xmlns:dgm="http://schemas.openxmlformats.org/drawingml/2006/diagram" xmlns:dsp="http://schemas.microsoft.com/office/drawing/2008/diagram" xmlns:a="http://schemas.openxmlformats.org/drawingml/2006/main">
+  <dsp:spTree>
+    <dsp:nvGrpSpPr>
+      <dsp:cNvPr id="0" name=""/>
+      <dsp:cNvGrpSpPr/>
+    </dsp:nvGrpSpPr>
+    <dsp:grpSpPr/>
+    <dsp:sp modelId="{712D4D8A-B49B-455B-85D6-96B109BA0103}">
+      <dsp:nvSpPr>
+        <dsp:cNvPr id="0" name=""/>
+        <dsp:cNvSpPr/>
+      </dsp:nvSpPr>
+      <dsp:spPr>
+        <a:xfrm>
+          <a:off x="0" y="749"/>
+          <a:ext cx="5641974" cy="1754892"/>
+        </a:xfrm>
+        <a:prstGeom prst="roundRect">
+          <a:avLst>
+            <a:gd name="adj" fmla="val 10000"/>
+          </a:avLst>
+        </a:prstGeom>
+        <a:solidFill>
+          <a:schemeClr val="bg1">
+            <a:lumMod val="95000"/>
+            <a:hueOff val="0"/>
+            <a:satOff val="0"/>
+            <a:lumOff val="0"/>
+            <a:alphaOff val="0"/>
+          </a:schemeClr>
+        </a:solidFill>
+        <a:ln>
+          <a:noFill/>
+        </a:ln>
+        <a:effectLst/>
+      </dsp:spPr>
+      <dsp:style>
+        <a:lnRef idx="0">
+          <a:scrgbClr r="0" g="0" b="0"/>
+        </a:lnRef>
+        <a:fillRef idx="1">
+          <a:scrgbClr r="0" g="0" b="0"/>
+        </a:fillRef>
+        <a:effectRef idx="0">
+          <a:scrgbClr r="0" g="0" b="0"/>
+        </a:effectRef>
+        <a:fontRef idx="minor"/>
+      </dsp:style>
+    </dsp:sp>
+    <dsp:sp modelId="{D0444015-BCEA-474A-B674-5EB60BBCD89D}">
+      <dsp:nvSpPr>
+        <dsp:cNvPr id="0" name=""/>
+        <dsp:cNvSpPr/>
+      </dsp:nvSpPr>
+      <dsp:spPr>
+        <a:xfrm>
+          <a:off x="459508" y="383709"/>
+          <a:ext cx="965191" cy="965191"/>
+        </a:xfrm>
+        <a:prstGeom prst="rect">
+          <a:avLst/>
+        </a:prstGeom>
+        <a:blipFill>
+          <a:blip xmlns:r="http://schemas.openxmlformats.org/officeDocument/2006/relationships" r:embed="rId1">
+            <a:extLst>
+              <a:ext uri="{28A0092B-C50C-407E-A947-70E740481C1C}">
+                <a14:useLocalDpi xmlns:a14="http://schemas.microsoft.com/office/drawing/2010/main" val="0"/>
+              </a:ext>
+              <a:ext uri="{96DAC541-7B7A-43D3-8B79-37D633B846F1}">
+                <asvg:svgBlip xmlns:asvg="http://schemas.microsoft.com/office/drawing/2016/SVG/main" r:embed="rId2"/>
+              </a:ext>
+            </a:extLst>
+          </a:blip>
+          <a:stretch>
+            <a:fillRect/>
+          </a:stretch>
+        </a:blipFill>
+        <a:ln w="15875" cap="flat" cmpd="sng" algn="ctr">
+          <a:noFill/>
+          <a:prstDash val="solid"/>
+        </a:ln>
+        <a:effectLst/>
+      </dsp:spPr>
+      <dsp:style>
+        <a:lnRef idx="2">
+          <a:scrgbClr r="0" g="0" b="0"/>
+        </a:lnRef>
+        <a:fillRef idx="1">
+          <a:scrgbClr r="0" g="0" b="0"/>
+        </a:fillRef>
+        <a:effectRef idx="0">
+          <a:scrgbClr r="0" g="0" b="0"/>
+        </a:effectRef>
+        <a:fontRef idx="minor">
+          <a:schemeClr val="lt1"/>
+        </a:fontRef>
+      </dsp:style>
+    </dsp:sp>
+    <dsp:sp modelId="{ECAC56A5-54FC-4C25-92ED-C2FA10DBA868}">
+      <dsp:nvSpPr>
+        <dsp:cNvPr id="0" name=""/>
+        <dsp:cNvSpPr/>
+      </dsp:nvSpPr>
+      <dsp:spPr>
+        <a:xfrm>
+          <a:off x="2026901" y="749"/>
+          <a:ext cx="3615073" cy="1754892"/>
+        </a:xfrm>
+        <a:prstGeom prst="rect">
+          <a:avLst/>
+        </a:prstGeom>
+        <a:noFill/>
+        <a:ln>
+          <a:noFill/>
+        </a:ln>
+        <a:effectLst/>
+      </dsp:spPr>
+      <dsp:style>
+        <a:lnRef idx="0">
+          <a:scrgbClr r="0" g="0" b="0"/>
+        </a:lnRef>
+        <a:fillRef idx="0">
+          <a:scrgbClr r="0" g="0" b="0"/>
+        </a:fillRef>
+        <a:effectRef idx="0">
+          <a:scrgbClr r="0" g="0" b="0"/>
+        </a:effectRef>
+        <a:fontRef idx="minor"/>
+      </dsp:style>
+      <dsp:txBody>
+        <a:bodyPr spcFirstLastPara="0" vert="horz" wrap="square" lIns="185726" tIns="185726" rIns="185726" bIns="185726" numCol="1" spcCol="1270" anchor="ctr" anchorCtr="0">
+          <a:noAutofit/>
+        </a:bodyPr>
+        <a:lstStyle/>
+        <a:p>
+          <a:pPr marL="0" lvl="0" indent="0" algn="l" defTabSz="800100">
+            <a:lnSpc>
+              <a:spcPct val="90000"/>
+            </a:lnSpc>
+            <a:spcBef>
+              <a:spcPct val="0"/>
+            </a:spcBef>
+            <a:spcAft>
+              <a:spcPct val="35000"/>
+            </a:spcAft>
+            <a:buNone/>
+          </a:pPr>
+          <a:r>
+            <a:rPr lang="fr-FR" sz="1800" b="1" kern="1200" dirty="0"/>
+            <a:t>Obstacles</a:t>
+          </a:r>
+        </a:p>
+        <a:p>
+          <a:pPr marL="0" lvl="0" indent="0" algn="l" defTabSz="800100">
+            <a:lnSpc>
+              <a:spcPct val="90000"/>
+            </a:lnSpc>
+            <a:spcBef>
+              <a:spcPct val="0"/>
+            </a:spcBef>
+            <a:spcAft>
+              <a:spcPct val="35000"/>
+            </a:spcAft>
+            <a:buNone/>
+          </a:pPr>
+          <a:r>
+            <a:rPr lang="fr-FR" sz="1800" kern="1200" dirty="0" err="1"/>
+            <a:t>Choosing</a:t>
+          </a:r>
+          <a:r>
+            <a:rPr lang="fr-FR" sz="1800" kern="1200" dirty="0"/>
+            <a:t> the right </a:t>
+          </a:r>
+          <a:r>
+            <a:rPr lang="fr-FR" sz="1800" kern="1200" dirty="0" err="1"/>
+            <a:t>website</a:t>
+          </a:r>
+          <a:r>
+            <a:rPr lang="fr-FR" sz="1800" kern="1200" dirty="0"/>
+            <a:t> and </a:t>
+          </a:r>
+          <a:r>
+            <a:rPr lang="fr-FR" sz="1800" kern="1200" dirty="0" err="1"/>
+            <a:t>scrapping</a:t>
+          </a:r>
+          <a:r>
+            <a:rPr lang="fr-FR" sz="1800" kern="1200" dirty="0"/>
+            <a:t> </a:t>
+          </a:r>
+          <a:r>
+            <a:rPr lang="fr-FR" sz="1800" kern="1200" dirty="0" err="1"/>
+            <a:t>method</a:t>
+          </a:r>
+          <a:r>
+            <a:rPr lang="fr-FR" sz="1800" kern="1200" dirty="0"/>
+            <a:t> </a:t>
+          </a:r>
+          <a:endParaRPr lang="en-US" sz="1800" kern="1200" dirty="0"/>
+        </a:p>
+      </dsp:txBody>
+      <dsp:txXfrm>
+        <a:off x="2026901" y="749"/>
+        <a:ext cx="3615073" cy="1754892"/>
+      </dsp:txXfrm>
+    </dsp:sp>
+    <dsp:sp modelId="{181C9A17-AC0C-4B0F-84BC-83EA32386CC3}">
+      <dsp:nvSpPr>
+        <dsp:cNvPr id="0" name=""/>
+        <dsp:cNvSpPr/>
+      </dsp:nvSpPr>
+      <dsp:spPr>
+        <a:xfrm>
+          <a:off x="0" y="2141982"/>
+          <a:ext cx="5641974" cy="1754892"/>
+        </a:xfrm>
+        <a:prstGeom prst="roundRect">
+          <a:avLst>
+            <a:gd name="adj" fmla="val 10000"/>
+          </a:avLst>
+        </a:prstGeom>
+        <a:solidFill>
+          <a:schemeClr val="bg1">
+            <a:lumMod val="95000"/>
+            <a:hueOff val="0"/>
+            <a:satOff val="0"/>
+            <a:lumOff val="0"/>
+            <a:alphaOff val="0"/>
+          </a:schemeClr>
+        </a:solidFill>
+        <a:ln>
+          <a:noFill/>
+        </a:ln>
+        <a:effectLst/>
+      </dsp:spPr>
+      <dsp:style>
+        <a:lnRef idx="0">
+          <a:scrgbClr r="0" g="0" b="0"/>
+        </a:lnRef>
+        <a:fillRef idx="1">
+          <a:scrgbClr r="0" g="0" b="0"/>
+        </a:fillRef>
+        <a:effectRef idx="0">
+          <a:scrgbClr r="0" g="0" b="0"/>
+        </a:effectRef>
+        <a:fontRef idx="minor"/>
+      </dsp:style>
+    </dsp:sp>
+    <dsp:sp modelId="{E515DD13-85B4-4DFB-AD96-1341399E0E1C}">
+      <dsp:nvSpPr>
+        <dsp:cNvPr id="0" name=""/>
+        <dsp:cNvSpPr/>
+      </dsp:nvSpPr>
+      <dsp:spPr>
+        <a:xfrm>
+          <a:off x="530855" y="2589216"/>
+          <a:ext cx="965191" cy="965191"/>
+        </a:xfrm>
+        <a:prstGeom prst="rect">
+          <a:avLst/>
+        </a:prstGeom>
+        <a:blipFill>
+          <a:blip xmlns:r="http://schemas.openxmlformats.org/officeDocument/2006/relationships" r:embed="rId3">
+            <a:extLst>
+              <a:ext uri="{28A0092B-C50C-407E-A947-70E740481C1C}">
+                <a14:useLocalDpi xmlns:a14="http://schemas.microsoft.com/office/drawing/2010/main" val="0"/>
+              </a:ext>
+              <a:ext uri="{96DAC541-7B7A-43D3-8B79-37D633B846F1}">
+                <asvg:svgBlip xmlns:asvg="http://schemas.microsoft.com/office/drawing/2016/SVG/main" r:embed="rId4"/>
+              </a:ext>
+            </a:extLst>
+          </a:blip>
+          <a:stretch>
+            <a:fillRect/>
+          </a:stretch>
+        </a:blipFill>
+        <a:ln w="15875" cap="flat" cmpd="sng" algn="ctr">
+          <a:noFill/>
+          <a:prstDash val="solid"/>
+        </a:ln>
+        <a:effectLst/>
+      </dsp:spPr>
+      <dsp:style>
+        <a:lnRef idx="2">
+          <a:scrgbClr r="0" g="0" b="0"/>
+        </a:lnRef>
+        <a:fillRef idx="1">
+          <a:scrgbClr r="0" g="0" b="0"/>
+        </a:fillRef>
+        <a:effectRef idx="0">
+          <a:scrgbClr r="0" g="0" b="0"/>
+        </a:effectRef>
+        <a:fontRef idx="minor">
+          <a:schemeClr val="lt1"/>
+        </a:fontRef>
+      </dsp:style>
+    </dsp:sp>
+    <dsp:sp modelId="{A0B7ECB8-79C0-4D4C-ABFD-9833DE48C07C}">
+      <dsp:nvSpPr>
+        <dsp:cNvPr id="0" name=""/>
+        <dsp:cNvSpPr/>
+      </dsp:nvSpPr>
+      <dsp:spPr>
+        <a:xfrm>
+          <a:off x="2026901" y="2194366"/>
+          <a:ext cx="3615073" cy="1754892"/>
+        </a:xfrm>
+        <a:prstGeom prst="rect">
+          <a:avLst/>
+        </a:prstGeom>
+        <a:noFill/>
+        <a:ln>
+          <a:noFill/>
+        </a:ln>
+        <a:effectLst/>
+      </dsp:spPr>
+      <dsp:style>
+        <a:lnRef idx="0">
+          <a:scrgbClr r="0" g="0" b="0"/>
+        </a:lnRef>
+        <a:fillRef idx="0">
+          <a:scrgbClr r="0" g="0" b="0"/>
+        </a:fillRef>
+        <a:effectRef idx="0">
+          <a:scrgbClr r="0" g="0" b="0"/>
+        </a:effectRef>
+        <a:fontRef idx="minor"/>
+      </dsp:style>
+      <dsp:txBody>
+        <a:bodyPr spcFirstLastPara="0" vert="horz" wrap="square" lIns="185726" tIns="185726" rIns="185726" bIns="185726" numCol="1" spcCol="1270" anchor="ctr" anchorCtr="0">
+          <a:noAutofit/>
+        </a:bodyPr>
+        <a:lstStyle/>
+        <a:p>
+          <a:pPr marL="0" lvl="0" indent="0" algn="l" defTabSz="800100">
+            <a:lnSpc>
+              <a:spcPct val="90000"/>
+            </a:lnSpc>
+            <a:spcBef>
+              <a:spcPct val="0"/>
+            </a:spcBef>
+            <a:spcAft>
+              <a:spcPct val="35000"/>
+            </a:spcAft>
+            <a:buNone/>
+          </a:pPr>
+          <a:r>
+            <a:rPr lang="fr-FR" sz="1800" b="1" kern="1200" dirty="0" err="1"/>
+            <a:t>Learnings</a:t>
+          </a:r>
+          <a:endParaRPr lang="fr-FR" sz="1800" b="1" kern="1200" dirty="0"/>
+        </a:p>
+        <a:p>
+          <a:pPr marL="0" lvl="0" indent="0" algn="l" defTabSz="800100">
+            <a:lnSpc>
+              <a:spcPct val="90000"/>
+            </a:lnSpc>
+            <a:spcBef>
+              <a:spcPct val="0"/>
+            </a:spcBef>
+            <a:spcAft>
+              <a:spcPct val="35000"/>
+            </a:spcAft>
+            <a:buNone/>
+          </a:pPr>
+          <a:r>
+            <a:rPr lang="fr-FR" sz="1800" kern="1200" dirty="0"/>
+            <a:t>How a </a:t>
+          </a:r>
+          <a:r>
+            <a:rPr lang="fr-FR" sz="1800" kern="1200" dirty="0" err="1"/>
+            <a:t>website</a:t>
+          </a:r>
+          <a:r>
+            <a:rPr lang="fr-FR" sz="1800" kern="1200" dirty="0"/>
+            <a:t> </a:t>
+          </a:r>
+          <a:r>
+            <a:rPr lang="fr-FR" sz="1800" kern="1200" dirty="0" err="1"/>
+            <a:t>is</a:t>
+          </a:r>
+          <a:r>
+            <a:rPr lang="fr-FR" sz="1800" kern="1200" dirty="0"/>
+            <a:t> </a:t>
+          </a:r>
+          <a:r>
+            <a:rPr lang="fr-FR" sz="1800" kern="1200" dirty="0" err="1"/>
+            <a:t>structured</a:t>
+          </a:r>
+          <a:endParaRPr lang="fr-FR" sz="1800" kern="1200" dirty="0"/>
+        </a:p>
+        <a:p>
+          <a:pPr marL="0" lvl="0" indent="0" algn="l" defTabSz="800100">
+            <a:lnSpc>
+              <a:spcPct val="90000"/>
+            </a:lnSpc>
+            <a:spcBef>
+              <a:spcPct val="0"/>
+            </a:spcBef>
+            <a:spcAft>
+              <a:spcPct val="35000"/>
+            </a:spcAft>
+            <a:buNone/>
+          </a:pPr>
+          <a:r>
+            <a:rPr lang="fr-FR" sz="1800" kern="1200" dirty="0"/>
+            <a:t>How to clean a </a:t>
+          </a:r>
+          <a:r>
+            <a:rPr lang="fr-FR" sz="1800" kern="1200" dirty="0" err="1"/>
+            <a:t>json</a:t>
+          </a:r>
+          <a:r>
+            <a:rPr lang="fr-FR" sz="1800" kern="1200" dirty="0"/>
+            <a:t> output </a:t>
+          </a:r>
+        </a:p>
+        <a:p>
+          <a:pPr marL="0" lvl="0" indent="0" algn="l" defTabSz="800100">
+            <a:lnSpc>
+              <a:spcPct val="90000"/>
+            </a:lnSpc>
+            <a:spcBef>
+              <a:spcPct val="0"/>
+            </a:spcBef>
+            <a:spcAft>
+              <a:spcPct val="35000"/>
+            </a:spcAft>
+            <a:buNone/>
+          </a:pPr>
+          <a:r>
+            <a:rPr lang="fr-FR" sz="1800" kern="1200" dirty="0" err="1"/>
+            <a:t>Better</a:t>
+          </a:r>
+          <a:r>
+            <a:rPr lang="fr-FR" sz="1800" kern="1200" dirty="0"/>
+            <a:t> </a:t>
+          </a:r>
+          <a:r>
+            <a:rPr lang="fr-FR" sz="1800" kern="1200" dirty="0" err="1"/>
+            <a:t>understand</a:t>
+          </a:r>
+          <a:r>
+            <a:rPr lang="fr-FR" sz="1800" kern="1200" dirty="0"/>
+            <a:t> </a:t>
+          </a:r>
+          <a:r>
+            <a:rPr lang="fr-FR" sz="1800" kern="1200" dirty="0" err="1"/>
+            <a:t>functions</a:t>
+          </a:r>
+          <a:r>
+            <a:rPr lang="fr-FR" sz="1800" kern="1200" dirty="0"/>
+            <a:t> and data pipelines</a:t>
+          </a:r>
+          <a:endParaRPr lang="en-US" sz="1800" kern="1200" dirty="0"/>
+        </a:p>
+      </dsp:txBody>
+      <dsp:txXfrm>
+        <a:off x="2026901" y="2194366"/>
+        <a:ext cx="3615073" cy="1754892"/>
+      </dsp:txXfrm>
+    </dsp:sp>
+    <dsp:sp modelId="{7CEDF1FC-04AA-499F-AC2B-645A122B0F86}">
+      <dsp:nvSpPr>
+        <dsp:cNvPr id="0" name=""/>
+        <dsp:cNvSpPr/>
+      </dsp:nvSpPr>
+      <dsp:spPr>
+        <a:xfrm>
+          <a:off x="0" y="4387982"/>
+          <a:ext cx="5641974" cy="1754892"/>
+        </a:xfrm>
+        <a:prstGeom prst="roundRect">
+          <a:avLst>
+            <a:gd name="adj" fmla="val 10000"/>
+          </a:avLst>
+        </a:prstGeom>
+        <a:solidFill>
+          <a:schemeClr val="bg1">
+            <a:lumMod val="95000"/>
+            <a:hueOff val="0"/>
+            <a:satOff val="0"/>
+            <a:lumOff val="0"/>
+            <a:alphaOff val="0"/>
+          </a:schemeClr>
+        </a:solidFill>
+        <a:ln>
+          <a:noFill/>
+        </a:ln>
+        <a:effectLst/>
+      </dsp:spPr>
+      <dsp:style>
+        <a:lnRef idx="0">
+          <a:scrgbClr r="0" g="0" b="0"/>
+        </a:lnRef>
+        <a:fillRef idx="1">
+          <a:scrgbClr r="0" g="0" b="0"/>
+        </a:fillRef>
+        <a:effectRef idx="0">
+          <a:scrgbClr r="0" g="0" b="0"/>
+        </a:effectRef>
+        <a:fontRef idx="minor"/>
+      </dsp:style>
+    </dsp:sp>
+    <dsp:sp modelId="{43275787-406B-4F82-A6C4-19C44AF26AB3}">
+      <dsp:nvSpPr>
+        <dsp:cNvPr id="0" name=""/>
+        <dsp:cNvSpPr/>
+      </dsp:nvSpPr>
+      <dsp:spPr>
+        <a:xfrm>
+          <a:off x="530855" y="4782833"/>
+          <a:ext cx="965191" cy="965191"/>
+        </a:xfrm>
+        <a:prstGeom prst="rect">
+          <a:avLst/>
+        </a:prstGeom>
+        <a:blipFill>
+          <a:blip xmlns:r="http://schemas.openxmlformats.org/officeDocument/2006/relationships" r:embed="rId5">
+            <a:extLst>
+              <a:ext uri="{28A0092B-C50C-407E-A947-70E740481C1C}">
+                <a14:useLocalDpi xmlns:a14="http://schemas.microsoft.com/office/drawing/2010/main" val="0"/>
+              </a:ext>
+              <a:ext uri="{96DAC541-7B7A-43D3-8B79-37D633B846F1}">
+                <asvg:svgBlip xmlns:asvg="http://schemas.microsoft.com/office/drawing/2016/SVG/main" r:embed="rId6"/>
+              </a:ext>
+            </a:extLst>
+          </a:blip>
+          <a:stretch>
+            <a:fillRect/>
+          </a:stretch>
+        </a:blipFill>
+        <a:ln w="15875" cap="flat" cmpd="sng" algn="ctr">
+          <a:noFill/>
+          <a:prstDash val="solid"/>
+        </a:ln>
+        <a:effectLst/>
+      </dsp:spPr>
+      <dsp:style>
+        <a:lnRef idx="2">
+          <a:scrgbClr r="0" g="0" b="0"/>
+        </a:lnRef>
+        <a:fillRef idx="1">
+          <a:scrgbClr r="0" g="0" b="0"/>
+        </a:fillRef>
+        <a:effectRef idx="0">
+          <a:scrgbClr r="0" g="0" b="0"/>
+        </a:effectRef>
+        <a:fontRef idx="minor">
+          <a:schemeClr val="lt1"/>
+        </a:fontRef>
+      </dsp:style>
+    </dsp:sp>
+    <dsp:sp modelId="{BAC58A01-8259-48CC-9EBD-A4EE46E985D3}">
+      <dsp:nvSpPr>
+        <dsp:cNvPr id="0" name=""/>
+        <dsp:cNvSpPr/>
+      </dsp:nvSpPr>
+      <dsp:spPr>
+        <a:xfrm>
+          <a:off x="2026901" y="4387982"/>
+          <a:ext cx="3615073" cy="1754892"/>
+        </a:xfrm>
+        <a:prstGeom prst="rect">
+          <a:avLst/>
+        </a:prstGeom>
+        <a:noFill/>
+        <a:ln>
+          <a:noFill/>
+        </a:ln>
+        <a:effectLst/>
+      </dsp:spPr>
+      <dsp:style>
+        <a:lnRef idx="0">
+          <a:scrgbClr r="0" g="0" b="0"/>
+        </a:lnRef>
+        <a:fillRef idx="0">
+          <a:scrgbClr r="0" g="0" b="0"/>
+        </a:fillRef>
+        <a:effectRef idx="0">
+          <a:scrgbClr r="0" g="0" b="0"/>
+        </a:effectRef>
+        <a:fontRef idx="minor"/>
+      </dsp:style>
+      <dsp:txBody>
+        <a:bodyPr spcFirstLastPara="0" vert="horz" wrap="square" lIns="185726" tIns="185726" rIns="185726" bIns="185726" numCol="1" spcCol="1270" anchor="ctr" anchorCtr="0">
+          <a:noAutofit/>
+        </a:bodyPr>
+        <a:lstStyle/>
+        <a:p>
+          <a:pPr marL="0" lvl="0" indent="0" algn="l" defTabSz="800100">
+            <a:lnSpc>
+              <a:spcPct val="90000"/>
+            </a:lnSpc>
+            <a:spcBef>
+              <a:spcPct val="0"/>
+            </a:spcBef>
+            <a:spcAft>
+              <a:spcPct val="35000"/>
+            </a:spcAft>
+            <a:buNone/>
+          </a:pPr>
+          <a:r>
+            <a:rPr lang="fr-FR" sz="1800" b="1" kern="1200" dirty="0" err="1"/>
+            <a:t>Improvements</a:t>
+          </a:r>
+          <a:endParaRPr lang="fr-FR" sz="1800" b="1" kern="1200" dirty="0"/>
+        </a:p>
+        <a:p>
+          <a:pPr marL="0" lvl="0" indent="0" algn="l" defTabSz="800100">
+            <a:lnSpc>
+              <a:spcPct val="90000"/>
+            </a:lnSpc>
+            <a:spcBef>
+              <a:spcPct val="0"/>
+            </a:spcBef>
+            <a:spcAft>
+              <a:spcPct val="35000"/>
+            </a:spcAft>
+            <a:buNone/>
+          </a:pPr>
+          <a:r>
+            <a:rPr lang="fr-FR" sz="1800" kern="1200" dirty="0" err="1"/>
+            <a:t>Scrapping</a:t>
+          </a:r>
+          <a:r>
+            <a:rPr lang="fr-FR" sz="1800" kern="1200" dirty="0"/>
+            <a:t> </a:t>
+          </a:r>
+          <a:r>
+            <a:rPr lang="fr-FR" sz="1800" kern="1200" dirty="0" err="1"/>
+            <a:t>competitors</a:t>
+          </a:r>
+          <a:r>
+            <a:rPr lang="fr-FR" sz="1800" kern="1200" dirty="0"/>
+            <a:t> </a:t>
+          </a:r>
+          <a:r>
+            <a:rPr lang="fr-FR" sz="1800" kern="1200" dirty="0" err="1"/>
+            <a:t>websites</a:t>
+          </a:r>
+          <a:r>
+            <a:rPr lang="fr-FR" sz="1800" kern="1200" dirty="0"/>
+            <a:t> </a:t>
+          </a:r>
+          <a:endParaRPr lang="en-US" sz="1800" kern="1200" dirty="0"/>
+        </a:p>
+      </dsp:txBody>
+      <dsp:txXfrm>
+        <a:off x="2026901" y="4387982"/>
+        <a:ext cx="3615073" cy="1754892"/>
+      </dsp:txXfrm>
+    </dsp:sp>
+  </dsp:spTree>
+</dsp:drawing>
+</file>
+
+<file path=ppt/diagrams/layout1.xml><?xml version="1.0" encoding="utf-8"?>
+<dgm:layoutDef xmlns:dgm="http://schemas.openxmlformats.org/drawingml/2006/diagram" xmlns:a="http://schemas.openxmlformats.org/drawingml/2006/main" uniqueId="urn:microsoft.com/office/officeart/2005/8/layout/process3">
+  <dgm:title val=""/>
+  <dgm:desc val=""/>
+  <dgm:catLst>
+    <dgm:cat type="process" pri="2000"/>
+  </dgm:catLst>
+  <dgm:sampData>
+    <dgm:dataModel>
+      <dgm:ptLst>
+        <dgm:pt modelId="0" type="doc"/>
+        <dgm:pt modelId="1">
+          <dgm:prSet phldr="1"/>
+        </dgm:pt>
+        <dgm:pt modelId="11">
+          <dgm:prSet phldr="1"/>
+        </dgm:pt>
+        <dgm:pt modelId="2">
+          <dgm:prSet phldr="1"/>
+        </dgm:pt>
+        <dgm:pt modelId="21">
+          <dgm:prSet phldr="1"/>
+        </dgm:pt>
+        <dgm:pt modelId="3">
+          <dgm:prSet phldr="1"/>
+        </dgm:pt>
+        <dgm:pt modelId="31">
+          <dgm:prSet phldr="1"/>
+        </dgm:pt>
+      </dgm:ptLst>
+      <dgm:cxnLst>
+        <dgm:cxn modelId="4" srcId="0" destId="1" srcOrd="0" destOrd="0"/>
+        <dgm:cxn modelId="5" srcId="0" destId="2" srcOrd="1" destOrd="0"/>
+        <dgm:cxn modelId="6" srcId="0" destId="3" srcOrd="3" destOrd="0"/>
+        <dgm:cxn modelId="12" srcId="1" destId="11" srcOrd="0" destOrd="0"/>
+        <dgm:cxn modelId="23" srcId="2" destId="21" srcOrd="0" destOrd="0"/>
+        <dgm:cxn modelId="34" srcId="3" destId="31" srcOrd="0" destOrd="0"/>
+      </dgm:cxnLst>
+      <dgm:bg/>
+      <dgm:whole/>
+    </dgm:dataModel>
+  </dgm:sampData>
+  <dgm:styleData>
+    <dgm:dataModel>
+      <dgm:ptLst>
+        <dgm:pt modelId="0" type="doc"/>
+        <dgm:pt modelId="1">
+          <dgm:prSet phldr="1"/>
+        </dgm:pt>
+        <dgm:pt modelId="11">
+          <dgm:prSet phldr="1"/>
+        </dgm:pt>
+        <dgm:pt modelId="2">
+          <dgm:prSet phldr="1"/>
+        </dgm:pt>
+        <dgm:pt modelId="21">
+          <dgm:prSet phldr="1"/>
+        </dgm:pt>
+      </dgm:ptLst>
+      <dgm:cxnLst>
+        <dgm:cxn modelId="4" srcId="0" destId="1" srcOrd="0" destOrd="0"/>
+        <dgm:cxn modelId="5" srcId="0" destId="2" srcOrd="1" destOrd="0"/>
+        <dgm:cxn modelId="13" srcId="1" destId="11" srcOrd="0" destOrd="0"/>
+        <dgm:cxn modelId="23" srcId="2" destId="21" srcOrd="0" destOrd="0"/>
+      </dgm:cxnLst>
+      <dgm:bg/>
+      <dgm:whole/>
+    </dgm:dataModel>
+  </dgm:styleData>
+  <dgm:clrData>
+    <dgm:dataModel>
+      <dgm:ptLst>
+        <dgm:pt modelId="0" type="doc"/>
+        <dgm:pt modelId="1">
+          <dgm:prSet phldr="1"/>
+        </dgm:pt>
+        <dgm:pt modelId="11">
+          <dgm:prSet phldr="1"/>
+        </dgm:pt>
+        <dgm:pt modelId="2">
+          <dgm:prSet phldr="1"/>
+        </dgm:pt>
+        <dgm:pt modelId="21">
+          <dgm:prSet phldr="1"/>
+        </dgm:pt>
+        <dgm:pt modelId="3">
+          <dgm:prSet phldr="1"/>
+        </dgm:pt>
+        <dgm:pt modelId="31">
+          <dgm:prSet phldr="1"/>
+        </dgm:pt>
+        <dgm:pt modelId="4">
+          <dgm:prSet phldr="1"/>
+        </dgm:pt>
+        <dgm:pt modelId="41">
+          <dgm:prSet phldr="1"/>
+        </dgm:pt>
+      </dgm:ptLst>
+      <dgm:cxnLst>
+        <dgm:cxn modelId="5" srcId="0" destId="1" srcOrd="0" destOrd="0"/>
+        <dgm:cxn modelId="6" srcId="0" destId="2" srcOrd="1" destOrd="0"/>
+        <dgm:cxn modelId="7" srcId="0" destId="3" srcOrd="2" destOrd="0"/>
+        <dgm:cxn modelId="8" srcId="0" destId="4" srcOrd="3" destOrd="0"/>
+        <dgm:cxn modelId="13" srcId="1" destId="11" srcOrd="0" destOrd="0"/>
+        <dgm:cxn modelId="23" srcId="2" destId="21" srcOrd="0" destOrd="0"/>
+        <dgm:cxn modelId="33" srcId="3" destId="31" srcOrd="0" destOrd="0"/>
+        <dgm:cxn modelId="43" srcId="4" destId="41" srcOrd="0" destOrd="0"/>
+      </dgm:cxnLst>
+      <dgm:bg/>
+      <dgm:whole/>
+    </dgm:dataModel>
+  </dgm:clrData>
+  <dgm:layoutNode name="linearFlow">
+    <dgm:varLst>
+      <dgm:dir/>
+      <dgm:animLvl val="lvl"/>
+      <dgm:resizeHandles val="exact"/>
+    </dgm:varLst>
+    <dgm:choose name="Name0">
+      <dgm:if name="Name1" func="var" arg="dir" op="equ" val="norm">
+        <dgm:alg type="lin"/>
+      </dgm:if>
+      <dgm:else name="Name2">
+        <dgm:alg type="lin">
+          <dgm:param type="linDir" val="fromR"/>
+        </dgm:alg>
+      </dgm:else>
+    </dgm:choose>
+    <dgm:shape xmlns:r="http://schemas.openxmlformats.org/officeDocument/2006/relationships" r:blip="">
+      <dgm:adjLst/>
+    </dgm:shape>
+    <dgm:presOf/>
+    <dgm:constrLst>
+      <dgm:constr type="w" for="ch" forName="composite" refType="w"/>
+      <dgm:constr type="w" for="ch" ptType="sibTrans" refType="w" refFor="ch" refForName="composite" fact="0.3333"/>
+      <dgm:constr type="w" for="des" forName="parTx"/>
+      <dgm:constr type="h" for="des" forName="parTx" op="equ"/>
+      <dgm:constr type="h" for="des" forName="parSh" op="equ"/>
+      <dgm:constr type="w" for="des" forName="desTx"/>
+      <dgm:constr type="h" for="des" forName="desTx" op="equ"/>
+      <dgm:constr type="w" for="des" forName="parSh"/>
+      <dgm:constr type="primFontSz" for="des" forName="parTx" val="65"/>
+      <dgm:constr type="secFontSz" for="des" forName="desTx" refType="primFontSz" refFor="des" refForName="parTx" op="equ"/>
+      <dgm:constr type="primFontSz" for="des" forName="connTx" refType="primFontSz" refFor="des" refForName="parTx" fact="0.8"/>
+      <dgm:constr type="primFontSz" for="des" forName="connTx" refType="primFontSz" refFor="des" refForName="parTx" op="lte" fact="0.8"/>
+      <dgm:constr type="h" for="des" forName="parTx" refType="primFontSz" refFor="des" refForName="parTx" fact="0.8"/>
+      <dgm:constr type="h" for="des" forName="parSh" refType="primFontSz" refFor="des" refForName="parTx" fact="1.2"/>
+      <dgm:constr type="h" for="des" forName="desTx" refType="primFontSz" refFor="des" refForName="parTx" fact="1.6"/>
+      <dgm:constr type="h" for="des" forName="parSh" refType="h" refFor="des" refForName="parTx" op="lte" fact="1.5"/>
+      <dgm:constr type="h" for="des" forName="parSh" refType="h" refFor="des" refForName="parTx" op="gte" fact="1.5"/>
+    </dgm:constrLst>
+    <dgm:ruleLst>
+      <dgm:rule type="w" for="ch" forName="composite" val="0" fact="NaN" max="NaN"/>
+      <dgm:rule type="primFontSz" for="des" forName="parTx" val="5" fact="NaN" max="NaN"/>
+    </dgm:ruleLst>
+    <dgm:forEach name="Name3" axis="ch" ptType="node">
+      <dgm:layoutNode name="composite">
+        <dgm:alg type="composite"/>
+        <dgm:shape xmlns:r="http://schemas.openxmlformats.org/officeDocument/2006/relationships" r:blip="">
+          <dgm:adjLst/>
+        </dgm:shape>
+        <dgm:presOf/>
+        <dgm:choose name="Name4">
+          <dgm:if name="Name5" func="var" arg="dir" op="equ" val="norm">
+            <dgm:constrLst>
+              <dgm:constr type="h" refType="w" fact="1000"/>
+              <dgm:constr type="l" for="ch" forName="parTx"/>
+              <dgm:constr type="w" for="ch" forName="parTx" refType="w" fact="0.83"/>
+              <dgm:constr type="t" for="ch" forName="parTx"/>
+              <dgm:constr type="l" for="ch" forName="parSh"/>
+              <dgm:constr type="w" for="ch" forName="parSh" refType="w" refFor="ch" refForName="parTx"/>
+              <dgm:constr type="t" for="ch" forName="parSh"/>
+              <dgm:constr type="l" for="ch" forName="desTx" refType="w" fact="0.17"/>
+              <dgm:constr type="w" for="ch" forName="desTx" refType="w" refFor="ch" refForName="parTx"/>
+              <dgm:constr type="t" for="ch" forName="desTx" refType="h" refFor="ch" refForName="parTx"/>
+            </dgm:constrLst>
+          </dgm:if>
+          <dgm:else name="Name6">
+            <dgm:constrLst>
+              <dgm:constr type="h" refType="w" fact="1000"/>
+              <dgm:constr type="l" for="ch" forName="parTx" refType="w" fact="0.17"/>
+              <dgm:constr type="w" for="ch" forName="parTx" refType="w" fact="0.83"/>
+              <dgm:constr type="t" for="ch" forName="parTx"/>
+              <dgm:constr type="l" for="ch" forName="parSh" refType="w" fact="0.15"/>
+              <dgm:constr type="w" for="ch" forName="parSh" refType="w" refFor="ch" refForName="parTx"/>
+              <dgm:constr type="t" for="ch" forName="parSh"/>
+              <dgm:constr type="l" for="ch" forName="desTx"/>
+              <dgm:constr type="w" for="ch" forName="desTx" refType="w" refFor="ch" refForName="parTx"/>
+              <dgm:constr type="t" for="ch" forName="desTx" refType="h" refFor="ch" refForName="parTx"/>
+            </dgm:constrLst>
+          </dgm:else>
+        </dgm:choose>
+        <dgm:ruleLst>
+          <dgm:rule type="h" val="INF" fact="NaN" max="NaN"/>
+        </dgm:ruleLst>
+        <dgm:layoutNode name="parTx">
+          <dgm:varLst>
+            <dgm:chMax val="0"/>
+            <dgm:chPref val="0"/>
+            <dgm:bulletEnabled val="1"/>
+          </dgm:varLst>
+          <dgm:alg type="tx">
+            <dgm:param type="parTxLTRAlign" val="l"/>
+            <dgm:param type="parTxRTLAlign" val="r"/>
+            <dgm:param type="txAnchorVert" val="t"/>
+          </dgm:alg>
+          <dgm:shape xmlns:r="http://schemas.openxmlformats.org/officeDocument/2006/relationships" type="rect" r:blip="" zOrderOff="1" hideGeom="1">
+            <dgm:adjLst>
+              <dgm:adj idx="1" val="0.1"/>
+            </dgm:adjLst>
+          </dgm:shape>
+          <dgm:presOf axis="self" ptType="node"/>
+          <dgm:constrLst>
+            <dgm:constr type="h" refType="w" op="lte" fact="0.4"/>
+            <dgm:constr type="bMarg" refType="primFontSz" fact="0.3"/>
+            <dgm:constr type="h"/>
+          </dgm:constrLst>
+          <dgm:ruleLst>
+            <dgm:rule type="h" val="INF" fact="NaN" max="NaN"/>
+          </dgm:ruleLst>
+        </dgm:layoutNode>
+        <dgm:layoutNode name="parSh">
+          <dgm:alg type="sp"/>
+          <dgm:shape xmlns:r="http://schemas.openxmlformats.org/officeDocument/2006/relationships" type="roundRect" r:blip="">
+            <dgm:adjLst>
+              <dgm:adj idx="1" val="0.1"/>
+            </dgm:adjLst>
+          </dgm:shape>
+          <dgm:presOf axis="self" ptType="node"/>
+          <dgm:constrLst>
+            <dgm:constr type="h"/>
+          </dgm:constrLst>
+          <dgm:ruleLst/>
+        </dgm:layoutNode>
+        <dgm:layoutNode name="desTx" styleLbl="fgAcc1">
+          <dgm:varLst>
+            <dgm:bulletEnabled val="1"/>
+          </dgm:varLst>
+          <dgm:alg type="tx">
+            <dgm:param type="stBulletLvl" val="1"/>
+          </dgm:alg>
+          <dgm:shape xmlns:r="http://schemas.openxmlformats.org/officeDocument/2006/relationships" type="roundRect" r:blip="">
+            <dgm:adjLst>
+              <dgm:adj idx="1" val="0.1"/>
+            </dgm:adjLst>
+          </dgm:shape>
+          <dgm:presOf axis="des" ptType="node"/>
+          <dgm:constrLst>
+            <dgm:constr type="secFontSz" val="65"/>
+            <dgm:constr type="primFontSz" refType="secFontSz"/>
+            <dgm:constr type="h"/>
+          </dgm:constrLst>
+          <dgm:ruleLst>
+            <dgm:rule type="h" val="INF" fact="NaN" max="NaN"/>
+          </dgm:ruleLst>
+        </dgm:layoutNode>
+      </dgm:layoutNode>
+      <dgm:forEach name="sibTransForEach" axis="followSib" ptType="sibTrans" cnt="1">
+        <dgm:layoutNode name="sibTrans">
+          <dgm:alg type="conn">
+            <dgm:param type="begPts" val="auto"/>
+            <dgm:param type="endPts" val="auto"/>
+            <dgm:param type="srcNode" val="parTx"/>
+            <dgm:param type="dstNode" val="parTx"/>
+          </dgm:alg>
+          <dgm:shape xmlns:r="http://schemas.openxmlformats.org/officeDocument/2006/relationships" type="conn" r:blip="">
+            <dgm:adjLst/>
+          </dgm:shape>
+          <dgm:presOf axis="self"/>
+          <dgm:constrLst>
+            <dgm:constr type="h" refType="w" fact="0.62"/>
+            <dgm:constr type="connDist"/>
+            <dgm:constr type="begPad" refType="connDist" fact="0.25"/>
+            <dgm:constr type="endPad" refType="connDist" fact="0.22"/>
+          </dgm:constrLst>
+          <dgm:ruleLst/>
+          <dgm:layoutNode name="connTx">
+            <dgm:alg type="tx">
+              <dgm:param type="autoTxRot" val="grav"/>
+            </dgm:alg>
+            <dgm:shape xmlns:r="http://schemas.openxmlformats.org/officeDocument/2006/relationships" type="conn" r:blip="" hideGeom="1">
+              <dgm:adjLst/>
+            </dgm:shape>
+            <dgm:presOf axis="self"/>
+            <dgm:constrLst>
+              <dgm:constr type="lMarg"/>
+              <dgm:constr type="rMarg"/>
+              <dgm:constr type="tMarg"/>
+              <dgm:constr type="bMarg"/>
+            </dgm:constrLst>
+            <dgm:ruleLst>
+              <dgm:rule type="primFontSz" val="5" fact="NaN" max="NaN"/>
+            </dgm:ruleLst>
+          </dgm:layoutNode>
+        </dgm:layoutNode>
+      </dgm:forEach>
+    </dgm:forEach>
+  </dgm:layoutNode>
+</dgm:layoutDef>
+</file>
+
+<file path=ppt/diagrams/layout2.xml><?xml version="1.0" encoding="utf-8"?>
+<dgm:layoutDef xmlns:dgm="http://schemas.openxmlformats.org/drawingml/2006/diagram" xmlns:a="http://schemas.openxmlformats.org/drawingml/2006/main" uniqueId="urn:microsoft.com/office/officeart/2018/2/layout/IconVerticalSolidList">
+  <dgm:title val="Icon Vertical Solid List"/>
+  <dgm:desc val="Use to show a series of visuals from top to bottom with Level 1 or Level 1 and Level 2 text grouped in a shape. Works best with icons or small pictures with lengthier descriptions."/>
+  <dgm:catLst>
+    <dgm:cat type="icon" pri="500"/>
+  </dgm:catLst>
+  <dgm:sampData useDef="1">
+    <dgm:dataModel>
+      <dgm:ptLst/>
+      <dgm:bg/>
+      <dgm:whole/>
+    </dgm:dataModel>
+  </dgm:sampData>
+  <dgm:styleData useDef="1">
+    <dgm:dataModel>
+      <dgm:ptLst/>
+      <dgm:bg/>
+      <dgm:whole/>
+    </dgm:dataModel>
+  </dgm:styleData>
+  <dgm:clrData useDef="1">
+    <dgm:dataModel>
+      <dgm:ptLst/>
+      <dgm:bg/>
+      <dgm:whole/>
+    </dgm:dataModel>
+  </dgm:clrData>
+  <dgm:layoutNode name="root">
+    <dgm:varLst>
+      <dgm:dir/>
+      <dgm:resizeHandles val="exact"/>
+    </dgm:varLst>
+    <dgm:choose name="Name0">
+      <dgm:if name="Name1" axis="self" func="var" arg="dir" op="equ" val="norm">
+        <dgm:alg type="lin">
+          <dgm:param type="linDir" val="fromT"/>
+          <dgm:param type="nodeHorzAlign" val="l"/>
+        </dgm:alg>
+      </dgm:if>
+      <dgm:else name="Name2">
+        <dgm:alg type="lin">
+          <dgm:param type="linDir" val="fromT"/>
+          <dgm:param type="nodeHorzAlign" val="r"/>
+        </dgm:alg>
+      </dgm:else>
+    </dgm:choose>
+    <dgm:shape xmlns:r="http://schemas.openxmlformats.org/officeDocument/2006/relationships" r:blip="">
+      <dgm:adjLst/>
+    </dgm:shape>
+    <dgm:presOf/>
+    <dgm:choose name="Name3">
+      <dgm:if name="Name4" axis="ch" ptType="node" func="cnt" op="lte" val="3">
+        <dgm:constrLst>
+          <dgm:constr type="h" for="ch" forName="compNode" refType="h" fact="0.3"/>
+          <dgm:constr type="w" for="ch" forName="compNode" refType="w"/>
+          <dgm:constr type="h" for="ch" forName="sibTrans" refType="h" refFor="ch" refForName="compNode" fact="0.25"/>
+          <dgm:constr type="primFontSz" for="des" forName="parTx" val="25"/>
+          <dgm:constr type="primFontSz" for="des" forName="desTx" refType="primFontSz" refFor="des" refForName="parTx" op="lte" fact="0.75"/>
+          <dgm:constr type="h" for="des" forName="compNode" op="equ"/>
+          <dgm:constr type="h" for="des" forName="bgRect" op="equ"/>
+          <dgm:constr type="h" for="des" forName="iconRect" op="equ"/>
+          <dgm:constr type="w" for="des" forName="iconRect" op="equ"/>
+          <dgm:constr type="h" for="des" forName="spaceRect" op="equ"/>
+          <dgm:constr type="h" for="des" forName="parTx" op="equ"/>
+          <dgm:constr type="h" for="des" forName="desTx" op="equ"/>
+        </dgm:constrLst>
+      </dgm:if>
+      <dgm:if name="Name5" axis="ch" ptType="node" func="cnt" op="lte" val="4">
+        <dgm:constrLst>
+          <dgm:constr type="h" for="ch" forName="compNode" refType="h" fact="0.3"/>
+          <dgm:constr type="w" for="ch" forName="compNode" refType="w"/>
+          <dgm:constr type="h" for="ch" forName="sibTrans" refType="h" refFor="ch" refForName="compNode" fact="0.25"/>
+          <dgm:constr type="primFontSz" for="des" forName="parTx" val="22"/>
+          <dgm:constr type="primFontSz" for="des" forName="desTx" refType="primFontSz" refFor="des" refForName="parTx" op="lte" fact="0.75"/>
+          <dgm:constr type="h" for="des" forName="compNode" op="equ"/>
+          <dgm:constr type="h" for="des" forName="bgRect" op="equ"/>
+          <dgm:constr type="h" for="des" forName="iconRect" op="equ"/>
+          <dgm:constr type="w" for="des" forName="iconRect" op="equ"/>
+          <dgm:constr type="h" for="des" forName="spaceRect" op="equ"/>
+          <dgm:constr type="h" for="des" forName="parTx" op="equ"/>
+          <dgm:constr type="h" for="des" forName="desTx" op="equ"/>
+        </dgm:constrLst>
+      </dgm:if>
+      <dgm:if name="Name6" axis="ch" ptType="node" func="cnt" op="lte" val="6">
+        <dgm:constrLst>
+          <dgm:constr type="h" for="ch" forName="compNode" refType="h" fact="0.3"/>
+          <dgm:constr type="w" for="ch" forName="compNode" refType="w"/>
+          <dgm:constr type="h" for="ch" forName="sibTrans" refType="h" refFor="ch" refForName="compNode" fact="0.25"/>
+          <dgm:constr type="primFontSz" for="des" forName="parTx" val="19"/>
+          <dgm:constr type="primFontSz" for="des" forName="desTx" refType="primFontSz" refFor="des" refForName="parTx" op="lte" fact="0.75"/>
+          <dgm:constr type="h" for="des" forName="compNode" op="equ"/>
+          <dgm:constr type="h" for="des" forName="bgRect" op="equ"/>
+          <dgm:constr type="h" for="des" forName="iconRect" op="equ"/>
+          <dgm:constr type="w" for="des" forName="iconRect" op="equ"/>
+          <dgm:constr type="h" for="des" forName="spaceRect" op="equ"/>
+          <dgm:constr type="h" for="des" forName="parTx" op="equ"/>
+          <dgm:constr type="h" for="des" forName="desTx" op="equ"/>
+        </dgm:constrLst>
+      </dgm:if>
+      <dgm:else name="Name7">
+        <dgm:constrLst>
+          <dgm:constr type="h" for="ch" forName="compNode" refType="h" fact="0.3"/>
+          <dgm:constr type="w" for="ch" forName="compNode" refType="w"/>
+          <dgm:constr type="h" for="ch" forName="sibTrans" refType="h" refFor="ch" refForName="compNode" fact="0.25"/>
+          <dgm:constr type="primFontSz" for="des" forName="parTx" val="16"/>
+          <dgm:constr type="primFontSz" for="des" forName="desTx" refType="primFontSz" refFor="des" refForName="parTx" op="lte" fact="0.75"/>
+          <dgm:constr type="h" for="des" forName="compNode" op="equ"/>
+          <dgm:constr type="h" for="des" forName="bgRect" op="equ"/>
+          <dgm:constr type="h" for="des" forName="iconRect" op="equ"/>
+          <dgm:constr type="w" for="des" forName="iconRect" op="equ"/>
+          <dgm:constr type="h" for="des" forName="spaceRect" op="equ"/>
+          <dgm:constr type="h" for="des" forName="parTx" op="equ"/>
+          <dgm:constr type="h" for="des" forName="desTx" op="equ"/>
+        </dgm:constrLst>
+      </dgm:else>
+    </dgm:choose>
+    <dgm:ruleLst>
+      <dgm:rule type="h" for="ch" forName="compNode" val="0" fact="NaN" max="NaN"/>
+    </dgm:ruleLst>
+    <dgm:forEach name="Name8" axis="ch" ptType="node">
+      <dgm:layoutNode name="compNode">
+        <dgm:alg type="composite"/>
+        <dgm:shape xmlns:r="http://schemas.openxmlformats.org/officeDocument/2006/relationships" r:blip="">
+          <dgm:adjLst/>
+        </dgm:shape>
+        <dgm:presOf axis="self"/>
+        <dgm:choose name="Name9">
+          <dgm:if name="Name10" axis="ch" ptType="node" func="cnt" op="gte" val="1">
+            <dgm:constrLst>
+              <dgm:constr type="w" for="ch" forName="bgRect" refType="w"/>
+              <dgm:constr type="h" for="ch" forName="bgRect" refType="h"/>
+              <dgm:constr type="l" for="ch" forName="bgRect"/>
+              <dgm:constr type="t" for="ch" forName="bgRect"/>
+              <dgm:constr type="h" for="ch" forName="iconRect" refType="h" fact="0.55"/>
+              <dgm:constr type="w" for="ch" forName="iconRect" refType="h" refFor="ch" refForName="iconRect"/>
+              <dgm:constr type="l" for="ch" forName="iconRect" refType="h" refFor="ch" refForName="iconRect" fact="0.55"/>
+              <dgm:constr type="ctrY" for="ch" forName="iconRect" refType="ctrY" refFor="ch" refForName="bgRect"/>
+              <dgm:constr type="w" for="ch" forName="spaceRect" refType="l" refFor="ch" refForName="iconRect"/>
+              <dgm:constr type="h" for="ch" forName="spaceRect" refType="h"/>
+              <dgm:constr type="l" for="ch" forName="spaceRect" refType="r" refFor="ch" refForName="iconRect"/>
+              <dgm:constr type="t" for="ch" forName="spaceRect"/>
+              <dgm:constr type="w" for="ch" forName="parTx" refType="w" fact="0.45"/>
+              <dgm:constr type="h" for="ch" forName="parTx" refType="h"/>
+              <dgm:constr type="l" for="ch" forName="parTx" refType="r" refFor="ch" refForName="spaceRect"/>
+              <dgm:constr type="t" for="ch" forName="parTx"/>
+              <dgm:constr type="h" for="ch" forName="desTx" refType="h"/>
+              <dgm:constr type="l" for="ch" forName="desTx" refType="r" refFor="ch" refForName="parTx"/>
+              <dgm:constr type="t" for="ch" forName="desTx"/>
+            </dgm:constrLst>
+          </dgm:if>
+          <dgm:else name="Name11">
+            <dgm:constrLst>
+              <dgm:constr type="w" for="ch" forName="bgRect" refType="w"/>
+              <dgm:constr type="h" for="ch" forName="bgRect" refType="h"/>
+              <dgm:constr type="l" for="ch" forName="bgRect"/>
+              <dgm:constr type="t" for="ch" forName="bgRect"/>
+              <dgm:constr type="h" for="ch" forName="iconRect" refType="h" fact="0.55"/>
+              <dgm:constr type="w" for="ch" forName="iconRect" refType="h" refFor="ch" refForName="iconRect"/>
+              <dgm:constr type="l" for="ch" forName="iconRect" refType="h" refFor="ch" refForName="iconRect" fact="0.55"/>
+              <dgm:constr type="ctrY" for="ch" forName="iconRect" refType="ctrY" refFor="ch" refForName="bgRect"/>
+              <dgm:constr type="w" for="ch" forName="spaceRect" refType="l" refFor="ch" refForName="iconRect"/>
+              <dgm:constr type="h" for="ch" forName="spaceRect" refType="h"/>
+              <dgm:constr type="l" for="ch" forName="spaceRect" refType="r" refFor="ch" refForName="iconRect"/>
+              <dgm:constr type="t" for="ch" forName="spaceRect"/>
+              <dgm:constr type="h" for="ch" forName="parTx" refType="h"/>
+              <dgm:constr type="l" for="ch" forName="parTx" refType="r" refFor="ch" refForName="spaceRect"/>
+              <dgm:constr type="t" for="ch" forName="parTx"/>
+            </dgm:constrLst>
+          </dgm:else>
+        </dgm:choose>
+        <dgm:ruleLst>
+          <dgm:rule type="h" val="INF" fact="NaN" max="NaN"/>
+        </dgm:ruleLst>
+        <dgm:layoutNode name="bgRect" styleLbl="bgShp">
+          <dgm:alg type="sp"/>
+          <dgm:shape xmlns:r="http://schemas.openxmlformats.org/officeDocument/2006/relationships" type="roundRect" r:blip="">
+            <dgm:adjLst>
+              <dgm:adj idx="1" val="0.1"/>
+            </dgm:adjLst>
+          </dgm:shape>
+          <dgm:presOf/>
+          <dgm:constrLst/>
+          <dgm:ruleLst/>
+        </dgm:layoutNode>
+        <dgm:layoutNode name="iconRect" styleLbl="node1">
+          <dgm:alg type="sp"/>
+          <dgm:shape xmlns:r="http://schemas.openxmlformats.org/officeDocument/2006/relationships" type="rect" r:blip="" blipPhldr="1">
+            <dgm:adjLst/>
+          </dgm:shape>
+          <dgm:presOf/>
+          <dgm:constrLst/>
+          <dgm:ruleLst/>
+        </dgm:layoutNode>
+        <dgm:layoutNode name="spaceRect">
+          <dgm:alg type="sp"/>
+          <dgm:shape xmlns:r="http://schemas.openxmlformats.org/officeDocument/2006/relationships" r:blip="">
+            <dgm:adjLst/>
+          </dgm:shape>
+          <dgm:presOf/>
+          <dgm:constrLst/>
+          <dgm:ruleLst/>
+        </dgm:layoutNode>
+        <dgm:layoutNode name="parTx" styleLbl="revTx">
+          <dgm:varLst>
+            <dgm:chMax val="0"/>
+            <dgm:chPref val="0"/>
+          </dgm:varLst>
+          <dgm:alg type="tx">
+            <dgm:param type="txAnchorVert" val="mid"/>
+            <dgm:param type="parTxLTRAlign" val="l"/>
+            <dgm:param type="shpTxLTRAlignCh" val="l"/>
+            <dgm:param type="parTxRTLAlign" val="r"/>
+            <dgm:param type="shpTxRTLAlignCh" val="r"/>
+          </dgm:alg>
+          <dgm:shape xmlns:r="http://schemas.openxmlformats.org/officeDocument/2006/relationships" type="rect" r:blip="">
+            <dgm:adjLst/>
+          </dgm:shape>
+          <dgm:presOf axis="self" ptType="node"/>
+          <dgm:constrLst>
+            <dgm:constr type="lMarg" refType="h" fact="0.3"/>
+            <dgm:constr type="rMarg" refType="h" fact="0.3"/>
+            <dgm:constr type="tMarg" refType="h" fact="0.3"/>
+            <dgm:constr type="bMarg" refType="h" fact="0.3"/>
+          </dgm:constrLst>
+          <dgm:ruleLst>
+            <dgm:rule type="primFontSz" val="14" fact="NaN" max="NaN"/>
+            <dgm:rule type="h" val="INF" fact="NaN" max="NaN"/>
+          </dgm:ruleLst>
+        </dgm:layoutNode>
+        <dgm:choose name="Name12">
+          <dgm:if name="Name13" axis="ch" ptType="node" func="cnt" op="gte" val="1">
+            <dgm:layoutNode name="desTx" styleLbl="revTx">
+              <dgm:varLst/>
+              <dgm:alg type="tx">
+                <dgm:param type="txAnchorVertCh" val="mid"/>
+                <dgm:param type="parTxLTRAlign" val="l"/>
+                <dgm:param type="shpTxLTRAlignCh" val="l"/>
+                <dgm:param type="parTxRTLAlign" val="r"/>
+                <dgm:param type="shpTxRTLAlignCh" val="r"/>
+                <dgm:param type="stBulletLvl" val="0"/>
+              </dgm:alg>
+              <dgm:shape xmlns:r="http://schemas.openxmlformats.org/officeDocument/2006/relationships" type="rect" r:blip="">
+                <dgm:adjLst/>
+              </dgm:shape>
+              <dgm:presOf axis="des" ptType="node"/>
+              <dgm:constrLst>
+                <dgm:constr type="primFontSz" val="18"/>
+                <dgm:constr type="secFontSz" refType="primFontSz"/>
+                <dgm:constr type="lMarg" refType="h" fact="0.3"/>
+                <dgm:constr type="rMarg" refType="h" fact="0.3"/>
+                <dgm:constr type="tMarg" refType="h" fact="0.3"/>
+                <dgm:constr type="bMarg" refType="h" fact="0.3"/>
+              </dgm:constrLst>
+              <dgm:ruleLst>
+                <dgm:rule type="primFontSz" val="11" fact="NaN" max="NaN"/>
+              </dgm:ruleLst>
+            </dgm:layoutNode>
+          </dgm:if>
+          <dgm:else name="Name14"/>
+        </dgm:choose>
+      </dgm:layoutNode>
+      <dgm:forEach name="Name15" axis="followSib" ptType="sibTrans" cnt="1">
+        <dgm:layoutNode name="sibTrans">
+          <dgm:alg type="sp"/>
+          <dgm:shape xmlns:r="http://schemas.openxmlformats.org/officeDocument/2006/relationships" r:blip="">
+            <dgm:adjLst/>
+          </dgm:shape>
+          <dgm:presOf axis="self"/>
+          <dgm:constrLst/>
+          <dgm:ruleLst/>
+        </dgm:layoutNode>
+      </dgm:forEach>
+    </dgm:forEach>
+  </dgm:layoutNode>
+  <dgm:extLst>
+    <a:ext uri="{68A01E43-0DF5-4B5B-8FA6-DAF915123BFB}">
+      <dgm1612:lstStyle xmlns:dgm1612="http://schemas.microsoft.com/office/drawing/2016/12/diagram">
+        <a:lvl1pPr>
+          <a:lnSpc>
+            <a:spcPct val="100000"/>
+          </a:lnSpc>
+        </a:lvl1pPr>
+        <a:lvl2pPr>
+          <a:lnSpc>
+            <a:spcPct val="100000"/>
+          </a:lnSpc>
+        </a:lvl2pPr>
+      </dgm1612:lstStyle>
+    </a:ext>
+  </dgm:extLst>
+</dgm:layoutDef>
+</file>
+
+<file path=ppt/diagrams/quickStyle1.xml><?xml version="1.0" encoding="utf-8"?>
+<dgm:styleDef xmlns:dgm="http://schemas.openxmlformats.org/drawingml/2006/diagram" xmlns:a="http://schemas.openxmlformats.org/drawingml/2006/main" uniqueId="urn:microsoft.com/office/officeart/2005/8/quickstyle/simple1">
+  <dgm:title val=""/>
+  <dgm:desc val=""/>
+  <dgm:catLst>
+    <dgm:cat type="simple" pri="10100"/>
+  </dgm:catLst>
+  <dgm:scene3d>
+    <a:camera prst="orthographicFront"/>
+    <a:lightRig rig="threePt" dir="t"/>
+  </dgm:scene3d>
+  <dgm:styleLbl name="node0">
+    <dgm:scene3d>
+      <a:camera prst="orthographicFront"/>
+      <a:lightRig rig="threePt" dir="t"/>
+    </dgm:scene3d>
+    <dgm:sp3d/>
+    <dgm:txPr/>
+    <dgm:style>
+      <a:lnRef idx="2">
+        <a:scrgbClr r="0" g="0" b="0"/>
+      </a:lnRef>
+      <a:fillRef idx="1">
+        <a:scrgbClr r="0" g="0" b="0"/>
+      </a:fillRef>
+      <a:effectRef idx="0">
+        <a:scrgbClr r="0" g="0" b="0"/>
+      </a:effectRef>
+      <a:fontRef idx="minor">
+        <a:schemeClr val="lt1"/>
+      </a:fontRef>
+    </dgm:style>
+  </dgm:styleLbl>
+  <dgm:styleLbl name="lnNode1">
+    <dgm:scene3d>
+      <a:camera prst="orthographicFront"/>
+      <a:lightRig rig="threePt" dir="t"/>
+    </dgm:scene3d>
+    <dgm:sp3d/>
+    <dgm:txPr/>
+    <dgm:style>
+      <a:lnRef idx="2">
+        <a:scrgbClr r="0" g="0" b="0"/>
+      </a:lnRef>
+      <a:fillRef idx="1">
+        <a:scrgbClr r="0" g="0" b="0"/>
+      </a:fillRef>
+      <a:effectRef idx="0">
+        <a:scrgbClr r="0" g="0" b="0"/>
+      </a:effectRef>
+      <a:fontRef idx="minor">
+        <a:schemeClr val="lt1"/>
+      </a:fontRef>
+    </dgm:style>
+  </dgm:styleLbl>
+  <dgm:styleLbl name="vennNode1">
+    <dgm:scene3d>
+      <a:camera prst="orthographicFront"/>
+      <a:lightRig rig="threePt" dir="t"/>
+    </dgm:scene3d>
+    <dgm:sp3d/>
+    <dgm:txPr/>
+    <dgm:style>
+      <a:lnRef idx="2">
+        <a:scrgbClr r="0" g="0" b="0"/>
+      </a:lnRef>
+      <a:fillRef idx="1">
+        <a:scrgbClr r="0" g="0" b="0"/>
+      </a:fillRef>
+      <a:effectRef idx="0">
+        <a:scrgbClr r="0" g="0" b="0"/>
+      </a:effectRef>
+      <a:fontRef idx="minor">
+        <a:schemeClr val="tx1"/>
+      </a:fontRef>
+    </dgm:style>
+  </dgm:styleLbl>
+  <dgm:styleLbl name="alignNode1">
+    <dgm:scene3d>
+      <a:camera prst="orthographicFront"/>
+      <a:lightRig rig="threePt" dir="t"/>
+    </dgm:scene3d>
+    <dgm:sp3d/>
+    <dgm:txPr/>
+    <dgm:style>
+      <a:lnRef idx="2">
+        <a:scrgbClr r="0" g="0" b="0"/>
+      </a:lnRef>
+      <a:fillRef idx="1">
+        <a:scrgbClr r="0" g="0" b="0"/>
+      </a:fillRef>
+      <a:effectRef idx="0">
+        <a:scrgbClr r="0" g="0" b="0"/>
+      </a:effectRef>
+      <a:fontRef idx="minor">
+        <a:schemeClr val="lt1"/>
+      </a:fontRef>
+    </dgm:style>
+  </dgm:styleLbl>
+  <dgm:styleLbl name="node1">
+    <dgm:scene3d>
+      <a:camera prst="orthographicFront"/>
+      <a:lightRig rig="threePt" dir="t"/>
+    </dgm:scene3d>
+    <dgm:sp3d/>
+    <dgm:txPr/>
+    <dgm:style>
+      <a:lnRef idx="2">
+        <a:scrgbClr r="0" g="0" b="0"/>
+      </a:lnRef>
+      <a:fillRef idx="1">
+        <a:scrgbClr r="0" g="0" b="0"/>
+      </a:fillRef>
+      <a:effectRef idx="0">
+        <a:scrgbClr r="0" g="0" b="0"/>
+      </a:effectRef>
+      <a:fontRef idx="minor">
+        <a:schemeClr val="lt1"/>
+      </a:fontRef>
+    </dgm:style>
+  </dgm:styleLbl>
+  <dgm:styleLbl name="node2">
+    <dgm:scene3d>
+      <a:camera prst="orthographicFront"/>
+      <a:lightRig rig="threePt" dir="t"/>
+    </dgm:scene3d>
+    <dgm:sp3d/>
+    <dgm:txPr/>
+    <dgm:style>
+      <a:lnRef idx="2">
+        <a:scrgbClr r="0" g="0" b="0"/>
+      </a:lnRef>
+      <a:fillRef idx="1">
+        <a:scrgbClr r="0" g="0" b="0"/>
+      </a:fillRef>
+      <a:effectRef idx="0">
+        <a:scrgbClr r="0" g="0" b="0"/>
+      </a:effectRef>
+      <a:fontRef idx="minor">
+        <a:schemeClr val="lt1"/>
+      </a:fontRef>
+    </dgm:style>
+  </dgm:styleLbl>
+  <dgm:styleLbl name="node3">
+    <dgm:scene3d>
+      <a:camera prst="orthographicFront"/>
+      <a:lightRig rig="threePt" dir="t"/>
+    </dgm:scene3d>
+    <dgm:sp3d/>
+    <dgm:txPr/>
+    <dgm:style>
+      <a:lnRef idx="2">
+        <a:scrgbClr r="0" g="0" b="0"/>
+      </a:lnRef>
+      <a:fillRef idx="1">
+        <a:scrgbClr r="0" g="0" b="0"/>
+      </a:fillRef>
+      <a:effectRef idx="0">
+        <a:scrgbClr r="0" g="0" b="0"/>
+      </a:effectRef>
+      <a:fontRef idx="minor">
+        <a:schemeClr val="lt1"/>
+      </a:fontRef>
+    </dgm:style>
+  </dgm:styleLbl>
+  <dgm:styleLbl name="node4">
+    <dgm:scene3d>
+      <a:camera prst="orthographicFront"/>
+      <a:lightRig rig="threePt" dir="t"/>
+    </dgm:scene3d>
+    <dgm:sp3d/>
+    <dgm:txPr/>
+    <dgm:style>
+      <a:lnRef idx="2">
+        <a:scrgbClr r="0" g="0" b="0"/>
+      </a:lnRef>
+      <a:fillRef idx="1">
+        <a:scrgbClr r="0" g="0" b="0"/>
+      </a:fillRef>
+      <a:effectRef idx="0">
+        <a:scrgbClr r="0" g="0" b="0"/>
+      </a:effectRef>
+      <a:fontRef idx="minor">
+        <a:schemeClr val="lt1"/>
+      </a:fontRef>
+    </dgm:style>
+  </dgm:styleLbl>
+  <dgm:styleLbl name="fgImgPlace1">
+    <dgm:scene3d>
+      <a:camera prst="orthographicFront"/>
+      <a:lightRig rig="threePt" dir="t"/>
+    </dgm:scene3d>
+    <dgm:sp3d/>
+    <dgm:txPr/>
+    <dgm:style>
+      <a:lnRef idx="2">
+        <a:scrgbClr r="0" g="0" b="0"/>
+      </a:lnRef>
+      <a:fillRef idx="1">
+        <a:scrgbClr r="0" g="0" b="0"/>
+      </a:fillRef>
+      <a:effectRef idx="0">
+        <a:scrgbClr r="0" g="0" b="0"/>
+      </a:effectRef>
+      <a:fontRef idx="minor"/>
+    </dgm:style>
+  </dgm:styleLbl>
+  <dgm:styleLbl name="alignImgPlace1">
+    <dgm:scene3d>
+      <a:camera prst="orthographicFront"/>
+      <a:lightRig rig="threePt" dir="t"/>
+    </dgm:scene3d>
+    <dgm:sp3d/>
+    <dgm:txPr/>
+    <dgm:style>
+      <a:lnRef idx="2">
+        <a:scrgbClr r="0" g="0" b="0"/>
+      </a:lnRef>
+      <a:fillRef idx="1">
+        <a:scrgbClr r="0" g="0" b="0"/>
+      </a:fillRef>
+      <a:effectRef idx="0">
+        <a:scrgbClr r="0" g="0" b="0"/>
+      </a:effectRef>
+      <a:fontRef idx="minor"/>
+    </dgm:style>
+  </dgm:styleLbl>
+  <dgm:styleLbl name="bgImgPlace1">
+    <dgm:scene3d>
+      <a:camera prst="orthographicFront"/>
+      <a:lightRig rig="threePt" dir="t"/>
+    </dgm:scene3d>
+    <dgm:sp3d/>
+    <dgm:txPr/>
+    <dgm:style>
+      <a:lnRef idx="2">
+        <a:scrgbClr r="0" g="0" b="0"/>
+      </a:lnRef>
+      <a:fillRef idx="1">
+        <a:scrgbClr r="0" g="0" b="0"/>
+      </a:fillRef>
+      <a:effectRef idx="0">
+        <a:scrgbClr r="0" g="0" b="0"/>
+      </a:effectRef>
+      <a:fontRef idx="minor"/>
+    </dgm:style>
+  </dgm:styleLbl>
+  <dgm:styleLbl name="sibTrans2D1">
+    <dgm:scene3d>
+      <a:camera prst="orthographicFront"/>
+      <a:lightRig rig="threePt" dir="t"/>
+    </dgm:scene3d>
+    <dgm:sp3d/>
+    <dgm:txPr/>
+    <dgm:style>
+      <a:lnRef idx="0">
+        <a:scrgbClr r="0" g="0" b="0"/>
+      </a:lnRef>
+      <a:fillRef idx="1">
+        <a:scrgbClr r="0" g="0" b="0"/>
+      </a:fillRef>
+      <a:effectRef idx="0">
+        <a:scrgbClr r="0" g="0" b="0"/>
+      </a:effectRef>
+      <a:fontRef idx="minor">
+        <a:schemeClr val="lt1"/>
+      </a:fontRef>
+    </dgm:style>
+  </dgm:styleLbl>
+  <dgm:styleLbl name="fgSibTrans2D1">
+    <dgm:scene3d>
+      <a:camera prst="orthographicFront"/>
+      <a:lightRig rig="threePt" dir="t"/>
+    </dgm:scene3d>
+    <dgm:sp3d/>
+    <dgm:txPr/>
+    <dgm:style>
+      <a:lnRef idx="0">
+        <a:scrgbClr r="0" g="0" b="0"/>
+      </a:lnRef>
+      <a:fillRef idx="1">
+        <a:scrgbClr r="0" g="0" b="0"/>
+      </a:fillRef>
+      <a:effectRef idx="0">
+        <a:scrgbClr r="0" g="0" b="0"/>
+      </a:effectRef>
+      <a:fontRef idx="minor">
+        <a:schemeClr val="lt1"/>
+      </a:fontRef>
+    </dgm:style>
+  </dgm:styleLbl>
+  <dgm:styleLbl name="bgSibTrans2D1">
+    <dgm:scene3d>
+      <a:camera prst="orthographicFront"/>
+      <a:lightRig rig="threePt" dir="t"/>
+    </dgm:scene3d>
+    <dgm:sp3d/>
+    <dgm:txPr/>
+    <dgm:style>
+      <a:lnRef idx="0">
+        <a:scrgbClr r="0" g="0" b="0"/>
+      </a:lnRef>
+      <a:fillRef idx="1">
+        <a:scrgbClr r="0" g="0" b="0"/>
+      </a:fillRef>
+      <a:effectRef idx="0">
+        <a:scrgbClr r="0" g="0" b="0"/>
+      </a:effectRef>
+      <a:fontRef idx="minor">
+        <a:schemeClr val="lt1"/>
+      </a:fontRef>
+    </dgm:style>
+  </dgm:styleLbl>
+  <dgm:styleLbl name="sibTrans1D1">
+    <dgm:scene3d>
+      <a:camera prst="orthographicFront"/>
+      <a:lightRig rig="threePt" dir="t"/>
+    </dgm:scene3d>
+    <dgm:sp3d/>
+    <dgm:txPr/>
+    <dgm:style>
+      <a:lnRef idx="1">
+        <a:scrgbClr r="0" g="0" b="0"/>
+      </a:lnRef>
+      <a:fillRef idx="0">
+        <a:scrgbClr r="0" g="0" b="0"/>
+      </a:fillRef>
+      <a:effectRef idx="0">
+        <a:scrgbClr r="0" g="0" b="0"/>
+      </a:effectRef>
+      <a:fontRef idx="minor"/>
+    </dgm:style>
+  </dgm:styleLbl>
+  <dgm:styleLbl name="callout">
+    <dgm:scene3d>
+      <a:camera prst="orthographicFront"/>
+      <a:lightRig rig="threePt" dir="t"/>
+    </dgm:scene3d>
+    <dgm:sp3d/>
+    <dgm:txPr/>
+    <dgm:style>
+      <a:lnRef idx="2">
+        <a:scrgbClr r="0" g="0" b="0"/>
+      </a:lnRef>
+      <a:fillRef idx="1">
+        <a:scrgbClr r="0" g="0" b="0"/>
+      </a:fillRef>
+      <a:effectRef idx="0">
+        <a:scrgbClr r="0" g="0" b="0"/>
+      </a:effectRef>
+      <a:fontRef idx="minor"/>
+    </dgm:style>
+  </dgm:styleLbl>
+  <dgm:styleLbl name="asst0">
+    <dgm:scene3d>
+      <a:camera prst="orthographicFront"/>
+      <a:lightRig rig="threePt" dir="t"/>
+    </dgm:scene3d>
+    <dgm:sp3d/>
+    <dgm:txPr/>
+    <dgm:style>
+      <a:lnRef idx="2">
+        <a:scrgbClr r="0" g="0" b="0"/>
+      </a:lnRef>
+      <a:fillRef idx="1">
+        <a:scrgbClr r="0" g="0" b="0"/>
+      </a:fillRef>
+      <a:effectRef idx="0">
+        <a:scrgbClr r="0" g="0" b="0"/>
+      </a:effectRef>
+      <a:fontRef idx="minor">
+        <a:schemeClr val="lt1"/>
+      </a:fontRef>
+    </dgm:style>
+  </dgm:styleLbl>
+  <dgm:styleLbl name="asst1">
+    <dgm:scene3d>
+      <a:camera prst="orthographicFront"/>
+      <a:lightRig rig="threePt" dir="t"/>
+    </dgm:scene3d>
+    <dgm:sp3d/>
+    <dgm:txPr/>
+    <dgm:style>
+      <a:lnRef idx="2">
+        <a:scrgbClr r="0" g="0" b="0"/>
+      </a:lnRef>
+      <a:fillRef idx="1">
+        <a:scrgbClr r="0" g="0" b="0"/>
+      </a:fillRef>
+      <a:effectRef idx="0">
+        <a:scrgbClr r="0" g="0" b="0"/>
+      </a:effectRef>
+      <a:fontRef idx="minor">
+        <a:schemeClr val="lt1"/>
+      </a:fontRef>
+    </dgm:style>
+  </dgm:styleLbl>
+  <dgm:styleLbl name="asst2">
+    <dgm:scene3d>
+      <a:camera prst="orthographicFront"/>
+      <a:lightRig rig="threePt" dir="t"/>
+    </dgm:scene3d>
+    <dgm:sp3d/>
+    <dgm:txPr/>
+    <dgm:style>
+      <a:lnRef idx="2">
+        <a:scrgbClr r="0" g="0" b="0"/>
+      </a:lnRef>
+      <a:fillRef idx="1">
+        <a:scrgbClr r="0" g="0" b="0"/>
+      </a:fillRef>
+      <a:effectRef idx="0">
+        <a:scrgbClr r="0" g="0" b="0"/>
+      </a:effectRef>
+      <a:fontRef idx="minor">
+        <a:schemeClr val="lt1"/>
+      </a:fontRef>
+    </dgm:style>
+  </dgm:styleLbl>
+  <dgm:styleLbl name="asst3">
+    <dgm:scene3d>
+      <a:camera prst="orthographicFront"/>
+      <a:lightRig rig="threePt" dir="t"/>
+    </dgm:scene3d>
+    <dgm:sp3d/>
+    <dgm:txPr/>
+    <dgm:style>
+      <a:lnRef idx="2">
+        <a:scrgbClr r="0" g="0" b="0"/>
+      </a:lnRef>
+      <a:fillRef idx="1">
+        <a:scrgbClr r="0" g="0" b="0"/>
+      </a:fillRef>
+      <a:effectRef idx="0">
+        <a:scrgbClr r="0" g="0" b="0"/>
+      </a:effectRef>
+      <a:fontRef idx="minor">
+        <a:schemeClr val="lt1"/>
+      </a:fontRef>
+    </dgm:style>
+  </dgm:styleLbl>
+  <dgm:styleLbl name="asst4">
+    <dgm:scene3d>
+      <a:camera prst="orthographicFront"/>
+      <a:lightRig rig="threePt" dir="t"/>
+    </dgm:scene3d>
+    <dgm:sp3d/>
+    <dgm:txPr/>
+    <dgm:style>
+      <a:lnRef idx="2">
+        <a:scrgbClr r="0" g="0" b="0"/>
+      </a:lnRef>
+      <a:fillRef idx="1">
+        <a:scrgbClr r="0" g="0" b="0"/>
+      </a:fillRef>
+      <a:effectRef idx="0">
+        <a:scrgbClr r="0" g="0" b="0"/>
+      </a:effectRef>
+      <a:fontRef idx="minor">
+        <a:schemeClr val="lt1"/>
+      </a:fontRef>
+    </dgm:style>
+  </dgm:styleLbl>
+  <dgm:styleLbl name="parChTrans2D1">
+    <dgm:scene3d>
+      <a:camera prst="orthographicFront"/>
+      <a:lightRig rig="threePt" dir="t"/>
+    </dgm:scene3d>
+    <dgm:sp3d/>
+    <dgm:txPr/>
+    <dgm:style>
+      <a:lnRef idx="2">
+        <a:scrgbClr r="0" g="0" b="0"/>
+      </a:lnRef>
+      <a:fillRef idx="1">
+        <a:scrgbClr r="0" g="0" b="0"/>
+      </a:fillRef>
+      <a:effectRef idx="0">
+        <a:scrgbClr r="0" g="0" b="0"/>
+      </a:effectRef>
+      <a:fontRef idx="minor">
+        <a:schemeClr val="lt1"/>
+      </a:fontRef>
+    </dgm:style>
+  </dgm:styleLbl>
+  <dgm:styleLbl name="parChTrans2D2">
+    <dgm:scene3d>
+      <a:camera prst="orthographicFront"/>
+      <a:lightRig rig="threePt" dir="t"/>
+    </dgm:scene3d>
+    <dgm:sp3d/>
+    <dgm:txPr/>
+    <dgm:style>
+      <a:lnRef idx="2">
+        <a:scrgbClr r="0" g="0" b="0"/>
+      </a:lnRef>
+      <a:fillRef idx="1">
+        <a:scrgbClr r="0" g="0" b="0"/>
+      </a:fillRef>
+      <a:effectRef idx="0">
+        <a:scrgbClr r="0" g="0" b="0"/>
+      </a:effectRef>
+      <a:fontRef idx="minor">
+        <a:schemeClr val="lt1"/>
+      </a:fontRef>
+    </dgm:style>
+  </dgm:styleLbl>
+  <dgm:styleLbl name="parChTrans2D3">
+    <dgm:scene3d>
+      <a:camera prst="orthographicFront"/>
+      <a:lightRig rig="threePt" dir="t"/>
+    </dgm:scene3d>
+    <dgm:sp3d/>
+    <dgm:txPr/>
+    <dgm:style>
+      <a:lnRef idx="2">
+        <a:scrgbClr r="0" g="0" b="0"/>
+      </a:lnRef>
+      <a:fillRef idx="1">
+        <a:scrgbClr r="0" g="0" b="0"/>
+      </a:fillRef>
+      <a:effectRef idx="0">
+        <a:scrgbClr r="0" g="0" b="0"/>
+      </a:effectRef>
+      <a:fontRef idx="minor">
+        <a:schemeClr val="lt1"/>
+      </a:fontRef>
+    </dgm:style>
+  </dgm:styleLbl>
+  <dgm:styleLbl name="parChTrans2D4">
+    <dgm:scene3d>
+      <a:camera prst="orthographicFront"/>
+      <a:lightRig rig="threePt" dir="t"/>
+    </dgm:scene3d>
+    <dgm:sp3d/>
+    <dgm:txPr/>
+    <dgm:style>
+      <a:lnRef idx="2">
+        <a:scrgbClr r="0" g="0" b="0"/>
+      </a:lnRef>
+      <a:fillRef idx="1">
+        <a:scrgbClr r="0" g="0" b="0"/>
+      </a:fillRef>
+      <a:effectRef idx="0">
+        <a:scrgbClr r="0" g="0" b="0"/>
+      </a:effectRef>
+      <a:fontRef idx="minor">
+        <a:schemeClr val="lt1"/>
+      </a:fontRef>
+    </dgm:style>
+  </dgm:styleLbl>
+  <dgm:styleLbl name="parChTrans1D1">
+    <dgm:scene3d>
+      <a:camera prst="orthographicFront"/>
+      <a:lightRig rig="threePt" dir="t"/>
+    </dgm:scene3d>
+    <dgm:sp3d/>
+    <dgm:txPr/>
+    <dgm:style>
+      <a:lnRef idx="2">
+        <a:scrgbClr r="0" g="0" b="0"/>
+      </a:lnRef>
+      <a:fillRef idx="0">
+        <a:scrgbClr r="0" g="0" b="0"/>
+      </a:fillRef>
+      <a:effectRef idx="0">
+        <a:scrgbClr r="0" g="0" b="0"/>
+      </a:effectRef>
+      <a:fontRef idx="minor"/>
+    </dgm:style>
+  </dgm:styleLbl>
+  <dgm:styleLbl name="parChTrans1D2">
+    <dgm:scene3d>
+      <a:camera prst="orthographicFront"/>
+      <a:lightRig rig="threePt" dir="t"/>
+    </dgm:scene3d>
+    <dgm:sp3d/>
+    <dgm:txPr/>
+    <dgm:style>
+      <a:lnRef idx="2">
+        <a:scrgbClr r="0" g="0" b="0"/>
+      </a:lnRef>
+      <a:fillRef idx="0">
+        <a:scrgbClr r="0" g="0" b="0"/>
+      </a:fillRef>
+      <a:effectRef idx="0">
+        <a:scrgbClr r="0" g="0" b="0"/>
+      </a:effectRef>
+      <a:fontRef idx="minor"/>
+    </dgm:style>
+  </dgm:styleLbl>
+  <dgm:styleLbl name="parChTrans1D3">
+    <dgm:scene3d>
+      <a:camera prst="orthographicFront"/>
+      <a:lightRig rig="threePt" dir="t"/>
+    </dgm:scene3d>
+    <dgm:sp3d/>
+    <dgm:txPr/>
+    <dgm:style>
+      <a:lnRef idx="2">
+        <a:scrgbClr r="0" g="0" b="0"/>
+      </a:lnRef>
+      <a:fillRef idx="0">
+        <a:scrgbClr r="0" g="0" b="0"/>
+      </a:fillRef>
+      <a:effectRef idx="0">
+        <a:scrgbClr r="0" g="0" b="0"/>
+      </a:effectRef>
+      <a:fontRef idx="minor"/>
+    </dgm:style>
+  </dgm:styleLbl>
+  <dgm:styleLbl name="parChTrans1D4">
+    <dgm:scene3d>
+      <a:camera prst="orthographicFront"/>
+      <a:lightRig rig="threePt" dir="t"/>
+    </dgm:scene3d>
+    <dgm:sp3d/>
+    <dgm:txPr/>
+    <dgm:style>
+      <a:lnRef idx="2">
+        <a:scrgbClr r="0" g="0" b="0"/>
+      </a:lnRef>
+      <a:fillRef idx="0">
+        <a:scrgbClr r="0" g="0" b="0"/>
+      </a:fillRef>
+      <a:effectRef idx="0">
+        <a:scrgbClr r="0" g="0" b="0"/>
+      </a:effectRef>
+      <a:fontRef idx="minor"/>
+    </dgm:style>
+  </dgm:styleLbl>
+  <dgm:styleLbl name="fgAcc1">
+    <dgm:scene3d>
+      <a:camera prst="orthographicFront"/>
+      <a:lightRig rig="threePt" dir="t"/>
+    </dgm:scene3d>
+    <dgm:sp3d/>
+    <dgm:txPr/>
+    <dgm:style>
+      <a:lnRef idx="2">
+        <a:scrgbClr r="0" g="0" b="0"/>
+      </a:lnRef>
+      <a:fillRef idx="1">
+        <a:scrgbClr r="0" g="0" b="0"/>
+      </a:fillRef>
+      <a:effectRef idx="0">
+        <a:scrgbClr r="0" g="0" b="0"/>
+      </a:effectRef>
+      <a:fontRef idx="minor"/>
+    </dgm:style>
+  </dgm:styleLbl>
+  <dgm:styleLbl name="conFgAcc1">
+    <dgm:scene3d>
+      <a:camera prst="orthographicFront"/>
+      <a:lightRig rig="threePt" dir="t"/>
+    </dgm:scene3d>
+    <dgm:sp3d/>
+    <dgm:txPr/>
+    <dgm:style>
+      <a:lnRef idx="2">
+        <a:scrgbClr r="0" g="0" b="0"/>
+      </a:lnRef>
+      <a:fillRef idx="1">
+        <a:scrgbClr r="0" g="0" b="0"/>
+      </a:fillRef>
+      <a:effectRef idx="0">
+        <a:scrgbClr r="0" g="0" b="0"/>
+      </a:effectRef>
+      <a:fontRef idx="minor"/>
+    </dgm:style>
+  </dgm:styleLbl>
+  <dgm:styleLbl name="alignAcc1">
+    <dgm:scene3d>
+      <a:camera prst="orthographicFront"/>
+      <a:lightRig rig="threePt" dir="t"/>
+    </dgm:scene3d>
+    <dgm:sp3d/>
+    <dgm:txPr/>
+    <dgm:style>
+      <a:lnRef idx="2">
+        <a:scrgbClr r="0" g="0" b="0"/>
+      </a:lnRef>
+      <a:fillRef idx="1">
+        <a:scrgbClr r="0" g="0" b="0"/>
+      </a:fillRef>
+      <a:effectRef idx="0">
+        <a:scrgbClr r="0" g="0" b="0"/>
+      </a:effectRef>
+      <a:fontRef idx="minor"/>
+    </dgm:style>
+  </dgm:styleLbl>
+  <dgm:styleLbl name="trAlignAcc1">
+    <dgm:scene3d>
+      <a:camera prst="orthographicFront"/>
+      <a:lightRig rig="threePt" dir="t"/>
+    </dgm:scene3d>
+    <dgm:sp3d/>
+    <dgm:txPr/>
+    <dgm:style>
+      <a:lnRef idx="1">
+        <a:scrgbClr r="0" g="0" b="0"/>
+      </a:lnRef>
+      <a:fillRef idx="1">
+        <a:scrgbClr r="0" g="0" b="0"/>
+      </a:fillRef>
+      <a:effectRef idx="0">
+        <a:scrgbClr r="0" g="0" b="0"/>
+      </a:effectRef>
+      <a:fontRef idx="minor"/>
+    </dgm:style>
+  </dgm:styleLbl>
+  <dgm:styleLbl name="bgAcc1">
+    <dgm:scene3d>
+      <a:camera prst="orthographicFront"/>
+      <a:lightRig rig="threePt" dir="t"/>
+    </dgm:scene3d>
+    <dgm:sp3d/>
+    <dgm:txPr/>
+    <dgm:style>
+      <a:lnRef idx="2">
+        <a:scrgbClr r="0" g="0" b="0"/>
+      </a:lnRef>
+      <a:fillRef idx="1">
+        <a:scrgbClr r="0" g="0" b="0"/>
+      </a:fillRef>
+      <a:effectRef idx="0">
+        <a:scrgbClr r="0" g="0" b="0"/>
+      </a:effectRef>
+      <a:fontRef idx="minor"/>
+    </dgm:style>
+  </dgm:styleLbl>
+  <dgm:styleLbl name="solidFgAcc1">
+    <dgm:scene3d>
+      <a:camera prst="orthographicFront"/>
+      <a:lightRig rig="threePt" dir="t"/>
+    </dgm:scene3d>
+    <dgm:sp3d/>
+    <dgm:txPr/>
+    <dgm:style>
+      <a:lnRef idx="2">
+        <a:scrgbClr r="0" g="0" b="0"/>
+      </a:lnRef>
+      <a:fillRef idx="1">
+        <a:scrgbClr r="0" g="0" b="0"/>
+      </a:fillRef>
+      <a:effectRef idx="0">
+        <a:scrgbClr r="0" g="0" b="0"/>
+      </a:effectRef>
+      <a:fontRef idx="minor"/>
+    </dgm:style>
+  </dgm:styleLbl>
+  <dgm:styleLbl name="solidAlignAcc1">
+    <dgm:scene3d>
+      <a:camera prst="orthographicFront"/>
+      <a:lightRig rig="threePt" dir="t"/>
+    </dgm:scene3d>
+    <dgm:sp3d/>
+    <dgm:txPr/>
+    <dgm:style>
+      <a:lnRef idx="2">
+        <a:scrgbClr r="0" g="0" b="0"/>
+      </a:lnRef>
+      <a:fillRef idx="1">
+        <a:scrgbClr r="0" g="0" b="0"/>
+      </a:fillRef>
+      <a:effectRef idx="0">
+        <a:scrgbClr r="0" g="0" b="0"/>
+      </a:effectRef>
+      <a:fontRef idx="minor"/>
+    </dgm:style>
+  </dgm:styleLbl>
+  <dgm:styleLbl name="solidBgAcc1">
+    <dgm:scene3d>
+      <a:camera prst="orthographicFront"/>
+      <a:lightRig rig="threePt" dir="t"/>
+    </dgm:scene3d>
+    <dgm:sp3d/>
+    <dgm:txPr/>
+    <dgm:style>
+      <a:lnRef idx="2">
+        <a:scrgbClr r="0" g="0" b="0"/>
+      </a:lnRef>
+      <a:fillRef idx="1">
+        <a:scrgbClr r="0" g="0" b="0"/>
+      </a:fillRef>
+      <a:effectRef idx="0">
+        <a:scrgbClr r="0" g="0" b="0"/>
+      </a:effectRef>
+      <a:fontRef idx="minor"/>
+    </dgm:style>
+  </dgm:styleLbl>
+  <dgm:styleLbl name="fgAccFollowNode1">
+    <dgm:scene3d>
+      <a:camera prst="orthographicFront"/>
+      <a:lightRig rig="threePt" dir="t"/>
+    </dgm:scene3d>
+    <dgm:sp3d/>
+    <dgm:txPr/>
+    <dgm:style>
+      <a:lnRef idx="2">
+        <a:scrgbClr r="0" g="0" b="0"/>
+      </a:lnRef>
+      <a:fillRef idx="1">
+        <a:scrgbClr r="0" g="0" b="0"/>
+      </a:fillRef>
+      <a:effectRef idx="0">
+        <a:scrgbClr r="0" g="0" b="0"/>
+      </a:effectRef>
+      <a:fontRef idx="minor"/>
+    </dgm:style>
+  </dgm:styleLbl>
+  <dgm:styleLbl name="alignAccFollowNode1">
+    <dgm:scene3d>
+      <a:camera prst="orthographicFront"/>
+      <a:lightRig rig="threePt" dir="t"/>
+    </dgm:scene3d>
+    <dgm:sp3d/>
+    <dgm:txPr/>
+    <dgm:style>
+      <a:lnRef idx="2">
+        <a:scrgbClr r="0" g="0" b="0"/>
+      </a:lnRef>
+      <a:fillRef idx="1">
+        <a:scrgbClr r="0" g="0" b="0"/>
+      </a:fillRef>
+      <a:effectRef idx="0">
+        <a:scrgbClr r="0" g="0" b="0"/>
+      </a:effectRef>
+      <a:fontRef idx="minor"/>
+    </dgm:style>
+  </dgm:styleLbl>
+  <dgm:styleLbl name="bgAccFollowNode1">
+    <dgm:scene3d>
+      <a:camera prst="orthographicFront"/>
+      <a:lightRig rig="threePt" dir="t"/>
+    </dgm:scene3d>
+    <dgm:sp3d/>
+    <dgm:txPr/>
+    <dgm:style>
+      <a:lnRef idx="2">
+        <a:scrgbClr r="0" g="0" b="0"/>
+      </a:lnRef>
+      <a:fillRef idx="1">
+        <a:scrgbClr r="0" g="0" b="0"/>
+      </a:fillRef>
+      <a:effectRef idx="0">
+        <a:scrgbClr r="0" g="0" b="0"/>
+      </a:effectRef>
+      <a:fontRef idx="minor"/>
+    </dgm:style>
+  </dgm:styleLbl>
+  <dgm:styleLbl name="fgAcc0">
+    <dgm:scene3d>
+      <a:camera prst="orthographicFront"/>
+      <a:lightRig rig="threePt" dir="t"/>
+    </dgm:scene3d>
+    <dgm:sp3d/>
+    <dgm:txPr/>
+    <dgm:style>
+      <a:lnRef idx="2">
+        <a:scrgbClr r="0" g="0" b="0"/>
+      </a:lnRef>
+      <a:fillRef idx="1">
+        <a:scrgbClr r="0" g="0" b="0"/>
+      </a:fillRef>
+      <a:effectRef idx="0">
+        <a:scrgbClr r="0" g="0" b="0"/>
+      </a:effectRef>
+      <a:fontRef idx="minor"/>
+    </dgm:style>
+  </dgm:styleLbl>
+  <dgm:styleLbl name="fgAcc2">
+    <dgm:scene3d>
+      <a:camera prst="orthographicFront"/>
+      <a:lightRig rig="threePt" dir="t"/>
+    </dgm:scene3d>
+    <dgm:sp3d/>
+    <dgm:txPr/>
+    <dgm:style>
+      <a:lnRef idx="2">
+        <a:scrgbClr r="0" g="0" b="0"/>
+      </a:lnRef>
+      <a:fillRef idx="1">
+        <a:scrgbClr r="0" g="0" b="0"/>
+      </a:fillRef>
+      <a:effectRef idx="0">
+        <a:scrgbClr r="0" g="0" b="0"/>
+      </a:effectRef>
+      <a:fontRef idx="minor"/>
+    </dgm:style>
+  </dgm:styleLbl>
+  <dgm:styleLbl name="fgAcc3">
+    <dgm:scene3d>
+      <a:camera prst="orthographicFront"/>
+      <a:lightRig rig="threePt" dir="t"/>
+    </dgm:scene3d>
+    <dgm:sp3d/>
+    <dgm:txPr/>
+    <dgm:style>
+      <a:lnRef idx="2">
+        <a:scrgbClr r="0" g="0" b="0"/>
+      </a:lnRef>
+      <a:fillRef idx="1">
+        <a:scrgbClr r="0" g="0" b="0"/>
+      </a:fillRef>
+      <a:effectRef idx="0">
+        <a:scrgbClr r="0" g="0" b="0"/>
+      </a:effectRef>
+      <a:fontRef idx="minor"/>
+    </dgm:style>
+  </dgm:styleLbl>
+  <dgm:styleLbl name="fgAcc4">
+    <dgm:scene3d>
+      <a:camera prst="orthographicFront"/>
+      <a:lightRig rig="threePt" dir="t"/>
+    </dgm:scene3d>
+    <dgm:sp3d/>
+    <dgm:txPr/>
+    <dgm:style>
+      <a:lnRef idx="2">
+        <a:scrgbClr r="0" g="0" b="0"/>
+      </a:lnRef>
+      <a:fillRef idx="1">
+        <a:scrgbClr r="0" g="0" b="0"/>
+      </a:fillRef>
+      <a:effectRef idx="0">
+        <a:scrgbClr r="0" g="0" b="0"/>
+      </a:effectRef>
+      <a:fontRef idx="minor"/>
+    </dgm:style>
+  </dgm:styleLbl>
+  <dgm:styleLbl name="bgShp">
+    <dgm:scene3d>
+      <a:camera prst="orthographicFront"/>
+      <a:lightRig rig="threePt" dir="t"/>
+    </dgm:scene3d>
+    <dgm:sp3d/>
+    <dgm:txPr/>
+    <dgm:style>
+      <a:lnRef idx="0">
+        <a:scrgbClr r="0" g="0" b="0"/>
+      </a:lnRef>
+      <a:fillRef idx="1">
+        <a:scrgbClr r="0" g="0" b="0"/>
+      </a:fillRef>
+      <a:effectRef idx="0">
+        <a:scrgbClr r="0" g="0" b="0"/>
+      </a:effectRef>
+      <a:fontRef idx="minor"/>
+    </dgm:style>
+  </dgm:styleLbl>
+  <dgm:styleLbl name="dkBgShp">
+    <dgm:scene3d>
+      <a:camera prst="orthographicFront"/>
+      <a:lightRig rig="threePt" dir="t"/>
+    </dgm:scene3d>
+    <dgm:sp3d/>
+    <dgm:txPr/>
+    <dgm:style>
+      <a:lnRef idx="0">
+        <a:scrgbClr r="0" g="0" b="0"/>
+      </a:lnRef>
+      <a:fillRef idx="1">
+        <a:scrgbClr r="0" g="0" b="0"/>
+      </a:fillRef>
+      <a:effectRef idx="0">
+        <a:scrgbClr r="0" g="0" b="0"/>
+      </a:effectRef>
+      <a:fontRef idx="minor"/>
+    </dgm:style>
+  </dgm:styleLbl>
+  <dgm:styleLbl name="trBgShp">
+    <dgm:scene3d>
+      <a:camera prst="orthographicFront"/>
+      <a:lightRig rig="threePt" dir="t"/>
+    </dgm:scene3d>
+    <dgm:sp3d/>
+    <dgm:txPr/>
+    <dgm:style>
+      <a:lnRef idx="0">
+        <a:scrgbClr r="0" g="0" b="0"/>
+      </a:lnRef>
+      <a:fillRef idx="1">
+        <a:scrgbClr r="0" g="0" b="0"/>
+      </a:fillRef>
+      <a:effectRef idx="0">
+        <a:scrgbClr r="0" g="0" b="0"/>
+      </a:effectRef>
+      <a:fontRef idx="minor"/>
+    </dgm:style>
+  </dgm:styleLbl>
+  <dgm:styleLbl name="fgShp">
+    <dgm:scene3d>
+      <a:camera prst="orthographicFront"/>
+      <a:lightRig rig="threePt" dir="t"/>
+    </dgm:scene3d>
+    <dgm:sp3d/>
+    <dgm:txPr/>
+    <dgm:style>
+      <a:lnRef idx="2">
+        <a:scrgbClr r="0" g="0" b="0"/>
+      </a:lnRef>
+      <a:fillRef idx="1">
+        <a:scrgbClr r="0" g="0" b="0"/>
+      </a:fillRef>
+      <a:effectRef idx="0">
+        <a:scrgbClr r="0" g="0" b="0"/>
+      </a:effectRef>
+      <a:fontRef idx="minor"/>
+    </dgm:style>
+  </dgm:styleLbl>
+  <dgm:styleLbl name="revTx">
+    <dgm:scene3d>
+      <a:camera prst="orthographicFront"/>
+      <a:lightRig rig="threePt" dir="t"/>
+    </dgm:scene3d>
+    <dgm:sp3d/>
+    <dgm:txPr/>
+    <dgm:style>
+      <a:lnRef idx="0">
+        <a:scrgbClr r="0" g="0" b="0"/>
+      </a:lnRef>
+      <a:fillRef idx="0">
+        <a:scrgbClr r="0" g="0" b="0"/>
+      </a:fillRef>
+      <a:effectRef idx="0">
+        <a:scrgbClr r="0" g="0" b="0"/>
+      </a:effectRef>
+      <a:fontRef idx="minor"/>
+    </dgm:style>
+  </dgm:styleLbl>
+</dgm:styleDef>
+</file>
+
+<file path=ppt/diagrams/quickStyle2.xml><?xml version="1.0" encoding="utf-8"?>
+<dgm:styleDef xmlns:dgm="http://schemas.openxmlformats.org/drawingml/2006/diagram" xmlns:a="http://schemas.openxmlformats.org/drawingml/2006/main" uniqueId="urn:microsoft.com/office/officeart/2005/8/quickstyle/simple1">
+  <dgm:title val=""/>
+  <dgm:desc val=""/>
+  <dgm:catLst>
+    <dgm:cat type="simple" pri="10100"/>
+  </dgm:catLst>
+  <dgm:scene3d>
+    <a:camera prst="orthographicFront"/>
+    <a:lightRig rig="threePt" dir="t"/>
+  </dgm:scene3d>
+  <dgm:styleLbl name="node0">
+    <dgm:scene3d>
+      <a:camera prst="orthographicFront"/>
+      <a:lightRig rig="threePt" dir="t"/>
+    </dgm:scene3d>
+    <dgm:sp3d/>
+    <dgm:txPr/>
+    <dgm:style>
+      <a:lnRef idx="2">
+        <a:scrgbClr r="0" g="0" b="0"/>
+      </a:lnRef>
+      <a:fillRef idx="1">
+        <a:scrgbClr r="0" g="0" b="0"/>
+      </a:fillRef>
+      <a:effectRef idx="0">
+        <a:scrgbClr r="0" g="0" b="0"/>
+      </a:effectRef>
+      <a:fontRef idx="minor">
+        <a:schemeClr val="lt1"/>
+      </a:fontRef>
+    </dgm:style>
+  </dgm:styleLbl>
+  <dgm:styleLbl name="lnNode1">
+    <dgm:scene3d>
+      <a:camera prst="orthographicFront"/>
+      <a:lightRig rig="threePt" dir="t"/>
+    </dgm:scene3d>
+    <dgm:sp3d/>
+    <dgm:txPr/>
+    <dgm:style>
+      <a:lnRef idx="2">
+        <a:scrgbClr r="0" g="0" b="0"/>
+      </a:lnRef>
+      <a:fillRef idx="1">
+        <a:scrgbClr r="0" g="0" b="0"/>
+      </a:fillRef>
+      <a:effectRef idx="0">
+        <a:scrgbClr r="0" g="0" b="0"/>
+      </a:effectRef>
+      <a:fontRef idx="minor">
+        <a:schemeClr val="lt1"/>
+      </a:fontRef>
+    </dgm:style>
+  </dgm:styleLbl>
+  <dgm:styleLbl name="vennNode1">
+    <dgm:scene3d>
+      <a:camera prst="orthographicFront"/>
+      <a:lightRig rig="threePt" dir="t"/>
+    </dgm:scene3d>
+    <dgm:sp3d/>
+    <dgm:txPr/>
+    <dgm:style>
+      <a:lnRef idx="2">
+        <a:scrgbClr r="0" g="0" b="0"/>
+      </a:lnRef>
+      <a:fillRef idx="1">
+        <a:scrgbClr r="0" g="0" b="0"/>
+      </a:fillRef>
+      <a:effectRef idx="0">
+        <a:scrgbClr r="0" g="0" b="0"/>
+      </a:effectRef>
+      <a:fontRef idx="minor">
+        <a:schemeClr val="tx1"/>
+      </a:fontRef>
+    </dgm:style>
+  </dgm:styleLbl>
+  <dgm:styleLbl name="alignNode1">
+    <dgm:scene3d>
+      <a:camera prst="orthographicFront"/>
+      <a:lightRig rig="threePt" dir="t"/>
+    </dgm:scene3d>
+    <dgm:sp3d/>
+    <dgm:txPr/>
+    <dgm:style>
+      <a:lnRef idx="2">
+        <a:scrgbClr r="0" g="0" b="0"/>
+      </a:lnRef>
+      <a:fillRef idx="1">
+        <a:scrgbClr r="0" g="0" b="0"/>
+      </a:fillRef>
+      <a:effectRef idx="0">
+        <a:scrgbClr r="0" g="0" b="0"/>
+      </a:effectRef>
+      <a:fontRef idx="minor">
+        <a:schemeClr val="lt1"/>
+      </a:fontRef>
+    </dgm:style>
+  </dgm:styleLbl>
+  <dgm:styleLbl name="node1">
+    <dgm:scene3d>
+      <a:camera prst="orthographicFront"/>
+      <a:lightRig rig="threePt" dir="t"/>
+    </dgm:scene3d>
+    <dgm:sp3d/>
+    <dgm:txPr/>
+    <dgm:style>
+      <a:lnRef idx="2">
+        <a:scrgbClr r="0" g="0" b="0"/>
+      </a:lnRef>
+      <a:fillRef idx="1">
+        <a:scrgbClr r="0" g="0" b="0"/>
+      </a:fillRef>
+      <a:effectRef idx="0">
+        <a:scrgbClr r="0" g="0" b="0"/>
+      </a:effectRef>
+      <a:fontRef idx="minor">
+        <a:schemeClr val="lt1"/>
+      </a:fontRef>
+    </dgm:style>
+  </dgm:styleLbl>
+  <dgm:styleLbl name="node2">
+    <dgm:scene3d>
+      <a:camera prst="orthographicFront"/>
+      <a:lightRig rig="threePt" dir="t"/>
+    </dgm:scene3d>
+    <dgm:sp3d/>
+    <dgm:txPr/>
+    <dgm:style>
+      <a:lnRef idx="2">
+        <a:scrgbClr r="0" g="0" b="0"/>
+      </a:lnRef>
+      <a:fillRef idx="1">
+        <a:scrgbClr r="0" g="0" b="0"/>
+      </a:fillRef>
+      <a:effectRef idx="0">
+        <a:scrgbClr r="0" g="0" b="0"/>
+      </a:effectRef>
+      <a:fontRef idx="minor">
+        <a:schemeClr val="lt1"/>
+      </a:fontRef>
+    </dgm:style>
+  </dgm:styleLbl>
+  <dgm:styleLbl name="node3">
+    <dgm:scene3d>
+      <a:camera prst="orthographicFront"/>
+      <a:lightRig rig="threePt" dir="t"/>
+    </dgm:scene3d>
+    <dgm:sp3d/>
+    <dgm:txPr/>
+    <dgm:style>
+      <a:lnRef idx="2">
+        <a:scrgbClr r="0" g="0" b="0"/>
+      </a:lnRef>
+      <a:fillRef idx="1">
+        <a:scrgbClr r="0" g="0" b="0"/>
+      </a:fillRef>
+      <a:effectRef idx="0">
+        <a:scrgbClr r="0" g="0" b="0"/>
+      </a:effectRef>
+      <a:fontRef idx="minor">
+        <a:schemeClr val="lt1"/>
+      </a:fontRef>
+    </dgm:style>
+  </dgm:styleLbl>
+  <dgm:styleLbl name="node4">
+    <dgm:scene3d>
+      <a:camera prst="orthographicFront"/>
+      <a:lightRig rig="threePt" dir="t"/>
+    </dgm:scene3d>
+    <dgm:sp3d/>
+    <dgm:txPr/>
+    <dgm:style>
+      <a:lnRef idx="2">
+        <a:scrgbClr r="0" g="0" b="0"/>
+      </a:lnRef>
+      <a:fillRef idx="1">
+        <a:scrgbClr r="0" g="0" b="0"/>
+      </a:fillRef>
+      <a:effectRef idx="0">
+        <a:scrgbClr r="0" g="0" b="0"/>
+      </a:effectRef>
+      <a:fontRef idx="minor">
+        <a:schemeClr val="lt1"/>
+      </a:fontRef>
+    </dgm:style>
+  </dgm:styleLbl>
+  <dgm:styleLbl name="fgImgPlace1">
+    <dgm:scene3d>
+      <a:camera prst="orthographicFront"/>
+      <a:lightRig rig="threePt" dir="t"/>
+    </dgm:scene3d>
+    <dgm:sp3d/>
+    <dgm:txPr/>
+    <dgm:style>
+      <a:lnRef idx="2">
+        <a:scrgbClr r="0" g="0" b="0"/>
+      </a:lnRef>
+      <a:fillRef idx="1">
+        <a:scrgbClr r="0" g="0" b="0"/>
+      </a:fillRef>
+      <a:effectRef idx="0">
+        <a:scrgbClr r="0" g="0" b="0"/>
+      </a:effectRef>
+      <a:fontRef idx="minor"/>
+    </dgm:style>
+  </dgm:styleLbl>
+  <dgm:styleLbl name="alignImgPlace1">
+    <dgm:scene3d>
+      <a:camera prst="orthographicFront"/>
+      <a:lightRig rig="threePt" dir="t"/>
+    </dgm:scene3d>
+    <dgm:sp3d/>
+    <dgm:txPr/>
+    <dgm:style>
+      <a:lnRef idx="2">
+        <a:scrgbClr r="0" g="0" b="0"/>
+      </a:lnRef>
+      <a:fillRef idx="1">
+        <a:scrgbClr r="0" g="0" b="0"/>
+      </a:fillRef>
+      <a:effectRef idx="0">
+        <a:scrgbClr r="0" g="0" b="0"/>
+      </a:effectRef>
+      <a:fontRef idx="minor"/>
+    </dgm:style>
+  </dgm:styleLbl>
+  <dgm:styleLbl name="bgImgPlace1">
+    <dgm:scene3d>
+      <a:camera prst="orthographicFront"/>
+      <a:lightRig rig="threePt" dir="t"/>
+    </dgm:scene3d>
+    <dgm:sp3d/>
+    <dgm:txPr/>
+    <dgm:style>
+      <a:lnRef idx="2">
+        <a:scrgbClr r="0" g="0" b="0"/>
+      </a:lnRef>
+      <a:fillRef idx="1">
+        <a:scrgbClr r="0" g="0" b="0"/>
+      </a:fillRef>
+      <a:effectRef idx="0">
+        <a:scrgbClr r="0" g="0" b="0"/>
+      </a:effectRef>
+      <a:fontRef idx="minor"/>
+    </dgm:style>
+  </dgm:styleLbl>
+  <dgm:styleLbl name="sibTrans2D1">
+    <dgm:scene3d>
+      <a:camera prst="orthographicFront"/>
+      <a:lightRig rig="threePt" dir="t"/>
+    </dgm:scene3d>
+    <dgm:sp3d/>
+    <dgm:txPr/>
+    <dgm:style>
+      <a:lnRef idx="0">
+        <a:scrgbClr r="0" g="0" b="0"/>
+      </a:lnRef>
+      <a:fillRef idx="1">
+        <a:scrgbClr r="0" g="0" b="0"/>
+      </a:fillRef>
+      <a:effectRef idx="0">
+        <a:scrgbClr r="0" g="0" b="0"/>
+      </a:effectRef>
+      <a:fontRef idx="minor">
+        <a:schemeClr val="lt1"/>
+      </a:fontRef>
+    </dgm:style>
+  </dgm:styleLbl>
+  <dgm:styleLbl name="fgSibTrans2D1">
+    <dgm:scene3d>
+      <a:camera prst="orthographicFront"/>
+      <a:lightRig rig="threePt" dir="t"/>
+    </dgm:scene3d>
+    <dgm:sp3d/>
+    <dgm:txPr/>
+    <dgm:style>
+      <a:lnRef idx="0">
+        <a:scrgbClr r="0" g="0" b="0"/>
+      </a:lnRef>
+      <a:fillRef idx="1">
+        <a:scrgbClr r="0" g="0" b="0"/>
+      </a:fillRef>
+      <a:effectRef idx="0">
+        <a:scrgbClr r="0" g="0" b="0"/>
+      </a:effectRef>
+      <a:fontRef idx="minor">
+        <a:schemeClr val="lt1"/>
+      </a:fontRef>
+    </dgm:style>
+  </dgm:styleLbl>
+  <dgm:styleLbl name="bgSibTrans2D1">
+    <dgm:scene3d>
+      <a:camera prst="orthographicFront"/>
+      <a:lightRig rig="threePt" dir="t"/>
+    </dgm:scene3d>
+    <dgm:sp3d/>
+    <dgm:txPr/>
+    <dgm:style>
+      <a:lnRef idx="0">
+        <a:scrgbClr r="0" g="0" b="0"/>
+      </a:lnRef>
+      <a:fillRef idx="1">
+        <a:scrgbClr r="0" g="0" b="0"/>
+      </a:fillRef>
+      <a:effectRef idx="0">
+        <a:scrgbClr r="0" g="0" b="0"/>
+      </a:effectRef>
+      <a:fontRef idx="minor">
+        <a:schemeClr val="lt1"/>
+      </a:fontRef>
+    </dgm:style>
+  </dgm:styleLbl>
+  <dgm:styleLbl name="sibTrans1D1">
+    <dgm:scene3d>
+      <a:camera prst="orthographicFront"/>
+      <a:lightRig rig="threePt" dir="t"/>
+    </dgm:scene3d>
+    <dgm:sp3d/>
+    <dgm:txPr/>
+    <dgm:style>
+      <a:lnRef idx="1">
+        <a:scrgbClr r="0" g="0" b="0"/>
+      </a:lnRef>
+      <a:fillRef idx="0">
+        <a:scrgbClr r="0" g="0" b="0"/>
+      </a:fillRef>
+      <a:effectRef idx="0">
+        <a:scrgbClr r="0" g="0" b="0"/>
+      </a:effectRef>
+      <a:fontRef idx="minor"/>
+    </dgm:style>
+  </dgm:styleLbl>
+  <dgm:styleLbl name="callout">
+    <dgm:scene3d>
+      <a:camera prst="orthographicFront"/>
+      <a:lightRig rig="threePt" dir="t"/>
+    </dgm:scene3d>
+    <dgm:sp3d/>
+    <dgm:txPr/>
+    <dgm:style>
+      <a:lnRef idx="2">
+        <a:scrgbClr r="0" g="0" b="0"/>
+      </a:lnRef>
+      <a:fillRef idx="1">
+        <a:scrgbClr r="0" g="0" b="0"/>
+      </a:fillRef>
+      <a:effectRef idx="0">
+        <a:scrgbClr r="0" g="0" b="0"/>
+      </a:effectRef>
+      <a:fontRef idx="minor"/>
+    </dgm:style>
+  </dgm:styleLbl>
+  <dgm:styleLbl name="asst0">
+    <dgm:scene3d>
+      <a:camera prst="orthographicFront"/>
+      <a:lightRig rig="threePt" dir="t"/>
+    </dgm:scene3d>
+    <dgm:sp3d/>
+    <dgm:txPr/>
+    <dgm:style>
+      <a:lnRef idx="2">
+        <a:scrgbClr r="0" g="0" b="0"/>
+      </a:lnRef>
+      <a:fillRef idx="1">
+        <a:scrgbClr r="0" g="0" b="0"/>
+      </a:fillRef>
+      <a:effectRef idx="0">
+        <a:scrgbClr r="0" g="0" b="0"/>
+      </a:effectRef>
+      <a:fontRef idx="minor">
+        <a:schemeClr val="lt1"/>
+      </a:fontRef>
+    </dgm:style>
+  </dgm:styleLbl>
+  <dgm:styleLbl name="asst1">
+    <dgm:scene3d>
+      <a:camera prst="orthographicFront"/>
+      <a:lightRig rig="threePt" dir="t"/>
+    </dgm:scene3d>
+    <dgm:sp3d/>
+    <dgm:txPr/>
+    <dgm:style>
+      <a:lnRef idx="2">
+        <a:scrgbClr r="0" g="0" b="0"/>
+      </a:lnRef>
+      <a:fillRef idx="1">
+        <a:scrgbClr r="0" g="0" b="0"/>
+      </a:fillRef>
+      <a:effectRef idx="0">
+        <a:scrgbClr r="0" g="0" b="0"/>
+      </a:effectRef>
+      <a:fontRef idx="minor">
+        <a:schemeClr val="lt1"/>
+      </a:fontRef>
+    </dgm:style>
+  </dgm:styleLbl>
+  <dgm:styleLbl name="asst2">
+    <dgm:scene3d>
+      <a:camera prst="orthographicFront"/>
+      <a:lightRig rig="threePt" dir="t"/>
+    </dgm:scene3d>
+    <dgm:sp3d/>
+    <dgm:txPr/>
+    <dgm:style>
+      <a:lnRef idx="2">
+        <a:scrgbClr r="0" g="0" b="0"/>
+      </a:lnRef>
+      <a:fillRef idx="1">
+        <a:scrgbClr r="0" g="0" b="0"/>
+      </a:fillRef>
+      <a:effectRef idx="0">
+        <a:scrgbClr r="0" g="0" b="0"/>
+      </a:effectRef>
+      <a:fontRef idx="minor">
+        <a:schemeClr val="lt1"/>
+      </a:fontRef>
+    </dgm:style>
+  </dgm:styleLbl>
+  <dgm:styleLbl name="asst3">
+    <dgm:scene3d>
+      <a:camera prst="orthographicFront"/>
+      <a:lightRig rig="threePt" dir="t"/>
+    </dgm:scene3d>
+    <dgm:sp3d/>
+    <dgm:txPr/>
+    <dgm:style>
+      <a:lnRef idx="2">
+        <a:scrgbClr r="0" g="0" b="0"/>
+      </a:lnRef>
+      <a:fillRef idx="1">
+        <a:scrgbClr r="0" g="0" b="0"/>
+      </a:fillRef>
+      <a:effectRef idx="0">
+        <a:scrgbClr r="0" g="0" b="0"/>
+      </a:effectRef>
+      <a:fontRef idx="minor">
+        <a:schemeClr val="lt1"/>
+      </a:fontRef>
+    </dgm:style>
+  </dgm:styleLbl>
+  <dgm:styleLbl name="asst4">
+    <dgm:scene3d>
+      <a:camera prst="orthographicFront"/>
+      <a:lightRig rig="threePt" dir="t"/>
+    </dgm:scene3d>
+    <dgm:sp3d/>
+    <dgm:txPr/>
+    <dgm:style>
+      <a:lnRef idx="2">
+        <a:scrgbClr r="0" g="0" b="0"/>
+      </a:lnRef>
+      <a:fillRef idx="1">
+        <a:scrgbClr r="0" g="0" b="0"/>
+      </a:fillRef>
+      <a:effectRef idx="0">
+        <a:scrgbClr r="0" g="0" b="0"/>
+      </a:effectRef>
+      <a:fontRef idx="minor">
+        <a:schemeClr val="lt1"/>
+      </a:fontRef>
+    </dgm:style>
+  </dgm:styleLbl>
+  <dgm:styleLbl name="parChTrans2D1">
+    <dgm:scene3d>
+      <a:camera prst="orthographicFront"/>
+      <a:lightRig rig="threePt" dir="t"/>
+    </dgm:scene3d>
+    <dgm:sp3d/>
+    <dgm:txPr/>
+    <dgm:style>
+      <a:lnRef idx="2">
+        <a:scrgbClr r="0" g="0" b="0"/>
+      </a:lnRef>
+      <a:fillRef idx="1">
+        <a:scrgbClr r="0" g="0" b="0"/>
+      </a:fillRef>
+      <a:effectRef idx="0">
+        <a:scrgbClr r="0" g="0" b="0"/>
+      </a:effectRef>
+      <a:fontRef idx="minor">
+        <a:schemeClr val="lt1"/>
+      </a:fontRef>
+    </dgm:style>
+  </dgm:styleLbl>
+  <dgm:styleLbl name="parChTrans2D2">
+    <dgm:scene3d>
+      <a:camera prst="orthographicFront"/>
+      <a:lightRig rig="threePt" dir="t"/>
+    </dgm:scene3d>
+    <dgm:sp3d/>
+    <dgm:txPr/>
+    <dgm:style>
+      <a:lnRef idx="2">
+        <a:scrgbClr r="0" g="0" b="0"/>
+      </a:lnRef>
+      <a:fillRef idx="1">
+        <a:scrgbClr r="0" g="0" b="0"/>
+      </a:fillRef>
+      <a:effectRef idx="0">
+        <a:scrgbClr r="0" g="0" b="0"/>
+      </a:effectRef>
+      <a:fontRef idx="minor">
+        <a:schemeClr val="lt1"/>
+      </a:fontRef>
+    </dgm:style>
+  </dgm:styleLbl>
+  <dgm:styleLbl name="parChTrans2D3">
+    <dgm:scene3d>
+      <a:camera prst="orthographicFront"/>
+      <a:lightRig rig="threePt" dir="t"/>
+    </dgm:scene3d>
+    <dgm:sp3d/>
+    <dgm:txPr/>
+    <dgm:style>
+      <a:lnRef idx="2">
+        <a:scrgbClr r="0" g="0" b="0"/>
+      </a:lnRef>
+      <a:fillRef idx="1">
+        <a:scrgbClr r="0" g="0" b="0"/>
+      </a:fillRef>
+      <a:effectRef idx="0">
+        <a:scrgbClr r="0" g="0" b="0"/>
+      </a:effectRef>
+      <a:fontRef idx="minor">
+        <a:schemeClr val="lt1"/>
+      </a:fontRef>
+    </dgm:style>
+  </dgm:styleLbl>
+  <dgm:styleLbl name="parChTrans2D4">
+    <dgm:scene3d>
+      <a:camera prst="orthographicFront"/>
+      <a:lightRig rig="threePt" dir="t"/>
+    </dgm:scene3d>
+    <dgm:sp3d/>
+    <dgm:txPr/>
+    <dgm:style>
+      <a:lnRef idx="2">
+        <a:scrgbClr r="0" g="0" b="0"/>
+      </a:lnRef>
+      <a:fillRef idx="1">
+        <a:scrgbClr r="0" g="0" b="0"/>
+      </a:fillRef>
+      <a:effectRef idx="0">
+        <a:scrgbClr r="0" g="0" b="0"/>
+      </a:effectRef>
+      <a:fontRef idx="minor">
+        <a:schemeClr val="lt1"/>
+      </a:fontRef>
+    </dgm:style>
+  </dgm:styleLbl>
+  <dgm:styleLbl name="parChTrans1D1">
+    <dgm:scene3d>
+      <a:camera prst="orthographicFront"/>
+      <a:lightRig rig="threePt" dir="t"/>
+    </dgm:scene3d>
+    <dgm:sp3d/>
+    <dgm:txPr/>
+    <dgm:style>
+      <a:lnRef idx="2">
+        <a:scrgbClr r="0" g="0" b="0"/>
+      </a:lnRef>
+      <a:fillRef idx="0">
+        <a:scrgbClr r="0" g="0" b="0"/>
+      </a:fillRef>
+      <a:effectRef idx="0">
+        <a:scrgbClr r="0" g="0" b="0"/>
+      </a:effectRef>
+      <a:fontRef idx="minor"/>
+    </dgm:style>
+  </dgm:styleLbl>
+  <dgm:styleLbl name="parChTrans1D2">
+    <dgm:scene3d>
+      <a:camera prst="orthographicFront"/>
+      <a:lightRig rig="threePt" dir="t"/>
+    </dgm:scene3d>
+    <dgm:sp3d/>
+    <dgm:txPr/>
+    <dgm:style>
+      <a:lnRef idx="2">
+        <a:scrgbClr r="0" g="0" b="0"/>
+      </a:lnRef>
+      <a:fillRef idx="0">
+        <a:scrgbClr r="0" g="0" b="0"/>
+      </a:fillRef>
+      <a:effectRef idx="0">
+        <a:scrgbClr r="0" g="0" b="0"/>
+      </a:effectRef>
+      <a:fontRef idx="minor"/>
+    </dgm:style>
+  </dgm:styleLbl>
+  <dgm:styleLbl name="parChTrans1D3">
+    <dgm:scene3d>
+      <a:camera prst="orthographicFront"/>
+      <a:lightRig rig="threePt" dir="t"/>
+    </dgm:scene3d>
+    <dgm:sp3d/>
+    <dgm:txPr/>
+    <dgm:style>
+      <a:lnRef idx="2">
+        <a:scrgbClr r="0" g="0" b="0"/>
+      </a:lnRef>
+      <a:fillRef idx="0">
+        <a:scrgbClr r="0" g="0" b="0"/>
+      </a:fillRef>
+      <a:effectRef idx="0">
+        <a:scrgbClr r="0" g="0" b="0"/>
+      </a:effectRef>
+      <a:fontRef idx="minor"/>
+    </dgm:style>
+  </dgm:styleLbl>
+  <dgm:styleLbl name="parChTrans1D4">
+    <dgm:scene3d>
+      <a:camera prst="orthographicFront"/>
+      <a:lightRig rig="threePt" dir="t"/>
+    </dgm:scene3d>
+    <dgm:sp3d/>
+    <dgm:txPr/>
+    <dgm:style>
+      <a:lnRef idx="2">
+        <a:scrgbClr r="0" g="0" b="0"/>
+      </a:lnRef>
+      <a:fillRef idx="0">
+        <a:scrgbClr r="0" g="0" b="0"/>
+      </a:fillRef>
+      <a:effectRef idx="0">
+        <a:scrgbClr r="0" g="0" b="0"/>
+      </a:effectRef>
+      <a:fontRef idx="minor"/>
+    </dgm:style>
+  </dgm:styleLbl>
+  <dgm:styleLbl name="fgAcc1">
+    <dgm:scene3d>
+      <a:camera prst="orthographicFront"/>
+      <a:lightRig rig="threePt" dir="t"/>
+    </dgm:scene3d>
+    <dgm:sp3d/>
+    <dgm:txPr/>
+    <dgm:style>
+      <a:lnRef idx="2">
+        <a:scrgbClr r="0" g="0" b="0"/>
+      </a:lnRef>
+      <a:fillRef idx="1">
+        <a:scrgbClr r="0" g="0" b="0"/>
+      </a:fillRef>
+      <a:effectRef idx="0">
+        <a:scrgbClr r="0" g="0" b="0"/>
+      </a:effectRef>
+      <a:fontRef idx="minor"/>
+    </dgm:style>
+  </dgm:styleLbl>
+  <dgm:styleLbl name="conFgAcc1">
+    <dgm:scene3d>
+      <a:camera prst="orthographicFront"/>
+      <a:lightRig rig="threePt" dir="t"/>
+    </dgm:scene3d>
+    <dgm:sp3d/>
+    <dgm:txPr/>
+    <dgm:style>
+      <a:lnRef idx="2">
+        <a:scrgbClr r="0" g="0" b="0"/>
+      </a:lnRef>
+      <a:fillRef idx="1">
+        <a:scrgbClr r="0" g="0" b="0"/>
+      </a:fillRef>
+      <a:effectRef idx="0">
+        <a:scrgbClr r="0" g="0" b="0"/>
+      </a:effectRef>
+      <a:fontRef idx="minor"/>
+    </dgm:style>
+  </dgm:styleLbl>
+  <dgm:styleLbl name="alignAcc1">
+    <dgm:scene3d>
+      <a:camera prst="orthographicFront"/>
+      <a:lightRig rig="threePt" dir="t"/>
+    </dgm:scene3d>
+    <dgm:sp3d/>
+    <dgm:txPr/>
+    <dgm:style>
+      <a:lnRef idx="2">
+        <a:scrgbClr r="0" g="0" b="0"/>
+      </a:lnRef>
+      <a:fillRef idx="1">
+        <a:scrgbClr r="0" g="0" b="0"/>
+      </a:fillRef>
+      <a:effectRef idx="0">
+        <a:scrgbClr r="0" g="0" b="0"/>
+      </a:effectRef>
+      <a:fontRef idx="minor"/>
+    </dgm:style>
+  </dgm:styleLbl>
+  <dgm:styleLbl name="trAlignAcc1">
+    <dgm:scene3d>
+      <a:camera prst="orthographicFront"/>
+      <a:lightRig rig="threePt" dir="t"/>
+    </dgm:scene3d>
+    <dgm:sp3d/>
+    <dgm:txPr/>
+    <dgm:style>
+      <a:lnRef idx="1">
+        <a:scrgbClr r="0" g="0" b="0"/>
+      </a:lnRef>
+      <a:fillRef idx="1">
+        <a:scrgbClr r="0" g="0" b="0"/>
+      </a:fillRef>
+      <a:effectRef idx="0">
+        <a:scrgbClr r="0" g="0" b="0"/>
+      </a:effectRef>
+      <a:fontRef idx="minor"/>
+    </dgm:style>
+  </dgm:styleLbl>
+  <dgm:styleLbl name="bgAcc1">
+    <dgm:scene3d>
+      <a:camera prst="orthographicFront"/>
+      <a:lightRig rig="threePt" dir="t"/>
+    </dgm:scene3d>
+    <dgm:sp3d/>
+    <dgm:txPr/>
+    <dgm:style>
+      <a:lnRef idx="2">
+        <a:scrgbClr r="0" g="0" b="0"/>
+      </a:lnRef>
+      <a:fillRef idx="1">
+        <a:scrgbClr r="0" g="0" b="0"/>
+      </a:fillRef>
+      <a:effectRef idx="0">
+        <a:scrgbClr r="0" g="0" b="0"/>
+      </a:effectRef>
+      <a:fontRef idx="minor"/>
+    </dgm:style>
+  </dgm:styleLbl>
+  <dgm:styleLbl name="solidFgAcc1">
+    <dgm:scene3d>
+      <a:camera prst="orthographicFront"/>
+      <a:lightRig rig="threePt" dir="t"/>
+    </dgm:scene3d>
+    <dgm:sp3d/>
+    <dgm:txPr/>
+    <dgm:style>
+      <a:lnRef idx="2">
+        <a:scrgbClr r="0" g="0" b="0"/>
+      </a:lnRef>
+      <a:fillRef idx="1">
+        <a:scrgbClr r="0" g="0" b="0"/>
+      </a:fillRef>
+      <a:effectRef idx="0">
+        <a:scrgbClr r="0" g="0" b="0"/>
+      </a:effectRef>
+      <a:fontRef idx="minor"/>
+    </dgm:style>
+  </dgm:styleLbl>
+  <dgm:styleLbl name="solidAlignAcc1">
+    <dgm:scene3d>
+      <a:camera prst="orthographicFront"/>
+      <a:lightRig rig="threePt" dir="t"/>
+    </dgm:scene3d>
+    <dgm:sp3d/>
+    <dgm:txPr/>
+    <dgm:style>
+      <a:lnRef idx="2">
+        <a:scrgbClr r="0" g="0" b="0"/>
+      </a:lnRef>
+      <a:fillRef idx="1">
+        <a:scrgbClr r="0" g="0" b="0"/>
+      </a:fillRef>
+      <a:effectRef idx="0">
+        <a:scrgbClr r="0" g="0" b="0"/>
+      </a:effectRef>
+      <a:fontRef idx="minor"/>
+    </dgm:style>
+  </dgm:styleLbl>
+  <dgm:styleLbl name="solidBgAcc1">
+    <dgm:scene3d>
+      <a:camera prst="orthographicFront"/>
+      <a:lightRig rig="threePt" dir="t"/>
+    </dgm:scene3d>
+    <dgm:sp3d/>
+    <dgm:txPr/>
+    <dgm:style>
+      <a:lnRef idx="2">
+        <a:scrgbClr r="0" g="0" b="0"/>
+      </a:lnRef>
+      <a:fillRef idx="1">
+        <a:scrgbClr r="0" g="0" b="0"/>
+      </a:fillRef>
+      <a:effectRef idx="0">
+        <a:scrgbClr r="0" g="0" b="0"/>
+      </a:effectRef>
+      <a:fontRef idx="minor"/>
+    </dgm:style>
+  </dgm:styleLbl>
+  <dgm:styleLbl name="fgAccFollowNode1">
+    <dgm:scene3d>
+      <a:camera prst="orthographicFront"/>
+      <a:lightRig rig="threePt" dir="t"/>
+    </dgm:scene3d>
+    <dgm:sp3d/>
+    <dgm:txPr/>
+    <dgm:style>
+      <a:lnRef idx="2">
+        <a:scrgbClr r="0" g="0" b="0"/>
+      </a:lnRef>
+      <a:fillRef idx="1">
+        <a:scrgbClr r="0" g="0" b="0"/>
+      </a:fillRef>
+      <a:effectRef idx="0">
+        <a:scrgbClr r="0" g="0" b="0"/>
+      </a:effectRef>
+      <a:fontRef idx="minor"/>
+    </dgm:style>
+  </dgm:styleLbl>
+  <dgm:styleLbl name="alignAccFollowNode1">
+    <dgm:scene3d>
+      <a:camera prst="orthographicFront"/>
+      <a:lightRig rig="threePt" dir="t"/>
+    </dgm:scene3d>
+    <dgm:sp3d/>
+    <dgm:txPr/>
+    <dgm:style>
+      <a:lnRef idx="2">
+        <a:scrgbClr r="0" g="0" b="0"/>
+      </a:lnRef>
+      <a:fillRef idx="1">
+        <a:scrgbClr r="0" g="0" b="0"/>
+      </a:fillRef>
+      <a:effectRef idx="0">
+        <a:scrgbClr r="0" g="0" b="0"/>
+      </a:effectRef>
+      <a:fontRef idx="minor"/>
+    </dgm:style>
+  </dgm:styleLbl>
+  <dgm:styleLbl name="bgAccFollowNode1">
+    <dgm:scene3d>
+      <a:camera prst="orthographicFront"/>
+      <a:lightRig rig="threePt" dir="t"/>
+    </dgm:scene3d>
+    <dgm:sp3d/>
+    <dgm:txPr/>
+    <dgm:style>
+      <a:lnRef idx="2">
+        <a:scrgbClr r="0" g="0" b="0"/>
+      </a:lnRef>
+      <a:fillRef idx="1">
+        <a:scrgbClr r="0" g="0" b="0"/>
+      </a:fillRef>
+      <a:effectRef idx="0">
+        <a:scrgbClr r="0" g="0" b="0"/>
+      </a:effectRef>
+      <a:fontRef idx="minor"/>
+    </dgm:style>
+  </dgm:styleLbl>
+  <dgm:styleLbl name="fgAcc0">
+    <dgm:scene3d>
+      <a:camera prst="orthographicFront"/>
+      <a:lightRig rig="threePt" dir="t"/>
+    </dgm:scene3d>
+    <dgm:sp3d/>
+    <dgm:txPr/>
+    <dgm:style>
+      <a:lnRef idx="2">
+        <a:scrgbClr r="0" g="0" b="0"/>
+      </a:lnRef>
+      <a:fillRef idx="1">
+        <a:scrgbClr r="0" g="0" b="0"/>
+      </a:fillRef>
+      <a:effectRef idx="0">
+        <a:scrgbClr r="0" g="0" b="0"/>
+      </a:effectRef>
+      <a:fontRef idx="minor"/>
+    </dgm:style>
+  </dgm:styleLbl>
+  <dgm:styleLbl name="fgAcc2">
+    <dgm:scene3d>
+      <a:camera prst="orthographicFront"/>
+      <a:lightRig rig="threePt" dir="t"/>
+    </dgm:scene3d>
+    <dgm:sp3d/>
+    <dgm:txPr/>
+    <dgm:style>
+      <a:lnRef idx="2">
+        <a:scrgbClr r="0" g="0" b="0"/>
+      </a:lnRef>
+      <a:fillRef idx="1">
+        <a:scrgbClr r="0" g="0" b="0"/>
+      </a:fillRef>
+      <a:effectRef idx="0">
+        <a:scrgbClr r="0" g="0" b="0"/>
+      </a:effectRef>
+      <a:fontRef idx="minor"/>
+    </dgm:style>
+  </dgm:styleLbl>
+  <dgm:styleLbl name="fgAcc3">
+    <dgm:scene3d>
+      <a:camera prst="orthographicFront"/>
+      <a:lightRig rig="threePt" dir="t"/>
+    </dgm:scene3d>
+    <dgm:sp3d/>
+    <dgm:txPr/>
+    <dgm:style>
+      <a:lnRef idx="2">
+        <a:scrgbClr r="0" g="0" b="0"/>
+      </a:lnRef>
+      <a:fillRef idx="1">
+        <a:scrgbClr r="0" g="0" b="0"/>
+      </a:fillRef>
+      <a:effectRef idx="0">
+        <a:scrgbClr r="0" g="0" b="0"/>
+      </a:effectRef>
+      <a:fontRef idx="minor"/>
+    </dgm:style>
+  </dgm:styleLbl>
+  <dgm:styleLbl name="fgAcc4">
+    <dgm:scene3d>
+      <a:camera prst="orthographicFront"/>
+      <a:lightRig rig="threePt" dir="t"/>
+    </dgm:scene3d>
+    <dgm:sp3d/>
+    <dgm:txPr/>
+    <dgm:style>
+      <a:lnRef idx="2">
+        <a:scrgbClr r="0" g="0" b="0"/>
+      </a:lnRef>
+      <a:fillRef idx="1">
+        <a:scrgbClr r="0" g="0" b="0"/>
+      </a:fillRef>
+      <a:effectRef idx="0">
+        <a:scrgbClr r="0" g="0" b="0"/>
+      </a:effectRef>
+      <a:fontRef idx="minor"/>
+    </dgm:style>
+  </dgm:styleLbl>
+  <dgm:styleLbl name="bgShp">
+    <dgm:scene3d>
+      <a:camera prst="orthographicFront"/>
+      <a:lightRig rig="threePt" dir="t"/>
+    </dgm:scene3d>
+    <dgm:sp3d/>
+    <dgm:txPr/>
+    <dgm:style>
+      <a:lnRef idx="0">
+        <a:scrgbClr r="0" g="0" b="0"/>
+      </a:lnRef>
+      <a:fillRef idx="1">
+        <a:scrgbClr r="0" g="0" b="0"/>
+      </a:fillRef>
+      <a:effectRef idx="0">
+        <a:scrgbClr r="0" g="0" b="0"/>
+      </a:effectRef>
+      <a:fontRef idx="minor"/>
+    </dgm:style>
+  </dgm:styleLbl>
+  <dgm:styleLbl name="dkBgShp">
+    <dgm:scene3d>
+      <a:camera prst="orthographicFront"/>
+      <a:lightRig rig="threePt" dir="t"/>
+    </dgm:scene3d>
+    <dgm:sp3d/>
+    <dgm:txPr/>
+    <dgm:style>
+      <a:lnRef idx="0">
+        <a:scrgbClr r="0" g="0" b="0"/>
+      </a:lnRef>
+      <a:fillRef idx="1">
+        <a:scrgbClr r="0" g="0" b="0"/>
+      </a:fillRef>
+      <a:effectRef idx="0">
+        <a:scrgbClr r="0" g="0" b="0"/>
+      </a:effectRef>
+      <a:fontRef idx="minor"/>
+    </dgm:style>
+  </dgm:styleLbl>
+  <dgm:styleLbl name="trBgShp">
+    <dgm:scene3d>
+      <a:camera prst="orthographicFront"/>
+      <a:lightRig rig="threePt" dir="t"/>
+    </dgm:scene3d>
+    <dgm:sp3d/>
+    <dgm:txPr/>
+    <dgm:style>
+      <a:lnRef idx="0">
+        <a:scrgbClr r="0" g="0" b="0"/>
+      </a:lnRef>
+      <a:fillRef idx="1">
+        <a:scrgbClr r="0" g="0" b="0"/>
+      </a:fillRef>
+      <a:effectRef idx="0">
+        <a:scrgbClr r="0" g="0" b="0"/>
+      </a:effectRef>
+      <a:fontRef idx="minor"/>
+    </dgm:style>
+  </dgm:styleLbl>
+  <dgm:styleLbl name="fgShp">
+    <dgm:scene3d>
+      <a:camera prst="orthographicFront"/>
+      <a:lightRig rig="threePt" dir="t"/>
+    </dgm:scene3d>
+    <dgm:sp3d/>
+    <dgm:txPr/>
+    <dgm:style>
+      <a:lnRef idx="2">
+        <a:scrgbClr r="0" g="0" b="0"/>
+      </a:lnRef>
+      <a:fillRef idx="1">
+        <a:scrgbClr r="0" g="0" b="0"/>
+      </a:fillRef>
+      <a:effectRef idx="0">
+        <a:scrgbClr r="0" g="0" b="0"/>
+      </a:effectRef>
+      <a:fontRef idx="minor"/>
+    </dgm:style>
+  </dgm:styleLbl>
+  <dgm:styleLbl name="revTx">
+    <dgm:scene3d>
+      <a:camera prst="orthographicFront"/>
+      <a:lightRig rig="threePt" dir="t"/>
+    </dgm:scene3d>
+    <dgm:sp3d/>
+    <dgm:txPr/>
+    <dgm:style>
+      <a:lnRef idx="0">
+        <a:scrgbClr r="0" g="0" b="0"/>
+      </a:lnRef>
+      <a:fillRef idx="0">
+        <a:scrgbClr r="0" g="0" b="0"/>
+      </a:fillRef>
+      <a:effectRef idx="0">
+        <a:scrgbClr r="0" g="0" b="0"/>
+      </a:effectRef>
+      <a:fontRef idx="minor"/>
+    </dgm:style>
+  </dgm:styleLbl>
+</dgm:styleDef>
 </file>
 
 <file path=ppt/slideLayouts/slideLayout1.xml><?xml version="1.0" encoding="utf-8"?>
@@ -8911,7 +16011,7 @@
             <a:fld id="{5586B75A-687E-405C-8A0B-8D00578BA2C3}" type="datetimeFigureOut">
               <a:rPr lang="en-US" smtClean="0"/>
               <a:pPr/>
-              <a:t>4/10/2020</a:t>
+              <a:t>4/11/2020</a:t>
             </a:fld>
             <a:endParaRPr lang="en-US" dirty="0"/>
           </a:p>
@@ -9120,7 +16220,7 @@
             <a:fld id="{5586B75A-687E-405C-8A0B-8D00578BA2C3}" type="datetimeFigureOut">
               <a:rPr lang="en-US" smtClean="0"/>
               <a:pPr/>
-              <a:t>4/10/2020</a:t>
+              <a:t>4/11/2020</a:t>
             </a:fld>
             <a:endParaRPr lang="en-US" dirty="0"/>
           </a:p>
@@ -9302,7 +16402,7 @@
             <a:fld id="{5586B75A-687E-405C-8A0B-8D00578BA2C3}" type="datetimeFigureOut">
               <a:rPr lang="en-US" smtClean="0"/>
               <a:pPr/>
-              <a:t>4/10/2020</a:t>
+              <a:t>4/11/2020</a:t>
             </a:fld>
             <a:endParaRPr lang="en-US" dirty="0"/>
           </a:p>
@@ -9509,7 +16609,7 @@
             <a:fld id="{5586B75A-687E-405C-8A0B-8D00578BA2C3}" type="datetimeFigureOut">
               <a:rPr lang="en-US" smtClean="0"/>
               <a:pPr/>
-              <a:t>4/10/2020</a:t>
+              <a:t>4/11/2020</a:t>
             </a:fld>
             <a:endParaRPr lang="en-US" dirty="0"/>
           </a:p>
@@ -18409,7 +25509,7 @@
             <a:fld id="{5586B75A-687E-405C-8A0B-8D00578BA2C3}" type="datetimeFigureOut">
               <a:rPr lang="en-US" smtClean="0"/>
               <a:pPr/>
-              <a:t>4/10/2020</a:t>
+              <a:t>4/11/2020</a:t>
             </a:fld>
             <a:endParaRPr lang="en-US" dirty="0"/>
           </a:p>
@@ -18685,7 +25785,7 @@
             <a:fld id="{5586B75A-687E-405C-8A0B-8D00578BA2C3}" type="datetimeFigureOut">
               <a:rPr lang="en-US" smtClean="0"/>
               <a:pPr/>
-              <a:t>4/10/2020</a:t>
+              <a:t>4/11/2020</a:t>
             </a:fld>
             <a:endParaRPr lang="en-US" dirty="0"/>
           </a:p>
@@ -19085,7 +26185,7 @@
             <a:fld id="{5586B75A-687E-405C-8A0B-8D00578BA2C3}" type="datetimeFigureOut">
               <a:rPr lang="en-US" smtClean="0"/>
               <a:pPr/>
-              <a:t>4/10/2020</a:t>
+              <a:t>4/11/2020</a:t>
             </a:fld>
             <a:endParaRPr lang="en-US" dirty="0"/>
           </a:p>
@@ -19205,7 +26305,7 @@
             <a:fld id="{5586B75A-687E-405C-8A0B-8D00578BA2C3}" type="datetimeFigureOut">
               <a:rPr lang="en-US" smtClean="0"/>
               <a:pPr/>
-              <a:t>4/10/2020</a:t>
+              <a:t>4/11/2020</a:t>
             </a:fld>
             <a:endParaRPr lang="en-US" dirty="0"/>
           </a:p>
@@ -19302,7 +26402,7 @@
             <a:fld id="{5586B75A-687E-405C-8A0B-8D00578BA2C3}" type="datetimeFigureOut">
               <a:rPr lang="en-US" smtClean="0"/>
               <a:pPr/>
-              <a:t>4/10/2020</a:t>
+              <a:t>4/11/2020</a:t>
             </a:fld>
             <a:endParaRPr lang="en-US" dirty="0"/>
           </a:p>
@@ -19594,7 +26694,7 @@
             <a:fld id="{5586B75A-687E-405C-8A0B-8D00578BA2C3}" type="datetimeFigureOut">
               <a:rPr lang="en-US" smtClean="0"/>
               <a:pPr/>
-              <a:t>4/10/2020</a:t>
+              <a:t>4/11/2020</a:t>
             </a:fld>
             <a:endParaRPr lang="en-US" dirty="0"/>
           </a:p>
@@ -19876,7 +26976,7 @@
             <a:fld id="{5586B75A-687E-405C-8A0B-8D00578BA2C3}" type="datetimeFigureOut">
               <a:rPr lang="en-US" smtClean="0"/>
               <a:pPr/>
-              <a:t>4/10/2020</a:t>
+              <a:t>4/11/2020</a:t>
             </a:fld>
             <a:endParaRPr lang="en-US" dirty="0"/>
           </a:p>
@@ -20128,7 +27228,7 @@
             <a:fld id="{5586B75A-687E-405C-8A0B-8D00578BA2C3}" type="datetimeFigureOut">
               <a:rPr lang="en-US" smtClean="0"/>
               <a:pPr/>
-              <a:t>4/10/2020</a:t>
+              <a:t>4/11/2020</a:t>
             </a:fld>
             <a:endParaRPr lang="en-US" dirty="0"/>
           </a:p>
@@ -20886,52 +27986,6 @@
           </a:fontRef>
         </p:style>
       </p:cxnSp>
-      <p:pic>
-        <p:nvPicPr>
-          <p:cNvPr id="1026" name="Picture 2" descr="Une image contenant chemise&#10;&#10;Description générée automatiquement">
-            <a:extLst>
-              <a:ext uri="{FF2B5EF4-FFF2-40B4-BE49-F238E27FC236}">
-                <a16:creationId xmlns:a16="http://schemas.microsoft.com/office/drawing/2014/main" id="{8B7EE49D-4064-4AE2-8EBB-96A69E4420F7}"/>
-              </a:ext>
-            </a:extLst>
-          </p:cNvPr>
-          <p:cNvPicPr>
-            <a:picLocks noChangeAspect="1" noChangeArrowheads="1"/>
-          </p:cNvPicPr>
-          <p:nvPr/>
-        </p:nvPicPr>
-        <p:blipFill>
-          <a:blip r:embed="rId2">
-            <a:extLst>
-              <a:ext uri="{28A0092B-C50C-407E-A947-70E740481C1C}">
-                <a14:useLocalDpi xmlns:a14="http://schemas.microsoft.com/office/drawing/2010/main" val="0"/>
-              </a:ext>
-            </a:extLst>
-          </a:blip>
-          <a:stretch>
-            <a:fillRect/>
-          </a:stretch>
-        </p:blipFill>
-        <p:spPr bwMode="auto">
-          <a:xfrm>
-            <a:off x="9307911" y="2767510"/>
-            <a:ext cx="1648572" cy="1322979"/>
-          </a:xfrm>
-          <a:prstGeom prst="rect">
-            <a:avLst/>
-          </a:prstGeom>
-          <a:noFill/>
-          <a:extLst>
-            <a:ext uri="{909E8E84-426E-40DD-AFC4-6F175D3DCCD1}">
-              <a14:hiddenFill xmlns:a14="http://schemas.microsoft.com/office/drawing/2010/main">
-                <a:solidFill>
-                  <a:srgbClr val="FFFFFF"/>
-                </a:solidFill>
-              </a14:hiddenFill>
-            </a:ext>
-          </a:extLst>
-        </p:spPr>
-      </p:pic>
       <p:sp>
         <p:nvSpPr>
           <p:cNvPr id="13" name="Sous-titre 2">
@@ -21527,6 +28581,22 @@
               <a:t>Results</a:t>
             </a:r>
           </a:p>
+          <a:p>
+            <a:pPr marL="514350" indent="-514350">
+              <a:lnSpc>
+                <a:spcPct val="90000"/>
+              </a:lnSpc>
+              <a:buAutoNum type="arabicPeriod"/>
+            </a:pPr>
+            <a:r>
+              <a:rPr lang="en-US" sz="3200" dirty="0">
+                <a:solidFill>
+                  <a:schemeClr val="tx1"/>
+                </a:solidFill>
+              </a:rPr>
+              <a:t>Conclusion</a:t>
+            </a:r>
+          </a:p>
         </p:txBody>
       </p:sp>
     </p:spTree>
@@ -21813,6 +28883,52 @@
           </a:p>
         </p:txBody>
       </p:sp>
+      <p:pic>
+        <p:nvPicPr>
+          <p:cNvPr id="4" name="Picture 2" descr="Une image contenant chemise&#10;&#10;Description générée automatiquement">
+            <a:extLst>
+              <a:ext uri="{FF2B5EF4-FFF2-40B4-BE49-F238E27FC236}">
+                <a16:creationId xmlns:a16="http://schemas.microsoft.com/office/drawing/2014/main" id="{D0653B16-51BE-4BD9-847B-3E00DEF03079}"/>
+              </a:ext>
+            </a:extLst>
+          </p:cNvPr>
+          <p:cNvPicPr>
+            <a:picLocks noChangeAspect="1" noChangeArrowheads="1"/>
+          </p:cNvPicPr>
+          <p:nvPr/>
+        </p:nvPicPr>
+        <p:blipFill>
+          <a:blip r:embed="rId2">
+            <a:extLst>
+              <a:ext uri="{28A0092B-C50C-407E-A947-70E740481C1C}">
+                <a14:useLocalDpi xmlns:a14="http://schemas.microsoft.com/office/drawing/2010/main" val="0"/>
+              </a:ext>
+            </a:extLst>
+          </a:blip>
+          <a:stretch>
+            <a:fillRect/>
+          </a:stretch>
+        </p:blipFill>
+        <p:spPr bwMode="auto">
+          <a:xfrm>
+            <a:off x="9919914" y="585216"/>
+            <a:ext cx="1648572" cy="1322979"/>
+          </a:xfrm>
+          <a:prstGeom prst="rect">
+            <a:avLst/>
+          </a:prstGeom>
+          <a:noFill/>
+          <a:extLst>
+            <a:ext uri="{909E8E84-426E-40DD-AFC4-6F175D3DCCD1}">
+              <a14:hiddenFill xmlns:a14="http://schemas.microsoft.com/office/drawing/2010/main">
+                <a:solidFill>
+                  <a:srgbClr val="FFFFFF"/>
+                </a:solidFill>
+              </a14:hiddenFill>
+            </a:ext>
+          </a:extLst>
+        </p:spPr>
+      </p:pic>
     </p:spTree>
     <p:extLst>
       <p:ext uri="{BB962C8B-B14F-4D97-AF65-F5344CB8AC3E}">
@@ -22053,6 +29169,34 @@
           </a:p>
         </p:txBody>
       </p:sp>
+      <p:graphicFrame>
+        <p:nvGraphicFramePr>
+          <p:cNvPr id="5" name="Diagramme 4">
+            <a:extLst>
+              <a:ext uri="{FF2B5EF4-FFF2-40B4-BE49-F238E27FC236}">
+                <a16:creationId xmlns:a16="http://schemas.microsoft.com/office/drawing/2014/main" id="{E224C8CD-0CF0-479F-BB88-DB7425F89D5F}"/>
+              </a:ext>
+            </a:extLst>
+          </p:cNvPr>
+          <p:cNvGraphicFramePr/>
+          <p:nvPr>
+            <p:extLst>
+              <p:ext uri="{D42A27DB-BD31-4B8C-83A1-F6EECF244321}">
+                <p14:modId xmlns:p14="http://schemas.microsoft.com/office/powerpoint/2010/main" val="198112827"/>
+              </p:ext>
+            </p:extLst>
+          </p:nvPr>
+        </p:nvGraphicFramePr>
+        <p:xfrm>
+          <a:off x="1024128" y="967316"/>
+          <a:ext cx="10996422" cy="5418667"/>
+        </p:xfrm>
+        <a:graphic>
+          <a:graphicData uri="http://schemas.openxmlformats.org/drawingml/2006/diagram">
+            <dgm:relIds xmlns:dgm="http://schemas.openxmlformats.org/drawingml/2006/diagram" xmlns:r="http://schemas.openxmlformats.org/officeDocument/2006/relationships" r:dm="rId2" r:lo="rId3" r:qs="rId4" r:cs="rId5"/>
+          </a:graphicData>
+        </a:graphic>
+      </p:graphicFrame>
     </p:spTree>
     <p:extLst>
       <p:ext uri="{BB962C8B-B14F-4D97-AF65-F5344CB8AC3E}">
@@ -22117,40 +29261,484 @@
           </a:p>
         </p:txBody>
       </p:sp>
+      <p:grpSp>
+        <p:nvGrpSpPr>
+          <p:cNvPr id="6" name="Groupe 5">
+            <a:extLst>
+              <a:ext uri="{FF2B5EF4-FFF2-40B4-BE49-F238E27FC236}">
+                <a16:creationId xmlns:a16="http://schemas.microsoft.com/office/drawing/2014/main" id="{335B05DC-E154-4C80-81B4-F16EE77D0800}"/>
+              </a:ext>
+            </a:extLst>
+          </p:cNvPr>
+          <p:cNvGrpSpPr/>
+          <p:nvPr/>
+        </p:nvGrpSpPr>
+        <p:grpSpPr>
+          <a:xfrm>
+            <a:off x="1024128" y="2084832"/>
+            <a:ext cx="10465338" cy="4197566"/>
+            <a:chOff x="263982" y="2193817"/>
+            <a:chExt cx="10465338" cy="4197566"/>
+          </a:xfrm>
+        </p:grpSpPr>
+        <p:pic>
+          <p:nvPicPr>
+            <p:cNvPr id="3" name="Image 2">
+              <a:extLst>
+                <a:ext uri="{FF2B5EF4-FFF2-40B4-BE49-F238E27FC236}">
+                  <a16:creationId xmlns:a16="http://schemas.microsoft.com/office/drawing/2014/main" id="{E6B28FB6-272E-4A24-87FF-5C268C50F6C6}"/>
+                </a:ext>
+              </a:extLst>
+            </p:cNvPr>
+            <p:cNvPicPr>
+              <a:picLocks noChangeAspect="1"/>
+            </p:cNvPicPr>
+            <p:nvPr/>
+          </p:nvPicPr>
+          <p:blipFill>
+            <a:blip r:embed="rId2"/>
+            <a:stretch>
+              <a:fillRect/>
+            </a:stretch>
+          </p:blipFill>
+          <p:spPr>
+            <a:xfrm>
+              <a:off x="263982" y="2193817"/>
+              <a:ext cx="6909155" cy="4197566"/>
+            </a:xfrm>
+            <a:prstGeom prst="rect">
+              <a:avLst/>
+            </a:prstGeom>
+          </p:spPr>
+        </p:pic>
+        <p:pic>
+          <p:nvPicPr>
+            <p:cNvPr id="5" name="Image 4">
+              <a:extLst>
+                <a:ext uri="{FF2B5EF4-FFF2-40B4-BE49-F238E27FC236}">
+                  <a16:creationId xmlns:a16="http://schemas.microsoft.com/office/drawing/2014/main" id="{D54E299C-7892-43F3-8EB2-D0E8E35F70D8}"/>
+                </a:ext>
+              </a:extLst>
+            </p:cNvPr>
+            <p:cNvPicPr>
+              <a:picLocks noChangeAspect="1"/>
+            </p:cNvPicPr>
+            <p:nvPr/>
+          </p:nvPicPr>
+          <p:blipFill>
+            <a:blip r:embed="rId3"/>
+            <a:stretch>
+              <a:fillRect/>
+            </a:stretch>
+          </p:blipFill>
+          <p:spPr>
+            <a:xfrm>
+              <a:off x="7173137" y="2206429"/>
+              <a:ext cx="3556183" cy="4159464"/>
+            </a:xfrm>
+            <a:prstGeom prst="rect">
+              <a:avLst/>
+            </a:prstGeom>
+          </p:spPr>
+        </p:pic>
+      </p:grpSp>
+    </p:spTree>
+    <p:extLst>
+      <p:ext uri="{BB962C8B-B14F-4D97-AF65-F5344CB8AC3E}">
+        <p14:creationId xmlns:p14="http://schemas.microsoft.com/office/powerpoint/2010/main" val="1787277368"/>
+      </p:ext>
+    </p:extLst>
+  </p:cSld>
+  <p:clrMapOvr>
+    <a:masterClrMapping/>
+  </p:clrMapOvr>
+</p:sld>
+</file>
+
+<file path=ppt/slides/slide7.xml><?xml version="1.0" encoding="utf-8"?>
+<p:sld xmlns:a="http://schemas.openxmlformats.org/drawingml/2006/main" xmlns:r="http://schemas.openxmlformats.org/officeDocument/2006/relationships" xmlns:p="http://schemas.openxmlformats.org/presentationml/2006/main">
+  <p:cSld>
+    <p:spTree>
+      <p:nvGrpSpPr>
+        <p:cNvPr id="1" name=""/>
+        <p:cNvGrpSpPr/>
+        <p:nvPr/>
+      </p:nvGrpSpPr>
+      <p:grpSpPr>
+        <a:xfrm>
+          <a:off x="0" y="0"/>
+          <a:ext cx="0" cy="0"/>
+          <a:chOff x="0" y="0"/>
+          <a:chExt cx="0" cy="0"/>
+        </a:xfrm>
+      </p:grpSpPr>
+      <p:sp>
+        <p:nvSpPr>
+          <p:cNvPr id="2" name="Titre 1">
+            <a:extLst>
+              <a:ext uri="{FF2B5EF4-FFF2-40B4-BE49-F238E27FC236}">
+                <a16:creationId xmlns:a16="http://schemas.microsoft.com/office/drawing/2014/main" id="{CF2A2BC5-63D5-4E85-9A5E-E474AD8ACBAF}"/>
+              </a:ext>
+            </a:extLst>
+          </p:cNvPr>
+          <p:cNvSpPr>
+            <a:spLocks noGrp="1"/>
+          </p:cNvSpPr>
+          <p:nvPr>
+            <p:ph type="title"/>
+          </p:nvPr>
+        </p:nvSpPr>
+        <p:spPr>
+          <a:xfrm>
+            <a:off x="1024128" y="585216"/>
+            <a:ext cx="9720072" cy="1499616"/>
+          </a:xfrm>
+        </p:spPr>
+        <p:txBody>
+          <a:bodyPr/>
+          <a:lstStyle/>
+          <a:p>
+            <a:r>
+              <a:rPr lang="fr-FR" dirty="0" err="1"/>
+              <a:t>results</a:t>
+            </a:r>
+            <a:endParaRPr lang="fr-FR" dirty="0"/>
+          </a:p>
+        </p:txBody>
+      </p:sp>
       <p:pic>
         <p:nvPicPr>
-          <p:cNvPr id="4" name="Image 3">
+          <p:cNvPr id="1034" name="Picture 10">
             <a:extLst>
               <a:ext uri="{FF2B5EF4-FFF2-40B4-BE49-F238E27FC236}">
-                <a16:creationId xmlns:a16="http://schemas.microsoft.com/office/drawing/2014/main" id="{05434BBC-4A26-46E2-B95E-0153F3D78DEF}"/>
+                <a16:creationId xmlns:a16="http://schemas.microsoft.com/office/drawing/2014/main" id="{BF8E18AB-FD17-47F5-853A-A606A23B8D31}"/>
               </a:ext>
             </a:extLst>
           </p:cNvPr>
           <p:cNvPicPr>
-            <a:picLocks noChangeAspect="1"/>
+            <a:picLocks noChangeAspect="1" noChangeArrowheads="1"/>
           </p:cNvPicPr>
           <p:nvPr/>
         </p:nvPicPr>
         <p:blipFill>
-          <a:blip r:embed="rId2"/>
+          <a:blip r:embed="rId2">
+            <a:extLst>
+              <a:ext uri="{28A0092B-C50C-407E-A947-70E740481C1C}">
+                <a14:useLocalDpi xmlns:a14="http://schemas.microsoft.com/office/drawing/2010/main" val="0"/>
+              </a:ext>
+            </a:extLst>
+          </a:blip>
+          <a:srcRect/>
           <a:stretch>
             <a:fillRect/>
           </a:stretch>
         </p:blipFill>
-        <p:spPr>
+        <p:spPr bwMode="auto">
           <a:xfrm>
-            <a:off x="241300" y="1671320"/>
-            <a:ext cx="7520940" cy="5013960"/>
+            <a:off x="0" y="1822450"/>
+            <a:ext cx="12192000" cy="4887913"/>
           </a:xfrm>
           <a:prstGeom prst="rect">
             <a:avLst/>
           </a:prstGeom>
+          <a:noFill/>
+          <a:extLst>
+            <a:ext uri="{909E8E84-426E-40DD-AFC4-6F175D3DCCD1}">
+              <a14:hiddenFill xmlns:a14="http://schemas.microsoft.com/office/drawing/2010/main">
+                <a:solidFill>
+                  <a:srgbClr val="FFFFFF"/>
+                </a:solidFill>
+              </a14:hiddenFill>
+            </a:ext>
+          </a:extLst>
         </p:spPr>
       </p:pic>
     </p:spTree>
     <p:extLst>
       <p:ext uri="{BB962C8B-B14F-4D97-AF65-F5344CB8AC3E}">
-        <p14:creationId xmlns:p14="http://schemas.microsoft.com/office/powerpoint/2010/main" val="1787277368"/>
+        <p14:creationId xmlns:p14="http://schemas.microsoft.com/office/powerpoint/2010/main" val="3107272753"/>
+      </p:ext>
+    </p:extLst>
+  </p:cSld>
+  <p:clrMapOvr>
+    <a:masterClrMapping/>
+  </p:clrMapOvr>
+</p:sld>
+</file>
+
+<file path=ppt/slides/slide8.xml><?xml version="1.0" encoding="utf-8"?>
+<p:sld xmlns:a="http://schemas.openxmlformats.org/drawingml/2006/main" xmlns:r="http://schemas.openxmlformats.org/officeDocument/2006/relationships" xmlns:p="http://schemas.openxmlformats.org/presentationml/2006/main">
+  <p:cSld>
+    <p:spTree>
+      <p:nvGrpSpPr>
+        <p:cNvPr id="1" name=""/>
+        <p:cNvGrpSpPr/>
+        <p:nvPr/>
+      </p:nvGrpSpPr>
+      <p:grpSpPr>
+        <a:xfrm>
+          <a:off x="0" y="0"/>
+          <a:ext cx="0" cy="0"/>
+          <a:chOff x="0" y="0"/>
+          <a:chExt cx="0" cy="0"/>
+        </a:xfrm>
+      </p:grpSpPr>
+      <p:sp>
+        <p:nvSpPr>
+          <p:cNvPr id="2" name="Titre 1">
+            <a:extLst>
+              <a:ext uri="{FF2B5EF4-FFF2-40B4-BE49-F238E27FC236}">
+                <a16:creationId xmlns:a16="http://schemas.microsoft.com/office/drawing/2014/main" id="{CF2A2BC5-63D5-4E85-9A5E-E474AD8ACBAF}"/>
+              </a:ext>
+            </a:extLst>
+          </p:cNvPr>
+          <p:cNvSpPr>
+            <a:spLocks noGrp="1"/>
+          </p:cNvSpPr>
+          <p:nvPr>
+            <p:ph type="title"/>
+          </p:nvPr>
+        </p:nvSpPr>
+        <p:spPr>
+          <a:xfrm>
+            <a:off x="1024128" y="585216"/>
+            <a:ext cx="9720072" cy="1499616"/>
+          </a:xfrm>
+        </p:spPr>
+        <p:txBody>
+          <a:bodyPr/>
+          <a:lstStyle/>
+          <a:p>
+            <a:r>
+              <a:rPr lang="fr-FR" dirty="0" err="1"/>
+              <a:t>results</a:t>
+            </a:r>
+            <a:endParaRPr lang="fr-FR" dirty="0"/>
+          </a:p>
+        </p:txBody>
+      </p:sp>
+      <p:pic>
+        <p:nvPicPr>
+          <p:cNvPr id="2050" name="Picture 2">
+            <a:extLst>
+              <a:ext uri="{FF2B5EF4-FFF2-40B4-BE49-F238E27FC236}">
+                <a16:creationId xmlns:a16="http://schemas.microsoft.com/office/drawing/2014/main" id="{5241D2F1-0E2F-4973-8D10-BBE5940017DB}"/>
+              </a:ext>
+            </a:extLst>
+          </p:cNvPr>
+          <p:cNvPicPr>
+            <a:picLocks noChangeAspect="1" noChangeArrowheads="1"/>
+          </p:cNvPicPr>
+          <p:nvPr/>
+        </p:nvPicPr>
+        <p:blipFill>
+          <a:blip r:embed="rId2">
+            <a:extLst>
+              <a:ext uri="{28A0092B-C50C-407E-A947-70E740481C1C}">
+                <a14:useLocalDpi xmlns:a14="http://schemas.microsoft.com/office/drawing/2010/main" val="0"/>
+              </a:ext>
+            </a:extLst>
+          </a:blip>
+          <a:srcRect/>
+          <a:stretch>
+            <a:fillRect/>
+          </a:stretch>
+        </p:blipFill>
+        <p:spPr bwMode="auto">
+          <a:xfrm>
+            <a:off x="3193098" y="1578864"/>
+            <a:ext cx="6554787" cy="5084698"/>
+          </a:xfrm>
+          <a:prstGeom prst="rect">
+            <a:avLst/>
+          </a:prstGeom>
+          <a:noFill/>
+          <a:extLst>
+            <a:ext uri="{909E8E84-426E-40DD-AFC4-6F175D3DCCD1}">
+              <a14:hiddenFill xmlns:a14="http://schemas.microsoft.com/office/drawing/2010/main">
+                <a:solidFill>
+                  <a:srgbClr val="FFFFFF"/>
+                </a:solidFill>
+              </a14:hiddenFill>
+            </a:ext>
+          </a:extLst>
+        </p:spPr>
+      </p:pic>
+    </p:spTree>
+    <p:extLst>
+      <p:ext uri="{BB962C8B-B14F-4D97-AF65-F5344CB8AC3E}">
+        <p14:creationId xmlns:p14="http://schemas.microsoft.com/office/powerpoint/2010/main" val="1311639584"/>
+      </p:ext>
+    </p:extLst>
+  </p:cSld>
+  <p:clrMapOvr>
+    <a:masterClrMapping/>
+  </p:clrMapOvr>
+</p:sld>
+</file>
+
+<file path=ppt/slides/slide9.xml><?xml version="1.0" encoding="utf-8"?>
+<p:sld xmlns:a="http://schemas.openxmlformats.org/drawingml/2006/main" xmlns:r="http://schemas.openxmlformats.org/officeDocument/2006/relationships" xmlns:p="http://schemas.openxmlformats.org/presentationml/2006/main">
+  <p:cSld>
+    <p:bg>
+      <p:bgPr>
+        <a:solidFill>
+          <a:schemeClr val="bg1"/>
+        </a:solidFill>
+        <a:effectLst/>
+      </p:bgPr>
+    </p:bg>
+    <p:spTree>
+      <p:nvGrpSpPr>
+        <p:cNvPr id="1" name=""/>
+        <p:cNvGrpSpPr/>
+        <p:nvPr/>
+      </p:nvGrpSpPr>
+      <p:grpSpPr>
+        <a:xfrm>
+          <a:off x="0" y="0"/>
+          <a:ext cx="0" cy="0"/>
+          <a:chOff x="0" y="0"/>
+          <a:chExt cx="0" cy="0"/>
+        </a:xfrm>
+      </p:grpSpPr>
+      <p:sp>
+        <p:nvSpPr>
+          <p:cNvPr id="10" name="Rectangle 9">
+            <a:extLst>
+              <a:ext uri="{FF2B5EF4-FFF2-40B4-BE49-F238E27FC236}">
+                <a16:creationId xmlns:a16="http://schemas.microsoft.com/office/drawing/2014/main" id="{F7422F06-6017-4361-8872-E0E2CEB20B48}"/>
+              </a:ext>
+              <a:ext uri="{C183D7F6-B498-43B3-948B-1728B52AA6E4}">
+                <adec:decorative xmlns:adec="http://schemas.microsoft.com/office/drawing/2017/decorative" val="1"/>
+              </a:ext>
+            </a:extLst>
+          </p:cNvPr>
+          <p:cNvSpPr>
+            <a:spLocks noGrp="1" noRot="1" noChangeAspect="1" noMove="1" noResize="1" noEditPoints="1" noAdjustHandles="1" noChangeArrowheads="1" noChangeShapeType="1" noTextEdit="1"/>
+          </p:cNvSpPr>
+          <p:nvPr>
+            <p:extLst>
+              <p:ext uri="{386F3935-93C4-4BCD-93E2-E3B085C9AB24}">
+                <p16:designElem xmlns:p16="http://schemas.microsoft.com/office/powerpoint/2015/main" val="1"/>
+              </p:ext>
+            </p:extLst>
+          </p:nvPr>
+        </p:nvSpPr>
+        <p:spPr>
+          <a:xfrm>
+            <a:off x="0" y="0"/>
+            <a:ext cx="4648199" cy="6858000"/>
+          </a:xfrm>
+          <a:prstGeom prst="rect">
+            <a:avLst/>
+          </a:prstGeom>
+          <a:solidFill>
+            <a:schemeClr val="accent1"/>
+          </a:solidFill>
+          <a:ln>
+            <a:noFill/>
+          </a:ln>
+        </p:spPr>
+        <p:style>
+          <a:lnRef idx="2">
+            <a:schemeClr val="accent1">
+              <a:shade val="50000"/>
+            </a:schemeClr>
+          </a:lnRef>
+          <a:fillRef idx="1">
+            <a:schemeClr val="accent1"/>
+          </a:fillRef>
+          <a:effectRef idx="0">
+            <a:schemeClr val="accent1"/>
+          </a:effectRef>
+          <a:fontRef idx="minor">
+            <a:schemeClr val="lt1"/>
+          </a:fontRef>
+        </p:style>
+        <p:txBody>
+          <a:bodyPr rtlCol="0" anchor="ctr"/>
+          <a:lstStyle/>
+          <a:p>
+            <a:pPr algn="ctr"/>
+            <a:endParaRPr lang="en-US"/>
+          </a:p>
+        </p:txBody>
+      </p:sp>
+      <p:sp>
+        <p:nvSpPr>
+          <p:cNvPr id="2" name="Titre 1">
+            <a:extLst>
+              <a:ext uri="{FF2B5EF4-FFF2-40B4-BE49-F238E27FC236}">
+                <a16:creationId xmlns:a16="http://schemas.microsoft.com/office/drawing/2014/main" id="{CF2A2BC5-63D5-4E85-9A5E-E474AD8ACBAF}"/>
+              </a:ext>
+            </a:extLst>
+          </p:cNvPr>
+          <p:cNvSpPr>
+            <a:spLocks noGrp="1"/>
+          </p:cNvSpPr>
+          <p:nvPr>
+            <p:ph type="title"/>
+          </p:nvPr>
+        </p:nvSpPr>
+        <p:spPr>
+          <a:xfrm>
+            <a:off x="643468" y="643467"/>
+            <a:ext cx="3415612" cy="5571066"/>
+          </a:xfrm>
+        </p:spPr>
+        <p:txBody>
+          <a:bodyPr>
+            <a:normAutofit/>
+          </a:bodyPr>
+          <a:lstStyle/>
+          <a:p>
+            <a:r>
+              <a:rPr lang="fr-FR">
+                <a:solidFill>
+                  <a:srgbClr val="FFFFFF"/>
+                </a:solidFill>
+              </a:rPr>
+              <a:t>Conclusion</a:t>
+            </a:r>
+          </a:p>
+        </p:txBody>
+      </p:sp>
+      <p:graphicFrame>
+        <p:nvGraphicFramePr>
+          <p:cNvPr id="5" name="Espace réservé du contenu 2">
+            <a:extLst>
+              <a:ext uri="{FF2B5EF4-FFF2-40B4-BE49-F238E27FC236}">
+                <a16:creationId xmlns:a16="http://schemas.microsoft.com/office/drawing/2014/main" id="{E05AC5B7-CE31-4AE8-A3B9-66C9E4119FCD}"/>
+              </a:ext>
+            </a:extLst>
+          </p:cNvPr>
+          <p:cNvGraphicFramePr>
+            <a:graphicFrameLocks noGrp="1"/>
+          </p:cNvGraphicFramePr>
+          <p:nvPr>
+            <p:ph idx="1"/>
+            <p:extLst>
+              <p:ext uri="{D42A27DB-BD31-4B8C-83A1-F6EECF244321}">
+                <p14:modId xmlns:p14="http://schemas.microsoft.com/office/powerpoint/2010/main" val="4076806428"/>
+              </p:ext>
+            </p:extLst>
+          </p:nvPr>
+        </p:nvGraphicFramePr>
+        <p:xfrm>
+          <a:off x="5603875" y="409575"/>
+          <a:ext cx="5641975" cy="6143625"/>
+        </p:xfrm>
+        <a:graphic>
+          <a:graphicData uri="http://schemas.openxmlformats.org/drawingml/2006/diagram">
+            <dgm:relIds xmlns:dgm="http://schemas.openxmlformats.org/drawingml/2006/diagram" xmlns:r="http://schemas.openxmlformats.org/officeDocument/2006/relationships" r:dm="rId2" r:lo="rId3" r:qs="rId4" r:cs="rId5"/>
+          </a:graphicData>
+        </a:graphic>
+      </p:graphicFrame>
+    </p:spTree>
+    <p:extLst>
+      <p:ext uri="{BB962C8B-B14F-4D97-AF65-F5344CB8AC3E}">
+        <p14:creationId xmlns:p14="http://schemas.microsoft.com/office/powerpoint/2010/main" val="2042028500"/>
       </p:ext>
     </p:extLst>
   </p:cSld>

--- a/Output/Project week 3.pptx
+++ b/Output/Project week 3.pptx
@@ -10,10 +10,13 @@
     <p:sldId id="266" r:id="rId4"/>
     <p:sldId id="269" r:id="rId5"/>
     <p:sldId id="267" r:id="rId6"/>
-    <p:sldId id="268" r:id="rId7"/>
-    <p:sldId id="272" r:id="rId8"/>
-    <p:sldId id="271" r:id="rId9"/>
-    <p:sldId id="270" r:id="rId10"/>
+    <p:sldId id="273" r:id="rId7"/>
+    <p:sldId id="268" r:id="rId8"/>
+    <p:sldId id="272" r:id="rId9"/>
+    <p:sldId id="271" r:id="rId10"/>
+    <p:sldId id="274" r:id="rId11"/>
+    <p:sldId id="275" r:id="rId12"/>
+    <p:sldId id="270" r:id="rId13"/>
   </p:sldIdLst>
   <p:sldSz cx="12192000" cy="6858000"/>
   <p:notesSz cx="6858000" cy="9144000"/>
@@ -1791,8 +1794,8 @@
 <file path=ppt/diagrams/data1.xml><?xml version="1.0" encoding="utf-8"?>
 <dgm:dataModel xmlns:dgm="http://schemas.openxmlformats.org/drawingml/2006/diagram" xmlns:a="http://schemas.openxmlformats.org/drawingml/2006/main">
   <dgm:ptLst>
-    <dgm:pt modelId="{06EE5020-E9F9-4095-902C-C5018AFE42B1}" type="doc">
-      <dgm:prSet loTypeId="urn:microsoft.com/office/officeart/2005/8/layout/process3" loCatId="process" qsTypeId="urn:microsoft.com/office/officeart/2005/8/quickstyle/simple1" qsCatId="simple" csTypeId="urn:microsoft.com/office/officeart/2005/8/colors/accent1_2" csCatId="accent1" phldr="1"/>
+    <dgm:pt modelId="{D1EBF46D-79F9-4C0E-96FD-95534955B878}" type="doc">
+      <dgm:prSet loTypeId="urn:microsoft.com/office/officeart/2005/8/layout/hList1" loCatId="list" qsTypeId="urn:microsoft.com/office/officeart/2005/8/quickstyle/simple1" qsCatId="simple" csTypeId="urn:microsoft.com/office/officeart/2005/8/colors/accent1_2" csCatId="accent1" phldr="1"/>
       <dgm:spPr/>
       <dgm:t>
         <a:bodyPr/>
@@ -1802,7 +1805,7 @@
         </a:p>
       </dgm:t>
     </dgm:pt>
-    <dgm:pt modelId="{75A91941-87BA-4EB0-BB95-BB3F9DADEE74}">
+    <dgm:pt modelId="{6AB8807F-BE3B-4415-9E94-96487F31CA10}">
       <dgm:prSet phldrT="[Texte]"/>
       <dgm:spPr/>
       <dgm:t>
@@ -1811,29 +1814,16 @@
         <a:p>
           <a:r>
             <a:rPr lang="fr-FR" dirty="0" err="1"/>
-            <a:t>Establish</a:t>
+            <a:t>Number</a:t>
           </a:r>
           <a:r>
             <a:rPr lang="fr-FR" dirty="0"/>
-            <a:t> </a:t>
+            <a:t> of pages</a:t>
           </a:r>
-          <a:r>
-            <a:rPr lang="fr-FR" dirty="0" err="1"/>
-            <a:t>scrapping</a:t>
-          </a:r>
-          <a:r>
-            <a:rPr lang="fr-FR" dirty="0"/>
-            <a:t> </a:t>
-          </a:r>
-          <a:r>
-            <a:rPr lang="fr-FR" dirty="0" err="1"/>
-            <a:t>method</a:t>
-          </a:r>
-          <a:endParaRPr lang="fr-FR" dirty="0"/>
         </a:p>
       </dgm:t>
     </dgm:pt>
-    <dgm:pt modelId="{97037BD9-2426-4238-B60A-FE10504AC529}" type="parTrans" cxnId="{D10373D7-941C-49CC-9DCC-4DA32C782823}">
+    <dgm:pt modelId="{D1A325E4-4ADA-4695-8BD6-E9C260383DAA}" type="parTrans" cxnId="{7A944245-5E61-452F-967F-629662207B88}">
       <dgm:prSet/>
       <dgm:spPr/>
       <dgm:t>
@@ -1844,7 +1834,7 @@
         </a:p>
       </dgm:t>
     </dgm:pt>
-    <dgm:pt modelId="{640F7553-4FDD-4178-9FA8-6A4371651F29}" type="sibTrans" cxnId="{D10373D7-941C-49CC-9DCC-4DA32C782823}">
+    <dgm:pt modelId="{F72BC70C-FB58-4623-B8CB-FD697E71BB8C}" type="sibTrans" cxnId="{7A944245-5E61-452F-967F-629662207B88}">
       <dgm:prSet/>
       <dgm:spPr/>
       <dgm:t>
@@ -1855,7 +1845,7 @@
         </a:p>
       </dgm:t>
     </dgm:pt>
-    <dgm:pt modelId="{1DFCD85B-7142-4470-96BF-09AA571BB4B6}">
+    <dgm:pt modelId="{3B73B8D8-549B-48BE-84F4-9373061C11B0}">
       <dgm:prSet phldrT="[Texte]"/>
       <dgm:spPr/>
       <dgm:t>
@@ -1863,16 +1853,12 @@
         <a:lstStyle/>
         <a:p>
           <a:r>
-            <a:rPr lang="fr-FR" dirty="0" err="1"/>
-            <a:t>Choosing</a:t>
-          </a:r>
-          <a:r>
-            <a:rPr lang="fr-FR" dirty="0"/>
-            <a:t> API as </a:t>
+            <a:rPr lang="fr-FR" b="1" dirty="0"/>
+            <a:t>Html &amp; CSS: </a:t>
           </a:r>
           <a:r>
             <a:rPr lang="fr-FR" dirty="0" err="1"/>
-            <a:t>it</a:t>
+            <a:t>computes</a:t>
           </a:r>
           <a:r>
             <a:rPr lang="fr-FR" dirty="0"/>
@@ -1880,47 +1866,23 @@
           </a:r>
           <a:r>
             <a:rPr lang="fr-FR" dirty="0" err="1"/>
-            <a:t>gives</a:t>
+            <a:t>number</a:t>
           </a:r>
           <a:r>
             <a:rPr lang="fr-FR" dirty="0"/>
-            <a:t> more information</a:t>
+            <a:t> of </a:t>
           </a:r>
-        </a:p>
-      </dgm:t>
-    </dgm:pt>
-    <dgm:pt modelId="{579DA230-875B-43A9-B8D6-34D685151DFF}" type="parTrans" cxnId="{261ECBF6-C8BE-4C63-8034-6682874933DD}">
-      <dgm:prSet/>
-      <dgm:spPr/>
-      <dgm:t>
-        <a:bodyPr/>
-        <a:lstStyle/>
-        <a:p>
-          <a:endParaRPr lang="fr-FR"/>
-        </a:p>
-      </dgm:t>
-    </dgm:pt>
-    <dgm:pt modelId="{380A0788-5439-4C44-A8F2-DCDE066B669D}" type="sibTrans" cxnId="{261ECBF6-C8BE-4C63-8034-6682874933DD}">
-      <dgm:prSet/>
-      <dgm:spPr/>
-      <dgm:t>
-        <a:bodyPr/>
-        <a:lstStyle/>
-        <a:p>
-          <a:endParaRPr lang="fr-FR"/>
-        </a:p>
-      </dgm:t>
-    </dgm:pt>
-    <dgm:pt modelId="{DBD4A906-238D-4D40-BDCB-CA21711E048A}">
-      <dgm:prSet phldrT="[Texte]"/>
-      <dgm:spPr/>
-      <dgm:t>
-        <a:bodyPr/>
-        <a:lstStyle/>
-        <a:p>
           <a:r>
             <a:rPr lang="fr-FR" dirty="0" err="1"/>
-            <a:t>Compute</a:t>
+            <a:t>products</a:t>
+          </a:r>
+          <a:r>
+            <a:rPr lang="fr-FR" dirty="0"/>
+            <a:t> in total, and </a:t>
+          </a:r>
+          <a:r>
+            <a:rPr lang="fr-FR" dirty="0" err="1"/>
+            <a:t>then</a:t>
           </a:r>
           <a:r>
             <a:rPr lang="fr-FR" dirty="0"/>
@@ -1936,21 +1898,13 @@
           </a:r>
           <a:r>
             <a:rPr lang="fr-FR" dirty="0" err="1"/>
-            <a:t>be</a:t>
-          </a:r>
-          <a:r>
-            <a:rPr lang="fr-FR" dirty="0"/>
-            <a:t> </a:t>
-          </a:r>
-          <a:r>
-            <a:rPr lang="fr-FR" dirty="0" err="1"/>
-            <a:t>scrapped</a:t>
+            <a:t>scrap</a:t>
           </a:r>
           <a:endParaRPr lang="fr-FR" dirty="0"/>
         </a:p>
       </dgm:t>
     </dgm:pt>
-    <dgm:pt modelId="{739E1F2B-9DB2-4BAC-96CC-55A988D12C53}" type="parTrans" cxnId="{0CCDFAAB-368E-4585-AB77-0BA38DFC4C2C}">
+    <dgm:pt modelId="{AF347B27-A0BA-434F-BDE9-3E7E6B8E58A8}" type="parTrans" cxnId="{85F38490-7FC8-418C-AA6D-0E0AB6DF9873}">
       <dgm:prSet/>
       <dgm:spPr/>
       <dgm:t>
@@ -1961,7 +1915,7 @@
         </a:p>
       </dgm:t>
     </dgm:pt>
-    <dgm:pt modelId="{84E1554B-D90F-435D-BECF-C8B195E51F5F}" type="sibTrans" cxnId="{0CCDFAAB-368E-4585-AB77-0BA38DFC4C2C}">
+    <dgm:pt modelId="{EF5AA7EA-7A68-43FB-9027-DBF5BD3FE5BB}" type="sibTrans" cxnId="{85F38490-7FC8-418C-AA6D-0E0AB6DF9873}">
       <dgm:prSet/>
       <dgm:spPr/>
       <dgm:t>
@@ -1972,7 +1926,7 @@
         </a:p>
       </dgm:t>
     </dgm:pt>
-    <dgm:pt modelId="{DC26DF5E-1B8C-4169-B06B-DE0A66359AC8}">
+    <dgm:pt modelId="{34B51097-B93C-4040-9F75-1355E7CDDC43}">
       <dgm:prSet phldrT="[Texte]"/>
       <dgm:spPr/>
       <dgm:t>
@@ -1981,7 +1935,7 @@
         <a:p>
           <a:r>
             <a:rPr lang="fr-FR" dirty="0" err="1"/>
-            <a:t>Using</a:t>
+            <a:t>Scrapping</a:t>
           </a:r>
           <a:r>
             <a:rPr lang="fr-FR" dirty="0"/>
@@ -1989,40 +1943,13 @@
           </a:r>
           <a:r>
             <a:rPr lang="fr-FR" dirty="0" err="1"/>
-            <a:t>Beautiful</a:t>
+            <a:t>method</a:t>
           </a:r>
-          <a:r>
-            <a:rPr lang="fr-FR" dirty="0"/>
-            <a:t> </a:t>
-          </a:r>
-          <a:r>
-            <a:rPr lang="fr-FR" dirty="0" err="1"/>
-            <a:t>Soup</a:t>
-          </a:r>
-          <a:r>
-            <a:rPr lang="fr-FR" dirty="0"/>
-            <a:t> to </a:t>
-          </a:r>
-          <a:r>
-            <a:rPr lang="fr-FR" dirty="0" err="1"/>
-            <a:t>retrieve</a:t>
-          </a:r>
-          <a:r>
-            <a:rPr lang="fr-FR" dirty="0"/>
-            <a:t> the </a:t>
-          </a:r>
-          <a:r>
-            <a:rPr lang="fr-FR" dirty="0" err="1"/>
-            <a:t>number</a:t>
-          </a:r>
-          <a:r>
-            <a:rPr lang="fr-FR" dirty="0"/>
-            <a:t> of articles</a:t>
-          </a:r>
+          <a:endParaRPr lang="fr-FR" dirty="0"/>
         </a:p>
       </dgm:t>
     </dgm:pt>
-    <dgm:pt modelId="{6AA15E54-4CF5-4B3B-93CE-3FC0D7AF28E4}" type="parTrans" cxnId="{240F0404-469F-4760-9B76-9D4C3A625F10}">
+    <dgm:pt modelId="{A40412E3-E8EA-4139-B5AE-673568860400}" type="parTrans" cxnId="{444AE5DD-919A-4CF8-8DE1-38F0C371510B}">
       <dgm:prSet/>
       <dgm:spPr/>
       <dgm:t>
@@ -2033,7 +1960,7 @@
         </a:p>
       </dgm:t>
     </dgm:pt>
-    <dgm:pt modelId="{09DC89E2-C43E-4A70-8117-4EDFD8CBFA0E}" type="sibTrans" cxnId="{240F0404-469F-4760-9B76-9D4C3A625F10}">
+    <dgm:pt modelId="{54F2D7E0-E59B-4113-9F09-43985CBCC48D}" type="sibTrans" cxnId="{444AE5DD-919A-4CF8-8DE1-38F0C371510B}">
       <dgm:prSet/>
       <dgm:spPr/>
       <dgm:t>
@@ -2044,7 +1971,7 @@
         </a:p>
       </dgm:t>
     </dgm:pt>
-    <dgm:pt modelId="{CB18501D-8F48-4B55-A124-5BE45EC7863D}">
+    <dgm:pt modelId="{D1132C79-A9A1-48F5-9C77-4651547C1D69}">
       <dgm:prSet phldrT="[Texte]"/>
       <dgm:spPr/>
       <dgm:t>
@@ -2052,17 +1979,32 @@
         <a:lstStyle/>
         <a:p>
           <a:r>
+            <a:rPr lang="fr-FR" b="1" dirty="0"/>
+            <a:t>API:</a:t>
+          </a:r>
+          <a:br>
+            <a:rPr lang="fr-FR" b="1" dirty="0"/>
+          </a:br>
+          <a:r>
             <a:rPr lang="fr-FR" dirty="0" err="1"/>
-            <a:t>Scrap</a:t>
+            <a:t>contains</a:t>
           </a:r>
           <a:r>
             <a:rPr lang="fr-FR" dirty="0"/>
-            <a:t> all promotion pages</a:t>
+            <a:t> more information (e.g. EAN, </a:t>
+          </a:r>
+          <a:r>
+            <a:rPr lang="fr-FR" dirty="0" err="1"/>
+            <a:t>price</a:t>
+          </a:r>
+          <a:r>
+            <a:rPr lang="fr-FR" dirty="0"/>
+            <a:t> discount, dates for promotions)</a:t>
           </a:r>
         </a:p>
       </dgm:t>
     </dgm:pt>
-    <dgm:pt modelId="{0E090466-930C-48BC-B51B-914729866523}" type="parTrans" cxnId="{3861CE04-4EE9-4AE7-BA72-36B648D44BD2}">
+    <dgm:pt modelId="{B6ACB03E-C28C-44F0-ABAF-38069C30F43E}" type="parTrans" cxnId="{C96E9F43-4F03-4E1C-B3E8-511D5F46ED61}">
       <dgm:prSet/>
       <dgm:spPr/>
       <dgm:t>
@@ -2073,7 +2015,7 @@
         </a:p>
       </dgm:t>
     </dgm:pt>
-    <dgm:pt modelId="{B6E2F6AE-0FE9-495A-989F-9E5889270D23}" type="sibTrans" cxnId="{3861CE04-4EE9-4AE7-BA72-36B648D44BD2}">
+    <dgm:pt modelId="{E7D2CBE2-E5CD-453B-9F4A-25D93E95A7EB}" type="sibTrans" cxnId="{C96E9F43-4F03-4E1C-B3E8-511D5F46ED61}">
       <dgm:prSet/>
       <dgm:spPr/>
       <dgm:t>
@@ -2084,165 +2026,8 @@
         </a:p>
       </dgm:t>
     </dgm:pt>
-    <dgm:pt modelId="{800585CF-5D90-44F5-AD61-93FF099745F2}">
-      <dgm:prSet phldrT="[Texte]"/>
-      <dgm:spPr/>
-      <dgm:t>
-        <a:bodyPr/>
-        <a:lstStyle/>
-        <a:p>
-          <a:r>
-            <a:rPr lang="fr-FR" dirty="0"/>
-            <a:t>Output: </a:t>
-          </a:r>
-          <a:r>
-            <a:rPr lang="fr-FR" dirty="0" err="1"/>
-            <a:t>raw</a:t>
-          </a:r>
-          <a:r>
-            <a:rPr lang="fr-FR" dirty="0"/>
-            <a:t> </a:t>
-          </a:r>
-          <a:r>
-            <a:rPr lang="fr-FR" dirty="0" err="1"/>
-            <a:t>dataframe</a:t>
-          </a:r>
-          <a:r>
-            <a:rPr lang="fr-FR" dirty="0"/>
-            <a:t> </a:t>
-          </a:r>
-          <a:r>
-            <a:rPr lang="fr-FR" dirty="0" err="1"/>
-            <a:t>with</a:t>
-          </a:r>
-          <a:r>
-            <a:rPr lang="fr-FR" dirty="0"/>
-            <a:t> all the information on promotions</a:t>
-          </a:r>
-        </a:p>
-      </dgm:t>
-    </dgm:pt>
-    <dgm:pt modelId="{1F93234E-4ECE-4BB1-8385-C3935A28BBD0}" type="parTrans" cxnId="{C56D37F0-BBB6-4869-AF25-58B662C5C107}">
-      <dgm:prSet/>
-      <dgm:spPr/>
-      <dgm:t>
-        <a:bodyPr/>
-        <a:lstStyle/>
-        <a:p>
-          <a:endParaRPr lang="fr-FR"/>
-        </a:p>
-      </dgm:t>
-    </dgm:pt>
-    <dgm:pt modelId="{E7CE6680-DB1C-45E1-8310-327B13E77CC8}" type="sibTrans" cxnId="{C56D37F0-BBB6-4869-AF25-58B662C5C107}">
-      <dgm:prSet/>
-      <dgm:spPr/>
-      <dgm:t>
-        <a:bodyPr/>
-        <a:lstStyle/>
-        <a:p>
-          <a:endParaRPr lang="fr-FR"/>
-        </a:p>
-      </dgm:t>
-    </dgm:pt>
-    <dgm:pt modelId="{4FE209E2-F23D-4E6E-9121-66FA6D230547}">
-      <dgm:prSet phldrT="[Texte]"/>
-      <dgm:spPr/>
-      <dgm:t>
-        <a:bodyPr/>
-        <a:lstStyle/>
-        <a:p>
-          <a:r>
-            <a:rPr lang="fr-FR" dirty="0" err="1"/>
-            <a:t>Cleaning</a:t>
-          </a:r>
-          <a:r>
-            <a:rPr lang="fr-FR" dirty="0"/>
-            <a:t> the data </a:t>
-          </a:r>
-          <a:r>
-            <a:rPr lang="fr-FR" dirty="0" err="1"/>
-            <a:t>obtained</a:t>
-          </a:r>
-          <a:endParaRPr lang="fr-FR" dirty="0"/>
-        </a:p>
-      </dgm:t>
-    </dgm:pt>
-    <dgm:pt modelId="{C1D91325-5F97-4A0C-B0D0-320B6CD15ED8}" type="parTrans" cxnId="{9AC340F0-4F08-4673-9709-AC96D72534A6}">
-      <dgm:prSet/>
-      <dgm:spPr/>
-      <dgm:t>
-        <a:bodyPr/>
-        <a:lstStyle/>
-        <a:p>
-          <a:endParaRPr lang="fr-FR"/>
-        </a:p>
-      </dgm:t>
-    </dgm:pt>
-    <dgm:pt modelId="{AE115D38-2C51-433C-84E9-6F0015D81E22}" type="sibTrans" cxnId="{9AC340F0-4F08-4673-9709-AC96D72534A6}">
-      <dgm:prSet/>
-      <dgm:spPr/>
-      <dgm:t>
-        <a:bodyPr/>
-        <a:lstStyle/>
-        <a:p>
-          <a:endParaRPr lang="fr-FR"/>
-        </a:p>
-      </dgm:t>
-    </dgm:pt>
-    <dgm:pt modelId="{5CFB1132-D5AD-451A-8913-F2FB346C8386}">
-      <dgm:prSet phldrT="[Texte]"/>
-      <dgm:spPr/>
-      <dgm:t>
-        <a:bodyPr/>
-        <a:lstStyle/>
-        <a:p>
-          <a:r>
-            <a:rPr lang="fr-FR" dirty="0"/>
-            <a:t>Output: a clean </a:t>
-          </a:r>
-          <a:r>
-            <a:rPr lang="fr-FR" dirty="0" err="1"/>
-            <a:t>dataframe</a:t>
-          </a:r>
-          <a:r>
-            <a:rPr lang="fr-FR" dirty="0"/>
-            <a:t> and a few graphs </a:t>
-          </a:r>
-          <a:r>
-            <a:rPr lang="fr-FR" dirty="0" err="1"/>
-            <a:t>describing</a:t>
-          </a:r>
-          <a:r>
-            <a:rPr lang="fr-FR" dirty="0"/>
-            <a:t> the data</a:t>
-          </a:r>
-        </a:p>
-      </dgm:t>
-    </dgm:pt>
-    <dgm:pt modelId="{6DF98B6A-68B3-4BBD-B0D9-524DF7C63108}" type="parTrans" cxnId="{DEBED110-CC4B-4F6C-B168-9CEF77A0FE4E}">
-      <dgm:prSet/>
-      <dgm:spPr/>
-      <dgm:t>
-        <a:bodyPr/>
-        <a:lstStyle/>
-        <a:p>
-          <a:endParaRPr lang="fr-FR"/>
-        </a:p>
-      </dgm:t>
-    </dgm:pt>
-    <dgm:pt modelId="{DF9235D8-7464-4AEF-9D19-3540AE84BC8B}" type="sibTrans" cxnId="{DEBED110-CC4B-4F6C-B168-9CEF77A0FE4E}">
-      <dgm:prSet/>
-      <dgm:spPr/>
-      <dgm:t>
-        <a:bodyPr/>
-        <a:lstStyle/>
-        <a:p>
-          <a:endParaRPr lang="fr-FR"/>
-        </a:p>
-      </dgm:t>
-    </dgm:pt>
-    <dgm:pt modelId="{796E3252-24D6-476C-9C5E-94323BAC57C7}" type="pres">
-      <dgm:prSet presAssocID="{06EE5020-E9F9-4095-902C-C5018AFE42B1}" presName="linearFlow" presStyleCnt="0">
+    <dgm:pt modelId="{01648552-9E29-40EE-8B70-214923C76845}" type="pres">
+      <dgm:prSet presAssocID="{D1EBF46D-79F9-4C0E-96FD-95534955B878}" presName="Name0" presStyleCnt="0">
         <dgm:presLayoutVars>
           <dgm:dir/>
           <dgm:animLvl val="lvl"/>
@@ -2251,12 +2036,12 @@
       </dgm:prSet>
       <dgm:spPr/>
     </dgm:pt>
-    <dgm:pt modelId="{655817DF-E6F0-48A0-994A-11AD8982F4DC}" type="pres">
-      <dgm:prSet presAssocID="{75A91941-87BA-4EB0-BB95-BB3F9DADEE74}" presName="composite" presStyleCnt="0"/>
+    <dgm:pt modelId="{1AD896E8-A93D-4982-AF68-F2810782D949}" type="pres">
+      <dgm:prSet presAssocID="{6AB8807F-BE3B-4415-9E94-96487F31CA10}" presName="composite" presStyleCnt="0"/>
       <dgm:spPr/>
     </dgm:pt>
-    <dgm:pt modelId="{01FCC72A-1933-43FE-A4CB-E7635BE8CF75}" type="pres">
-      <dgm:prSet presAssocID="{75A91941-87BA-4EB0-BB95-BB3F9DADEE74}" presName="parTx" presStyleLbl="node1" presStyleIdx="0" presStyleCnt="4">
+    <dgm:pt modelId="{F292A395-1837-4BB6-B243-42713CA55F4C}" type="pres">
+      <dgm:prSet presAssocID="{6AB8807F-BE3B-4415-9E94-96487F31CA10}" presName="parTx" presStyleLbl="alignNode1" presStyleIdx="0" presStyleCnt="2">
         <dgm:presLayoutVars>
           <dgm:chMax val="0"/>
           <dgm:chPref val="0"/>
@@ -2265,32 +2050,24 @@
       </dgm:prSet>
       <dgm:spPr/>
     </dgm:pt>
-    <dgm:pt modelId="{7728B8D5-BE46-4AF0-814A-83BBCBF21DDA}" type="pres">
-      <dgm:prSet presAssocID="{75A91941-87BA-4EB0-BB95-BB3F9DADEE74}" presName="parSh" presStyleLbl="node1" presStyleIdx="0" presStyleCnt="4"/>
-      <dgm:spPr/>
-    </dgm:pt>
-    <dgm:pt modelId="{59A3A042-6FBD-40F5-9946-95A418BED4A9}" type="pres">
-      <dgm:prSet presAssocID="{75A91941-87BA-4EB0-BB95-BB3F9DADEE74}" presName="desTx" presStyleLbl="fgAcc1" presStyleIdx="0" presStyleCnt="4">
+    <dgm:pt modelId="{2E8DD606-94F1-4EF3-8408-0EA5613F8B27}" type="pres">
+      <dgm:prSet presAssocID="{6AB8807F-BE3B-4415-9E94-96487F31CA10}" presName="desTx" presStyleLbl="alignAccFollowNode1" presStyleIdx="0" presStyleCnt="2">
         <dgm:presLayoutVars>
           <dgm:bulletEnabled val="1"/>
         </dgm:presLayoutVars>
       </dgm:prSet>
       <dgm:spPr/>
     </dgm:pt>
-    <dgm:pt modelId="{444A0598-AC5D-4A2E-A328-32354DEEE3E7}" type="pres">
-      <dgm:prSet presAssocID="{640F7553-4FDD-4178-9FA8-6A4371651F29}" presName="sibTrans" presStyleLbl="sibTrans2D1" presStyleIdx="0" presStyleCnt="3"/>
+    <dgm:pt modelId="{3C8B410F-1916-48E5-8389-CE6EF21AE6C0}" type="pres">
+      <dgm:prSet presAssocID="{F72BC70C-FB58-4623-B8CB-FD697E71BB8C}" presName="space" presStyleCnt="0"/>
       <dgm:spPr/>
     </dgm:pt>
-    <dgm:pt modelId="{A540E7BD-0A0B-4503-B628-3FD2B0A9F559}" type="pres">
-      <dgm:prSet presAssocID="{640F7553-4FDD-4178-9FA8-6A4371651F29}" presName="connTx" presStyleLbl="sibTrans2D1" presStyleIdx="0" presStyleCnt="3"/>
+    <dgm:pt modelId="{4E4C1208-362F-45A1-AD90-161BC709099B}" type="pres">
+      <dgm:prSet presAssocID="{34B51097-B93C-4040-9F75-1355E7CDDC43}" presName="composite" presStyleCnt="0"/>
       <dgm:spPr/>
     </dgm:pt>
-    <dgm:pt modelId="{4DF6C866-B541-47DC-807D-6655B59CC4D7}" type="pres">
-      <dgm:prSet presAssocID="{DBD4A906-238D-4D40-BDCB-CA21711E048A}" presName="composite" presStyleCnt="0"/>
-      <dgm:spPr/>
-    </dgm:pt>
-    <dgm:pt modelId="{03CCBBFD-85B2-44F4-8A75-5E2D849DB336}" type="pres">
-      <dgm:prSet presAssocID="{DBD4A906-238D-4D40-BDCB-CA21711E048A}" presName="parTx" presStyleLbl="node1" presStyleIdx="0" presStyleCnt="4">
+    <dgm:pt modelId="{D4F37CE6-E0C6-46E4-AEFE-19C6050B239B}" type="pres">
+      <dgm:prSet presAssocID="{34B51097-B93C-4040-9F75-1355E7CDDC43}" presName="parTx" presStyleLbl="alignNode1" presStyleIdx="1" presStyleCnt="2">
         <dgm:presLayoutVars>
           <dgm:chMax val="0"/>
           <dgm:chPref val="0"/>
@@ -2299,80 +2076,8 @@
       </dgm:prSet>
       <dgm:spPr/>
     </dgm:pt>
-    <dgm:pt modelId="{0A8D54C4-8E72-42E1-9940-954D8D75CD6D}" type="pres">
-      <dgm:prSet presAssocID="{DBD4A906-238D-4D40-BDCB-CA21711E048A}" presName="parSh" presStyleLbl="node1" presStyleIdx="1" presStyleCnt="4"/>
-      <dgm:spPr/>
-    </dgm:pt>
-    <dgm:pt modelId="{99B03793-D590-41A4-969E-D3DCE5B3E134}" type="pres">
-      <dgm:prSet presAssocID="{DBD4A906-238D-4D40-BDCB-CA21711E048A}" presName="desTx" presStyleLbl="fgAcc1" presStyleIdx="1" presStyleCnt="4">
-        <dgm:presLayoutVars>
-          <dgm:bulletEnabled val="1"/>
-        </dgm:presLayoutVars>
-      </dgm:prSet>
-      <dgm:spPr/>
-    </dgm:pt>
-    <dgm:pt modelId="{E143718B-B7B2-4D3E-8451-3D0DAA4C9B47}" type="pres">
-      <dgm:prSet presAssocID="{84E1554B-D90F-435D-BECF-C8B195E51F5F}" presName="sibTrans" presStyleLbl="sibTrans2D1" presStyleIdx="1" presStyleCnt="3"/>
-      <dgm:spPr/>
-    </dgm:pt>
-    <dgm:pt modelId="{0A81BF88-B894-46C9-9CBD-A502F431098E}" type="pres">
-      <dgm:prSet presAssocID="{84E1554B-D90F-435D-BECF-C8B195E51F5F}" presName="connTx" presStyleLbl="sibTrans2D1" presStyleIdx="1" presStyleCnt="3"/>
-      <dgm:spPr/>
-    </dgm:pt>
-    <dgm:pt modelId="{0E69DA09-A6F5-4D37-B00B-7D01037C8886}" type="pres">
-      <dgm:prSet presAssocID="{CB18501D-8F48-4B55-A124-5BE45EC7863D}" presName="composite" presStyleCnt="0"/>
-      <dgm:spPr/>
-    </dgm:pt>
-    <dgm:pt modelId="{DFAF3ED3-8B10-453A-B502-68A7B424C0CA}" type="pres">
-      <dgm:prSet presAssocID="{CB18501D-8F48-4B55-A124-5BE45EC7863D}" presName="parTx" presStyleLbl="node1" presStyleIdx="1" presStyleCnt="4">
-        <dgm:presLayoutVars>
-          <dgm:chMax val="0"/>
-          <dgm:chPref val="0"/>
-          <dgm:bulletEnabled val="1"/>
-        </dgm:presLayoutVars>
-      </dgm:prSet>
-      <dgm:spPr/>
-    </dgm:pt>
-    <dgm:pt modelId="{EEC0CC04-D878-4010-BB2A-728B06A6CCCF}" type="pres">
-      <dgm:prSet presAssocID="{CB18501D-8F48-4B55-A124-5BE45EC7863D}" presName="parSh" presStyleLbl="node1" presStyleIdx="2" presStyleCnt="4"/>
-      <dgm:spPr/>
-    </dgm:pt>
-    <dgm:pt modelId="{A7FE2610-8B89-4059-8DEB-863B22A760D0}" type="pres">
-      <dgm:prSet presAssocID="{CB18501D-8F48-4B55-A124-5BE45EC7863D}" presName="desTx" presStyleLbl="fgAcc1" presStyleIdx="2" presStyleCnt="4">
-        <dgm:presLayoutVars>
-          <dgm:bulletEnabled val="1"/>
-        </dgm:presLayoutVars>
-      </dgm:prSet>
-      <dgm:spPr/>
-    </dgm:pt>
-    <dgm:pt modelId="{41B8CDD3-7D96-4C18-904C-973DE052D92F}" type="pres">
-      <dgm:prSet presAssocID="{B6E2F6AE-0FE9-495A-989F-9E5889270D23}" presName="sibTrans" presStyleLbl="sibTrans2D1" presStyleIdx="2" presStyleCnt="3"/>
-      <dgm:spPr/>
-    </dgm:pt>
-    <dgm:pt modelId="{44FBEDCC-96DA-42C2-90DA-0CD85D547E43}" type="pres">
-      <dgm:prSet presAssocID="{B6E2F6AE-0FE9-495A-989F-9E5889270D23}" presName="connTx" presStyleLbl="sibTrans2D1" presStyleIdx="2" presStyleCnt="3"/>
-      <dgm:spPr/>
-    </dgm:pt>
-    <dgm:pt modelId="{B872882B-0440-4E85-BDAF-0B16AB9B6CEA}" type="pres">
-      <dgm:prSet presAssocID="{4FE209E2-F23D-4E6E-9121-66FA6D230547}" presName="composite" presStyleCnt="0"/>
-      <dgm:spPr/>
-    </dgm:pt>
-    <dgm:pt modelId="{8560437A-E06E-47F7-9E14-8B89ACA6FB0D}" type="pres">
-      <dgm:prSet presAssocID="{4FE209E2-F23D-4E6E-9121-66FA6D230547}" presName="parTx" presStyleLbl="node1" presStyleIdx="2" presStyleCnt="4">
-        <dgm:presLayoutVars>
-          <dgm:chMax val="0"/>
-          <dgm:chPref val="0"/>
-          <dgm:bulletEnabled val="1"/>
-        </dgm:presLayoutVars>
-      </dgm:prSet>
-      <dgm:spPr/>
-    </dgm:pt>
-    <dgm:pt modelId="{8C2D458E-6B96-44F8-BF2C-27B0CF32B5DE}" type="pres">
-      <dgm:prSet presAssocID="{4FE209E2-F23D-4E6E-9121-66FA6D230547}" presName="parSh" presStyleLbl="node1" presStyleIdx="3" presStyleCnt="4"/>
-      <dgm:spPr/>
-    </dgm:pt>
-    <dgm:pt modelId="{97896662-1402-4243-AB55-D87317B009E3}" type="pres">
-      <dgm:prSet presAssocID="{4FE209E2-F23D-4E6E-9121-66FA6D230547}" presName="desTx" presStyleLbl="fgAcc1" presStyleIdx="3" presStyleCnt="4">
+    <dgm:pt modelId="{39C60B2E-488F-41C8-A8D1-8B891BBAB477}" type="pres">
+      <dgm:prSet presAssocID="{34B51097-B93C-4040-9F75-1355E7CDDC43}" presName="desTx" presStyleLbl="alignAccFollowNode1" presStyleIdx="1" presStyleCnt="2">
         <dgm:presLayoutVars>
           <dgm:bulletEnabled val="1"/>
         </dgm:presLayoutVars>
@@ -2381,55 +2086,22 @@
     </dgm:pt>
   </dgm:ptLst>
   <dgm:cxnLst>
-    <dgm:cxn modelId="{29B1B902-49E3-41BA-A3BA-BE0FB049B049}" type="presOf" srcId="{06EE5020-E9F9-4095-902C-C5018AFE42B1}" destId="{796E3252-24D6-476C-9C5E-94323BAC57C7}" srcOrd="0" destOrd="0" presId="urn:microsoft.com/office/officeart/2005/8/layout/process3"/>
-    <dgm:cxn modelId="{240F0404-469F-4760-9B76-9D4C3A625F10}" srcId="{DBD4A906-238D-4D40-BDCB-CA21711E048A}" destId="{DC26DF5E-1B8C-4169-B06B-DE0A66359AC8}" srcOrd="0" destOrd="0" parTransId="{6AA15E54-4CF5-4B3B-93CE-3FC0D7AF28E4}" sibTransId="{09DC89E2-C43E-4A70-8117-4EDFD8CBFA0E}"/>
-    <dgm:cxn modelId="{3861CE04-4EE9-4AE7-BA72-36B648D44BD2}" srcId="{06EE5020-E9F9-4095-902C-C5018AFE42B1}" destId="{CB18501D-8F48-4B55-A124-5BE45EC7863D}" srcOrd="2" destOrd="0" parTransId="{0E090466-930C-48BC-B51B-914729866523}" sibTransId="{B6E2F6AE-0FE9-495A-989F-9E5889270D23}"/>
-    <dgm:cxn modelId="{00408707-0B22-48C3-940E-990139CEEF02}" type="presOf" srcId="{DBD4A906-238D-4D40-BDCB-CA21711E048A}" destId="{0A8D54C4-8E72-42E1-9940-954D8D75CD6D}" srcOrd="1" destOrd="0" presId="urn:microsoft.com/office/officeart/2005/8/layout/process3"/>
-    <dgm:cxn modelId="{6EEAD60A-89F8-44AE-B051-D4D3F0867295}" type="presOf" srcId="{640F7553-4FDD-4178-9FA8-6A4371651F29}" destId="{444A0598-AC5D-4A2E-A328-32354DEEE3E7}" srcOrd="0" destOrd="0" presId="urn:microsoft.com/office/officeart/2005/8/layout/process3"/>
-    <dgm:cxn modelId="{3757C00F-AC14-4E6A-9A8F-4B2A89A1B5C7}" type="presOf" srcId="{5CFB1132-D5AD-451A-8913-F2FB346C8386}" destId="{97896662-1402-4243-AB55-D87317B009E3}" srcOrd="0" destOrd="0" presId="urn:microsoft.com/office/officeart/2005/8/layout/process3"/>
-    <dgm:cxn modelId="{DEBED110-CC4B-4F6C-B168-9CEF77A0FE4E}" srcId="{4FE209E2-F23D-4E6E-9121-66FA6D230547}" destId="{5CFB1132-D5AD-451A-8913-F2FB346C8386}" srcOrd="0" destOrd="0" parTransId="{6DF98B6A-68B3-4BBD-B0D9-524DF7C63108}" sibTransId="{DF9235D8-7464-4AEF-9D19-3540AE84BC8B}"/>
-    <dgm:cxn modelId="{E039851A-7728-4FA7-BE63-FFF81C375B42}" type="presOf" srcId="{4FE209E2-F23D-4E6E-9121-66FA6D230547}" destId="{8C2D458E-6B96-44F8-BF2C-27B0CF32B5DE}" srcOrd="1" destOrd="0" presId="urn:microsoft.com/office/officeart/2005/8/layout/process3"/>
-    <dgm:cxn modelId="{B861381E-17AB-4289-A5F2-726F15BF1F18}" type="presOf" srcId="{4FE209E2-F23D-4E6E-9121-66FA6D230547}" destId="{8560437A-E06E-47F7-9E14-8B89ACA6FB0D}" srcOrd="0" destOrd="0" presId="urn:microsoft.com/office/officeart/2005/8/layout/process3"/>
-    <dgm:cxn modelId="{5423D866-12CE-4159-9B57-BA7E7CE44137}" type="presOf" srcId="{75A91941-87BA-4EB0-BB95-BB3F9DADEE74}" destId="{7728B8D5-BE46-4AF0-814A-83BBCBF21DDA}" srcOrd="1" destOrd="0" presId="urn:microsoft.com/office/officeart/2005/8/layout/process3"/>
-    <dgm:cxn modelId="{C1D99E72-2433-4140-868C-BDA4C56CAAB1}" type="presOf" srcId="{B6E2F6AE-0FE9-495A-989F-9E5889270D23}" destId="{44FBEDCC-96DA-42C2-90DA-0CD85D547E43}" srcOrd="1" destOrd="0" presId="urn:microsoft.com/office/officeart/2005/8/layout/process3"/>
-    <dgm:cxn modelId="{8D20E073-322C-4BD8-9B33-7694B92738A5}" type="presOf" srcId="{75A91941-87BA-4EB0-BB95-BB3F9DADEE74}" destId="{01FCC72A-1933-43FE-A4CB-E7635BE8CF75}" srcOrd="0" destOrd="0" presId="urn:microsoft.com/office/officeart/2005/8/layout/process3"/>
-    <dgm:cxn modelId="{183C2459-96BA-49CD-AD81-24FE777920DA}" type="presOf" srcId="{84E1554B-D90F-435D-BECF-C8B195E51F5F}" destId="{E143718B-B7B2-4D3E-8451-3D0DAA4C9B47}" srcOrd="0" destOrd="0" presId="urn:microsoft.com/office/officeart/2005/8/layout/process3"/>
-    <dgm:cxn modelId="{F572C68A-4579-4663-B533-D601279C4F4B}" type="presOf" srcId="{DBD4A906-238D-4D40-BDCB-CA21711E048A}" destId="{03CCBBFD-85B2-44F4-8A75-5E2D849DB336}" srcOrd="0" destOrd="0" presId="urn:microsoft.com/office/officeart/2005/8/layout/process3"/>
-    <dgm:cxn modelId="{B47E5692-0CA1-4A07-9410-C7FEAC461FED}" type="presOf" srcId="{DC26DF5E-1B8C-4169-B06B-DE0A66359AC8}" destId="{99B03793-D590-41A4-969E-D3DCE5B3E134}" srcOrd="0" destOrd="0" presId="urn:microsoft.com/office/officeart/2005/8/layout/process3"/>
-    <dgm:cxn modelId="{45AFEF9D-51C6-4A12-8FB8-F894B0D84FD7}" type="presOf" srcId="{84E1554B-D90F-435D-BECF-C8B195E51F5F}" destId="{0A81BF88-B894-46C9-9CBD-A502F431098E}" srcOrd="1" destOrd="0" presId="urn:microsoft.com/office/officeart/2005/8/layout/process3"/>
-    <dgm:cxn modelId="{386672A1-7929-4779-9E50-4CC4D4BB9ED8}" type="presOf" srcId="{B6E2F6AE-0FE9-495A-989F-9E5889270D23}" destId="{41B8CDD3-7D96-4C18-904C-973DE052D92F}" srcOrd="0" destOrd="0" presId="urn:microsoft.com/office/officeart/2005/8/layout/process3"/>
-    <dgm:cxn modelId="{0CCDFAAB-368E-4585-AB77-0BA38DFC4C2C}" srcId="{06EE5020-E9F9-4095-902C-C5018AFE42B1}" destId="{DBD4A906-238D-4D40-BDCB-CA21711E048A}" srcOrd="1" destOrd="0" parTransId="{739E1F2B-9DB2-4BAC-96CC-55A988D12C53}" sibTransId="{84E1554B-D90F-435D-BECF-C8B195E51F5F}"/>
-    <dgm:cxn modelId="{A205B1B9-D093-4A9B-9758-1BCFCFD19F19}" type="presOf" srcId="{1DFCD85B-7142-4470-96BF-09AA571BB4B6}" destId="{59A3A042-6FBD-40F5-9946-95A418BED4A9}" srcOrd="0" destOrd="0" presId="urn:microsoft.com/office/officeart/2005/8/layout/process3"/>
-    <dgm:cxn modelId="{05AEBDBC-B959-456D-95DC-77BF486A6334}" type="presOf" srcId="{800585CF-5D90-44F5-AD61-93FF099745F2}" destId="{A7FE2610-8B89-4059-8DEB-863B22A760D0}" srcOrd="0" destOrd="0" presId="urn:microsoft.com/office/officeart/2005/8/layout/process3"/>
-    <dgm:cxn modelId="{54879ECD-8650-43D8-B950-AA90C6B9E468}" type="presOf" srcId="{CB18501D-8F48-4B55-A124-5BE45EC7863D}" destId="{EEC0CC04-D878-4010-BB2A-728B06A6CCCF}" srcOrd="1" destOrd="0" presId="urn:microsoft.com/office/officeart/2005/8/layout/process3"/>
-    <dgm:cxn modelId="{5AA22CD3-E2FB-448D-9324-C89817CF56D7}" type="presOf" srcId="{640F7553-4FDD-4178-9FA8-6A4371651F29}" destId="{A540E7BD-0A0B-4503-B628-3FD2B0A9F559}" srcOrd="1" destOrd="0" presId="urn:microsoft.com/office/officeart/2005/8/layout/process3"/>
-    <dgm:cxn modelId="{D10373D7-941C-49CC-9DCC-4DA32C782823}" srcId="{06EE5020-E9F9-4095-902C-C5018AFE42B1}" destId="{75A91941-87BA-4EB0-BB95-BB3F9DADEE74}" srcOrd="0" destOrd="0" parTransId="{97037BD9-2426-4238-B60A-FE10504AC529}" sibTransId="{640F7553-4FDD-4178-9FA8-6A4371651F29}"/>
-    <dgm:cxn modelId="{C56D37F0-BBB6-4869-AF25-58B662C5C107}" srcId="{CB18501D-8F48-4B55-A124-5BE45EC7863D}" destId="{800585CF-5D90-44F5-AD61-93FF099745F2}" srcOrd="0" destOrd="0" parTransId="{1F93234E-4ECE-4BB1-8385-C3935A28BBD0}" sibTransId="{E7CE6680-DB1C-45E1-8310-327B13E77CC8}"/>
-    <dgm:cxn modelId="{9AC340F0-4F08-4673-9709-AC96D72534A6}" srcId="{06EE5020-E9F9-4095-902C-C5018AFE42B1}" destId="{4FE209E2-F23D-4E6E-9121-66FA6D230547}" srcOrd="3" destOrd="0" parTransId="{C1D91325-5F97-4A0C-B0D0-320B6CD15ED8}" sibTransId="{AE115D38-2C51-433C-84E9-6F0015D81E22}"/>
-    <dgm:cxn modelId="{261ECBF6-C8BE-4C63-8034-6682874933DD}" srcId="{75A91941-87BA-4EB0-BB95-BB3F9DADEE74}" destId="{1DFCD85B-7142-4470-96BF-09AA571BB4B6}" srcOrd="0" destOrd="0" parTransId="{579DA230-875B-43A9-B8D6-34D685151DFF}" sibTransId="{380A0788-5439-4C44-A8F2-DCDE066B669D}"/>
-    <dgm:cxn modelId="{C597EFF8-8153-44C5-A4B8-3BB1CCBEF778}" type="presOf" srcId="{CB18501D-8F48-4B55-A124-5BE45EC7863D}" destId="{DFAF3ED3-8B10-453A-B502-68A7B424C0CA}" srcOrd="0" destOrd="0" presId="urn:microsoft.com/office/officeart/2005/8/layout/process3"/>
-    <dgm:cxn modelId="{5BB09D69-164E-43CC-B386-D86557933769}" type="presParOf" srcId="{796E3252-24D6-476C-9C5E-94323BAC57C7}" destId="{655817DF-E6F0-48A0-994A-11AD8982F4DC}" srcOrd="0" destOrd="0" presId="urn:microsoft.com/office/officeart/2005/8/layout/process3"/>
-    <dgm:cxn modelId="{90C11FD1-E4B8-41AA-BD90-7C48EF12A56F}" type="presParOf" srcId="{655817DF-E6F0-48A0-994A-11AD8982F4DC}" destId="{01FCC72A-1933-43FE-A4CB-E7635BE8CF75}" srcOrd="0" destOrd="0" presId="urn:microsoft.com/office/officeart/2005/8/layout/process3"/>
-    <dgm:cxn modelId="{152CC842-32D1-4CE0-BF2A-A10EB842837E}" type="presParOf" srcId="{655817DF-E6F0-48A0-994A-11AD8982F4DC}" destId="{7728B8D5-BE46-4AF0-814A-83BBCBF21DDA}" srcOrd="1" destOrd="0" presId="urn:microsoft.com/office/officeart/2005/8/layout/process3"/>
-    <dgm:cxn modelId="{18370DD4-57B1-43B1-A7CF-9B016E92BF22}" type="presParOf" srcId="{655817DF-E6F0-48A0-994A-11AD8982F4DC}" destId="{59A3A042-6FBD-40F5-9946-95A418BED4A9}" srcOrd="2" destOrd="0" presId="urn:microsoft.com/office/officeart/2005/8/layout/process3"/>
-    <dgm:cxn modelId="{6555D583-EF5A-4615-ADD6-98F0D9FADADB}" type="presParOf" srcId="{796E3252-24D6-476C-9C5E-94323BAC57C7}" destId="{444A0598-AC5D-4A2E-A328-32354DEEE3E7}" srcOrd="1" destOrd="0" presId="urn:microsoft.com/office/officeart/2005/8/layout/process3"/>
-    <dgm:cxn modelId="{CE3FA6A3-9F69-47DA-ABCE-A9B90BA85E01}" type="presParOf" srcId="{444A0598-AC5D-4A2E-A328-32354DEEE3E7}" destId="{A540E7BD-0A0B-4503-B628-3FD2B0A9F559}" srcOrd="0" destOrd="0" presId="urn:microsoft.com/office/officeart/2005/8/layout/process3"/>
-    <dgm:cxn modelId="{D5227950-5F23-4E30-8793-E58DBEDDB0C0}" type="presParOf" srcId="{796E3252-24D6-476C-9C5E-94323BAC57C7}" destId="{4DF6C866-B541-47DC-807D-6655B59CC4D7}" srcOrd="2" destOrd="0" presId="urn:microsoft.com/office/officeart/2005/8/layout/process3"/>
-    <dgm:cxn modelId="{E1AB1E36-36C5-4096-A317-F3C8A7B956A4}" type="presParOf" srcId="{4DF6C866-B541-47DC-807D-6655B59CC4D7}" destId="{03CCBBFD-85B2-44F4-8A75-5E2D849DB336}" srcOrd="0" destOrd="0" presId="urn:microsoft.com/office/officeart/2005/8/layout/process3"/>
-    <dgm:cxn modelId="{3E3B82C4-6F9E-4941-82FC-22566B05EB26}" type="presParOf" srcId="{4DF6C866-B541-47DC-807D-6655B59CC4D7}" destId="{0A8D54C4-8E72-42E1-9940-954D8D75CD6D}" srcOrd="1" destOrd="0" presId="urn:microsoft.com/office/officeart/2005/8/layout/process3"/>
-    <dgm:cxn modelId="{B174414B-9BE4-45FC-B98C-EA92EBBAF912}" type="presParOf" srcId="{4DF6C866-B541-47DC-807D-6655B59CC4D7}" destId="{99B03793-D590-41A4-969E-D3DCE5B3E134}" srcOrd="2" destOrd="0" presId="urn:microsoft.com/office/officeart/2005/8/layout/process3"/>
-    <dgm:cxn modelId="{8E0C954B-101B-4BEE-BFF4-DE87AA70B280}" type="presParOf" srcId="{796E3252-24D6-476C-9C5E-94323BAC57C7}" destId="{E143718B-B7B2-4D3E-8451-3D0DAA4C9B47}" srcOrd="3" destOrd="0" presId="urn:microsoft.com/office/officeart/2005/8/layout/process3"/>
-    <dgm:cxn modelId="{E9F7953D-B176-4547-9F18-16C65891B80E}" type="presParOf" srcId="{E143718B-B7B2-4D3E-8451-3D0DAA4C9B47}" destId="{0A81BF88-B894-46C9-9CBD-A502F431098E}" srcOrd="0" destOrd="0" presId="urn:microsoft.com/office/officeart/2005/8/layout/process3"/>
-    <dgm:cxn modelId="{0D020C98-0959-4AB0-A5E5-0D0D1EFE36CB}" type="presParOf" srcId="{796E3252-24D6-476C-9C5E-94323BAC57C7}" destId="{0E69DA09-A6F5-4D37-B00B-7D01037C8886}" srcOrd="4" destOrd="0" presId="urn:microsoft.com/office/officeart/2005/8/layout/process3"/>
-    <dgm:cxn modelId="{4F9F130F-4E37-4280-AAC7-35546477D7A9}" type="presParOf" srcId="{0E69DA09-A6F5-4D37-B00B-7D01037C8886}" destId="{DFAF3ED3-8B10-453A-B502-68A7B424C0CA}" srcOrd="0" destOrd="0" presId="urn:microsoft.com/office/officeart/2005/8/layout/process3"/>
-    <dgm:cxn modelId="{F433CE15-D9E1-44BD-BFEC-CB04C7573B23}" type="presParOf" srcId="{0E69DA09-A6F5-4D37-B00B-7D01037C8886}" destId="{EEC0CC04-D878-4010-BB2A-728B06A6CCCF}" srcOrd="1" destOrd="0" presId="urn:microsoft.com/office/officeart/2005/8/layout/process3"/>
-    <dgm:cxn modelId="{1C2A891F-30CC-4A53-9637-78415D296312}" type="presParOf" srcId="{0E69DA09-A6F5-4D37-B00B-7D01037C8886}" destId="{A7FE2610-8B89-4059-8DEB-863B22A760D0}" srcOrd="2" destOrd="0" presId="urn:microsoft.com/office/officeart/2005/8/layout/process3"/>
-    <dgm:cxn modelId="{194DBF82-5861-4399-B94D-096B42A2063B}" type="presParOf" srcId="{796E3252-24D6-476C-9C5E-94323BAC57C7}" destId="{41B8CDD3-7D96-4C18-904C-973DE052D92F}" srcOrd="5" destOrd="0" presId="urn:microsoft.com/office/officeart/2005/8/layout/process3"/>
-    <dgm:cxn modelId="{0323B642-1313-4D78-A91A-ADC79DEBF898}" type="presParOf" srcId="{41B8CDD3-7D96-4C18-904C-973DE052D92F}" destId="{44FBEDCC-96DA-42C2-90DA-0CD85D547E43}" srcOrd="0" destOrd="0" presId="urn:microsoft.com/office/officeart/2005/8/layout/process3"/>
-    <dgm:cxn modelId="{41B702EB-54D3-4BB5-8ABA-DFE85475ECB7}" type="presParOf" srcId="{796E3252-24D6-476C-9C5E-94323BAC57C7}" destId="{B872882B-0440-4E85-BDAF-0B16AB9B6CEA}" srcOrd="6" destOrd="0" presId="urn:microsoft.com/office/officeart/2005/8/layout/process3"/>
-    <dgm:cxn modelId="{C3326A61-A71D-41C6-BC6B-B277AD96B1C7}" type="presParOf" srcId="{B872882B-0440-4E85-BDAF-0B16AB9B6CEA}" destId="{8560437A-E06E-47F7-9E14-8B89ACA6FB0D}" srcOrd="0" destOrd="0" presId="urn:microsoft.com/office/officeart/2005/8/layout/process3"/>
-    <dgm:cxn modelId="{B66070B4-5CD2-40CD-861B-AB296ABED176}" type="presParOf" srcId="{B872882B-0440-4E85-BDAF-0B16AB9B6CEA}" destId="{8C2D458E-6B96-44F8-BF2C-27B0CF32B5DE}" srcOrd="1" destOrd="0" presId="urn:microsoft.com/office/officeart/2005/8/layout/process3"/>
-    <dgm:cxn modelId="{49187CC7-FE0D-40CB-8470-19524ED6DD0B}" type="presParOf" srcId="{B872882B-0440-4E85-BDAF-0B16AB9B6CEA}" destId="{97896662-1402-4243-AB55-D87317B009E3}" srcOrd="2" destOrd="0" presId="urn:microsoft.com/office/officeart/2005/8/layout/process3"/>
+    <dgm:cxn modelId="{DC3C2D01-C6BF-445A-9DC5-269385B74798}" type="presOf" srcId="{D1132C79-A9A1-48F5-9C77-4651547C1D69}" destId="{39C60B2E-488F-41C8-A8D1-8B891BBAB477}" srcOrd="0" destOrd="0" presId="urn:microsoft.com/office/officeart/2005/8/layout/hList1"/>
+    <dgm:cxn modelId="{9BC73F0D-DACF-455C-8283-3B4B1089638C}" type="presOf" srcId="{6AB8807F-BE3B-4415-9E94-96487F31CA10}" destId="{F292A395-1837-4BB6-B243-42713CA55F4C}" srcOrd="0" destOrd="0" presId="urn:microsoft.com/office/officeart/2005/8/layout/hList1"/>
+    <dgm:cxn modelId="{C96E9F43-4F03-4E1C-B3E8-511D5F46ED61}" srcId="{34B51097-B93C-4040-9F75-1355E7CDDC43}" destId="{D1132C79-A9A1-48F5-9C77-4651547C1D69}" srcOrd="0" destOrd="0" parTransId="{B6ACB03E-C28C-44F0-ABAF-38069C30F43E}" sibTransId="{E7D2CBE2-E5CD-453B-9F4A-25D93E95A7EB}"/>
+    <dgm:cxn modelId="{7A944245-5E61-452F-967F-629662207B88}" srcId="{D1EBF46D-79F9-4C0E-96FD-95534955B878}" destId="{6AB8807F-BE3B-4415-9E94-96487F31CA10}" srcOrd="0" destOrd="0" parTransId="{D1A325E4-4ADA-4695-8BD6-E9C260383DAA}" sibTransId="{F72BC70C-FB58-4623-B8CB-FD697E71BB8C}"/>
+    <dgm:cxn modelId="{85F38490-7FC8-418C-AA6D-0E0AB6DF9873}" srcId="{6AB8807F-BE3B-4415-9E94-96487F31CA10}" destId="{3B73B8D8-549B-48BE-84F4-9373061C11B0}" srcOrd="0" destOrd="0" parTransId="{AF347B27-A0BA-434F-BDE9-3E7E6B8E58A8}" sibTransId="{EF5AA7EA-7A68-43FB-9027-DBF5BD3FE5BB}"/>
+    <dgm:cxn modelId="{AA634999-BE83-448B-9017-8367551C71A3}" type="presOf" srcId="{34B51097-B93C-4040-9F75-1355E7CDDC43}" destId="{D4F37CE6-E0C6-46E4-AEFE-19C6050B239B}" srcOrd="0" destOrd="0" presId="urn:microsoft.com/office/officeart/2005/8/layout/hList1"/>
+    <dgm:cxn modelId="{49CE8DA6-9F63-41DE-A796-F4799DEBA1B4}" type="presOf" srcId="{3B73B8D8-549B-48BE-84F4-9373061C11B0}" destId="{2E8DD606-94F1-4EF3-8408-0EA5613F8B27}" srcOrd="0" destOrd="0" presId="urn:microsoft.com/office/officeart/2005/8/layout/hList1"/>
+    <dgm:cxn modelId="{97FDC5C1-892D-4A5C-BACB-1EDD37912695}" type="presOf" srcId="{D1EBF46D-79F9-4C0E-96FD-95534955B878}" destId="{01648552-9E29-40EE-8B70-214923C76845}" srcOrd="0" destOrd="0" presId="urn:microsoft.com/office/officeart/2005/8/layout/hList1"/>
+    <dgm:cxn modelId="{444AE5DD-919A-4CF8-8DE1-38F0C371510B}" srcId="{D1EBF46D-79F9-4C0E-96FD-95534955B878}" destId="{34B51097-B93C-4040-9F75-1355E7CDDC43}" srcOrd="1" destOrd="0" parTransId="{A40412E3-E8EA-4139-B5AE-673568860400}" sibTransId="{54F2D7E0-E59B-4113-9F09-43985CBCC48D}"/>
+    <dgm:cxn modelId="{2C5DCD9B-54DF-4489-B0CB-D26DD9AF5519}" type="presParOf" srcId="{01648552-9E29-40EE-8B70-214923C76845}" destId="{1AD896E8-A93D-4982-AF68-F2810782D949}" srcOrd="0" destOrd="0" presId="urn:microsoft.com/office/officeart/2005/8/layout/hList1"/>
+    <dgm:cxn modelId="{63496142-43DA-4D90-B8A2-5F30B3B52DF3}" type="presParOf" srcId="{1AD896E8-A93D-4982-AF68-F2810782D949}" destId="{F292A395-1837-4BB6-B243-42713CA55F4C}" srcOrd="0" destOrd="0" presId="urn:microsoft.com/office/officeart/2005/8/layout/hList1"/>
+    <dgm:cxn modelId="{F9B53385-5664-481E-A52C-C7BB5FCDD31F}" type="presParOf" srcId="{1AD896E8-A93D-4982-AF68-F2810782D949}" destId="{2E8DD606-94F1-4EF3-8408-0EA5613F8B27}" srcOrd="1" destOrd="0" presId="urn:microsoft.com/office/officeart/2005/8/layout/hList1"/>
+    <dgm:cxn modelId="{BC84CC06-2957-4A9B-AA68-B475A87F88AB}" type="presParOf" srcId="{01648552-9E29-40EE-8B70-214923C76845}" destId="{3C8B410F-1916-48E5-8389-CE6EF21AE6C0}" srcOrd="1" destOrd="0" presId="urn:microsoft.com/office/officeart/2005/8/layout/hList1"/>
+    <dgm:cxn modelId="{2407F3C7-F64D-4FA8-BB41-615AF93F22F9}" type="presParOf" srcId="{01648552-9E29-40EE-8B70-214923C76845}" destId="{4E4C1208-362F-45A1-AD90-161BC709099B}" srcOrd="2" destOrd="0" presId="urn:microsoft.com/office/officeart/2005/8/layout/hList1"/>
+    <dgm:cxn modelId="{6FE9233D-9918-4F7D-90B0-B1869BBF38C4}" type="presParOf" srcId="{4E4C1208-362F-45A1-AD90-161BC709099B}" destId="{D4F37CE6-E0C6-46E4-AEFE-19C6050B239B}" srcOrd="0" destOrd="0" presId="urn:microsoft.com/office/officeart/2005/8/layout/hList1"/>
+    <dgm:cxn modelId="{424D340D-677D-4E0A-AC52-72A0CB3F0384}" type="presParOf" srcId="{4E4C1208-362F-45A1-AD90-161BC709099B}" destId="{39C60B2E-488F-41C8-A8D1-8B891BBAB477}" srcOrd="1" destOrd="0" presId="urn:microsoft.com/office/officeart/2005/8/layout/hList1"/>
   </dgm:cxnLst>
   <dgm:bg/>
   <dgm:whole/>
@@ -2904,120 +2576,21 @@
       <dsp:cNvGrpSpPr/>
     </dsp:nvGrpSpPr>
     <dsp:grpSpPr/>
-    <dsp:sp modelId="{7728B8D5-BE46-4AF0-814A-83BBCBF21DDA}">
+    <dsp:sp modelId="{F292A395-1837-4BB6-B243-42713CA55F4C}">
       <dsp:nvSpPr>
         <dsp:cNvPr id="0" name=""/>
         <dsp:cNvSpPr/>
       </dsp:nvSpPr>
       <dsp:spPr>
         <a:xfrm>
-          <a:off x="1452" y="1738063"/>
-          <a:ext cx="1824960" cy="1086246"/>
+          <a:off x="39" y="1238"/>
+          <a:ext cx="3798093" cy="892800"/>
         </a:xfrm>
-        <a:prstGeom prst="roundRect">
-          <a:avLst>
-            <a:gd name="adj" fmla="val 10000"/>
-          </a:avLst>
+        <a:prstGeom prst="rect">
+          <a:avLst/>
         </a:prstGeom>
         <a:solidFill>
           <a:schemeClr val="accent1">
-            <a:hueOff val="0"/>
-            <a:satOff val="0"/>
-            <a:lumOff val="0"/>
-            <a:alphaOff val="0"/>
-          </a:schemeClr>
-        </a:solidFill>
-        <a:ln w="15875" cap="flat" cmpd="sng" algn="ctr">
-          <a:solidFill>
-            <a:schemeClr val="lt1">
-              <a:hueOff val="0"/>
-              <a:satOff val="0"/>
-              <a:lumOff val="0"/>
-              <a:alphaOff val="0"/>
-            </a:schemeClr>
-          </a:solidFill>
-          <a:prstDash val="solid"/>
-        </a:ln>
-        <a:effectLst/>
-      </dsp:spPr>
-      <dsp:style>
-        <a:lnRef idx="2">
-          <a:scrgbClr r="0" g="0" b="0"/>
-        </a:lnRef>
-        <a:fillRef idx="1">
-          <a:scrgbClr r="0" g="0" b="0"/>
-        </a:fillRef>
-        <a:effectRef idx="0">
-          <a:scrgbClr r="0" g="0" b="0"/>
-        </a:effectRef>
-        <a:fontRef idx="minor">
-          <a:schemeClr val="lt1"/>
-        </a:fontRef>
-      </dsp:style>
-      <dsp:txBody>
-        <a:bodyPr spcFirstLastPara="0" vert="horz" wrap="square" lIns="106680" tIns="106680" rIns="106680" bIns="57150" numCol="1" spcCol="1270" anchor="t" anchorCtr="0">
-          <a:noAutofit/>
-        </a:bodyPr>
-        <a:lstStyle/>
-        <a:p>
-          <a:pPr marL="0" lvl="0" indent="0" algn="l" defTabSz="666750">
-            <a:lnSpc>
-              <a:spcPct val="90000"/>
-            </a:lnSpc>
-            <a:spcBef>
-              <a:spcPct val="0"/>
-            </a:spcBef>
-            <a:spcAft>
-              <a:spcPct val="35000"/>
-            </a:spcAft>
-            <a:buNone/>
-          </a:pPr>
-          <a:r>
-            <a:rPr lang="fr-FR" sz="1500" kern="1200" dirty="0" err="1"/>
-            <a:t>Establish</a:t>
-          </a:r>
-          <a:r>
-            <a:rPr lang="fr-FR" sz="1500" kern="1200" dirty="0"/>
-            <a:t> </a:t>
-          </a:r>
-          <a:r>
-            <a:rPr lang="fr-FR" sz="1500" kern="1200" dirty="0" err="1"/>
-            <a:t>scrapping</a:t>
-          </a:r>
-          <a:r>
-            <a:rPr lang="fr-FR" sz="1500" kern="1200" dirty="0"/>
-            <a:t> </a:t>
-          </a:r>
-          <a:r>
-            <a:rPr lang="fr-FR" sz="1500" kern="1200" dirty="0" err="1"/>
-            <a:t>method</a:t>
-          </a:r>
-          <a:endParaRPr lang="fr-FR" sz="1500" kern="1200" dirty="0"/>
-        </a:p>
-      </dsp:txBody>
-      <dsp:txXfrm>
-        <a:off x="1452" y="1738063"/>
-        <a:ext cx="1824960" cy="724164"/>
-      </dsp:txXfrm>
-    </dsp:sp>
-    <dsp:sp modelId="{59A3A042-6FBD-40F5-9946-95A418BED4A9}">
-      <dsp:nvSpPr>
-        <dsp:cNvPr id="0" name=""/>
-        <dsp:cNvSpPr/>
-      </dsp:nvSpPr>
-      <dsp:spPr>
-        <a:xfrm>
-          <a:off x="375239" y="2462228"/>
-          <a:ext cx="1824960" cy="1218375"/>
-        </a:xfrm>
-        <a:prstGeom prst="roundRect">
-          <a:avLst>
-            <a:gd name="adj" fmla="val 10000"/>
-          </a:avLst>
-        </a:prstGeom>
-        <a:solidFill>
-          <a:schemeClr val="lt1">
-            <a:alpha val="90000"/>
             <a:hueOff val="0"/>
             <a:satOff val="0"/>
             <a:lumOff val="0"/>
@@ -3047,108 +2620,17 @@
         <a:effectRef idx="0">
           <a:scrgbClr r="0" g="0" b="0"/>
         </a:effectRef>
-        <a:fontRef idx="minor"/>
-      </dsp:style>
-      <dsp:txBody>
-        <a:bodyPr spcFirstLastPara="0" vert="horz" wrap="square" lIns="106680" tIns="106680" rIns="106680" bIns="106680" numCol="1" spcCol="1270" anchor="t" anchorCtr="0">
-          <a:noAutofit/>
-        </a:bodyPr>
-        <a:lstStyle/>
-        <a:p>
-          <a:pPr marL="114300" lvl="1" indent="-114300" algn="l" defTabSz="666750">
-            <a:lnSpc>
-              <a:spcPct val="90000"/>
-            </a:lnSpc>
-            <a:spcBef>
-              <a:spcPct val="0"/>
-            </a:spcBef>
-            <a:spcAft>
-              <a:spcPct val="15000"/>
-            </a:spcAft>
-            <a:buChar char="•"/>
-          </a:pPr>
-          <a:r>
-            <a:rPr lang="fr-FR" sz="1500" kern="1200" dirty="0" err="1"/>
-            <a:t>Choosing</a:t>
-          </a:r>
-          <a:r>
-            <a:rPr lang="fr-FR" sz="1500" kern="1200" dirty="0"/>
-            <a:t> API as </a:t>
-          </a:r>
-          <a:r>
-            <a:rPr lang="fr-FR" sz="1500" kern="1200" dirty="0" err="1"/>
-            <a:t>it</a:t>
-          </a:r>
-          <a:r>
-            <a:rPr lang="fr-FR" sz="1500" kern="1200" dirty="0"/>
-            <a:t> </a:t>
-          </a:r>
-          <a:r>
-            <a:rPr lang="fr-FR" sz="1500" kern="1200" dirty="0" err="1"/>
-            <a:t>gives</a:t>
-          </a:r>
-          <a:r>
-            <a:rPr lang="fr-FR" sz="1500" kern="1200" dirty="0"/>
-            <a:t> more information</a:t>
-          </a:r>
-        </a:p>
-      </dsp:txBody>
-      <dsp:txXfrm>
-        <a:off x="410924" y="2497913"/>
-        <a:ext cx="1753590" cy="1147005"/>
-      </dsp:txXfrm>
-    </dsp:sp>
-    <dsp:sp modelId="{444A0598-AC5D-4A2E-A328-32354DEEE3E7}">
-      <dsp:nvSpPr>
-        <dsp:cNvPr id="0" name=""/>
-        <dsp:cNvSpPr/>
-      </dsp:nvSpPr>
-      <dsp:spPr>
-        <a:xfrm>
-          <a:off x="2103070" y="1872964"/>
-          <a:ext cx="586513" cy="454362"/>
-        </a:xfrm>
-        <a:prstGeom prst="rightArrow">
-          <a:avLst>
-            <a:gd name="adj1" fmla="val 60000"/>
-            <a:gd name="adj2" fmla="val 50000"/>
-          </a:avLst>
-        </a:prstGeom>
-        <a:solidFill>
-          <a:schemeClr val="accent1">
-            <a:tint val="60000"/>
-            <a:hueOff val="0"/>
-            <a:satOff val="0"/>
-            <a:lumOff val="0"/>
-            <a:alphaOff val="0"/>
-          </a:schemeClr>
-        </a:solidFill>
-        <a:ln>
-          <a:noFill/>
-        </a:ln>
-        <a:effectLst/>
-      </dsp:spPr>
-      <dsp:style>
-        <a:lnRef idx="0">
-          <a:scrgbClr r="0" g="0" b="0"/>
-        </a:lnRef>
-        <a:fillRef idx="1">
-          <a:scrgbClr r="0" g="0" b="0"/>
-        </a:fillRef>
-        <a:effectRef idx="0">
-          <a:scrgbClr r="0" g="0" b="0"/>
-        </a:effectRef>
         <a:fontRef idx="minor">
           <a:schemeClr val="lt1"/>
         </a:fontRef>
       </dsp:style>
       <dsp:txBody>
-        <a:bodyPr spcFirstLastPara="0" vert="horz" wrap="square" lIns="0" tIns="0" rIns="0" bIns="0" numCol="1" spcCol="1270" anchor="ctr" anchorCtr="0">
+        <a:bodyPr spcFirstLastPara="0" vert="horz" wrap="square" lIns="220472" tIns="125984" rIns="220472" bIns="125984" numCol="1" spcCol="1270" anchor="ctr" anchorCtr="0">
           <a:noAutofit/>
         </a:bodyPr>
         <a:lstStyle/>
         <a:p>
-          <a:pPr marL="0" lvl="0" indent="0" algn="ctr" defTabSz="533400">
+          <a:pPr marL="0" lvl="0" indent="0" algn="ctr" defTabSz="1377950">
             <a:lnSpc>
               <a:spcPct val="90000"/>
             </a:lnSpc>
@@ -3160,31 +2642,38 @@
             </a:spcAft>
             <a:buNone/>
           </a:pPr>
-          <a:endParaRPr lang="fr-FR" sz="1200" kern="1200"/>
+          <a:r>
+            <a:rPr lang="fr-FR" sz="3100" kern="1200" dirty="0" err="1"/>
+            <a:t>Number</a:t>
+          </a:r>
+          <a:r>
+            <a:rPr lang="fr-FR" sz="3100" kern="1200" dirty="0"/>
+            <a:t> of pages</a:t>
+          </a:r>
         </a:p>
       </dsp:txBody>
       <dsp:txXfrm>
-        <a:off x="2103070" y="1963836"/>
-        <a:ext cx="450204" cy="272618"/>
+        <a:off x="39" y="1238"/>
+        <a:ext cx="3798093" cy="892800"/>
       </dsp:txXfrm>
     </dsp:sp>
-    <dsp:sp modelId="{0A8D54C4-8E72-42E1-9940-954D8D75CD6D}">
+    <dsp:sp modelId="{2E8DD606-94F1-4EF3-8408-0EA5613F8B27}">
       <dsp:nvSpPr>
         <dsp:cNvPr id="0" name=""/>
         <dsp:cNvSpPr/>
       </dsp:nvSpPr>
       <dsp:spPr>
         <a:xfrm>
-          <a:off x="2933042" y="1738063"/>
-          <a:ext cx="1824960" cy="1086246"/>
+          <a:off x="39" y="894038"/>
+          <a:ext cx="3798093" cy="2754950"/>
         </a:xfrm>
-        <a:prstGeom prst="roundRect">
-          <a:avLst>
-            <a:gd name="adj" fmla="val 10000"/>
-          </a:avLst>
+        <a:prstGeom prst="rect">
+          <a:avLst/>
         </a:prstGeom>
         <a:solidFill>
           <a:schemeClr val="accent1">
+            <a:alpha val="90000"/>
+            <a:tint val="40000"/>
             <a:hueOff val="0"/>
             <a:satOff val="0"/>
             <a:lumOff val="0"/>
@@ -3193,7 +2682,9 @@
         </a:solidFill>
         <a:ln w="15875" cap="flat" cmpd="sng" algn="ctr">
           <a:solidFill>
-            <a:schemeClr val="lt1">
+            <a:schemeClr val="accent1">
+              <a:alpha val="90000"/>
+              <a:tint val="40000"/>
               <a:hueOff val="0"/>
               <a:satOff val="0"/>
               <a:lumOff val="0"/>
@@ -3214,17 +2705,15 @@
         <a:effectRef idx="0">
           <a:scrgbClr r="0" g="0" b="0"/>
         </a:effectRef>
-        <a:fontRef idx="minor">
-          <a:schemeClr val="lt1"/>
-        </a:fontRef>
+        <a:fontRef idx="minor"/>
       </dsp:style>
       <dsp:txBody>
-        <a:bodyPr spcFirstLastPara="0" vert="horz" wrap="square" lIns="106680" tIns="106680" rIns="106680" bIns="57150" numCol="1" spcCol="1270" anchor="t" anchorCtr="0">
+        <a:bodyPr spcFirstLastPara="0" vert="horz" wrap="square" lIns="165354" tIns="165354" rIns="220472" bIns="248031" numCol="1" spcCol="1270" anchor="t" anchorCtr="0">
           <a:noAutofit/>
         </a:bodyPr>
         <a:lstStyle/>
         <a:p>
-          <a:pPr marL="0" lvl="0" indent="0" algn="l" defTabSz="666750">
+          <a:pPr marL="285750" lvl="1" indent="-285750" algn="l" defTabSz="1377950">
             <a:lnSpc>
               <a:spcPct val="90000"/>
             </a:lnSpc>
@@ -3232,64 +2721,81 @@
               <a:spcPct val="0"/>
             </a:spcBef>
             <a:spcAft>
-              <a:spcPct val="35000"/>
+              <a:spcPct val="15000"/>
             </a:spcAft>
-            <a:buNone/>
+            <a:buChar char="•"/>
           </a:pPr>
           <a:r>
-            <a:rPr lang="fr-FR" sz="1500" kern="1200" dirty="0" err="1"/>
-            <a:t>Compute</a:t>
+            <a:rPr lang="fr-FR" sz="3100" b="1" kern="1200" dirty="0"/>
+            <a:t>Html &amp; CSS: </a:t>
           </a:r>
           <a:r>
-            <a:rPr lang="fr-FR" sz="1500" kern="1200" dirty="0"/>
+            <a:rPr lang="fr-FR" sz="3100" kern="1200" dirty="0" err="1"/>
+            <a:t>computes</a:t>
+          </a:r>
+          <a:r>
+            <a:rPr lang="fr-FR" sz="3100" kern="1200" dirty="0"/>
             <a:t> </a:t>
           </a:r>
           <a:r>
-            <a:rPr lang="fr-FR" sz="1500" kern="1200" dirty="0" err="1"/>
+            <a:rPr lang="fr-FR" sz="3100" kern="1200" dirty="0" err="1"/>
             <a:t>number</a:t>
           </a:r>
           <a:r>
-            <a:rPr lang="fr-FR" sz="1500" kern="1200" dirty="0"/>
+            <a:rPr lang="fr-FR" sz="3100" kern="1200" dirty="0"/>
+            <a:t> of </a:t>
+          </a:r>
+          <a:r>
+            <a:rPr lang="fr-FR" sz="3100" kern="1200" dirty="0" err="1"/>
+            <a:t>products</a:t>
+          </a:r>
+          <a:r>
+            <a:rPr lang="fr-FR" sz="3100" kern="1200" dirty="0"/>
+            <a:t> in total, and </a:t>
+          </a:r>
+          <a:r>
+            <a:rPr lang="fr-FR" sz="3100" kern="1200" dirty="0" err="1"/>
+            <a:t>then</a:t>
+          </a:r>
+          <a:r>
+            <a:rPr lang="fr-FR" sz="3100" kern="1200" dirty="0"/>
+            <a:t> </a:t>
+          </a:r>
+          <a:r>
+            <a:rPr lang="fr-FR" sz="3100" kern="1200" dirty="0" err="1"/>
+            <a:t>number</a:t>
+          </a:r>
+          <a:r>
+            <a:rPr lang="fr-FR" sz="3100" kern="1200" dirty="0"/>
             <a:t> of pages to </a:t>
           </a:r>
           <a:r>
-            <a:rPr lang="fr-FR" sz="1500" kern="1200" dirty="0" err="1"/>
-            <a:t>be</a:t>
+            <a:rPr lang="fr-FR" sz="3100" kern="1200" dirty="0" err="1"/>
+            <a:t>scrap</a:t>
           </a:r>
-          <a:r>
-            <a:rPr lang="fr-FR" sz="1500" kern="1200" dirty="0"/>
-            <a:t> </a:t>
-          </a:r>
-          <a:r>
-            <a:rPr lang="fr-FR" sz="1500" kern="1200" dirty="0" err="1"/>
-            <a:t>scrapped</a:t>
-          </a:r>
-          <a:endParaRPr lang="fr-FR" sz="1500" kern="1200" dirty="0"/>
+          <a:endParaRPr lang="fr-FR" sz="3100" kern="1200" dirty="0"/>
         </a:p>
       </dsp:txBody>
       <dsp:txXfrm>
-        <a:off x="2933042" y="1738063"/>
-        <a:ext cx="1824960" cy="724164"/>
+        <a:off x="39" y="894038"/>
+        <a:ext cx="3798093" cy="2754950"/>
       </dsp:txXfrm>
     </dsp:sp>
-    <dsp:sp modelId="{99B03793-D590-41A4-969E-D3DCE5B3E134}">
+    <dsp:sp modelId="{D4F37CE6-E0C6-46E4-AEFE-19C6050B239B}">
       <dsp:nvSpPr>
         <dsp:cNvPr id="0" name=""/>
         <dsp:cNvSpPr/>
       </dsp:nvSpPr>
       <dsp:spPr>
         <a:xfrm>
-          <a:off x="3306829" y="2462228"/>
-          <a:ext cx="1824960" cy="1218375"/>
+          <a:off x="4329866" y="1238"/>
+          <a:ext cx="3798093" cy="892800"/>
         </a:xfrm>
-        <a:prstGeom prst="roundRect">
-          <a:avLst>
-            <a:gd name="adj" fmla="val 10000"/>
-          </a:avLst>
+        <a:prstGeom prst="rect">
+          <a:avLst/>
         </a:prstGeom>
         <a:solidFill>
-          <a:schemeClr val="lt1">
-            <a:alpha val="90000"/>
+          <a:schemeClr val="accent1">
             <a:hueOff val="0"/>
             <a:satOff val="0"/>
             <a:lumOff val="0"/>
@@ -3319,200 +2825,17 @@
         <a:effectRef idx="0">
           <a:scrgbClr r="0" g="0" b="0"/>
         </a:effectRef>
-        <a:fontRef idx="minor"/>
-      </dsp:style>
-      <dsp:txBody>
-        <a:bodyPr spcFirstLastPara="0" vert="horz" wrap="square" lIns="106680" tIns="106680" rIns="106680" bIns="106680" numCol="1" spcCol="1270" anchor="t" anchorCtr="0">
-          <a:noAutofit/>
-        </a:bodyPr>
-        <a:lstStyle/>
-        <a:p>
-          <a:pPr marL="114300" lvl="1" indent="-114300" algn="l" defTabSz="666750">
-            <a:lnSpc>
-              <a:spcPct val="90000"/>
-            </a:lnSpc>
-            <a:spcBef>
-              <a:spcPct val="0"/>
-            </a:spcBef>
-            <a:spcAft>
-              <a:spcPct val="15000"/>
-            </a:spcAft>
-            <a:buChar char="•"/>
-          </a:pPr>
-          <a:r>
-            <a:rPr lang="fr-FR" sz="1500" kern="1200" dirty="0" err="1"/>
-            <a:t>Using</a:t>
-          </a:r>
-          <a:r>
-            <a:rPr lang="fr-FR" sz="1500" kern="1200" dirty="0"/>
-            <a:t> </a:t>
-          </a:r>
-          <a:r>
-            <a:rPr lang="fr-FR" sz="1500" kern="1200" dirty="0" err="1"/>
-            <a:t>Beautiful</a:t>
-          </a:r>
-          <a:r>
-            <a:rPr lang="fr-FR" sz="1500" kern="1200" dirty="0"/>
-            <a:t> </a:t>
-          </a:r>
-          <a:r>
-            <a:rPr lang="fr-FR" sz="1500" kern="1200" dirty="0" err="1"/>
-            <a:t>Soup</a:t>
-          </a:r>
-          <a:r>
-            <a:rPr lang="fr-FR" sz="1500" kern="1200" dirty="0"/>
-            <a:t> to </a:t>
-          </a:r>
-          <a:r>
-            <a:rPr lang="fr-FR" sz="1500" kern="1200" dirty="0" err="1"/>
-            <a:t>retrieve</a:t>
-          </a:r>
-          <a:r>
-            <a:rPr lang="fr-FR" sz="1500" kern="1200" dirty="0"/>
-            <a:t> the </a:t>
-          </a:r>
-          <a:r>
-            <a:rPr lang="fr-FR" sz="1500" kern="1200" dirty="0" err="1"/>
-            <a:t>number</a:t>
-          </a:r>
-          <a:r>
-            <a:rPr lang="fr-FR" sz="1500" kern="1200" dirty="0"/>
-            <a:t> of articles</a:t>
-          </a:r>
-        </a:p>
-      </dsp:txBody>
-      <dsp:txXfrm>
-        <a:off x="3342514" y="2497913"/>
-        <a:ext cx="1753590" cy="1147005"/>
-      </dsp:txXfrm>
-    </dsp:sp>
-    <dsp:sp modelId="{E143718B-B7B2-4D3E-8451-3D0DAA4C9B47}">
-      <dsp:nvSpPr>
-        <dsp:cNvPr id="0" name=""/>
-        <dsp:cNvSpPr/>
-      </dsp:nvSpPr>
-      <dsp:spPr>
-        <a:xfrm>
-          <a:off x="5034660" y="1872964"/>
-          <a:ext cx="586513" cy="454362"/>
-        </a:xfrm>
-        <a:prstGeom prst="rightArrow">
-          <a:avLst>
-            <a:gd name="adj1" fmla="val 60000"/>
-            <a:gd name="adj2" fmla="val 50000"/>
-          </a:avLst>
-        </a:prstGeom>
-        <a:solidFill>
-          <a:schemeClr val="accent1">
-            <a:tint val="60000"/>
-            <a:hueOff val="0"/>
-            <a:satOff val="0"/>
-            <a:lumOff val="0"/>
-            <a:alphaOff val="0"/>
-          </a:schemeClr>
-        </a:solidFill>
-        <a:ln>
-          <a:noFill/>
-        </a:ln>
-        <a:effectLst/>
-      </dsp:spPr>
-      <dsp:style>
-        <a:lnRef idx="0">
-          <a:scrgbClr r="0" g="0" b="0"/>
-        </a:lnRef>
-        <a:fillRef idx="1">
-          <a:scrgbClr r="0" g="0" b="0"/>
-        </a:fillRef>
-        <a:effectRef idx="0">
-          <a:scrgbClr r="0" g="0" b="0"/>
-        </a:effectRef>
         <a:fontRef idx="minor">
           <a:schemeClr val="lt1"/>
         </a:fontRef>
       </dsp:style>
       <dsp:txBody>
-        <a:bodyPr spcFirstLastPara="0" vert="horz" wrap="square" lIns="0" tIns="0" rIns="0" bIns="0" numCol="1" spcCol="1270" anchor="ctr" anchorCtr="0">
+        <a:bodyPr spcFirstLastPara="0" vert="horz" wrap="square" lIns="220472" tIns="125984" rIns="220472" bIns="125984" numCol="1" spcCol="1270" anchor="ctr" anchorCtr="0">
           <a:noAutofit/>
         </a:bodyPr>
         <a:lstStyle/>
         <a:p>
-          <a:pPr marL="0" lvl="0" indent="0" algn="ctr" defTabSz="533400">
-            <a:lnSpc>
-              <a:spcPct val="90000"/>
-            </a:lnSpc>
-            <a:spcBef>
-              <a:spcPct val="0"/>
-            </a:spcBef>
-            <a:spcAft>
-              <a:spcPct val="35000"/>
-            </a:spcAft>
-            <a:buNone/>
-          </a:pPr>
-          <a:endParaRPr lang="fr-FR" sz="1200" kern="1200"/>
-        </a:p>
-      </dsp:txBody>
-      <dsp:txXfrm>
-        <a:off x="5034660" y="1963836"/>
-        <a:ext cx="450204" cy="272618"/>
-      </dsp:txXfrm>
-    </dsp:sp>
-    <dsp:sp modelId="{EEC0CC04-D878-4010-BB2A-728B06A6CCCF}">
-      <dsp:nvSpPr>
-        <dsp:cNvPr id="0" name=""/>
-        <dsp:cNvSpPr/>
-      </dsp:nvSpPr>
-      <dsp:spPr>
-        <a:xfrm>
-          <a:off x="5864632" y="1738063"/>
-          <a:ext cx="1824960" cy="1086246"/>
-        </a:xfrm>
-        <a:prstGeom prst="roundRect">
-          <a:avLst>
-            <a:gd name="adj" fmla="val 10000"/>
-          </a:avLst>
-        </a:prstGeom>
-        <a:solidFill>
-          <a:schemeClr val="accent1">
-            <a:hueOff val="0"/>
-            <a:satOff val="0"/>
-            <a:lumOff val="0"/>
-            <a:alphaOff val="0"/>
-          </a:schemeClr>
-        </a:solidFill>
-        <a:ln w="15875" cap="flat" cmpd="sng" algn="ctr">
-          <a:solidFill>
-            <a:schemeClr val="lt1">
-              <a:hueOff val="0"/>
-              <a:satOff val="0"/>
-              <a:lumOff val="0"/>
-              <a:alphaOff val="0"/>
-            </a:schemeClr>
-          </a:solidFill>
-          <a:prstDash val="solid"/>
-        </a:ln>
-        <a:effectLst/>
-      </dsp:spPr>
-      <dsp:style>
-        <a:lnRef idx="2">
-          <a:scrgbClr r="0" g="0" b="0"/>
-        </a:lnRef>
-        <a:fillRef idx="1">
-          <a:scrgbClr r="0" g="0" b="0"/>
-        </a:fillRef>
-        <a:effectRef idx="0">
-          <a:scrgbClr r="0" g="0" b="0"/>
-        </a:effectRef>
-        <a:fontRef idx="minor">
-          <a:schemeClr val="lt1"/>
-        </a:fontRef>
-      </dsp:style>
-      <dsp:txBody>
-        <a:bodyPr spcFirstLastPara="0" vert="horz" wrap="square" lIns="106680" tIns="106680" rIns="106680" bIns="57150" numCol="1" spcCol="1270" anchor="t" anchorCtr="0">
-          <a:noAutofit/>
-        </a:bodyPr>
-        <a:lstStyle/>
-        <a:p>
-          <a:pPr marL="0" lvl="0" indent="0" algn="l" defTabSz="666750">
+          <a:pPr marL="0" lvl="0" indent="0" algn="ctr" defTabSz="1377950">
             <a:lnSpc>
               <a:spcPct val="90000"/>
             </a:lnSpc>
@@ -3525,38 +2848,42 @@
             <a:buNone/>
           </a:pPr>
           <a:r>
-            <a:rPr lang="fr-FR" sz="1500" kern="1200" dirty="0" err="1"/>
-            <a:t>Scrap</a:t>
+            <a:rPr lang="fr-FR" sz="3100" kern="1200" dirty="0" err="1"/>
+            <a:t>Scrapping</a:t>
           </a:r>
           <a:r>
-            <a:rPr lang="fr-FR" sz="1500" kern="1200" dirty="0"/>
-            <a:t> all promotion pages</a:t>
+            <a:rPr lang="fr-FR" sz="3100" kern="1200" dirty="0"/>
+            <a:t> </a:t>
           </a:r>
+          <a:r>
+            <a:rPr lang="fr-FR" sz="3100" kern="1200" dirty="0" err="1"/>
+            <a:t>method</a:t>
+          </a:r>
+          <a:endParaRPr lang="fr-FR" sz="3100" kern="1200" dirty="0"/>
         </a:p>
       </dsp:txBody>
       <dsp:txXfrm>
-        <a:off x="5864632" y="1738063"/>
-        <a:ext cx="1824960" cy="724164"/>
+        <a:off x="4329866" y="1238"/>
+        <a:ext cx="3798093" cy="892800"/>
       </dsp:txXfrm>
     </dsp:sp>
-    <dsp:sp modelId="{A7FE2610-8B89-4059-8DEB-863B22A760D0}">
+    <dsp:sp modelId="{39C60B2E-488F-41C8-A8D1-8B891BBAB477}">
       <dsp:nvSpPr>
         <dsp:cNvPr id="0" name=""/>
         <dsp:cNvSpPr/>
       </dsp:nvSpPr>
       <dsp:spPr>
         <a:xfrm>
-          <a:off x="6238419" y="2462228"/>
-          <a:ext cx="1824960" cy="1218375"/>
+          <a:off x="4329866" y="894038"/>
+          <a:ext cx="3798093" cy="2754950"/>
         </a:xfrm>
-        <a:prstGeom prst="roundRect">
-          <a:avLst>
-            <a:gd name="adj" fmla="val 10000"/>
-          </a:avLst>
+        <a:prstGeom prst="rect">
+          <a:avLst/>
         </a:prstGeom>
         <a:solidFill>
-          <a:schemeClr val="lt1">
+          <a:schemeClr val="accent1">
             <a:alpha val="90000"/>
+            <a:tint val="40000"/>
             <a:hueOff val="0"/>
             <a:satOff val="0"/>
             <a:lumOff val="0"/>
@@ -3566,6 +2893,8 @@
         <a:ln w="15875" cap="flat" cmpd="sng" algn="ctr">
           <a:solidFill>
             <a:schemeClr val="accent1">
+              <a:alpha val="90000"/>
+              <a:tint val="40000"/>
               <a:hueOff val="0"/>
               <a:satOff val="0"/>
               <a:lumOff val="0"/>
@@ -3589,12 +2918,12 @@
         <a:fontRef idx="minor"/>
       </dsp:style>
       <dsp:txBody>
-        <a:bodyPr spcFirstLastPara="0" vert="horz" wrap="square" lIns="106680" tIns="106680" rIns="106680" bIns="106680" numCol="1" spcCol="1270" anchor="t" anchorCtr="0">
+        <a:bodyPr spcFirstLastPara="0" vert="horz" wrap="square" lIns="165354" tIns="165354" rIns="220472" bIns="248031" numCol="1" spcCol="1270" anchor="t" anchorCtr="0">
           <a:noAutofit/>
         </a:bodyPr>
         <a:lstStyle/>
         <a:p>
-          <a:pPr marL="114300" lvl="1" indent="-114300" algn="l" defTabSz="666750">
+          <a:pPr marL="285750" lvl="1" indent="-285750" algn="l" defTabSz="1377950">
             <a:lnSpc>
               <a:spcPct val="90000"/>
             </a:lnSpc>
@@ -3607,290 +2936,33 @@
             <a:buChar char="•"/>
           </a:pPr>
           <a:r>
-            <a:rPr lang="fr-FR" sz="1500" kern="1200" dirty="0"/>
-            <a:t>Output: </a:t>
+            <a:rPr lang="fr-FR" sz="3100" b="1" kern="1200" dirty="0"/>
+            <a:t>API:</a:t>
+          </a:r>
+          <a:br>
+            <a:rPr lang="fr-FR" sz="3100" b="1" kern="1200" dirty="0"/>
+          </a:br>
+          <a:r>
+            <a:rPr lang="fr-FR" sz="3100" kern="1200" dirty="0" err="1"/>
+            <a:t>contains</a:t>
           </a:r>
           <a:r>
-            <a:rPr lang="fr-FR" sz="1500" kern="1200" dirty="0" err="1"/>
-            <a:t>raw</a:t>
+            <a:rPr lang="fr-FR" sz="3100" kern="1200" dirty="0"/>
+            <a:t> more information (e.g. EAN, </a:t>
           </a:r>
           <a:r>
-            <a:rPr lang="fr-FR" sz="1500" kern="1200" dirty="0"/>
-            <a:t> </a:t>
+            <a:rPr lang="fr-FR" sz="3100" kern="1200" dirty="0" err="1"/>
+            <a:t>price</a:t>
           </a:r>
           <a:r>
-            <a:rPr lang="fr-FR" sz="1500" kern="1200" dirty="0" err="1"/>
-            <a:t>dataframe</a:t>
-          </a:r>
-          <a:r>
-            <a:rPr lang="fr-FR" sz="1500" kern="1200" dirty="0"/>
-            <a:t> </a:t>
-          </a:r>
-          <a:r>
-            <a:rPr lang="fr-FR" sz="1500" kern="1200" dirty="0" err="1"/>
-            <a:t>with</a:t>
-          </a:r>
-          <a:r>
-            <a:rPr lang="fr-FR" sz="1500" kern="1200" dirty="0"/>
-            <a:t> all the information on promotions</a:t>
+            <a:rPr lang="fr-FR" sz="3100" kern="1200" dirty="0"/>
+            <a:t> discount, dates for promotions)</a:t>
           </a:r>
         </a:p>
       </dsp:txBody>
       <dsp:txXfrm>
-        <a:off x="6274104" y="2497913"/>
-        <a:ext cx="1753590" cy="1147005"/>
-      </dsp:txXfrm>
-    </dsp:sp>
-    <dsp:sp modelId="{41B8CDD3-7D96-4C18-904C-973DE052D92F}">
-      <dsp:nvSpPr>
-        <dsp:cNvPr id="0" name=""/>
-        <dsp:cNvSpPr/>
-      </dsp:nvSpPr>
-      <dsp:spPr>
-        <a:xfrm>
-          <a:off x="7966250" y="1872964"/>
-          <a:ext cx="586513" cy="454362"/>
-        </a:xfrm>
-        <a:prstGeom prst="rightArrow">
-          <a:avLst>
-            <a:gd name="adj1" fmla="val 60000"/>
-            <a:gd name="adj2" fmla="val 50000"/>
-          </a:avLst>
-        </a:prstGeom>
-        <a:solidFill>
-          <a:schemeClr val="accent1">
-            <a:tint val="60000"/>
-            <a:hueOff val="0"/>
-            <a:satOff val="0"/>
-            <a:lumOff val="0"/>
-            <a:alphaOff val="0"/>
-          </a:schemeClr>
-        </a:solidFill>
-        <a:ln>
-          <a:noFill/>
-        </a:ln>
-        <a:effectLst/>
-      </dsp:spPr>
-      <dsp:style>
-        <a:lnRef idx="0">
-          <a:scrgbClr r="0" g="0" b="0"/>
-        </a:lnRef>
-        <a:fillRef idx="1">
-          <a:scrgbClr r="0" g="0" b="0"/>
-        </a:fillRef>
-        <a:effectRef idx="0">
-          <a:scrgbClr r="0" g="0" b="0"/>
-        </a:effectRef>
-        <a:fontRef idx="minor">
-          <a:schemeClr val="lt1"/>
-        </a:fontRef>
-      </dsp:style>
-      <dsp:txBody>
-        <a:bodyPr spcFirstLastPara="0" vert="horz" wrap="square" lIns="0" tIns="0" rIns="0" bIns="0" numCol="1" spcCol="1270" anchor="ctr" anchorCtr="0">
-          <a:noAutofit/>
-        </a:bodyPr>
-        <a:lstStyle/>
-        <a:p>
-          <a:pPr marL="0" lvl="0" indent="0" algn="ctr" defTabSz="533400">
-            <a:lnSpc>
-              <a:spcPct val="90000"/>
-            </a:lnSpc>
-            <a:spcBef>
-              <a:spcPct val="0"/>
-            </a:spcBef>
-            <a:spcAft>
-              <a:spcPct val="35000"/>
-            </a:spcAft>
-            <a:buNone/>
-          </a:pPr>
-          <a:endParaRPr lang="fr-FR" sz="1200" kern="1200"/>
-        </a:p>
-      </dsp:txBody>
-      <dsp:txXfrm>
-        <a:off x="7966250" y="1963836"/>
-        <a:ext cx="450204" cy="272618"/>
-      </dsp:txXfrm>
-    </dsp:sp>
-    <dsp:sp modelId="{8C2D458E-6B96-44F8-BF2C-27B0CF32B5DE}">
-      <dsp:nvSpPr>
-        <dsp:cNvPr id="0" name=""/>
-        <dsp:cNvSpPr/>
-      </dsp:nvSpPr>
-      <dsp:spPr>
-        <a:xfrm>
-          <a:off x="8796222" y="1738063"/>
-          <a:ext cx="1824960" cy="1086246"/>
-        </a:xfrm>
-        <a:prstGeom prst="roundRect">
-          <a:avLst>
-            <a:gd name="adj" fmla="val 10000"/>
-          </a:avLst>
-        </a:prstGeom>
-        <a:solidFill>
-          <a:schemeClr val="accent1">
-            <a:hueOff val="0"/>
-            <a:satOff val="0"/>
-            <a:lumOff val="0"/>
-            <a:alphaOff val="0"/>
-          </a:schemeClr>
-        </a:solidFill>
-        <a:ln w="15875" cap="flat" cmpd="sng" algn="ctr">
-          <a:solidFill>
-            <a:schemeClr val="lt1">
-              <a:hueOff val="0"/>
-              <a:satOff val="0"/>
-              <a:lumOff val="0"/>
-              <a:alphaOff val="0"/>
-            </a:schemeClr>
-          </a:solidFill>
-          <a:prstDash val="solid"/>
-        </a:ln>
-        <a:effectLst/>
-      </dsp:spPr>
-      <dsp:style>
-        <a:lnRef idx="2">
-          <a:scrgbClr r="0" g="0" b="0"/>
-        </a:lnRef>
-        <a:fillRef idx="1">
-          <a:scrgbClr r="0" g="0" b="0"/>
-        </a:fillRef>
-        <a:effectRef idx="0">
-          <a:scrgbClr r="0" g="0" b="0"/>
-        </a:effectRef>
-        <a:fontRef idx="minor">
-          <a:schemeClr val="lt1"/>
-        </a:fontRef>
-      </dsp:style>
-      <dsp:txBody>
-        <a:bodyPr spcFirstLastPara="0" vert="horz" wrap="square" lIns="106680" tIns="106680" rIns="106680" bIns="57150" numCol="1" spcCol="1270" anchor="t" anchorCtr="0">
-          <a:noAutofit/>
-        </a:bodyPr>
-        <a:lstStyle/>
-        <a:p>
-          <a:pPr marL="0" lvl="0" indent="0" algn="l" defTabSz="666750">
-            <a:lnSpc>
-              <a:spcPct val="90000"/>
-            </a:lnSpc>
-            <a:spcBef>
-              <a:spcPct val="0"/>
-            </a:spcBef>
-            <a:spcAft>
-              <a:spcPct val="35000"/>
-            </a:spcAft>
-            <a:buNone/>
-          </a:pPr>
-          <a:r>
-            <a:rPr lang="fr-FR" sz="1500" kern="1200" dirty="0" err="1"/>
-            <a:t>Cleaning</a:t>
-          </a:r>
-          <a:r>
-            <a:rPr lang="fr-FR" sz="1500" kern="1200" dirty="0"/>
-            <a:t> the data </a:t>
-          </a:r>
-          <a:r>
-            <a:rPr lang="fr-FR" sz="1500" kern="1200" dirty="0" err="1"/>
-            <a:t>obtained</a:t>
-          </a:r>
-          <a:endParaRPr lang="fr-FR" sz="1500" kern="1200" dirty="0"/>
-        </a:p>
-      </dsp:txBody>
-      <dsp:txXfrm>
-        <a:off x="8796222" y="1738063"/>
-        <a:ext cx="1824960" cy="724164"/>
-      </dsp:txXfrm>
-    </dsp:sp>
-    <dsp:sp modelId="{97896662-1402-4243-AB55-D87317B009E3}">
-      <dsp:nvSpPr>
-        <dsp:cNvPr id="0" name=""/>
-        <dsp:cNvSpPr/>
-      </dsp:nvSpPr>
-      <dsp:spPr>
-        <a:xfrm>
-          <a:off x="9170009" y="2462228"/>
-          <a:ext cx="1824960" cy="1218375"/>
-        </a:xfrm>
-        <a:prstGeom prst="roundRect">
-          <a:avLst>
-            <a:gd name="adj" fmla="val 10000"/>
-          </a:avLst>
-        </a:prstGeom>
-        <a:solidFill>
-          <a:schemeClr val="lt1">
-            <a:alpha val="90000"/>
-            <a:hueOff val="0"/>
-            <a:satOff val="0"/>
-            <a:lumOff val="0"/>
-            <a:alphaOff val="0"/>
-          </a:schemeClr>
-        </a:solidFill>
-        <a:ln w="15875" cap="flat" cmpd="sng" algn="ctr">
-          <a:solidFill>
-            <a:schemeClr val="accent1">
-              <a:hueOff val="0"/>
-              <a:satOff val="0"/>
-              <a:lumOff val="0"/>
-              <a:alphaOff val="0"/>
-            </a:schemeClr>
-          </a:solidFill>
-          <a:prstDash val="solid"/>
-        </a:ln>
-        <a:effectLst/>
-      </dsp:spPr>
-      <dsp:style>
-        <a:lnRef idx="2">
-          <a:scrgbClr r="0" g="0" b="0"/>
-        </a:lnRef>
-        <a:fillRef idx="1">
-          <a:scrgbClr r="0" g="0" b="0"/>
-        </a:fillRef>
-        <a:effectRef idx="0">
-          <a:scrgbClr r="0" g="0" b="0"/>
-        </a:effectRef>
-        <a:fontRef idx="minor"/>
-      </dsp:style>
-      <dsp:txBody>
-        <a:bodyPr spcFirstLastPara="0" vert="horz" wrap="square" lIns="106680" tIns="106680" rIns="106680" bIns="106680" numCol="1" spcCol="1270" anchor="t" anchorCtr="0">
-          <a:noAutofit/>
-        </a:bodyPr>
-        <a:lstStyle/>
-        <a:p>
-          <a:pPr marL="114300" lvl="1" indent="-114300" algn="l" defTabSz="666750">
-            <a:lnSpc>
-              <a:spcPct val="90000"/>
-            </a:lnSpc>
-            <a:spcBef>
-              <a:spcPct val="0"/>
-            </a:spcBef>
-            <a:spcAft>
-              <a:spcPct val="15000"/>
-            </a:spcAft>
-            <a:buChar char="•"/>
-          </a:pPr>
-          <a:r>
-            <a:rPr lang="fr-FR" sz="1500" kern="1200" dirty="0"/>
-            <a:t>Output: a clean </a:t>
-          </a:r>
-          <a:r>
-            <a:rPr lang="fr-FR" sz="1500" kern="1200" dirty="0" err="1"/>
-            <a:t>dataframe</a:t>
-          </a:r>
-          <a:r>
-            <a:rPr lang="fr-FR" sz="1500" kern="1200" dirty="0"/>
-            <a:t> and a few graphs </a:t>
-          </a:r>
-          <a:r>
-            <a:rPr lang="fr-FR" sz="1500" kern="1200" dirty="0" err="1"/>
-            <a:t>describing</a:t>
-          </a:r>
-          <a:r>
-            <a:rPr lang="fr-FR" sz="1500" kern="1200" dirty="0"/>
-            <a:t> the data</a:t>
-          </a:r>
-        </a:p>
-      </dsp:txBody>
-      <dsp:txXfrm>
-        <a:off x="9205694" y="2497913"/>
-        <a:ext cx="1753590" cy="1147005"/>
+        <a:off x="4329866" y="894038"/>
+        <a:ext cx="3798093" cy="2754950"/>
       </dsp:txXfrm>
     </dsp:sp>
   </dsp:spTree>
@@ -4555,11 +3627,12 @@
 </file>
 
 <file path=ppt/diagrams/layout1.xml><?xml version="1.0" encoding="utf-8"?>
-<dgm:layoutDef xmlns:dgm="http://schemas.openxmlformats.org/drawingml/2006/diagram" xmlns:a="http://schemas.openxmlformats.org/drawingml/2006/main" uniqueId="urn:microsoft.com/office/officeart/2005/8/layout/process3">
+<dgm:layoutDef xmlns:dgm="http://schemas.openxmlformats.org/drawingml/2006/diagram" xmlns:a="http://schemas.openxmlformats.org/drawingml/2006/main" uniqueId="urn:microsoft.com/office/officeart/2005/8/layout/hList1">
   <dgm:title val=""/>
   <dgm:desc val=""/>
   <dgm:catLst>
-    <dgm:cat type="process" pri="2000"/>
+    <dgm:cat type="list" pri="5000"/>
+    <dgm:cat type="convert" pri="5000"/>
   </dgm:catLst>
   <dgm:sampData>
     <dgm:dataModel>
@@ -4571,10 +3644,16 @@
         <dgm:pt modelId="11">
           <dgm:prSet phldr="1"/>
         </dgm:pt>
+        <dgm:pt modelId="12">
+          <dgm:prSet phldr="1"/>
+        </dgm:pt>
         <dgm:pt modelId="2">
           <dgm:prSet phldr="1"/>
         </dgm:pt>
         <dgm:pt modelId="21">
+          <dgm:prSet phldr="1"/>
+        </dgm:pt>
+        <dgm:pt modelId="22">
           <dgm:prSet phldr="1"/>
         </dgm:pt>
         <dgm:pt modelId="3">
@@ -4583,14 +3662,20 @@
         <dgm:pt modelId="31">
           <dgm:prSet phldr="1"/>
         </dgm:pt>
+        <dgm:pt modelId="32">
+          <dgm:prSet phldr="1"/>
+        </dgm:pt>
       </dgm:ptLst>
       <dgm:cxnLst>
         <dgm:cxn modelId="4" srcId="0" destId="1" srcOrd="0" destOrd="0"/>
         <dgm:cxn modelId="5" srcId="0" destId="2" srcOrd="1" destOrd="0"/>
-        <dgm:cxn modelId="6" srcId="0" destId="3" srcOrd="3" destOrd="0"/>
-        <dgm:cxn modelId="12" srcId="1" destId="11" srcOrd="0" destOrd="0"/>
+        <dgm:cxn modelId="6" srcId="0" destId="3" srcOrd="2" destOrd="0"/>
+        <dgm:cxn modelId="13" srcId="1" destId="11" srcOrd="0" destOrd="0"/>
+        <dgm:cxn modelId="14" srcId="1" destId="12" srcOrd="1" destOrd="0"/>
         <dgm:cxn modelId="23" srcId="2" destId="21" srcOrd="0" destOrd="0"/>
-        <dgm:cxn modelId="34" srcId="3" destId="31" srcOrd="0" destOrd="0"/>
+        <dgm:cxn modelId="24" srcId="2" destId="22" srcOrd="1" destOrd="0"/>
+        <dgm:cxn modelId="33" srcId="3" destId="31" srcOrd="0" destOrd="0"/>
+        <dgm:cxn modelId="34" srcId="3" destId="32" srcOrd="1" destOrd="0"/>
       </dgm:cxnLst>
       <dgm:bg/>
       <dgm:whole/>
@@ -4603,21 +3688,13 @@
         <dgm:pt modelId="1">
           <dgm:prSet phldr="1"/>
         </dgm:pt>
-        <dgm:pt modelId="11">
-          <dgm:prSet phldr="1"/>
-        </dgm:pt>
         <dgm:pt modelId="2">
-          <dgm:prSet phldr="1"/>
-        </dgm:pt>
-        <dgm:pt modelId="21">
           <dgm:prSet phldr="1"/>
         </dgm:pt>
       </dgm:ptLst>
       <dgm:cxnLst>
-        <dgm:cxn modelId="4" srcId="0" destId="1" srcOrd="0" destOrd="0"/>
-        <dgm:cxn modelId="5" srcId="0" destId="2" srcOrd="1" destOrd="0"/>
-        <dgm:cxn modelId="13" srcId="1" destId="11" srcOrd="0" destOrd="0"/>
-        <dgm:cxn modelId="23" srcId="2" destId="21" srcOrd="0" destOrd="0"/>
+        <dgm:cxn modelId="3" srcId="0" destId="1" srcOrd="0" destOrd="0"/>
+        <dgm:cxn modelId="4" srcId="0" destId="2" srcOrd="1" destOrd="0"/>
       </dgm:cxnLst>
       <dgm:bg/>
       <dgm:whole/>
@@ -4630,25 +3707,13 @@
         <dgm:pt modelId="1">
           <dgm:prSet phldr="1"/>
         </dgm:pt>
-        <dgm:pt modelId="11">
-          <dgm:prSet phldr="1"/>
-        </dgm:pt>
         <dgm:pt modelId="2">
-          <dgm:prSet phldr="1"/>
-        </dgm:pt>
-        <dgm:pt modelId="21">
           <dgm:prSet phldr="1"/>
         </dgm:pt>
         <dgm:pt modelId="3">
           <dgm:prSet phldr="1"/>
         </dgm:pt>
-        <dgm:pt modelId="31">
-          <dgm:prSet phldr="1"/>
-        </dgm:pt>
         <dgm:pt modelId="4">
-          <dgm:prSet phldr="1"/>
-        </dgm:pt>
-        <dgm:pt modelId="41">
           <dgm:prSet phldr="1"/>
         </dgm:pt>
       </dgm:ptLst>
@@ -4657,26 +3722,22 @@
         <dgm:cxn modelId="6" srcId="0" destId="2" srcOrd="1" destOrd="0"/>
         <dgm:cxn modelId="7" srcId="0" destId="3" srcOrd="2" destOrd="0"/>
         <dgm:cxn modelId="8" srcId="0" destId="4" srcOrd="3" destOrd="0"/>
-        <dgm:cxn modelId="13" srcId="1" destId="11" srcOrd="0" destOrd="0"/>
-        <dgm:cxn modelId="23" srcId="2" destId="21" srcOrd="0" destOrd="0"/>
-        <dgm:cxn modelId="33" srcId="3" destId="31" srcOrd="0" destOrd="0"/>
-        <dgm:cxn modelId="43" srcId="4" destId="41" srcOrd="0" destOrd="0"/>
       </dgm:cxnLst>
       <dgm:bg/>
       <dgm:whole/>
     </dgm:dataModel>
   </dgm:clrData>
-  <dgm:layoutNode name="linearFlow">
+  <dgm:layoutNode name="Name0">
     <dgm:varLst>
       <dgm:dir/>
       <dgm:animLvl val="lvl"/>
       <dgm:resizeHandles val="exact"/>
     </dgm:varLst>
-    <dgm:choose name="Name0">
-      <dgm:if name="Name1" func="var" arg="dir" op="equ" val="norm">
+    <dgm:choose name="Name1">
+      <dgm:if name="Name2" func="var" arg="dir" op="equ" val="norm">
         <dgm:alg type="lin"/>
       </dgm:if>
-      <dgm:else name="Name2">
+      <dgm:else name="Name3">
         <dgm:alg type="lin">
           <dgm:param type="linDir" val="fromR"/>
         </dgm:alg>
@@ -4687,167 +3748,94 @@
     </dgm:shape>
     <dgm:presOf/>
     <dgm:constrLst>
+      <dgm:constr type="h" for="ch" forName="composite" refType="h"/>
       <dgm:constr type="w" for="ch" forName="composite" refType="w"/>
-      <dgm:constr type="w" for="ch" ptType="sibTrans" refType="w" refFor="ch" refForName="composite" fact="0.3333"/>
       <dgm:constr type="w" for="des" forName="parTx"/>
       <dgm:constr type="h" for="des" forName="parTx" op="equ"/>
-      <dgm:constr type="h" for="des" forName="parSh" op="equ"/>
       <dgm:constr type="w" for="des" forName="desTx"/>
       <dgm:constr type="h" for="des" forName="desTx" op="equ"/>
-      <dgm:constr type="w" for="des" forName="parSh"/>
       <dgm:constr type="primFontSz" for="des" forName="parTx" val="65"/>
       <dgm:constr type="secFontSz" for="des" forName="desTx" refType="primFontSz" refFor="des" refForName="parTx" op="equ"/>
-      <dgm:constr type="primFontSz" for="des" forName="connTx" refType="primFontSz" refFor="des" refForName="parTx" fact="0.8"/>
-      <dgm:constr type="primFontSz" for="des" forName="connTx" refType="primFontSz" refFor="des" refForName="parTx" op="lte" fact="0.8"/>
       <dgm:constr type="h" for="des" forName="parTx" refType="primFontSz" refFor="des" refForName="parTx" fact="0.8"/>
-      <dgm:constr type="h" for="des" forName="parSh" refType="primFontSz" refFor="des" refForName="parTx" fact="1.2"/>
-      <dgm:constr type="h" for="des" forName="desTx" refType="primFontSz" refFor="des" refForName="parTx" fact="1.6"/>
-      <dgm:constr type="h" for="des" forName="parSh" refType="h" refFor="des" refForName="parTx" op="lte" fact="1.5"/>
-      <dgm:constr type="h" for="des" forName="parSh" refType="h" refFor="des" refForName="parTx" op="gte" fact="1.5"/>
+      <dgm:constr type="h" for="des" forName="desTx" refType="primFontSz" refFor="des" refForName="parTx" fact="1.22"/>
+      <dgm:constr type="w" for="ch" forName="space" refType="w" refFor="ch" refForName="composite" op="equ" fact="0.14"/>
     </dgm:constrLst>
     <dgm:ruleLst>
       <dgm:rule type="w" for="ch" forName="composite" val="0" fact="NaN" max="NaN"/>
       <dgm:rule type="primFontSz" for="des" forName="parTx" val="5" fact="NaN" max="NaN"/>
     </dgm:ruleLst>
-    <dgm:forEach name="Name3" axis="ch" ptType="node">
+    <dgm:forEach name="Name4" axis="ch" ptType="node">
       <dgm:layoutNode name="composite">
         <dgm:alg type="composite"/>
         <dgm:shape xmlns:r="http://schemas.openxmlformats.org/officeDocument/2006/relationships" r:blip="">
           <dgm:adjLst/>
         </dgm:shape>
         <dgm:presOf/>
-        <dgm:choose name="Name4">
-          <dgm:if name="Name5" func="var" arg="dir" op="equ" val="norm">
-            <dgm:constrLst>
-              <dgm:constr type="h" refType="w" fact="1000"/>
-              <dgm:constr type="l" for="ch" forName="parTx"/>
-              <dgm:constr type="w" for="ch" forName="parTx" refType="w" fact="0.83"/>
-              <dgm:constr type="t" for="ch" forName="parTx"/>
-              <dgm:constr type="l" for="ch" forName="parSh"/>
-              <dgm:constr type="w" for="ch" forName="parSh" refType="w" refFor="ch" refForName="parTx"/>
-              <dgm:constr type="t" for="ch" forName="parSh"/>
-              <dgm:constr type="l" for="ch" forName="desTx" refType="w" fact="0.17"/>
-              <dgm:constr type="w" for="ch" forName="desTx" refType="w" refFor="ch" refForName="parTx"/>
-              <dgm:constr type="t" for="ch" forName="desTx" refType="h" refFor="ch" refForName="parTx"/>
-            </dgm:constrLst>
-          </dgm:if>
-          <dgm:else name="Name6">
-            <dgm:constrLst>
-              <dgm:constr type="h" refType="w" fact="1000"/>
-              <dgm:constr type="l" for="ch" forName="parTx" refType="w" fact="0.17"/>
-              <dgm:constr type="w" for="ch" forName="parTx" refType="w" fact="0.83"/>
-              <dgm:constr type="t" for="ch" forName="parTx"/>
-              <dgm:constr type="l" for="ch" forName="parSh" refType="w" fact="0.15"/>
-              <dgm:constr type="w" for="ch" forName="parSh" refType="w" refFor="ch" refForName="parTx"/>
-              <dgm:constr type="t" for="ch" forName="parSh"/>
-              <dgm:constr type="l" for="ch" forName="desTx"/>
-              <dgm:constr type="w" for="ch" forName="desTx" refType="w" refFor="ch" refForName="parTx"/>
-              <dgm:constr type="t" for="ch" forName="desTx" refType="h" refFor="ch" refForName="parTx"/>
-            </dgm:constrLst>
-          </dgm:else>
-        </dgm:choose>
+        <dgm:constrLst>
+          <dgm:constr type="l" for="ch" forName="parTx"/>
+          <dgm:constr type="w" for="ch" forName="parTx" refType="w"/>
+          <dgm:constr type="t" for="ch" forName="parTx"/>
+          <dgm:constr type="l" for="ch" forName="desTx"/>
+          <dgm:constr type="w" for="ch" forName="desTx" refType="w" refFor="ch" refForName="parTx"/>
+          <dgm:constr type="t" for="ch" forName="desTx" refType="h" refFor="ch" refForName="parTx"/>
+        </dgm:constrLst>
         <dgm:ruleLst>
           <dgm:rule type="h" val="INF" fact="NaN" max="NaN"/>
         </dgm:ruleLst>
-        <dgm:layoutNode name="parTx">
+        <dgm:layoutNode name="parTx" styleLbl="alignNode1">
           <dgm:varLst>
             <dgm:chMax val="0"/>
             <dgm:chPref val="0"/>
             <dgm:bulletEnabled val="1"/>
           </dgm:varLst>
-          <dgm:alg type="tx">
-            <dgm:param type="parTxLTRAlign" val="l"/>
-            <dgm:param type="parTxRTLAlign" val="r"/>
-            <dgm:param type="txAnchorVert" val="t"/>
-          </dgm:alg>
-          <dgm:shape xmlns:r="http://schemas.openxmlformats.org/officeDocument/2006/relationships" type="rect" r:blip="" zOrderOff="1" hideGeom="1">
-            <dgm:adjLst>
-              <dgm:adj idx="1" val="0.1"/>
-            </dgm:adjLst>
+          <dgm:alg type="tx"/>
+          <dgm:shape xmlns:r="http://schemas.openxmlformats.org/officeDocument/2006/relationships" type="rect" r:blip="">
+            <dgm:adjLst/>
           </dgm:shape>
           <dgm:presOf axis="self" ptType="node"/>
           <dgm:constrLst>
             <dgm:constr type="h" refType="w" op="lte" fact="0.4"/>
-            <dgm:constr type="bMarg" refType="primFontSz" fact="0.3"/>
             <dgm:constr type="h"/>
+            <dgm:constr type="tMarg" refType="primFontSz" fact="0.32"/>
+            <dgm:constr type="bMarg" refType="primFontSz" fact="0.32"/>
           </dgm:constrLst>
           <dgm:ruleLst>
             <dgm:rule type="h" val="INF" fact="NaN" max="NaN"/>
           </dgm:ruleLst>
         </dgm:layoutNode>
-        <dgm:layoutNode name="parSh">
-          <dgm:alg type="sp"/>
-          <dgm:shape xmlns:r="http://schemas.openxmlformats.org/officeDocument/2006/relationships" type="roundRect" r:blip="">
-            <dgm:adjLst>
-              <dgm:adj idx="1" val="0.1"/>
-            </dgm:adjLst>
-          </dgm:shape>
-          <dgm:presOf axis="self" ptType="node"/>
-          <dgm:constrLst>
-            <dgm:constr type="h"/>
-          </dgm:constrLst>
-          <dgm:ruleLst/>
-        </dgm:layoutNode>
-        <dgm:layoutNode name="desTx" styleLbl="fgAcc1">
+        <dgm:layoutNode name="desTx" styleLbl="alignAccFollowNode1">
           <dgm:varLst>
             <dgm:bulletEnabled val="1"/>
           </dgm:varLst>
           <dgm:alg type="tx">
             <dgm:param type="stBulletLvl" val="1"/>
           </dgm:alg>
-          <dgm:shape xmlns:r="http://schemas.openxmlformats.org/officeDocument/2006/relationships" type="roundRect" r:blip="">
-            <dgm:adjLst>
-              <dgm:adj idx="1" val="0.1"/>
-            </dgm:adjLst>
+          <dgm:shape xmlns:r="http://schemas.openxmlformats.org/officeDocument/2006/relationships" type="rect" r:blip="">
+            <dgm:adjLst/>
           </dgm:shape>
           <dgm:presOf axis="des" ptType="node"/>
           <dgm:constrLst>
             <dgm:constr type="secFontSz" val="65"/>
             <dgm:constr type="primFontSz" refType="secFontSz"/>
             <dgm:constr type="h"/>
+            <dgm:constr type="lMarg" refType="primFontSz" fact="0.42"/>
+            <dgm:constr type="tMarg" refType="primFontSz" fact="0.42"/>
+            <dgm:constr type="bMarg" refType="primFontSz" fact="0.63"/>
           </dgm:constrLst>
           <dgm:ruleLst>
             <dgm:rule type="h" val="INF" fact="NaN" max="NaN"/>
           </dgm:ruleLst>
         </dgm:layoutNode>
       </dgm:layoutNode>
-      <dgm:forEach name="sibTransForEach" axis="followSib" ptType="sibTrans" cnt="1">
-        <dgm:layoutNode name="sibTrans">
-          <dgm:alg type="conn">
-            <dgm:param type="begPts" val="auto"/>
-            <dgm:param type="endPts" val="auto"/>
-            <dgm:param type="srcNode" val="parTx"/>
-            <dgm:param type="dstNode" val="parTx"/>
-          </dgm:alg>
-          <dgm:shape xmlns:r="http://schemas.openxmlformats.org/officeDocument/2006/relationships" type="conn" r:blip="">
+      <dgm:forEach name="Name5" axis="followSib" ptType="sibTrans" cnt="1">
+        <dgm:layoutNode name="space">
+          <dgm:alg type="sp"/>
+          <dgm:shape xmlns:r="http://schemas.openxmlformats.org/officeDocument/2006/relationships" r:blip="">
             <dgm:adjLst/>
           </dgm:shape>
-          <dgm:presOf axis="self"/>
-          <dgm:constrLst>
-            <dgm:constr type="h" refType="w" fact="0.62"/>
-            <dgm:constr type="connDist"/>
-            <dgm:constr type="begPad" refType="connDist" fact="0.25"/>
-            <dgm:constr type="endPad" refType="connDist" fact="0.22"/>
-          </dgm:constrLst>
+          <dgm:presOf/>
+          <dgm:constrLst/>
           <dgm:ruleLst/>
-          <dgm:layoutNode name="connTx">
-            <dgm:alg type="tx">
-              <dgm:param type="autoTxRot" val="grav"/>
-            </dgm:alg>
-            <dgm:shape xmlns:r="http://schemas.openxmlformats.org/officeDocument/2006/relationships" type="conn" r:blip="" hideGeom="1">
-              <dgm:adjLst/>
-            </dgm:shape>
-            <dgm:presOf axis="self"/>
-            <dgm:constrLst>
-              <dgm:constr type="lMarg"/>
-              <dgm:constr type="rMarg"/>
-              <dgm:constr type="tMarg"/>
-              <dgm:constr type="bMarg"/>
-            </dgm:constrLst>
-            <dgm:ruleLst>
-              <dgm:rule type="primFontSz" val="5" fact="NaN" max="NaN"/>
-            </dgm:ruleLst>
-          </dgm:layoutNode>
         </dgm:layoutNode>
       </dgm:forEach>
     </dgm:forEach>
@@ -16011,7 +14999,7 @@
             <a:fld id="{5586B75A-687E-405C-8A0B-8D00578BA2C3}" type="datetimeFigureOut">
               <a:rPr lang="en-US" smtClean="0"/>
               <a:pPr/>
-              <a:t>4/11/2020</a:t>
+              <a:t>4/12/2020</a:t>
             </a:fld>
             <a:endParaRPr lang="en-US" dirty="0"/>
           </a:p>
@@ -16220,7 +15208,7 @@
             <a:fld id="{5586B75A-687E-405C-8A0B-8D00578BA2C3}" type="datetimeFigureOut">
               <a:rPr lang="en-US" smtClean="0"/>
               <a:pPr/>
-              <a:t>4/11/2020</a:t>
+              <a:t>4/12/2020</a:t>
             </a:fld>
             <a:endParaRPr lang="en-US" dirty="0"/>
           </a:p>
@@ -16402,7 +15390,7 @@
             <a:fld id="{5586B75A-687E-405C-8A0B-8D00578BA2C3}" type="datetimeFigureOut">
               <a:rPr lang="en-US" smtClean="0"/>
               <a:pPr/>
-              <a:t>4/11/2020</a:t>
+              <a:t>4/12/2020</a:t>
             </a:fld>
             <a:endParaRPr lang="en-US" dirty="0"/>
           </a:p>
@@ -16609,7 +15597,7 @@
             <a:fld id="{5586B75A-687E-405C-8A0B-8D00578BA2C3}" type="datetimeFigureOut">
               <a:rPr lang="en-US" smtClean="0"/>
               <a:pPr/>
-              <a:t>4/11/2020</a:t>
+              <a:t>4/12/2020</a:t>
             </a:fld>
             <a:endParaRPr lang="en-US" dirty="0"/>
           </a:p>
@@ -25509,7 +24497,7 @@
             <a:fld id="{5586B75A-687E-405C-8A0B-8D00578BA2C3}" type="datetimeFigureOut">
               <a:rPr lang="en-US" smtClean="0"/>
               <a:pPr/>
-              <a:t>4/11/2020</a:t>
+              <a:t>4/12/2020</a:t>
             </a:fld>
             <a:endParaRPr lang="en-US" dirty="0"/>
           </a:p>
@@ -25785,7 +24773,7 @@
             <a:fld id="{5586B75A-687E-405C-8A0B-8D00578BA2C3}" type="datetimeFigureOut">
               <a:rPr lang="en-US" smtClean="0"/>
               <a:pPr/>
-              <a:t>4/11/2020</a:t>
+              <a:t>4/12/2020</a:t>
             </a:fld>
             <a:endParaRPr lang="en-US" dirty="0"/>
           </a:p>
@@ -26185,7 +25173,7 @@
             <a:fld id="{5586B75A-687E-405C-8A0B-8D00578BA2C3}" type="datetimeFigureOut">
               <a:rPr lang="en-US" smtClean="0"/>
               <a:pPr/>
-              <a:t>4/11/2020</a:t>
+              <a:t>4/12/2020</a:t>
             </a:fld>
             <a:endParaRPr lang="en-US" dirty="0"/>
           </a:p>
@@ -26305,7 +25293,7 @@
             <a:fld id="{5586B75A-687E-405C-8A0B-8D00578BA2C3}" type="datetimeFigureOut">
               <a:rPr lang="en-US" smtClean="0"/>
               <a:pPr/>
-              <a:t>4/11/2020</a:t>
+              <a:t>4/12/2020</a:t>
             </a:fld>
             <a:endParaRPr lang="en-US" dirty="0"/>
           </a:p>
@@ -26402,7 +25390,7 @@
             <a:fld id="{5586B75A-687E-405C-8A0B-8D00578BA2C3}" type="datetimeFigureOut">
               <a:rPr lang="en-US" smtClean="0"/>
               <a:pPr/>
-              <a:t>4/11/2020</a:t>
+              <a:t>4/12/2020</a:t>
             </a:fld>
             <a:endParaRPr lang="en-US" dirty="0"/>
           </a:p>
@@ -26694,7 +25682,7 @@
             <a:fld id="{5586B75A-687E-405C-8A0B-8D00578BA2C3}" type="datetimeFigureOut">
               <a:rPr lang="en-US" smtClean="0"/>
               <a:pPr/>
-              <a:t>4/11/2020</a:t>
+              <a:t>4/12/2020</a:t>
             </a:fld>
             <a:endParaRPr lang="en-US" dirty="0"/>
           </a:p>
@@ -26976,7 +25964,7 @@
             <a:fld id="{5586B75A-687E-405C-8A0B-8D00578BA2C3}" type="datetimeFigureOut">
               <a:rPr lang="en-US" smtClean="0"/>
               <a:pPr/>
-              <a:t>4/11/2020</a:t>
+              <a:t>4/12/2020</a:t>
             </a:fld>
             <a:endParaRPr lang="en-US" dirty="0"/>
           </a:p>
@@ -27228,7 +26216,7 @@
             <a:fld id="{5586B75A-687E-405C-8A0B-8D00578BA2C3}" type="datetimeFigureOut">
               <a:rPr lang="en-US" smtClean="0"/>
               <a:pPr/>
-              <a:t>4/11/2020</a:t>
+              <a:t>4/12/2020</a:t>
             </a:fld>
             <a:endParaRPr lang="en-US" dirty="0"/>
           </a:p>
@@ -28270,6 +27258,417 @@
 </p:sld>
 </file>
 
+<file path=ppt/slides/slide10.xml><?xml version="1.0" encoding="utf-8"?>
+<p:sld xmlns:a="http://schemas.openxmlformats.org/drawingml/2006/main" xmlns:r="http://schemas.openxmlformats.org/officeDocument/2006/relationships" xmlns:p="http://schemas.openxmlformats.org/presentationml/2006/main">
+  <p:cSld>
+    <p:spTree>
+      <p:nvGrpSpPr>
+        <p:cNvPr id="1" name=""/>
+        <p:cNvGrpSpPr/>
+        <p:nvPr/>
+      </p:nvGrpSpPr>
+      <p:grpSpPr>
+        <a:xfrm>
+          <a:off x="0" y="0"/>
+          <a:ext cx="0" cy="0"/>
+          <a:chOff x="0" y="0"/>
+          <a:chExt cx="0" cy="0"/>
+        </a:xfrm>
+      </p:grpSpPr>
+      <p:sp>
+        <p:nvSpPr>
+          <p:cNvPr id="2" name="Titre 1">
+            <a:extLst>
+              <a:ext uri="{FF2B5EF4-FFF2-40B4-BE49-F238E27FC236}">
+                <a16:creationId xmlns:a16="http://schemas.microsoft.com/office/drawing/2014/main" id="{7F963E7C-C107-4106-A07A-BE54459BFAEC}"/>
+              </a:ext>
+            </a:extLst>
+          </p:cNvPr>
+          <p:cNvSpPr>
+            <a:spLocks noGrp="1"/>
+          </p:cNvSpPr>
+          <p:nvPr>
+            <p:ph type="title"/>
+          </p:nvPr>
+        </p:nvSpPr>
+        <p:spPr/>
+        <p:txBody>
+          <a:bodyPr/>
+          <a:lstStyle/>
+          <a:p>
+            <a:r>
+              <a:rPr lang="fr-FR" dirty="0" err="1"/>
+              <a:t>results</a:t>
+            </a:r>
+            <a:r>
+              <a:rPr lang="fr-FR" dirty="0"/>
+              <a:t> for </a:t>
+            </a:r>
+            <a:r>
+              <a:rPr lang="fr-FR" dirty="0" err="1"/>
+              <a:t>products</a:t>
+            </a:r>
+            <a:r>
+              <a:rPr lang="fr-FR" dirty="0"/>
+              <a:t> (1/2)</a:t>
+            </a:r>
+          </a:p>
+        </p:txBody>
+      </p:sp>
+      <p:sp>
+        <p:nvSpPr>
+          <p:cNvPr id="3" name="Espace réservé du contenu 2">
+            <a:extLst>
+              <a:ext uri="{FF2B5EF4-FFF2-40B4-BE49-F238E27FC236}">
+                <a16:creationId xmlns:a16="http://schemas.microsoft.com/office/drawing/2014/main" id="{73A2029E-23B3-49E4-97C5-1F7933C6BAC7}"/>
+              </a:ext>
+            </a:extLst>
+          </p:cNvPr>
+          <p:cNvSpPr>
+            <a:spLocks noGrp="1"/>
+          </p:cNvSpPr>
+          <p:nvPr>
+            <p:ph idx="1"/>
+          </p:nvPr>
+        </p:nvSpPr>
+        <p:spPr/>
+        <p:txBody>
+          <a:bodyPr/>
+          <a:lstStyle/>
+          <a:p>
+            <a:endParaRPr lang="fr-FR"/>
+          </a:p>
+        </p:txBody>
+      </p:sp>
+      <p:pic>
+        <p:nvPicPr>
+          <p:cNvPr id="1026" name="Picture 2">
+            <a:extLst>
+              <a:ext uri="{FF2B5EF4-FFF2-40B4-BE49-F238E27FC236}">
+                <a16:creationId xmlns:a16="http://schemas.microsoft.com/office/drawing/2014/main" id="{478F4FCA-7790-4AE1-81F8-AA8276732974}"/>
+              </a:ext>
+            </a:extLst>
+          </p:cNvPr>
+          <p:cNvPicPr>
+            <a:picLocks noChangeAspect="1" noChangeArrowheads="1"/>
+          </p:cNvPicPr>
+          <p:nvPr/>
+        </p:nvPicPr>
+        <p:blipFill>
+          <a:blip r:embed="rId2">
+            <a:extLst>
+              <a:ext uri="{28A0092B-C50C-407E-A947-70E740481C1C}">
+                <a14:useLocalDpi xmlns:a14="http://schemas.microsoft.com/office/drawing/2010/main" val="0"/>
+              </a:ext>
+            </a:extLst>
+          </a:blip>
+          <a:srcRect/>
+          <a:stretch>
+            <a:fillRect/>
+          </a:stretch>
+        </p:blipFill>
+        <p:spPr bwMode="auto">
+          <a:xfrm>
+            <a:off x="0" y="1657033"/>
+            <a:ext cx="12192000" cy="4935537"/>
+          </a:xfrm>
+          <a:prstGeom prst="rect">
+            <a:avLst/>
+          </a:prstGeom>
+          <a:noFill/>
+          <a:extLst>
+            <a:ext uri="{909E8E84-426E-40DD-AFC4-6F175D3DCCD1}">
+              <a14:hiddenFill xmlns:a14="http://schemas.microsoft.com/office/drawing/2010/main">
+                <a:solidFill>
+                  <a:srgbClr val="FFFFFF"/>
+                </a:solidFill>
+              </a14:hiddenFill>
+            </a:ext>
+          </a:extLst>
+        </p:spPr>
+      </p:pic>
+    </p:spTree>
+    <p:extLst>
+      <p:ext uri="{BB962C8B-B14F-4D97-AF65-F5344CB8AC3E}">
+        <p14:creationId xmlns:p14="http://schemas.microsoft.com/office/powerpoint/2010/main" val="4057719824"/>
+      </p:ext>
+    </p:extLst>
+  </p:cSld>
+  <p:clrMapOvr>
+    <a:masterClrMapping/>
+  </p:clrMapOvr>
+</p:sld>
+</file>
+
+<file path=ppt/slides/slide11.xml><?xml version="1.0" encoding="utf-8"?>
+<p:sld xmlns:a="http://schemas.openxmlformats.org/drawingml/2006/main" xmlns:r="http://schemas.openxmlformats.org/officeDocument/2006/relationships" xmlns:p="http://schemas.openxmlformats.org/presentationml/2006/main">
+  <p:cSld>
+    <p:spTree>
+      <p:nvGrpSpPr>
+        <p:cNvPr id="1" name=""/>
+        <p:cNvGrpSpPr/>
+        <p:nvPr/>
+      </p:nvGrpSpPr>
+      <p:grpSpPr>
+        <a:xfrm>
+          <a:off x="0" y="0"/>
+          <a:ext cx="0" cy="0"/>
+          <a:chOff x="0" y="0"/>
+          <a:chExt cx="0" cy="0"/>
+        </a:xfrm>
+      </p:grpSpPr>
+      <p:sp>
+        <p:nvSpPr>
+          <p:cNvPr id="2" name="Titre 1">
+            <a:extLst>
+              <a:ext uri="{FF2B5EF4-FFF2-40B4-BE49-F238E27FC236}">
+                <a16:creationId xmlns:a16="http://schemas.microsoft.com/office/drawing/2014/main" id="{7F963E7C-C107-4106-A07A-BE54459BFAEC}"/>
+              </a:ext>
+            </a:extLst>
+          </p:cNvPr>
+          <p:cNvSpPr>
+            <a:spLocks noGrp="1"/>
+          </p:cNvSpPr>
+          <p:nvPr>
+            <p:ph type="title"/>
+          </p:nvPr>
+        </p:nvSpPr>
+        <p:spPr/>
+        <p:txBody>
+          <a:bodyPr/>
+          <a:lstStyle/>
+          <a:p>
+            <a:r>
+              <a:rPr lang="fr-FR" dirty="0" err="1"/>
+              <a:t>results</a:t>
+            </a:r>
+            <a:r>
+              <a:rPr lang="fr-FR" dirty="0"/>
+              <a:t> for </a:t>
+            </a:r>
+            <a:r>
+              <a:rPr lang="fr-FR" dirty="0" err="1"/>
+              <a:t>products</a:t>
+            </a:r>
+            <a:r>
+              <a:rPr lang="fr-FR" dirty="0"/>
+              <a:t> (2/2)</a:t>
+            </a:r>
+          </a:p>
+        </p:txBody>
+      </p:sp>
+      <p:pic>
+        <p:nvPicPr>
+          <p:cNvPr id="5" name="Espace réservé du contenu 4">
+            <a:extLst>
+              <a:ext uri="{FF2B5EF4-FFF2-40B4-BE49-F238E27FC236}">
+                <a16:creationId xmlns:a16="http://schemas.microsoft.com/office/drawing/2014/main" id="{659310D4-0D04-4BBB-AA27-5F5A9CD96259}"/>
+              </a:ext>
+            </a:extLst>
+          </p:cNvPr>
+          <p:cNvPicPr>
+            <a:picLocks noGrp="1" noChangeAspect="1"/>
+          </p:cNvPicPr>
+          <p:nvPr>
+            <p:ph idx="1"/>
+          </p:nvPr>
+        </p:nvPicPr>
+        <p:blipFill rotWithShape="1">
+          <a:blip r:embed="rId2"/>
+          <a:srcRect l="-580" r="580" b="8293"/>
+          <a:stretch/>
+        </p:blipFill>
+        <p:spPr>
+          <a:xfrm>
+            <a:off x="1978914" y="1485900"/>
+            <a:ext cx="7810500" cy="5372100"/>
+          </a:xfrm>
+        </p:spPr>
+      </p:pic>
+    </p:spTree>
+    <p:extLst>
+      <p:ext uri="{BB962C8B-B14F-4D97-AF65-F5344CB8AC3E}">
+        <p14:creationId xmlns:p14="http://schemas.microsoft.com/office/powerpoint/2010/main" val="2515390877"/>
+      </p:ext>
+    </p:extLst>
+  </p:cSld>
+  <p:clrMapOvr>
+    <a:masterClrMapping/>
+  </p:clrMapOvr>
+</p:sld>
+</file>
+
+<file path=ppt/slides/slide12.xml><?xml version="1.0" encoding="utf-8"?>
+<p:sld xmlns:a="http://schemas.openxmlformats.org/drawingml/2006/main" xmlns:r="http://schemas.openxmlformats.org/officeDocument/2006/relationships" xmlns:p="http://schemas.openxmlformats.org/presentationml/2006/main">
+  <p:cSld>
+    <p:bg>
+      <p:bgPr>
+        <a:solidFill>
+          <a:schemeClr val="bg1"/>
+        </a:solidFill>
+        <a:effectLst/>
+      </p:bgPr>
+    </p:bg>
+    <p:spTree>
+      <p:nvGrpSpPr>
+        <p:cNvPr id="1" name=""/>
+        <p:cNvGrpSpPr/>
+        <p:nvPr/>
+      </p:nvGrpSpPr>
+      <p:grpSpPr>
+        <a:xfrm>
+          <a:off x="0" y="0"/>
+          <a:ext cx="0" cy="0"/>
+          <a:chOff x="0" y="0"/>
+          <a:chExt cx="0" cy="0"/>
+        </a:xfrm>
+      </p:grpSpPr>
+      <p:sp>
+        <p:nvSpPr>
+          <p:cNvPr id="10" name="Rectangle 9">
+            <a:extLst>
+              <a:ext uri="{FF2B5EF4-FFF2-40B4-BE49-F238E27FC236}">
+                <a16:creationId xmlns:a16="http://schemas.microsoft.com/office/drawing/2014/main" id="{F7422F06-6017-4361-8872-E0E2CEB20B48}"/>
+              </a:ext>
+              <a:ext uri="{C183D7F6-B498-43B3-948B-1728B52AA6E4}">
+                <adec:decorative xmlns:adec="http://schemas.microsoft.com/office/drawing/2017/decorative" val="1"/>
+              </a:ext>
+            </a:extLst>
+          </p:cNvPr>
+          <p:cNvSpPr>
+            <a:spLocks noGrp="1" noRot="1" noChangeAspect="1" noMove="1" noResize="1" noEditPoints="1" noAdjustHandles="1" noChangeArrowheads="1" noChangeShapeType="1" noTextEdit="1"/>
+          </p:cNvSpPr>
+          <p:nvPr>
+            <p:extLst>
+              <p:ext uri="{386F3935-93C4-4BCD-93E2-E3B085C9AB24}">
+                <p16:designElem xmlns:p16="http://schemas.microsoft.com/office/powerpoint/2015/main" val="1"/>
+              </p:ext>
+            </p:extLst>
+          </p:nvPr>
+        </p:nvSpPr>
+        <p:spPr>
+          <a:xfrm>
+            <a:off x="0" y="0"/>
+            <a:ext cx="4648199" cy="6858000"/>
+          </a:xfrm>
+          <a:prstGeom prst="rect">
+            <a:avLst/>
+          </a:prstGeom>
+          <a:solidFill>
+            <a:schemeClr val="accent1"/>
+          </a:solidFill>
+          <a:ln>
+            <a:noFill/>
+          </a:ln>
+        </p:spPr>
+        <p:style>
+          <a:lnRef idx="2">
+            <a:schemeClr val="accent1">
+              <a:shade val="50000"/>
+            </a:schemeClr>
+          </a:lnRef>
+          <a:fillRef idx="1">
+            <a:schemeClr val="accent1"/>
+          </a:fillRef>
+          <a:effectRef idx="0">
+            <a:schemeClr val="accent1"/>
+          </a:effectRef>
+          <a:fontRef idx="minor">
+            <a:schemeClr val="lt1"/>
+          </a:fontRef>
+        </p:style>
+        <p:txBody>
+          <a:bodyPr rtlCol="0" anchor="ctr"/>
+          <a:lstStyle/>
+          <a:p>
+            <a:pPr algn="ctr"/>
+            <a:endParaRPr lang="en-US"/>
+          </a:p>
+        </p:txBody>
+      </p:sp>
+      <p:sp>
+        <p:nvSpPr>
+          <p:cNvPr id="2" name="Titre 1">
+            <a:extLst>
+              <a:ext uri="{FF2B5EF4-FFF2-40B4-BE49-F238E27FC236}">
+                <a16:creationId xmlns:a16="http://schemas.microsoft.com/office/drawing/2014/main" id="{CF2A2BC5-63D5-4E85-9A5E-E474AD8ACBAF}"/>
+              </a:ext>
+            </a:extLst>
+          </p:cNvPr>
+          <p:cNvSpPr>
+            <a:spLocks noGrp="1"/>
+          </p:cNvSpPr>
+          <p:nvPr>
+            <p:ph type="title"/>
+          </p:nvPr>
+        </p:nvSpPr>
+        <p:spPr>
+          <a:xfrm>
+            <a:off x="643468" y="643467"/>
+            <a:ext cx="3415612" cy="5571066"/>
+          </a:xfrm>
+        </p:spPr>
+        <p:txBody>
+          <a:bodyPr>
+            <a:normAutofit/>
+          </a:bodyPr>
+          <a:lstStyle/>
+          <a:p>
+            <a:r>
+              <a:rPr lang="fr-FR">
+                <a:solidFill>
+                  <a:srgbClr val="FFFFFF"/>
+                </a:solidFill>
+              </a:rPr>
+              <a:t>Conclusion</a:t>
+            </a:r>
+          </a:p>
+        </p:txBody>
+      </p:sp>
+      <p:graphicFrame>
+        <p:nvGraphicFramePr>
+          <p:cNvPr id="5" name="Espace réservé du contenu 2">
+            <a:extLst>
+              <a:ext uri="{FF2B5EF4-FFF2-40B4-BE49-F238E27FC236}">
+                <a16:creationId xmlns:a16="http://schemas.microsoft.com/office/drawing/2014/main" id="{E05AC5B7-CE31-4AE8-A3B9-66C9E4119FCD}"/>
+              </a:ext>
+            </a:extLst>
+          </p:cNvPr>
+          <p:cNvGraphicFramePr>
+            <a:graphicFrameLocks noGrp="1"/>
+          </p:cNvGraphicFramePr>
+          <p:nvPr>
+            <p:ph idx="1"/>
+            <p:extLst>
+              <p:ext uri="{D42A27DB-BD31-4B8C-83A1-F6EECF244321}">
+                <p14:modId xmlns:p14="http://schemas.microsoft.com/office/powerpoint/2010/main" val="4076806428"/>
+              </p:ext>
+            </p:extLst>
+          </p:nvPr>
+        </p:nvGraphicFramePr>
+        <p:xfrm>
+          <a:off x="5603875" y="409575"/>
+          <a:ext cx="5641975" cy="6143625"/>
+        </p:xfrm>
+        <a:graphic>
+          <a:graphicData uri="http://schemas.openxmlformats.org/drawingml/2006/diagram">
+            <dgm:relIds xmlns:dgm="http://schemas.openxmlformats.org/drawingml/2006/diagram" xmlns:r="http://schemas.openxmlformats.org/officeDocument/2006/relationships" r:dm="rId2" r:lo="rId3" r:qs="rId4" r:cs="rId5"/>
+          </a:graphicData>
+        </a:graphic>
+      </p:graphicFrame>
+    </p:spTree>
+    <p:extLst>
+      <p:ext uri="{BB962C8B-B14F-4D97-AF65-F5344CB8AC3E}">
+        <p14:creationId xmlns:p14="http://schemas.microsoft.com/office/powerpoint/2010/main" val="2042028500"/>
+      </p:ext>
+    </p:extLst>
+  </p:cSld>
+  <p:clrMapOvr>
+    <a:masterClrMapping/>
+  </p:clrMapOvr>
+</p:sld>
+</file>
+
 <file path=ppt/slides/slide2.xml><?xml version="1.0" encoding="utf-8"?>
 <p:sld xmlns:a="http://schemas.openxmlformats.org/drawingml/2006/main" xmlns:r="http://schemas.openxmlformats.org/officeDocument/2006/relationships" xmlns:p="http://schemas.openxmlformats.org/presentationml/2006/main">
   <p:cSld>
@@ -28546,7 +27945,7 @@
                   <a:schemeClr val="tx1"/>
                 </a:solidFill>
               </a:rPr>
-              <a:t>Objective</a:t>
+              <a:t>Objectives</a:t>
             </a:r>
           </a:p>
           <a:p>
@@ -28562,7 +27961,7 @@
                   <a:schemeClr val="tx1"/>
                 </a:solidFill>
               </a:rPr>
-              <a:t>Web scrapping methodology</a:t>
+              <a:t>Methodology and workflow</a:t>
             </a:r>
           </a:p>
           <a:p>
@@ -28656,8 +28055,12 @@
           <a:lstStyle/>
           <a:p>
             <a:r>
-              <a:rPr lang="fr-FR"/>
-              <a:t>Objective</a:t>
+              <a:rPr lang="fr-FR" dirty="0"/>
+              <a:t>Objectives of the </a:t>
+            </a:r>
+            <a:r>
+              <a:rPr lang="fr-FR" dirty="0" err="1"/>
+              <a:t>project</a:t>
             </a:r>
             <a:endParaRPr lang="fr-FR" dirty="0"/>
           </a:p>
@@ -28681,41 +28084,30 @@
         </p:nvSpPr>
         <p:spPr/>
         <p:txBody>
-          <a:bodyPr/>
+          <a:bodyPr>
+            <a:normAutofit fontScale="92500" lnSpcReduction="20000"/>
+          </a:bodyPr>
           <a:lstStyle/>
           <a:p>
             <a:r>
-              <a:rPr lang="fr-FR" dirty="0" err="1"/>
+              <a:rPr lang="fr-FR" b="1" dirty="0" err="1"/>
               <a:t>Collect</a:t>
             </a:r>
             <a:r>
-              <a:rPr lang="fr-FR" dirty="0"/>
+              <a:rPr lang="fr-FR" b="1" dirty="0"/>
               <a:t> information about </a:t>
             </a:r>
             <a:r>
-              <a:rPr lang="fr-FR" dirty="0" err="1"/>
+              <a:rPr lang="fr-FR" b="1" dirty="0" err="1"/>
               <a:t>products</a:t>
             </a:r>
             <a:r>
-              <a:rPr lang="fr-FR" dirty="0"/>
-              <a:t> </a:t>
+              <a:rPr lang="fr-FR" b="1" dirty="0"/>
+              <a:t> on Carrefour.fr</a:t>
             </a:r>
-            <a:r>
-              <a:rPr lang="fr-FR" dirty="0" err="1"/>
-              <a:t>being</a:t>
-            </a:r>
-            <a:r>
-              <a:rPr lang="fr-FR" dirty="0"/>
-              <a:t> </a:t>
-            </a:r>
-            <a:r>
-              <a:rPr lang="fr-FR" dirty="0" err="1"/>
-              <a:t>promoted</a:t>
-            </a:r>
-            <a:r>
-              <a:rPr lang="fr-FR" dirty="0"/>
-              <a:t> on Carrefour.com</a:t>
-            </a:r>
+          </a:p>
+          <a:p>
+            <a:endParaRPr lang="fr-FR" dirty="0"/>
           </a:p>
           <a:p>
             <a:r>
@@ -28724,7 +28116,15 @@
             </a:r>
             <a:r>
               <a:rPr lang="fr-FR" dirty="0"/>
-              <a:t> the promotions, and more </a:t>
+              <a:t> </a:t>
+            </a:r>
+            <a:r>
+              <a:rPr lang="fr-FR" dirty="0" err="1"/>
+              <a:t>products</a:t>
+            </a:r>
+            <a:r>
+              <a:rPr lang="fr-FR" dirty="0"/>
+              <a:t>, and more </a:t>
             </a:r>
             <a:r>
               <a:rPr lang="fr-FR" dirty="0" err="1"/>
@@ -28737,100 +28137,28 @@
           </a:p>
           <a:p>
             <a:pPr lvl="1"/>
-            <a:r>
-              <a:rPr lang="fr-FR" dirty="0"/>
-              <a:t>The </a:t>
-            </a:r>
-            <a:r>
-              <a:rPr lang="fr-FR" dirty="0" err="1"/>
-              <a:t>number</a:t>
-            </a:r>
-            <a:r>
-              <a:rPr lang="fr-FR" dirty="0"/>
-              <a:t> of promotions</a:t>
-            </a:r>
-          </a:p>
-          <a:p>
-            <a:pPr lvl="1"/>
-            <a:r>
-              <a:rPr lang="fr-FR" dirty="0"/>
-              <a:t>The </a:t>
-            </a:r>
-            <a:r>
-              <a:rPr lang="fr-FR" dirty="0" err="1"/>
-              <a:t>categories</a:t>
-            </a:r>
-            <a:r>
-              <a:rPr lang="fr-FR" dirty="0"/>
-              <a:t> and </a:t>
-            </a:r>
-            <a:r>
-              <a:rPr lang="fr-FR" dirty="0" err="1"/>
-              <a:t>subcatgories</a:t>
-            </a:r>
-            <a:r>
-              <a:rPr lang="fr-FR" dirty="0"/>
-              <a:t> </a:t>
-            </a:r>
-            <a:r>
-              <a:rPr lang="fr-FR" dirty="0" err="1"/>
-              <a:t>being</a:t>
-            </a:r>
-            <a:r>
-              <a:rPr lang="fr-FR" dirty="0"/>
-              <a:t> the </a:t>
-            </a:r>
-            <a:r>
-              <a:rPr lang="fr-FR" dirty="0" err="1"/>
-              <a:t>most</a:t>
-            </a:r>
-            <a:r>
-              <a:rPr lang="fr-FR" dirty="0"/>
-              <a:t> </a:t>
-            </a:r>
-            <a:r>
-              <a:rPr lang="fr-FR" dirty="0" err="1"/>
-              <a:t>promoted</a:t>
-            </a:r>
             <a:endParaRPr lang="fr-FR" dirty="0"/>
           </a:p>
           <a:p>
             <a:pPr lvl="1"/>
-            <a:r>
-              <a:rPr lang="fr-FR" dirty="0"/>
-              <a:t>The type of promotion</a:t>
-            </a:r>
+            <a:endParaRPr lang="fr-FR" dirty="0"/>
           </a:p>
           <a:p>
             <a:pPr lvl="1"/>
-            <a:r>
-              <a:rPr lang="fr-FR" dirty="0"/>
-              <a:t>The brands </a:t>
-            </a:r>
-            <a:r>
-              <a:rPr lang="fr-FR" dirty="0" err="1"/>
-              <a:t>promoting</a:t>
-            </a:r>
-            <a:r>
-              <a:rPr lang="fr-FR" dirty="0"/>
-              <a:t> the </a:t>
-            </a:r>
-            <a:r>
-              <a:rPr lang="fr-FR" dirty="0" err="1"/>
-              <a:t>most</a:t>
-            </a:r>
-            <a:r>
-              <a:rPr lang="fr-FR" dirty="0"/>
-              <a:t> on the </a:t>
-            </a:r>
-            <a:r>
-              <a:rPr lang="fr-FR" dirty="0" err="1"/>
-              <a:t>website</a:t>
-            </a:r>
+            <a:endParaRPr lang="fr-FR" dirty="0"/>
+          </a:p>
+          <a:p>
+            <a:pPr lvl="1"/>
             <a:endParaRPr lang="fr-FR" dirty="0"/>
           </a:p>
           <a:p>
             <a:pPr marL="128016" lvl="1" indent="0">
+              <a:buNone/>
+            </a:pPr>
+            <a:endParaRPr lang="fr-FR" dirty="0"/>
+          </a:p>
+          <a:p>
+            <a:pPr marL="0" indent="0">
               <a:buNone/>
             </a:pPr>
             <a:endParaRPr lang="fr-FR" dirty="0"/>
@@ -28881,6 +28209,20 @@
               <a:t> brands</a:t>
             </a:r>
           </a:p>
+          <a:p>
+            <a:pPr marL="470916" lvl="1" indent="-342900">
+              <a:buFontTx/>
+              <a:buChar char="-"/>
+            </a:pPr>
+            <a:r>
+              <a:rPr lang="fr-FR" dirty="0" err="1"/>
+              <a:t>Category</a:t>
+            </a:r>
+            <a:r>
+              <a:rPr lang="fr-FR" dirty="0"/>
+              <a:t> managers</a:t>
+            </a:r>
+          </a:p>
         </p:txBody>
       </p:sp>
       <p:pic>
@@ -28929,6 +28271,453 @@
           </a:extLst>
         </p:spPr>
       </p:pic>
+      <p:sp>
+        <p:nvSpPr>
+          <p:cNvPr id="6" name="Espace réservé du contenu 4">
+            <a:extLst>
+              <a:ext uri="{FF2B5EF4-FFF2-40B4-BE49-F238E27FC236}">
+                <a16:creationId xmlns:a16="http://schemas.microsoft.com/office/drawing/2014/main" id="{2902FB92-74FE-4EB2-B863-ED8FED7CA65E}"/>
+              </a:ext>
+            </a:extLst>
+          </p:cNvPr>
+          <p:cNvSpPr txBox="1">
+            <a:spLocks/>
+          </p:cNvSpPr>
+          <p:nvPr/>
+        </p:nvSpPr>
+        <p:spPr>
+          <a:xfrm>
+            <a:off x="1447799" y="3516510"/>
+            <a:ext cx="9720073" cy="1934741"/>
+          </a:xfrm>
+          <a:prstGeom prst="rect">
+            <a:avLst/>
+          </a:prstGeom>
+        </p:spPr>
+        <p:txBody>
+          <a:bodyPr vert="horz" lIns="45720" tIns="45720" rIns="45720" bIns="45720" numCol="2" rtlCol="0">
+            <a:normAutofit/>
+          </a:bodyPr>
+          <a:lstStyle>
+            <a:lvl1pPr marL="91440" indent="-91440" algn="l" defTabSz="914400" rtl="0" eaLnBrk="1" latinLnBrk="0" hangingPunct="1">
+              <a:lnSpc>
+                <a:spcPct val="90000"/>
+              </a:lnSpc>
+              <a:spcBef>
+                <a:spcPts val="1200"/>
+              </a:spcBef>
+              <a:spcAft>
+                <a:spcPts val="200"/>
+              </a:spcAft>
+              <a:buClr>
+                <a:schemeClr val="accent1"/>
+              </a:buClr>
+              <a:buSzPct val="100000"/>
+              <a:buFont typeface="Tw Cen MT" panose="020B0602020104020603" pitchFamily="34" charset="0"/>
+              <a:buChar char=" "/>
+              <a:defRPr sz="2200" kern="1200">
+                <a:solidFill>
+                  <a:schemeClr val="tx1"/>
+                </a:solidFill>
+                <a:latin typeface="+mn-lt"/>
+                <a:ea typeface="+mn-ea"/>
+                <a:cs typeface="+mn-cs"/>
+              </a:defRPr>
+            </a:lvl1pPr>
+            <a:lvl2pPr marL="265176" indent="-137160" algn="l" defTabSz="914400" rtl="0" eaLnBrk="1" latinLnBrk="0" hangingPunct="1">
+              <a:lnSpc>
+                <a:spcPct val="90000"/>
+              </a:lnSpc>
+              <a:spcBef>
+                <a:spcPts val="200"/>
+              </a:spcBef>
+              <a:spcAft>
+                <a:spcPts val="400"/>
+              </a:spcAft>
+              <a:buClr>
+                <a:schemeClr val="accent1"/>
+              </a:buClr>
+              <a:buFont typeface="Wingdings 3" pitchFamily="18" charset="2"/>
+              <a:buChar char=""/>
+              <a:defRPr sz="1800" kern="1200">
+                <a:solidFill>
+                  <a:schemeClr val="tx1"/>
+                </a:solidFill>
+                <a:latin typeface="+mn-lt"/>
+                <a:ea typeface="+mn-ea"/>
+                <a:cs typeface="+mn-cs"/>
+              </a:defRPr>
+            </a:lvl2pPr>
+            <a:lvl3pPr marL="448056" indent="-137160" algn="l" defTabSz="914400" rtl="0" eaLnBrk="1" latinLnBrk="0" hangingPunct="1">
+              <a:lnSpc>
+                <a:spcPct val="90000"/>
+              </a:lnSpc>
+              <a:spcBef>
+                <a:spcPts val="200"/>
+              </a:spcBef>
+              <a:spcAft>
+                <a:spcPts val="400"/>
+              </a:spcAft>
+              <a:buClr>
+                <a:schemeClr val="accent1"/>
+              </a:buClr>
+              <a:buFont typeface="Wingdings 3" pitchFamily="18" charset="2"/>
+              <a:buChar char=""/>
+              <a:defRPr sz="1400" kern="1200">
+                <a:solidFill>
+                  <a:schemeClr val="tx1"/>
+                </a:solidFill>
+                <a:latin typeface="+mn-lt"/>
+                <a:ea typeface="+mn-ea"/>
+                <a:cs typeface="+mn-cs"/>
+              </a:defRPr>
+            </a:lvl3pPr>
+            <a:lvl4pPr marL="594360" indent="-137160" algn="l" defTabSz="914400" rtl="0" eaLnBrk="1" latinLnBrk="0" hangingPunct="1">
+              <a:lnSpc>
+                <a:spcPct val="90000"/>
+              </a:lnSpc>
+              <a:spcBef>
+                <a:spcPts val="200"/>
+              </a:spcBef>
+              <a:spcAft>
+                <a:spcPts val="400"/>
+              </a:spcAft>
+              <a:buClr>
+                <a:schemeClr val="accent1"/>
+              </a:buClr>
+              <a:buFont typeface="Wingdings 3" pitchFamily="18" charset="2"/>
+              <a:buChar char=""/>
+              <a:defRPr sz="1400" kern="1200">
+                <a:solidFill>
+                  <a:schemeClr val="tx1"/>
+                </a:solidFill>
+                <a:latin typeface="+mn-lt"/>
+                <a:ea typeface="+mn-ea"/>
+                <a:cs typeface="+mn-cs"/>
+              </a:defRPr>
+            </a:lvl4pPr>
+            <a:lvl5pPr marL="777240" indent="-137160" algn="l" defTabSz="914400" rtl="0" eaLnBrk="1" latinLnBrk="0" hangingPunct="1">
+              <a:lnSpc>
+                <a:spcPct val="90000"/>
+              </a:lnSpc>
+              <a:spcBef>
+                <a:spcPts val="200"/>
+              </a:spcBef>
+              <a:spcAft>
+                <a:spcPts val="400"/>
+              </a:spcAft>
+              <a:buClr>
+                <a:schemeClr val="accent1"/>
+              </a:buClr>
+              <a:buFont typeface="Wingdings 3" pitchFamily="18" charset="2"/>
+              <a:buChar char=""/>
+              <a:defRPr sz="1400" kern="1200">
+                <a:solidFill>
+                  <a:schemeClr val="tx1"/>
+                </a:solidFill>
+                <a:latin typeface="+mn-lt"/>
+                <a:ea typeface="+mn-ea"/>
+                <a:cs typeface="+mn-cs"/>
+              </a:defRPr>
+            </a:lvl5pPr>
+            <a:lvl6pPr marL="914400" indent="-137160" algn="l" defTabSz="914400" rtl="0" eaLnBrk="1" latinLnBrk="0" hangingPunct="1">
+              <a:lnSpc>
+                <a:spcPct val="90000"/>
+              </a:lnSpc>
+              <a:spcBef>
+                <a:spcPts val="200"/>
+              </a:spcBef>
+              <a:spcAft>
+                <a:spcPts val="400"/>
+              </a:spcAft>
+              <a:buClr>
+                <a:schemeClr val="accent1"/>
+              </a:buClr>
+              <a:buFont typeface="Wingdings 3" pitchFamily="18" charset="2"/>
+              <a:buChar char=""/>
+              <a:defRPr sz="1400" kern="1200">
+                <a:solidFill>
+                  <a:schemeClr val="tx1"/>
+                </a:solidFill>
+                <a:latin typeface="+mn-lt"/>
+                <a:ea typeface="+mn-ea"/>
+                <a:cs typeface="+mn-cs"/>
+              </a:defRPr>
+            </a:lvl6pPr>
+            <a:lvl7pPr marL="1060704" indent="-137160" algn="l" defTabSz="914400" rtl="0" eaLnBrk="1" latinLnBrk="0" hangingPunct="1">
+              <a:lnSpc>
+                <a:spcPct val="90000"/>
+              </a:lnSpc>
+              <a:spcBef>
+                <a:spcPts val="200"/>
+              </a:spcBef>
+              <a:spcAft>
+                <a:spcPts val="400"/>
+              </a:spcAft>
+              <a:buClr>
+                <a:schemeClr val="accent1"/>
+              </a:buClr>
+              <a:buFont typeface="Wingdings 3" pitchFamily="18" charset="2"/>
+              <a:buChar char=""/>
+              <a:defRPr sz="1400" kern="1200">
+                <a:solidFill>
+                  <a:schemeClr val="tx1"/>
+                </a:solidFill>
+                <a:latin typeface="+mn-lt"/>
+                <a:ea typeface="+mn-ea"/>
+                <a:cs typeface="+mn-cs"/>
+              </a:defRPr>
+            </a:lvl7pPr>
+            <a:lvl8pPr marL="1216152" indent="-137160" algn="l" defTabSz="914400" rtl="0" eaLnBrk="1" latinLnBrk="0" hangingPunct="1">
+              <a:lnSpc>
+                <a:spcPct val="90000"/>
+              </a:lnSpc>
+              <a:spcBef>
+                <a:spcPts val="200"/>
+              </a:spcBef>
+              <a:spcAft>
+                <a:spcPts val="400"/>
+              </a:spcAft>
+              <a:buClr>
+                <a:schemeClr val="accent1"/>
+              </a:buClr>
+              <a:buFont typeface="Wingdings 3" pitchFamily="18" charset="2"/>
+              <a:buChar char=""/>
+              <a:defRPr sz="1400" kern="1200">
+                <a:solidFill>
+                  <a:schemeClr val="tx1"/>
+                </a:solidFill>
+                <a:latin typeface="+mn-lt"/>
+                <a:ea typeface="+mn-ea"/>
+                <a:cs typeface="+mn-cs"/>
+              </a:defRPr>
+            </a:lvl8pPr>
+            <a:lvl9pPr marL="1362456" indent="-137160" algn="l" defTabSz="914400" rtl="0" eaLnBrk="1" latinLnBrk="0" hangingPunct="1">
+              <a:lnSpc>
+                <a:spcPct val="90000"/>
+              </a:lnSpc>
+              <a:spcBef>
+                <a:spcPts val="200"/>
+              </a:spcBef>
+              <a:spcAft>
+                <a:spcPts val="400"/>
+              </a:spcAft>
+              <a:buClr>
+                <a:schemeClr val="accent1"/>
+              </a:buClr>
+              <a:buFont typeface="Wingdings 3" pitchFamily="18" charset="2"/>
+              <a:buChar char=""/>
+              <a:defRPr sz="1400" kern="1200">
+                <a:solidFill>
+                  <a:schemeClr val="tx1"/>
+                </a:solidFill>
+                <a:latin typeface="+mn-lt"/>
+                <a:ea typeface="+mn-ea"/>
+                <a:cs typeface="+mn-cs"/>
+              </a:defRPr>
+            </a:lvl9pPr>
+          </a:lstStyle>
+          <a:p>
+            <a:pPr marL="128016" lvl="1" indent="0">
+              <a:buNone/>
+            </a:pPr>
+            <a:r>
+              <a:rPr lang="fr-FR" dirty="0"/>
+              <a:t>Promotions:</a:t>
+            </a:r>
+          </a:p>
+          <a:p>
+            <a:pPr lvl="2"/>
+            <a:r>
+              <a:rPr lang="fr-FR" dirty="0"/>
+              <a:t>The </a:t>
+            </a:r>
+            <a:r>
+              <a:rPr lang="fr-FR" dirty="0" err="1"/>
+              <a:t>number</a:t>
+            </a:r>
+            <a:r>
+              <a:rPr lang="fr-FR" dirty="0"/>
+              <a:t> of promotions</a:t>
+            </a:r>
+          </a:p>
+          <a:p>
+            <a:pPr lvl="2"/>
+            <a:r>
+              <a:rPr lang="fr-FR" dirty="0"/>
+              <a:t>The </a:t>
+            </a:r>
+            <a:r>
+              <a:rPr lang="fr-FR" dirty="0" err="1"/>
+              <a:t>categories</a:t>
+            </a:r>
+            <a:r>
+              <a:rPr lang="fr-FR" dirty="0"/>
+              <a:t> and </a:t>
+            </a:r>
+            <a:r>
+              <a:rPr lang="fr-FR" dirty="0" err="1"/>
+              <a:t>subcatgories</a:t>
+            </a:r>
+            <a:r>
+              <a:rPr lang="fr-FR" dirty="0"/>
+              <a:t> </a:t>
+            </a:r>
+            <a:r>
+              <a:rPr lang="fr-FR" dirty="0" err="1"/>
+              <a:t>being</a:t>
+            </a:r>
+            <a:r>
+              <a:rPr lang="fr-FR" dirty="0"/>
+              <a:t> the </a:t>
+            </a:r>
+            <a:r>
+              <a:rPr lang="fr-FR" dirty="0" err="1"/>
+              <a:t>most</a:t>
+            </a:r>
+            <a:r>
+              <a:rPr lang="fr-FR" dirty="0"/>
+              <a:t> </a:t>
+            </a:r>
+            <a:r>
+              <a:rPr lang="fr-FR" dirty="0" err="1"/>
+              <a:t>promoted</a:t>
+            </a:r>
+            <a:endParaRPr lang="fr-FR" dirty="0"/>
+          </a:p>
+          <a:p>
+            <a:pPr lvl="2"/>
+            <a:r>
+              <a:rPr lang="fr-FR" dirty="0"/>
+              <a:t>The type of promotion</a:t>
+            </a:r>
+          </a:p>
+          <a:p>
+            <a:pPr lvl="2"/>
+            <a:r>
+              <a:rPr lang="fr-FR" dirty="0"/>
+              <a:t>The brands </a:t>
+            </a:r>
+            <a:r>
+              <a:rPr lang="fr-FR" dirty="0" err="1"/>
+              <a:t>promoting</a:t>
+            </a:r>
+            <a:r>
+              <a:rPr lang="fr-FR" dirty="0"/>
+              <a:t> the </a:t>
+            </a:r>
+            <a:r>
+              <a:rPr lang="fr-FR" dirty="0" err="1"/>
+              <a:t>most</a:t>
+            </a:r>
+            <a:r>
+              <a:rPr lang="fr-FR" dirty="0"/>
+              <a:t> on the </a:t>
+            </a:r>
+            <a:r>
+              <a:rPr lang="fr-FR" dirty="0" err="1"/>
+              <a:t>website</a:t>
+            </a:r>
+            <a:endParaRPr lang="fr-FR" dirty="0"/>
+          </a:p>
+          <a:p>
+            <a:pPr lvl="1"/>
+            <a:endParaRPr lang="fr-FR" dirty="0"/>
+          </a:p>
+          <a:p>
+            <a:pPr marL="128016" lvl="1" indent="0">
+              <a:buNone/>
+            </a:pPr>
+            <a:r>
+              <a:rPr lang="fr-FR" dirty="0" err="1"/>
+              <a:t>Products</a:t>
+            </a:r>
+            <a:r>
+              <a:rPr lang="fr-FR" dirty="0"/>
+              <a:t>, in </a:t>
+            </a:r>
+            <a:r>
+              <a:rPr lang="fr-FR" dirty="0" err="1"/>
+              <a:t>their</a:t>
+            </a:r>
+            <a:r>
+              <a:rPr lang="fr-FR" dirty="0"/>
+              <a:t> </a:t>
+            </a:r>
+            <a:r>
+              <a:rPr lang="fr-FR" dirty="0" err="1"/>
+              <a:t>category</a:t>
+            </a:r>
+            <a:r>
+              <a:rPr lang="fr-FR" dirty="0"/>
+              <a:t>:</a:t>
+            </a:r>
+          </a:p>
+          <a:p>
+            <a:pPr lvl="2"/>
+            <a:r>
+              <a:rPr lang="fr-FR" dirty="0"/>
+              <a:t>Most </a:t>
+            </a:r>
+            <a:r>
+              <a:rPr lang="fr-FR" dirty="0" err="1"/>
+              <a:t>represented</a:t>
+            </a:r>
+            <a:r>
+              <a:rPr lang="fr-FR" dirty="0"/>
+              <a:t> </a:t>
+            </a:r>
+            <a:r>
+              <a:rPr lang="fr-FR" dirty="0" err="1"/>
+              <a:t>subcategories</a:t>
+            </a:r>
+            <a:endParaRPr lang="fr-FR" dirty="0"/>
+          </a:p>
+          <a:p>
+            <a:pPr lvl="2"/>
+            <a:r>
+              <a:rPr lang="fr-FR" dirty="0"/>
+              <a:t>Top brands </a:t>
+            </a:r>
+          </a:p>
+          <a:p>
+            <a:pPr lvl="2"/>
+            <a:r>
+              <a:rPr lang="fr-FR" dirty="0"/>
+              <a:t>Global </a:t>
+            </a:r>
+            <a:r>
+              <a:rPr lang="fr-FR" dirty="0" err="1"/>
+              <a:t>prices</a:t>
+            </a:r>
+            <a:r>
+              <a:rPr lang="fr-FR" dirty="0"/>
+              <a:t> and </a:t>
+            </a:r>
+            <a:r>
+              <a:rPr lang="fr-FR" dirty="0" err="1"/>
+              <a:t>products</a:t>
+            </a:r>
+            <a:r>
+              <a:rPr lang="fr-FR" dirty="0"/>
+              <a:t> </a:t>
+            </a:r>
+            <a:r>
+              <a:rPr lang="fr-FR" dirty="0" err="1"/>
+              <a:t>sold</a:t>
+            </a:r>
+            <a:r>
+              <a:rPr lang="fr-FR" dirty="0"/>
+              <a:t> on the </a:t>
+            </a:r>
+            <a:r>
+              <a:rPr lang="fr-FR" dirty="0" err="1"/>
+              <a:t>website</a:t>
+            </a:r>
+            <a:endParaRPr lang="fr-FR" dirty="0"/>
+          </a:p>
+        </p:txBody>
+      </p:sp>
     </p:spTree>
     <p:extLst>
       <p:ext uri="{BB962C8B-B14F-4D97-AF65-F5344CB8AC3E}">
@@ -29150,18 +28939,6 @@
           <a:lstStyle/>
           <a:p>
             <a:r>
-              <a:rPr lang="fr-FR" dirty="0"/>
-              <a:t>Web </a:t>
-            </a:r>
-            <a:r>
-              <a:rPr lang="fr-FR" dirty="0" err="1"/>
-              <a:t>Scrapping</a:t>
-            </a:r>
-            <a:r>
-              <a:rPr lang="fr-FR" dirty="0"/>
-              <a:t> </a:t>
-            </a:r>
-            <a:r>
               <a:rPr lang="fr-FR" dirty="0" err="1"/>
               <a:t>methodology</a:t>
             </a:r>
@@ -29171,10 +28948,10 @@
       </p:sp>
       <p:graphicFrame>
         <p:nvGraphicFramePr>
-          <p:cNvPr id="5" name="Diagramme 4">
+          <p:cNvPr id="4" name="Diagramme 3">
             <a:extLst>
               <a:ext uri="{FF2B5EF4-FFF2-40B4-BE49-F238E27FC236}">
-                <a16:creationId xmlns:a16="http://schemas.microsoft.com/office/drawing/2014/main" id="{E224C8CD-0CF0-479F-BB88-DB7425F89D5F}"/>
+                <a16:creationId xmlns:a16="http://schemas.microsoft.com/office/drawing/2014/main" id="{7CFD631E-0808-4A4B-8E85-21968CD3E31B}"/>
               </a:ext>
             </a:extLst>
           </p:cNvPr>
@@ -29182,14 +28959,14 @@
           <p:nvPr>
             <p:extLst>
               <p:ext uri="{D42A27DB-BD31-4B8C-83A1-F6EECF244321}">
-                <p14:modId xmlns:p14="http://schemas.microsoft.com/office/powerpoint/2010/main" val="198112827"/>
+                <p14:modId xmlns:p14="http://schemas.microsoft.com/office/powerpoint/2010/main" val="4292914237"/>
               </p:ext>
             </p:extLst>
           </p:nvPr>
         </p:nvGraphicFramePr>
         <p:xfrm>
-          <a:off x="1024128" y="967316"/>
-          <a:ext cx="10996422" cy="5418667"/>
+          <a:off x="2032000" y="2308122"/>
+          <a:ext cx="8128000" cy="3650227"/>
         </p:xfrm>
         <a:graphic>
           <a:graphicData uri="http://schemas.openxmlformats.org/drawingml/2006/diagram">
@@ -29211,6 +28988,93 @@
 </file>
 
 <file path=ppt/slides/slide6.xml><?xml version="1.0" encoding="utf-8"?>
+<p:sld xmlns:a="http://schemas.openxmlformats.org/drawingml/2006/main" xmlns:r="http://schemas.openxmlformats.org/officeDocument/2006/relationships" xmlns:p="http://schemas.openxmlformats.org/presentationml/2006/main">
+  <p:cSld>
+    <p:spTree>
+      <p:nvGrpSpPr>
+        <p:cNvPr id="1" name=""/>
+        <p:cNvGrpSpPr/>
+        <p:nvPr/>
+      </p:nvGrpSpPr>
+      <p:grpSpPr>
+        <a:xfrm>
+          <a:off x="0" y="0"/>
+          <a:ext cx="0" cy="0"/>
+          <a:chOff x="0" y="0"/>
+          <a:chExt cx="0" cy="0"/>
+        </a:xfrm>
+      </p:grpSpPr>
+      <p:sp>
+        <p:nvSpPr>
+          <p:cNvPr id="2" name="Titre 1">
+            <a:extLst>
+              <a:ext uri="{FF2B5EF4-FFF2-40B4-BE49-F238E27FC236}">
+                <a16:creationId xmlns:a16="http://schemas.microsoft.com/office/drawing/2014/main" id="{766B0964-ADA2-495E-8E26-1A298C122DFB}"/>
+              </a:ext>
+            </a:extLst>
+          </p:cNvPr>
+          <p:cNvSpPr>
+            <a:spLocks noGrp="1"/>
+          </p:cNvSpPr>
+          <p:nvPr>
+            <p:ph type="title"/>
+          </p:nvPr>
+        </p:nvSpPr>
+        <p:spPr/>
+        <p:txBody>
+          <a:bodyPr/>
+          <a:lstStyle/>
+          <a:p>
+            <a:r>
+              <a:rPr lang="fr-FR" dirty="0"/>
+              <a:t>workflow</a:t>
+            </a:r>
+          </a:p>
+        </p:txBody>
+      </p:sp>
+      <p:pic>
+        <p:nvPicPr>
+          <p:cNvPr id="9" name="Espace réservé du contenu 8" descr="Une image contenant noir, garé, cité, rue&#10;&#10;Description générée automatiquement">
+            <a:extLst>
+              <a:ext uri="{FF2B5EF4-FFF2-40B4-BE49-F238E27FC236}">
+                <a16:creationId xmlns:a16="http://schemas.microsoft.com/office/drawing/2014/main" id="{AFFC0824-E896-43CD-8A4C-C2B82D8EF26C}"/>
+              </a:ext>
+            </a:extLst>
+          </p:cNvPr>
+          <p:cNvPicPr>
+            <a:picLocks noGrp="1" noChangeAspect="1"/>
+          </p:cNvPicPr>
+          <p:nvPr>
+            <p:ph idx="1"/>
+          </p:nvPr>
+        </p:nvPicPr>
+        <p:blipFill>
+          <a:blip r:embed="rId2"/>
+          <a:stretch>
+            <a:fillRect/>
+          </a:stretch>
+        </p:blipFill>
+        <p:spPr>
+          <a:xfrm>
+            <a:off x="1127728" y="2570482"/>
+            <a:ext cx="9936544" cy="2844860"/>
+          </a:xfrm>
+        </p:spPr>
+      </p:pic>
+    </p:spTree>
+    <p:extLst>
+      <p:ext uri="{BB962C8B-B14F-4D97-AF65-F5344CB8AC3E}">
+        <p14:creationId xmlns:p14="http://schemas.microsoft.com/office/powerpoint/2010/main" val="1307947024"/>
+      </p:ext>
+    </p:extLst>
+  </p:cSld>
+  <p:clrMapOvr>
+    <a:masterClrMapping/>
+  </p:clrMapOvr>
+</p:sld>
+</file>
+
+<file path=ppt/slides/slide7.xml><?xml version="1.0" encoding="utf-8"?>
 <p:sld xmlns:a="http://schemas.openxmlformats.org/drawingml/2006/main" xmlns:r="http://schemas.openxmlformats.org/officeDocument/2006/relationships" xmlns:p="http://schemas.openxmlformats.org/presentationml/2006/main">
   <p:cSld>
     <p:spTree>
@@ -29255,9 +29119,12 @@
           <a:p>
             <a:r>
               <a:rPr lang="fr-FR" dirty="0" err="1"/>
-              <a:t>results</a:t>
+              <a:t>Results</a:t>
             </a:r>
-            <a:endParaRPr lang="fr-FR" dirty="0"/>
+            <a:r>
+              <a:rPr lang="fr-FR" dirty="0"/>
+              <a:t> For PROMOTIONS (1/3)</a:t>
+            </a:r>
           </a:p>
         </p:txBody>
       </p:sp>
@@ -29342,6 +29209,36 @@
           </p:spPr>
         </p:pic>
       </p:grpSp>
+      <p:pic>
+        <p:nvPicPr>
+          <p:cNvPr id="4" name="Image 3">
+            <a:extLst>
+              <a:ext uri="{FF2B5EF4-FFF2-40B4-BE49-F238E27FC236}">
+                <a16:creationId xmlns:a16="http://schemas.microsoft.com/office/drawing/2014/main" id="{D2416523-D734-421A-A512-129362CD38DE}"/>
+              </a:ext>
+            </a:extLst>
+          </p:cNvPr>
+          <p:cNvPicPr>
+            <a:picLocks noChangeAspect="1"/>
+          </p:cNvPicPr>
+          <p:nvPr/>
+        </p:nvPicPr>
+        <p:blipFill>
+          <a:blip r:embed="rId4"/>
+          <a:stretch>
+            <a:fillRect/>
+          </a:stretch>
+        </p:blipFill>
+        <p:spPr>
+          <a:xfrm>
+            <a:off x="1024128" y="1624388"/>
+            <a:ext cx="3067421" cy="337761"/>
+          </a:xfrm>
+          <a:prstGeom prst="rect">
+            <a:avLst/>
+          </a:prstGeom>
+        </p:spPr>
+      </p:pic>
     </p:spTree>
     <p:extLst>
       <p:ext uri="{BB962C8B-B14F-4D97-AF65-F5344CB8AC3E}">
@@ -29355,7 +29252,7 @@
 </p:sld>
 </file>
 
-<file path=ppt/slides/slide7.xml><?xml version="1.0" encoding="utf-8"?>
+<file path=ppt/slides/slide8.xml><?xml version="1.0" encoding="utf-8"?>
 <p:sld xmlns:a="http://schemas.openxmlformats.org/drawingml/2006/main" xmlns:r="http://schemas.openxmlformats.org/officeDocument/2006/relationships" xmlns:p="http://schemas.openxmlformats.org/presentationml/2006/main">
   <p:cSld>
     <p:spTree>
@@ -29400,9 +29297,12 @@
           <a:p>
             <a:r>
               <a:rPr lang="fr-FR" dirty="0" err="1"/>
-              <a:t>results</a:t>
+              <a:t>Results</a:t>
             </a:r>
-            <a:endParaRPr lang="fr-FR" dirty="0"/>
+            <a:r>
+              <a:rPr lang="fr-FR" dirty="0"/>
+              <a:t> for promotions (2/3)</a:t>
+            </a:r>
           </a:p>
         </p:txBody>
       </p:sp>
@@ -29466,7 +29366,7 @@
 </p:sld>
 </file>
 
-<file path=ppt/slides/slide8.xml><?xml version="1.0" encoding="utf-8"?>
+<file path=ppt/slides/slide9.xml><?xml version="1.0" encoding="utf-8"?>
 <p:sld xmlns:a="http://schemas.openxmlformats.org/drawingml/2006/main" xmlns:r="http://schemas.openxmlformats.org/officeDocument/2006/relationships" xmlns:p="http://schemas.openxmlformats.org/presentationml/2006/main">
   <p:cSld>
     <p:spTree>
@@ -29511,9 +29411,12 @@
           <a:p>
             <a:r>
               <a:rPr lang="fr-FR" dirty="0" err="1"/>
-              <a:t>results</a:t>
+              <a:t>Results</a:t>
             </a:r>
-            <a:endParaRPr lang="fr-FR" dirty="0"/>
+            <a:r>
+              <a:rPr lang="fr-FR" dirty="0"/>
+              <a:t> for promotions (3/3)</a:t>
+            </a:r>
           </a:p>
         </p:txBody>
       </p:sp>
@@ -29568,177 +29471,6 @@
     <p:extLst>
       <p:ext uri="{BB962C8B-B14F-4D97-AF65-F5344CB8AC3E}">
         <p14:creationId xmlns:p14="http://schemas.microsoft.com/office/powerpoint/2010/main" val="1311639584"/>
-      </p:ext>
-    </p:extLst>
-  </p:cSld>
-  <p:clrMapOvr>
-    <a:masterClrMapping/>
-  </p:clrMapOvr>
-</p:sld>
-</file>
-
-<file path=ppt/slides/slide9.xml><?xml version="1.0" encoding="utf-8"?>
-<p:sld xmlns:a="http://schemas.openxmlformats.org/drawingml/2006/main" xmlns:r="http://schemas.openxmlformats.org/officeDocument/2006/relationships" xmlns:p="http://schemas.openxmlformats.org/presentationml/2006/main">
-  <p:cSld>
-    <p:bg>
-      <p:bgPr>
-        <a:solidFill>
-          <a:schemeClr val="bg1"/>
-        </a:solidFill>
-        <a:effectLst/>
-      </p:bgPr>
-    </p:bg>
-    <p:spTree>
-      <p:nvGrpSpPr>
-        <p:cNvPr id="1" name=""/>
-        <p:cNvGrpSpPr/>
-        <p:nvPr/>
-      </p:nvGrpSpPr>
-      <p:grpSpPr>
-        <a:xfrm>
-          <a:off x="0" y="0"/>
-          <a:ext cx="0" cy="0"/>
-          <a:chOff x="0" y="0"/>
-          <a:chExt cx="0" cy="0"/>
-        </a:xfrm>
-      </p:grpSpPr>
-      <p:sp>
-        <p:nvSpPr>
-          <p:cNvPr id="10" name="Rectangle 9">
-            <a:extLst>
-              <a:ext uri="{FF2B5EF4-FFF2-40B4-BE49-F238E27FC236}">
-                <a16:creationId xmlns:a16="http://schemas.microsoft.com/office/drawing/2014/main" id="{F7422F06-6017-4361-8872-E0E2CEB20B48}"/>
-              </a:ext>
-              <a:ext uri="{C183D7F6-B498-43B3-948B-1728B52AA6E4}">
-                <adec:decorative xmlns:adec="http://schemas.microsoft.com/office/drawing/2017/decorative" val="1"/>
-              </a:ext>
-            </a:extLst>
-          </p:cNvPr>
-          <p:cNvSpPr>
-            <a:spLocks noGrp="1" noRot="1" noChangeAspect="1" noMove="1" noResize="1" noEditPoints="1" noAdjustHandles="1" noChangeArrowheads="1" noChangeShapeType="1" noTextEdit="1"/>
-          </p:cNvSpPr>
-          <p:nvPr>
-            <p:extLst>
-              <p:ext uri="{386F3935-93C4-4BCD-93E2-E3B085C9AB24}">
-                <p16:designElem xmlns:p16="http://schemas.microsoft.com/office/powerpoint/2015/main" val="1"/>
-              </p:ext>
-            </p:extLst>
-          </p:nvPr>
-        </p:nvSpPr>
-        <p:spPr>
-          <a:xfrm>
-            <a:off x="0" y="0"/>
-            <a:ext cx="4648199" cy="6858000"/>
-          </a:xfrm>
-          <a:prstGeom prst="rect">
-            <a:avLst/>
-          </a:prstGeom>
-          <a:solidFill>
-            <a:schemeClr val="accent1"/>
-          </a:solidFill>
-          <a:ln>
-            <a:noFill/>
-          </a:ln>
-        </p:spPr>
-        <p:style>
-          <a:lnRef idx="2">
-            <a:schemeClr val="accent1">
-              <a:shade val="50000"/>
-            </a:schemeClr>
-          </a:lnRef>
-          <a:fillRef idx="1">
-            <a:schemeClr val="accent1"/>
-          </a:fillRef>
-          <a:effectRef idx="0">
-            <a:schemeClr val="accent1"/>
-          </a:effectRef>
-          <a:fontRef idx="minor">
-            <a:schemeClr val="lt1"/>
-          </a:fontRef>
-        </p:style>
-        <p:txBody>
-          <a:bodyPr rtlCol="0" anchor="ctr"/>
-          <a:lstStyle/>
-          <a:p>
-            <a:pPr algn="ctr"/>
-            <a:endParaRPr lang="en-US"/>
-          </a:p>
-        </p:txBody>
-      </p:sp>
-      <p:sp>
-        <p:nvSpPr>
-          <p:cNvPr id="2" name="Titre 1">
-            <a:extLst>
-              <a:ext uri="{FF2B5EF4-FFF2-40B4-BE49-F238E27FC236}">
-                <a16:creationId xmlns:a16="http://schemas.microsoft.com/office/drawing/2014/main" id="{CF2A2BC5-63D5-4E85-9A5E-E474AD8ACBAF}"/>
-              </a:ext>
-            </a:extLst>
-          </p:cNvPr>
-          <p:cNvSpPr>
-            <a:spLocks noGrp="1"/>
-          </p:cNvSpPr>
-          <p:nvPr>
-            <p:ph type="title"/>
-          </p:nvPr>
-        </p:nvSpPr>
-        <p:spPr>
-          <a:xfrm>
-            <a:off x="643468" y="643467"/>
-            <a:ext cx="3415612" cy="5571066"/>
-          </a:xfrm>
-        </p:spPr>
-        <p:txBody>
-          <a:bodyPr>
-            <a:normAutofit/>
-          </a:bodyPr>
-          <a:lstStyle/>
-          <a:p>
-            <a:r>
-              <a:rPr lang="fr-FR">
-                <a:solidFill>
-                  <a:srgbClr val="FFFFFF"/>
-                </a:solidFill>
-              </a:rPr>
-              <a:t>Conclusion</a:t>
-            </a:r>
-          </a:p>
-        </p:txBody>
-      </p:sp>
-      <p:graphicFrame>
-        <p:nvGraphicFramePr>
-          <p:cNvPr id="5" name="Espace réservé du contenu 2">
-            <a:extLst>
-              <a:ext uri="{FF2B5EF4-FFF2-40B4-BE49-F238E27FC236}">
-                <a16:creationId xmlns:a16="http://schemas.microsoft.com/office/drawing/2014/main" id="{E05AC5B7-CE31-4AE8-A3B9-66C9E4119FCD}"/>
-              </a:ext>
-            </a:extLst>
-          </p:cNvPr>
-          <p:cNvGraphicFramePr>
-            <a:graphicFrameLocks noGrp="1"/>
-          </p:cNvGraphicFramePr>
-          <p:nvPr>
-            <p:ph idx="1"/>
-            <p:extLst>
-              <p:ext uri="{D42A27DB-BD31-4B8C-83A1-F6EECF244321}">
-                <p14:modId xmlns:p14="http://schemas.microsoft.com/office/powerpoint/2010/main" val="4076806428"/>
-              </p:ext>
-            </p:extLst>
-          </p:nvPr>
-        </p:nvGraphicFramePr>
-        <p:xfrm>
-          <a:off x="5603875" y="409575"/>
-          <a:ext cx="5641975" cy="6143625"/>
-        </p:xfrm>
-        <a:graphic>
-          <a:graphicData uri="http://schemas.openxmlformats.org/drawingml/2006/diagram">
-            <dgm:relIds xmlns:dgm="http://schemas.openxmlformats.org/drawingml/2006/diagram" xmlns:r="http://schemas.openxmlformats.org/officeDocument/2006/relationships" r:dm="rId2" r:lo="rId3" r:qs="rId4" r:cs="rId5"/>
-          </a:graphicData>
-        </a:graphic>
-      </p:graphicFrame>
-    </p:spTree>
-    <p:extLst>
-      <p:ext uri="{BB962C8B-B14F-4D97-AF65-F5344CB8AC3E}">
-        <p14:creationId xmlns:p14="http://schemas.microsoft.com/office/powerpoint/2010/main" val="2042028500"/>
       </p:ext>
     </p:extLst>
   </p:cSld>

--- a/Output/Project week 3.pptx
+++ b/Output/Project week 3.pptx
@@ -14999,7 +14999,7 @@
             <a:fld id="{5586B75A-687E-405C-8A0B-8D00578BA2C3}" type="datetimeFigureOut">
               <a:rPr lang="en-US" smtClean="0"/>
               <a:pPr/>
-              <a:t>4/12/2020</a:t>
+              <a:t>4/13/2020</a:t>
             </a:fld>
             <a:endParaRPr lang="en-US" dirty="0"/>
           </a:p>
@@ -15208,7 +15208,7 @@
             <a:fld id="{5586B75A-687E-405C-8A0B-8D00578BA2C3}" type="datetimeFigureOut">
               <a:rPr lang="en-US" smtClean="0"/>
               <a:pPr/>
-              <a:t>4/12/2020</a:t>
+              <a:t>4/13/2020</a:t>
             </a:fld>
             <a:endParaRPr lang="en-US" dirty="0"/>
           </a:p>
@@ -15390,7 +15390,7 @@
             <a:fld id="{5586B75A-687E-405C-8A0B-8D00578BA2C3}" type="datetimeFigureOut">
               <a:rPr lang="en-US" smtClean="0"/>
               <a:pPr/>
-              <a:t>4/12/2020</a:t>
+              <a:t>4/13/2020</a:t>
             </a:fld>
             <a:endParaRPr lang="en-US" dirty="0"/>
           </a:p>
@@ -15597,7 +15597,7 @@
             <a:fld id="{5586B75A-687E-405C-8A0B-8D00578BA2C3}" type="datetimeFigureOut">
               <a:rPr lang="en-US" smtClean="0"/>
               <a:pPr/>
-              <a:t>4/12/2020</a:t>
+              <a:t>4/13/2020</a:t>
             </a:fld>
             <a:endParaRPr lang="en-US" dirty="0"/>
           </a:p>
@@ -24497,7 +24497,7 @@
             <a:fld id="{5586B75A-687E-405C-8A0B-8D00578BA2C3}" type="datetimeFigureOut">
               <a:rPr lang="en-US" smtClean="0"/>
               <a:pPr/>
-              <a:t>4/12/2020</a:t>
+              <a:t>4/13/2020</a:t>
             </a:fld>
             <a:endParaRPr lang="en-US" dirty="0"/>
           </a:p>
@@ -24773,7 +24773,7 @@
             <a:fld id="{5586B75A-687E-405C-8A0B-8D00578BA2C3}" type="datetimeFigureOut">
               <a:rPr lang="en-US" smtClean="0"/>
               <a:pPr/>
-              <a:t>4/12/2020</a:t>
+              <a:t>4/13/2020</a:t>
             </a:fld>
             <a:endParaRPr lang="en-US" dirty="0"/>
           </a:p>
@@ -25173,7 +25173,7 @@
             <a:fld id="{5586B75A-687E-405C-8A0B-8D00578BA2C3}" type="datetimeFigureOut">
               <a:rPr lang="en-US" smtClean="0"/>
               <a:pPr/>
-              <a:t>4/12/2020</a:t>
+              <a:t>4/13/2020</a:t>
             </a:fld>
             <a:endParaRPr lang="en-US" dirty="0"/>
           </a:p>
@@ -25293,7 +25293,7 @@
             <a:fld id="{5586B75A-687E-405C-8A0B-8D00578BA2C3}" type="datetimeFigureOut">
               <a:rPr lang="en-US" smtClean="0"/>
               <a:pPr/>
-              <a:t>4/12/2020</a:t>
+              <a:t>4/13/2020</a:t>
             </a:fld>
             <a:endParaRPr lang="en-US" dirty="0"/>
           </a:p>
@@ -25390,7 +25390,7 @@
             <a:fld id="{5586B75A-687E-405C-8A0B-8D00578BA2C3}" type="datetimeFigureOut">
               <a:rPr lang="en-US" smtClean="0"/>
               <a:pPr/>
-              <a:t>4/12/2020</a:t>
+              <a:t>4/13/2020</a:t>
             </a:fld>
             <a:endParaRPr lang="en-US" dirty="0"/>
           </a:p>
@@ -25682,7 +25682,7 @@
             <a:fld id="{5586B75A-687E-405C-8A0B-8D00578BA2C3}" type="datetimeFigureOut">
               <a:rPr lang="en-US" smtClean="0"/>
               <a:pPr/>
-              <a:t>4/12/2020</a:t>
+              <a:t>4/13/2020</a:t>
             </a:fld>
             <a:endParaRPr lang="en-US" dirty="0"/>
           </a:p>
@@ -25964,7 +25964,7 @@
             <a:fld id="{5586B75A-687E-405C-8A0B-8D00578BA2C3}" type="datetimeFigureOut">
               <a:rPr lang="en-US" smtClean="0"/>
               <a:pPr/>
-              <a:t>4/12/2020</a:t>
+              <a:t>4/13/2020</a:t>
             </a:fld>
             <a:endParaRPr lang="en-US" dirty="0"/>
           </a:p>
@@ -26216,7 +26216,7 @@
             <a:fld id="{5586B75A-687E-405C-8A0B-8D00578BA2C3}" type="datetimeFigureOut">
               <a:rPr lang="en-US" smtClean="0"/>
               <a:pPr/>
-              <a:t>4/12/2020</a:t>
+              <a:t>4/13/2020</a:t>
             </a:fld>
             <a:endParaRPr lang="en-US" dirty="0"/>
           </a:p>

--- a/Output/Project week 3.pptx
+++ b/Output/Project week 3.pptx
@@ -27315,76 +27315,33 @@
           </a:p>
         </p:txBody>
       </p:sp>
-      <p:sp>
-        <p:nvSpPr>
-          <p:cNvPr id="3" name="Espace réservé du contenu 2">
+      <p:pic>
+        <p:nvPicPr>
+          <p:cNvPr id="5" name="Espace réservé du contenu 4">
             <a:extLst>
               <a:ext uri="{FF2B5EF4-FFF2-40B4-BE49-F238E27FC236}">
-                <a16:creationId xmlns:a16="http://schemas.microsoft.com/office/drawing/2014/main" id="{73A2029E-23B3-49E4-97C5-1F7933C6BAC7}"/>
-              </a:ext>
-            </a:extLst>
-          </p:cNvPr>
-          <p:cNvSpPr>
-            <a:spLocks noGrp="1"/>
-          </p:cNvSpPr>
-          <p:nvPr>
-            <p:ph idx="1"/>
-          </p:nvPr>
-        </p:nvSpPr>
-        <p:spPr/>
-        <p:txBody>
-          <a:bodyPr/>
-          <a:lstStyle/>
-          <a:p>
-            <a:endParaRPr lang="fr-FR"/>
-          </a:p>
-        </p:txBody>
-      </p:sp>
-      <p:pic>
-        <p:nvPicPr>
-          <p:cNvPr id="1026" name="Picture 2">
-            <a:extLst>
-              <a:ext uri="{FF2B5EF4-FFF2-40B4-BE49-F238E27FC236}">
-                <a16:creationId xmlns:a16="http://schemas.microsoft.com/office/drawing/2014/main" id="{478F4FCA-7790-4AE1-81F8-AA8276732974}"/>
+                <a16:creationId xmlns:a16="http://schemas.microsoft.com/office/drawing/2014/main" id="{643B52C1-C79A-4CF1-9538-2C91A00BE9CD}"/>
               </a:ext>
             </a:extLst>
           </p:cNvPr>
           <p:cNvPicPr>
-            <a:picLocks noChangeAspect="1" noChangeArrowheads="1"/>
+            <a:picLocks noGrp="1" noChangeAspect="1"/>
           </p:cNvPicPr>
-          <p:nvPr/>
+          <p:nvPr>
+            <p:ph idx="1"/>
+          </p:nvPr>
         </p:nvPicPr>
         <p:blipFill>
-          <a:blip r:embed="rId2">
-            <a:extLst>
-              <a:ext uri="{28A0092B-C50C-407E-A947-70E740481C1C}">
-                <a14:useLocalDpi xmlns:a14="http://schemas.microsoft.com/office/drawing/2010/main" val="0"/>
-              </a:ext>
-            </a:extLst>
-          </a:blip>
-          <a:srcRect/>
+          <a:blip r:embed="rId2"/>
           <a:stretch>
             <a:fillRect/>
           </a:stretch>
         </p:blipFill>
-        <p:spPr bwMode="auto">
+        <p:spPr>
           <a:xfrm>
-            <a:off x="0" y="1657033"/>
-            <a:ext cx="12192000" cy="4935537"/>
+            <a:off x="-268225" y="1881632"/>
+            <a:ext cx="12728449" cy="4773168"/>
           </a:xfrm>
-          <a:prstGeom prst="rect">
-            <a:avLst/>
-          </a:prstGeom>
-          <a:noFill/>
-          <a:extLst>
-            <a:ext uri="{909E8E84-426E-40DD-AFC4-6F175D3DCCD1}">
-              <a14:hiddenFill xmlns:a14="http://schemas.microsoft.com/office/drawing/2010/main">
-                <a:solidFill>
-                  <a:srgbClr val="FFFFFF"/>
-                </a:solidFill>
-              </a14:hiddenFill>
-            </a:ext>
-          </a:extLst>
         </p:spPr>
       </p:pic>
     </p:spTree>
@@ -27459,10 +27416,10 @@
       </p:sp>
       <p:pic>
         <p:nvPicPr>
-          <p:cNvPr id="5" name="Espace réservé du contenu 4">
+          <p:cNvPr id="11" name="Espace réservé du contenu 10">
             <a:extLst>
               <a:ext uri="{FF2B5EF4-FFF2-40B4-BE49-F238E27FC236}">
-                <a16:creationId xmlns:a16="http://schemas.microsoft.com/office/drawing/2014/main" id="{659310D4-0D04-4BBB-AA27-5F5A9CD96259}"/>
+                <a16:creationId xmlns:a16="http://schemas.microsoft.com/office/drawing/2014/main" id="{7CAD3154-D95F-4EB6-A345-08A3D80BD4BD}"/>
               </a:ext>
             </a:extLst>
           </p:cNvPr>
@@ -27473,15 +27430,16 @@
             <p:ph idx="1"/>
           </p:nvPr>
         </p:nvPicPr>
-        <p:blipFill rotWithShape="1">
+        <p:blipFill>
           <a:blip r:embed="rId2"/>
-          <a:srcRect l="-580" r="580" b="8293"/>
-          <a:stretch/>
+          <a:stretch>
+            <a:fillRect/>
+          </a:stretch>
         </p:blipFill>
         <p:spPr>
           <a:xfrm>
-            <a:off x="1978914" y="1485900"/>
-            <a:ext cx="7810500" cy="5372100"/>
+            <a:off x="2160947" y="1584960"/>
+            <a:ext cx="7446433" cy="5584825"/>
           </a:xfrm>
         </p:spPr>
       </p:pic>
@@ -29211,10 +29169,10 @@
       </p:grpSp>
       <p:pic>
         <p:nvPicPr>
-          <p:cNvPr id="4" name="Image 3">
+          <p:cNvPr id="7" name="Image 6">
             <a:extLst>
               <a:ext uri="{FF2B5EF4-FFF2-40B4-BE49-F238E27FC236}">
-                <a16:creationId xmlns:a16="http://schemas.microsoft.com/office/drawing/2014/main" id="{D2416523-D734-421A-A512-129362CD38DE}"/>
+                <a16:creationId xmlns:a16="http://schemas.microsoft.com/office/drawing/2014/main" id="{EF64D564-CEDA-4059-A8C0-EB26651D5D0B}"/>
               </a:ext>
             </a:extLst>
           </p:cNvPr>
@@ -29231,8 +29189,8 @@
         </p:blipFill>
         <p:spPr>
           <a:xfrm>
-            <a:off x="1024128" y="1624388"/>
-            <a:ext cx="3067421" cy="337761"/>
+            <a:off x="1024128" y="1748220"/>
+            <a:ext cx="2705239" cy="228612"/>
           </a:xfrm>
           <a:prstGeom prst="rect">
             <a:avLst/>
@@ -29308,49 +29266,31 @@
       </p:sp>
       <p:pic>
         <p:nvPicPr>
-          <p:cNvPr id="1034" name="Picture 10">
+          <p:cNvPr id="6" name="Image 5" descr="Une image contenant capture d’écran&#10;&#10;Description générée automatiquement">
             <a:extLst>
               <a:ext uri="{FF2B5EF4-FFF2-40B4-BE49-F238E27FC236}">
-                <a16:creationId xmlns:a16="http://schemas.microsoft.com/office/drawing/2014/main" id="{BF8E18AB-FD17-47F5-853A-A606A23B8D31}"/>
+                <a16:creationId xmlns:a16="http://schemas.microsoft.com/office/drawing/2014/main" id="{15B30455-901E-40E5-9C79-BFD1C573850D}"/>
               </a:ext>
             </a:extLst>
           </p:cNvPr>
           <p:cNvPicPr>
-            <a:picLocks noChangeAspect="1" noChangeArrowheads="1"/>
+            <a:picLocks noChangeAspect="1"/>
           </p:cNvPicPr>
           <p:nvPr/>
         </p:nvPicPr>
-        <p:blipFill>
-          <a:blip r:embed="rId2">
-            <a:extLst>
-              <a:ext uri="{28A0092B-C50C-407E-A947-70E740481C1C}">
-                <a14:useLocalDpi xmlns:a14="http://schemas.microsoft.com/office/drawing/2010/main" val="0"/>
-              </a:ext>
-            </a:extLst>
-          </a:blip>
-          <a:srcRect/>
-          <a:stretch>
-            <a:fillRect/>
-          </a:stretch>
+        <p:blipFill rotWithShape="1">
+          <a:blip r:embed="rId2"/>
+          <a:srcRect l="10326" r="8601"/>
+          <a:stretch/>
         </p:blipFill>
-        <p:spPr bwMode="auto">
+        <p:spPr>
           <a:xfrm>
-            <a:off x="0" y="1822450"/>
-            <a:ext cx="12192000" cy="4887913"/>
+            <a:off x="104775" y="1837277"/>
+            <a:ext cx="11582400" cy="5357384"/>
           </a:xfrm>
           <a:prstGeom prst="rect">
             <a:avLst/>
           </a:prstGeom>
-          <a:noFill/>
-          <a:extLst>
-            <a:ext uri="{909E8E84-426E-40DD-AFC4-6F175D3DCCD1}">
-              <a14:hiddenFill xmlns:a14="http://schemas.microsoft.com/office/drawing/2010/main">
-                <a:solidFill>
-                  <a:srgbClr val="FFFFFF"/>
-                </a:solidFill>
-              </a14:hiddenFill>
-            </a:ext>
-          </a:extLst>
         </p:spPr>
       </p:pic>
     </p:spTree>
@@ -29422,49 +29362,31 @@
       </p:sp>
       <p:pic>
         <p:nvPicPr>
-          <p:cNvPr id="2050" name="Picture 2">
+          <p:cNvPr id="4" name="Image 3" descr="Une image contenant capture d’écran, dessin&#10;&#10;Description générée automatiquement">
             <a:extLst>
               <a:ext uri="{FF2B5EF4-FFF2-40B4-BE49-F238E27FC236}">
-                <a16:creationId xmlns:a16="http://schemas.microsoft.com/office/drawing/2014/main" id="{5241D2F1-0E2F-4973-8D10-BBE5940017DB}"/>
+                <a16:creationId xmlns:a16="http://schemas.microsoft.com/office/drawing/2014/main" id="{81BA47A3-E099-4942-B008-A8DA8571CC9B}"/>
               </a:ext>
             </a:extLst>
           </p:cNvPr>
           <p:cNvPicPr>
-            <a:picLocks noChangeAspect="1" noChangeArrowheads="1"/>
+            <a:picLocks noChangeAspect="1"/>
           </p:cNvPicPr>
           <p:nvPr/>
         </p:nvPicPr>
-        <p:blipFill>
-          <a:blip r:embed="rId2">
-            <a:extLst>
-              <a:ext uri="{28A0092B-C50C-407E-A947-70E740481C1C}">
-                <a14:useLocalDpi xmlns:a14="http://schemas.microsoft.com/office/drawing/2010/main" val="0"/>
-              </a:ext>
-            </a:extLst>
-          </a:blip>
-          <a:srcRect/>
-          <a:stretch>
-            <a:fillRect/>
-          </a:stretch>
+        <p:blipFill rotWithShape="1">
+          <a:blip r:embed="rId2"/>
+          <a:srcRect t="6716" b="7943"/>
+          <a:stretch/>
         </p:blipFill>
-        <p:spPr bwMode="auto">
+        <p:spPr>
           <a:xfrm>
-            <a:off x="3193098" y="1578864"/>
-            <a:ext cx="6554787" cy="5084698"/>
+            <a:off x="1998980" y="1613326"/>
+            <a:ext cx="8194040" cy="5244674"/>
           </a:xfrm>
           <a:prstGeom prst="rect">
             <a:avLst/>
           </a:prstGeom>
-          <a:noFill/>
-          <a:extLst>
-            <a:ext uri="{909E8E84-426E-40DD-AFC4-6F175D3DCCD1}">
-              <a14:hiddenFill xmlns:a14="http://schemas.microsoft.com/office/drawing/2010/main">
-                <a:solidFill>
-                  <a:srgbClr val="FFFFFF"/>
-                </a:solidFill>
-              </a14:hiddenFill>
-            </a:ext>
-          </a:extLst>
         </p:spPr>
       </p:pic>
     </p:spTree>

--- a/Output/Project week 3.pptx
+++ b/Output/Project week 3.pptx
@@ -15,8 +15,9 @@
     <p:sldId id="272" r:id="rId9"/>
     <p:sldId id="271" r:id="rId10"/>
     <p:sldId id="274" r:id="rId11"/>
-    <p:sldId id="275" r:id="rId12"/>
-    <p:sldId id="270" r:id="rId13"/>
+    <p:sldId id="276" r:id="rId12"/>
+    <p:sldId id="275" r:id="rId13"/>
+    <p:sldId id="270" r:id="rId14"/>
   </p:sldIdLst>
   <p:sldSz cx="12192000" cy="6858000"/>
   <p:notesSz cx="6858000" cy="9144000"/>
@@ -27310,26 +27311,31 @@
             </a:r>
             <a:r>
               <a:rPr lang="fr-FR" dirty="0"/>
-              <a:t> (1/2)</a:t>
+              <a:t> (1/3)</a:t>
+            </a:r>
+            <a:br>
+              <a:rPr lang="fr-FR" dirty="0"/>
+            </a:br>
+            <a:r>
+              <a:rPr lang="fr-FR" dirty="0"/>
+              <a:t>e.g. bricolage-auto</a:t>
             </a:r>
           </a:p>
         </p:txBody>
       </p:sp>
       <p:pic>
         <p:nvPicPr>
-          <p:cNvPr id="5" name="Espace réservé du contenu 4">
+          <p:cNvPr id="3" name="Image 2">
             <a:extLst>
               <a:ext uri="{FF2B5EF4-FFF2-40B4-BE49-F238E27FC236}">
-                <a16:creationId xmlns:a16="http://schemas.microsoft.com/office/drawing/2014/main" id="{643B52C1-C79A-4CF1-9538-2C91A00BE9CD}"/>
+                <a16:creationId xmlns:a16="http://schemas.microsoft.com/office/drawing/2014/main" id="{F6FFF169-EE7A-48D0-B1A2-ABB8633C36D1}"/>
               </a:ext>
             </a:extLst>
           </p:cNvPr>
           <p:cNvPicPr>
-            <a:picLocks noGrp="1" noChangeAspect="1"/>
+            <a:picLocks noChangeAspect="1"/>
           </p:cNvPicPr>
-          <p:nvPr>
-            <p:ph idx="1"/>
-          </p:nvPr>
+          <p:nvPr/>
         </p:nvPicPr>
         <p:blipFill>
           <a:blip r:embed="rId2"/>
@@ -27339,9 +27345,12 @@
         </p:blipFill>
         <p:spPr>
           <a:xfrm>
-            <a:off x="-268225" y="1881632"/>
-            <a:ext cx="12728449" cy="4773168"/>
+            <a:off x="1133354" y="2420112"/>
+            <a:ext cx="9501620" cy="3249168"/>
           </a:xfrm>
+          <a:prstGeom prst="rect">
+            <a:avLst/>
+          </a:prstGeom>
         </p:spPr>
       </p:pic>
     </p:spTree>
@@ -27409,7 +27418,106 @@
             </a:r>
             <a:r>
               <a:rPr lang="fr-FR" dirty="0"/>
-              <a:t> (2/2)</a:t>
+              <a:t> (2/3)</a:t>
+            </a:r>
+          </a:p>
+        </p:txBody>
+      </p:sp>
+      <p:pic>
+        <p:nvPicPr>
+          <p:cNvPr id="5" name="Espace réservé du contenu 4">
+            <a:extLst>
+              <a:ext uri="{FF2B5EF4-FFF2-40B4-BE49-F238E27FC236}">
+                <a16:creationId xmlns:a16="http://schemas.microsoft.com/office/drawing/2014/main" id="{643B52C1-C79A-4CF1-9538-2C91A00BE9CD}"/>
+              </a:ext>
+            </a:extLst>
+          </p:cNvPr>
+          <p:cNvPicPr>
+            <a:picLocks noGrp="1" noChangeAspect="1"/>
+          </p:cNvPicPr>
+          <p:nvPr>
+            <p:ph idx="1"/>
+          </p:nvPr>
+        </p:nvPicPr>
+        <p:blipFill>
+          <a:blip r:embed="rId2"/>
+          <a:stretch>
+            <a:fillRect/>
+          </a:stretch>
+        </p:blipFill>
+        <p:spPr>
+          <a:xfrm>
+            <a:off x="-268225" y="1881632"/>
+            <a:ext cx="12728449" cy="4773168"/>
+          </a:xfrm>
+        </p:spPr>
+      </p:pic>
+    </p:spTree>
+    <p:extLst>
+      <p:ext uri="{BB962C8B-B14F-4D97-AF65-F5344CB8AC3E}">
+        <p14:creationId xmlns:p14="http://schemas.microsoft.com/office/powerpoint/2010/main" val="1293813681"/>
+      </p:ext>
+    </p:extLst>
+  </p:cSld>
+  <p:clrMapOvr>
+    <a:masterClrMapping/>
+  </p:clrMapOvr>
+</p:sld>
+</file>
+
+<file path=ppt/slides/slide12.xml><?xml version="1.0" encoding="utf-8"?>
+<p:sld xmlns:a="http://schemas.openxmlformats.org/drawingml/2006/main" xmlns:r="http://schemas.openxmlformats.org/officeDocument/2006/relationships" xmlns:p="http://schemas.openxmlformats.org/presentationml/2006/main">
+  <p:cSld>
+    <p:spTree>
+      <p:nvGrpSpPr>
+        <p:cNvPr id="1" name=""/>
+        <p:cNvGrpSpPr/>
+        <p:nvPr/>
+      </p:nvGrpSpPr>
+      <p:grpSpPr>
+        <a:xfrm>
+          <a:off x="0" y="0"/>
+          <a:ext cx="0" cy="0"/>
+          <a:chOff x="0" y="0"/>
+          <a:chExt cx="0" cy="0"/>
+        </a:xfrm>
+      </p:grpSpPr>
+      <p:sp>
+        <p:nvSpPr>
+          <p:cNvPr id="2" name="Titre 1">
+            <a:extLst>
+              <a:ext uri="{FF2B5EF4-FFF2-40B4-BE49-F238E27FC236}">
+                <a16:creationId xmlns:a16="http://schemas.microsoft.com/office/drawing/2014/main" id="{7F963E7C-C107-4106-A07A-BE54459BFAEC}"/>
+              </a:ext>
+            </a:extLst>
+          </p:cNvPr>
+          <p:cNvSpPr>
+            <a:spLocks noGrp="1"/>
+          </p:cNvSpPr>
+          <p:nvPr>
+            <p:ph type="title"/>
+          </p:nvPr>
+        </p:nvSpPr>
+        <p:spPr/>
+        <p:txBody>
+          <a:bodyPr/>
+          <a:lstStyle/>
+          <a:p>
+            <a:r>
+              <a:rPr lang="fr-FR" dirty="0" err="1"/>
+              <a:t>results</a:t>
+            </a:r>
+            <a:r>
+              <a:rPr lang="fr-FR" dirty="0"/>
+              <a:t> for </a:t>
+            </a:r>
+            <a:r>
+              <a:rPr lang="fr-FR" dirty="0" err="1"/>
+              <a:t>products</a:t>
+            </a:r>
+            <a:r>
+              <a:rPr lang="fr-FR" dirty="0"/>
+              <a:t> (3/3)</a:t>
             </a:r>
           </a:p>
         </p:txBody>
@@ -27456,7 +27564,7 @@
 </p:sld>
 </file>
 
-<file path=ppt/slides/slide12.xml><?xml version="1.0" encoding="utf-8"?>
+<file path=ppt/slides/slide13.xml><?xml version="1.0" encoding="utf-8"?>
 <p:sld xmlns:a="http://schemas.openxmlformats.org/drawingml/2006/main" xmlns:r="http://schemas.openxmlformats.org/officeDocument/2006/relationships" xmlns:p="http://schemas.openxmlformats.org/presentationml/2006/main">
   <p:cSld>
     <p:bg>
